--- a/demo/demo walkthrough.pptx
+++ b/demo/demo walkthrough.pptx
@@ -5,13 +5,16 @@
     <p:sldMasterId id="2147483846" r:id="rId1"/>
   </p:sldMasterIdLst>
   <p:notesMasterIdLst>
-    <p:notesMasterId r:id="rId6"/>
+    <p:notesMasterId r:id="rId9"/>
   </p:notesMasterIdLst>
   <p:sldIdLst>
     <p:sldId id="256" r:id="rId2"/>
-    <p:sldId id="260" r:id="rId3"/>
-    <p:sldId id="257" r:id="rId4"/>
-    <p:sldId id="258" r:id="rId5"/>
+    <p:sldId id="262" r:id="rId3"/>
+    <p:sldId id="260" r:id="rId4"/>
+    <p:sldId id="257" r:id="rId5"/>
+    <p:sldId id="258" r:id="rId6"/>
+    <p:sldId id="261" r:id="rId7"/>
+    <p:sldId id="263" r:id="rId8"/>
   </p:sldIdLst>
   <p:sldSz cx="12192000" cy="6858000"/>
   <p:notesSz cx="6858000" cy="9144000"/>
@@ -554,6 +557,94 @@
     <p:extLst>
       <p:ext uri="{BB962C8B-B14F-4D97-AF65-F5344CB8AC3E}">
         <p14:creationId xmlns:p14="http://schemas.microsoft.com/office/powerpoint/2010/main" val="3192459238"/>
+      </p:ext>
+    </p:extLst>
+  </p:cSld>
+  <p:clrMapOvr>
+    <a:masterClrMapping/>
+  </p:clrMapOvr>
+</p:notes>
+</file>
+
+<file path=ppt/notesSlides/notesSlide2.xml><?xml version="1.0" encoding="utf-8"?>
+<p:notes xmlns:a="http://schemas.openxmlformats.org/drawingml/2006/main" xmlns:r="http://schemas.openxmlformats.org/officeDocument/2006/relationships" xmlns:p="http://schemas.openxmlformats.org/presentationml/2006/main">
+  <p:cSld>
+    <p:spTree>
+      <p:nvGrpSpPr>
+        <p:cNvPr id="1" name=""/>
+        <p:cNvGrpSpPr/>
+        <p:nvPr/>
+      </p:nvGrpSpPr>
+      <p:grpSpPr>
+        <a:xfrm>
+          <a:off x="0" y="0"/>
+          <a:ext cx="0" cy="0"/>
+          <a:chOff x="0" y="0"/>
+          <a:chExt cx="0" cy="0"/>
+        </a:xfrm>
+      </p:grpSpPr>
+      <p:sp>
+        <p:nvSpPr>
+          <p:cNvPr id="2" name="Slide Image Placeholder 1"/>
+          <p:cNvSpPr>
+            <a:spLocks noGrp="1" noRot="1" noChangeAspect="1"/>
+          </p:cNvSpPr>
+          <p:nvPr>
+            <p:ph type="sldImg"/>
+          </p:nvPr>
+        </p:nvSpPr>
+        <p:spPr/>
+      </p:sp>
+      <p:sp>
+        <p:nvSpPr>
+          <p:cNvPr id="3" name="Notes Placeholder 2"/>
+          <p:cNvSpPr>
+            <a:spLocks noGrp="1"/>
+          </p:cNvSpPr>
+          <p:nvPr>
+            <p:ph type="body" idx="1"/>
+          </p:nvPr>
+        </p:nvSpPr>
+        <p:spPr/>
+        <p:txBody>
+          <a:bodyPr/>
+          <a:lstStyle/>
+          <a:p>
+            <a:r>
+              <a:rPr lang="en-US" dirty="0" smtClean="0"/>
+              <a:t>These packages need to be installed</a:t>
+            </a:r>
+            <a:endParaRPr lang="en-US" dirty="0"/>
+          </a:p>
+        </p:txBody>
+      </p:sp>
+      <p:sp>
+        <p:nvSpPr>
+          <p:cNvPr id="4" name="Slide Number Placeholder 3"/>
+          <p:cNvSpPr>
+            <a:spLocks noGrp="1"/>
+          </p:cNvSpPr>
+          <p:nvPr>
+            <p:ph type="sldNum" sz="quarter" idx="10"/>
+          </p:nvPr>
+        </p:nvSpPr>
+        <p:spPr/>
+        <p:txBody>
+          <a:bodyPr/>
+          <a:lstStyle/>
+          <a:p>
+            <a:fld id="{29C8BA92-DA2F-4C34-B41C-28EA4D1A3BD3}" type="slidenum">
+              <a:rPr lang="en-US" smtClean="0"/>
+              <a:t>6</a:t>
+            </a:fld>
+            <a:endParaRPr lang="en-US"/>
+          </a:p>
+        </p:txBody>
+      </p:sp>
+    </p:spTree>
+    <p:extLst>
+      <p:ext uri="{BB962C8B-B14F-4D97-AF65-F5344CB8AC3E}">
+        <p14:creationId xmlns:p14="http://schemas.microsoft.com/office/powerpoint/2010/main" val="802192008"/>
       </p:ext>
     </p:extLst>
   </p:cSld>
@@ -8236,6 +8327,110 @@
             <p:ph type="title"/>
           </p:nvPr>
         </p:nvSpPr>
+        <p:spPr/>
+        <p:txBody>
+          <a:bodyPr/>
+          <a:lstStyle/>
+          <a:p>
+            <a:r>
+              <a:rPr lang="en-US" dirty="0" smtClean="0"/>
+              <a:t>Steps</a:t>
+            </a:r>
+            <a:endParaRPr lang="en-US" dirty="0"/>
+          </a:p>
+        </p:txBody>
+      </p:sp>
+      <p:sp>
+        <p:nvSpPr>
+          <p:cNvPr id="3" name="Content Placeholder 2"/>
+          <p:cNvSpPr>
+            <a:spLocks noGrp="1"/>
+          </p:cNvSpPr>
+          <p:nvPr>
+            <p:ph idx="1"/>
+          </p:nvPr>
+        </p:nvSpPr>
+        <p:spPr/>
+        <p:txBody>
+          <a:bodyPr/>
+          <a:lstStyle/>
+          <a:p>
+            <a:r>
+              <a:rPr lang="en-US" dirty="0" smtClean="0"/>
+              <a:t>Set Working Directory</a:t>
+            </a:r>
+          </a:p>
+          <a:p>
+            <a:r>
+              <a:rPr lang="en-US" dirty="0" smtClean="0"/>
+              <a:t>Compile all of consume, discover, publish functions</a:t>
+            </a:r>
+          </a:p>
+          <a:p>
+            <a:r>
+              <a:rPr lang="en-US" dirty="0" smtClean="0"/>
+              <a:t>Set local workspace id and authentication token</a:t>
+            </a:r>
+          </a:p>
+          <a:p>
+            <a:r>
+              <a:rPr lang="en-US" dirty="0" smtClean="0"/>
+              <a:t>Install all packages</a:t>
+            </a:r>
+          </a:p>
+          <a:p>
+            <a:r>
+              <a:rPr lang="en-US" dirty="0" smtClean="0"/>
+              <a:t>Set up </a:t>
+            </a:r>
+            <a:r>
+              <a:rPr lang="en-US" dirty="0" err="1" smtClean="0"/>
+              <a:t>Rtools</a:t>
+            </a:r>
+            <a:endParaRPr lang="en-US" dirty="0"/>
+          </a:p>
+        </p:txBody>
+      </p:sp>
+    </p:spTree>
+    <p:extLst>
+      <p:ext uri="{BB962C8B-B14F-4D97-AF65-F5344CB8AC3E}">
+        <p14:creationId xmlns:p14="http://schemas.microsoft.com/office/powerpoint/2010/main" val="1447858407"/>
+      </p:ext>
+    </p:extLst>
+  </p:cSld>
+  <p:clrMapOvr>
+    <a:masterClrMapping/>
+  </p:clrMapOvr>
+</p:sld>
+</file>
+
+<file path=ppt/slides/slide3.xml><?xml version="1.0" encoding="utf-8"?>
+<p:sld xmlns:a="http://schemas.openxmlformats.org/drawingml/2006/main" xmlns:r="http://schemas.openxmlformats.org/officeDocument/2006/relationships" xmlns:p="http://schemas.openxmlformats.org/presentationml/2006/main">
+  <p:cSld>
+    <p:spTree>
+      <p:nvGrpSpPr>
+        <p:cNvPr id="1" name=""/>
+        <p:cNvGrpSpPr/>
+        <p:nvPr/>
+      </p:nvGrpSpPr>
+      <p:grpSpPr>
+        <a:xfrm>
+          <a:off x="0" y="0"/>
+          <a:ext cx="0" cy="0"/>
+          <a:chOff x="0" y="0"/>
+          <a:chExt cx="0" cy="0"/>
+        </a:xfrm>
+      </p:grpSpPr>
+      <p:sp>
+        <p:nvSpPr>
+          <p:cNvPr id="2" name="Title 1"/>
+          <p:cNvSpPr>
+            <a:spLocks noGrp="1"/>
+          </p:cNvSpPr>
+          <p:nvPr>
+            <p:ph type="title"/>
+          </p:nvPr>
+        </p:nvSpPr>
         <p:spPr>
           <a:xfrm>
             <a:off x="2205990" y="446088"/>
@@ -8309,7 +8504,6 @@
               <a:rPr lang="en-US" b="1" dirty="0" smtClean="0"/>
               <a:t>**Would be a good idea to save these as a global variable as it is necessary for most functions**</a:t>
             </a:r>
-            <a:endParaRPr lang="en-US" b="1" dirty="0"/>
           </a:p>
         </p:txBody>
       </p:sp>
@@ -8650,7 +8844,7 @@
 </p:sld>
 </file>
 
-<file path=ppt/slides/slide3.xml><?xml version="1.0" encoding="utf-8"?>
+<file path=ppt/slides/slide4.xml><?xml version="1.0" encoding="utf-8"?>
 <p:sld xmlns:a="http://schemas.openxmlformats.org/drawingml/2006/main" xmlns:r="http://schemas.openxmlformats.org/officeDocument/2006/relationships" xmlns:p="http://schemas.openxmlformats.org/presentationml/2006/main">
   <p:cSld>
     <p:spTree>
@@ -9211,7 +9405,7 @@
 </p:sld>
 </file>
 
-<file path=ppt/slides/slide4.xml><?xml version="1.0" encoding="utf-8"?>
+<file path=ppt/slides/slide5.xml><?xml version="1.0" encoding="utf-8"?>
 <p:sld xmlns:a="http://schemas.openxmlformats.org/drawingml/2006/main" xmlns:r="http://schemas.openxmlformats.org/officeDocument/2006/relationships" xmlns:p="http://schemas.openxmlformats.org/presentationml/2006/main">
   <p:cSld>
     <p:spTree>
@@ -9238,7 +9432,12 @@
             <p:ph type="title"/>
           </p:nvPr>
         </p:nvSpPr>
-        <p:spPr/>
+        <p:spPr>
+          <a:xfrm>
+            <a:off x="2589212" y="624110"/>
+            <a:ext cx="8915400" cy="1280890"/>
+          </a:xfrm>
+        </p:spPr>
         <p:txBody>
           <a:bodyPr>
             <a:normAutofit/>
@@ -9251,16 +9450,16 @@
               </a:spcBef>
             </a:pPr>
             <a:r>
-              <a:rPr lang="en-US" sz="2400" dirty="0" err="1"/>
+              <a:rPr lang="en-US" sz="2400" dirty="0" err="1" smtClean="0"/>
               <a:t>publishWebService</a:t>
             </a:r>
             <a:r>
-              <a:rPr lang="en-US" sz="2400" dirty="0"/>
-              <a:t> &lt;- function(</a:t>
-            </a:r>
-            <a:r>
-              <a:rPr lang="en-US" sz="2400" dirty="0" err="1"/>
-              <a:t>funName</a:t>
+              <a:rPr lang="en-US" sz="2400" dirty="0" smtClean="0"/>
+              <a:t>(</a:t>
+            </a:r>
+            <a:r>
+              <a:rPr lang="en-US" sz="2400" dirty="0" err="1" smtClean="0"/>
+              <a:t>functionName</a:t>
             </a:r>
             <a:r>
               <a:rPr lang="en-US" sz="2400" dirty="0"/>
@@ -9367,6 +9566,292 @@
       </p:par>
     </p:tnLst>
   </p:timing>
+</p:sld>
+</file>
+
+<file path=ppt/slides/slide6.xml><?xml version="1.0" encoding="utf-8"?>
+<p:sld xmlns:a="http://schemas.openxmlformats.org/drawingml/2006/main" xmlns:r="http://schemas.openxmlformats.org/officeDocument/2006/relationships" xmlns:p="http://schemas.openxmlformats.org/presentationml/2006/main">
+  <p:cSld>
+    <p:spTree>
+      <p:nvGrpSpPr>
+        <p:cNvPr id="1" name=""/>
+        <p:cNvGrpSpPr/>
+        <p:nvPr/>
+      </p:nvGrpSpPr>
+      <p:grpSpPr>
+        <a:xfrm>
+          <a:off x="0" y="0"/>
+          <a:ext cx="0" cy="0"/>
+          <a:chOff x="0" y="0"/>
+          <a:chExt cx="0" cy="0"/>
+        </a:xfrm>
+      </p:grpSpPr>
+      <p:sp>
+        <p:nvSpPr>
+          <p:cNvPr id="2" name="Title 1"/>
+          <p:cNvSpPr>
+            <a:spLocks noGrp="1"/>
+          </p:cNvSpPr>
+          <p:nvPr>
+            <p:ph type="title"/>
+          </p:nvPr>
+        </p:nvSpPr>
+        <p:spPr/>
+        <p:txBody>
+          <a:bodyPr/>
+          <a:lstStyle/>
+          <a:p>
+            <a:r>
+              <a:rPr lang="en-US" dirty="0" smtClean="0"/>
+              <a:t>Included Packages</a:t>
+            </a:r>
+            <a:endParaRPr lang="en-US" dirty="0"/>
+          </a:p>
+        </p:txBody>
+      </p:sp>
+      <p:sp>
+        <p:nvSpPr>
+          <p:cNvPr id="9" name="Content Placeholder 8"/>
+          <p:cNvSpPr>
+            <a:spLocks noGrp="1"/>
+          </p:cNvSpPr>
+          <p:nvPr>
+            <p:ph idx="1"/>
+          </p:nvPr>
+        </p:nvSpPr>
+        <p:spPr/>
+        <p:txBody>
+          <a:bodyPr/>
+          <a:lstStyle/>
+          <a:p>
+            <a:pPr fontAlgn="t"/>
+            <a:r>
+              <a:rPr lang="en-US" dirty="0" err="1"/>
+              <a:t>RCurl</a:t>
+            </a:r>
+            <a:r>
+              <a:rPr lang="en-US" dirty="0"/>
+              <a:t>,</a:t>
+            </a:r>
+          </a:p>
+          <a:p>
+            <a:pPr fontAlgn="t"/>
+            <a:r>
+              <a:rPr lang="en-US" dirty="0"/>
+              <a:t>RJSONIO,</a:t>
+            </a:r>
+          </a:p>
+          <a:p>
+            <a:pPr fontAlgn="t"/>
+            <a:r>
+              <a:rPr lang="en-US" dirty="0" err="1"/>
+              <a:t>uuid</a:t>
+            </a:r>
+            <a:r>
+              <a:rPr lang="en-US" dirty="0"/>
+              <a:t>,</a:t>
+            </a:r>
+          </a:p>
+          <a:p>
+            <a:pPr fontAlgn="t"/>
+            <a:r>
+              <a:rPr lang="en-US" dirty="0" err="1"/>
+              <a:t>jsonlite</a:t>
+            </a:r>
+            <a:r>
+              <a:rPr lang="en-US" dirty="0"/>
+              <a:t>,</a:t>
+            </a:r>
+          </a:p>
+          <a:p>
+            <a:pPr fontAlgn="t"/>
+            <a:r>
+              <a:rPr lang="en-US" dirty="0" err="1"/>
+              <a:t>codetools</a:t>
+            </a:r>
+            <a:r>
+              <a:rPr lang="en-US" dirty="0"/>
+              <a:t>,</a:t>
+            </a:r>
+          </a:p>
+          <a:p>
+            <a:pPr fontAlgn="t"/>
+            <a:r>
+              <a:rPr lang="en-US" dirty="0"/>
+              <a:t>base64enc,</a:t>
+            </a:r>
+          </a:p>
+          <a:p>
+            <a:pPr fontAlgn="t"/>
+            <a:r>
+              <a:rPr lang="en-US" dirty="0"/>
+              <a:t>functional,</a:t>
+            </a:r>
+          </a:p>
+          <a:p>
+            <a:pPr fontAlgn="t"/>
+            <a:r>
+              <a:rPr lang="en-US" dirty="0" err="1" smtClean="0"/>
+              <a:t>Httr</a:t>
+            </a:r>
+            <a:endParaRPr lang="en-US" dirty="0" smtClean="0"/>
+          </a:p>
+          <a:p>
+            <a:pPr fontAlgn="t"/>
+            <a:r>
+              <a:rPr lang="en-US" dirty="0" err="1" smtClean="0"/>
+              <a:t>Data.table</a:t>
+            </a:r>
+            <a:endParaRPr lang="en-US" dirty="0"/>
+          </a:p>
+          <a:p>
+            <a:endParaRPr lang="en-US" dirty="0"/>
+          </a:p>
+        </p:txBody>
+      </p:sp>
+    </p:spTree>
+    <p:extLst>
+      <p:ext uri="{BB962C8B-B14F-4D97-AF65-F5344CB8AC3E}">
+        <p14:creationId xmlns:p14="http://schemas.microsoft.com/office/powerpoint/2010/main" val="2526314400"/>
+      </p:ext>
+    </p:extLst>
+  </p:cSld>
+  <p:clrMapOvr>
+    <a:masterClrMapping/>
+  </p:clrMapOvr>
+</p:sld>
+</file>
+
+<file path=ppt/slides/slide7.xml><?xml version="1.0" encoding="utf-8"?>
+<p:sld xmlns:a="http://schemas.openxmlformats.org/drawingml/2006/main" xmlns:r="http://schemas.openxmlformats.org/officeDocument/2006/relationships" xmlns:p="http://schemas.openxmlformats.org/presentationml/2006/main">
+  <p:cSld>
+    <p:spTree>
+      <p:nvGrpSpPr>
+        <p:cNvPr id="1" name=""/>
+        <p:cNvGrpSpPr/>
+        <p:nvPr/>
+      </p:nvGrpSpPr>
+      <p:grpSpPr>
+        <a:xfrm>
+          <a:off x="0" y="0"/>
+          <a:ext cx="0" cy="0"/>
+          <a:chOff x="0" y="0"/>
+          <a:chExt cx="0" cy="0"/>
+        </a:xfrm>
+      </p:grpSpPr>
+      <p:sp>
+        <p:nvSpPr>
+          <p:cNvPr id="2" name="Title 1"/>
+          <p:cNvSpPr>
+            <a:spLocks noGrp="1"/>
+          </p:cNvSpPr>
+          <p:nvPr>
+            <p:ph type="title"/>
+          </p:nvPr>
+        </p:nvSpPr>
+        <p:spPr/>
+        <p:txBody>
+          <a:bodyPr/>
+          <a:lstStyle/>
+          <a:p>
+            <a:r>
+              <a:rPr lang="en-US" dirty="0" smtClean="0"/>
+              <a:t>Set up </a:t>
+            </a:r>
+            <a:r>
+              <a:rPr lang="en-US" dirty="0" err="1" smtClean="0"/>
+              <a:t>Rtools</a:t>
+            </a:r>
+            <a:r>
+              <a:rPr lang="en-US" dirty="0" smtClean="0"/>
+              <a:t/>
+            </a:r>
+            <a:br>
+              <a:rPr lang="en-US" dirty="0" smtClean="0"/>
+            </a:br>
+            <a:endParaRPr lang="en-US" dirty="0"/>
+          </a:p>
+        </p:txBody>
+      </p:sp>
+      <p:pic>
+        <p:nvPicPr>
+          <p:cNvPr id="4" name="Content Placeholder 3"/>
+          <p:cNvPicPr>
+            <a:picLocks noGrp="1" noChangeAspect="1"/>
+          </p:cNvPicPr>
+          <p:nvPr>
+            <p:ph sz="half" idx="1"/>
+          </p:nvPr>
+        </p:nvPicPr>
+        <p:blipFill>
+          <a:blip r:embed="rId2"/>
+          <a:stretch>
+            <a:fillRect/>
+          </a:stretch>
+        </p:blipFill>
+        <p:spPr>
+          <a:xfrm>
+            <a:off x="2589213" y="2383800"/>
+            <a:ext cx="6092774" cy="3243371"/>
+          </a:xfrm>
+          <a:prstGeom prst="rect">
+            <a:avLst/>
+          </a:prstGeom>
+        </p:spPr>
+      </p:pic>
+      <p:sp>
+        <p:nvSpPr>
+          <p:cNvPr id="5" name="Content Placeholder 4"/>
+          <p:cNvSpPr>
+            <a:spLocks noGrp="1"/>
+          </p:cNvSpPr>
+          <p:nvPr>
+            <p:ph sz="half" idx="2"/>
+          </p:nvPr>
+        </p:nvSpPr>
+        <p:spPr>
+          <a:xfrm>
+            <a:off x="2589213" y="1905000"/>
+            <a:ext cx="8915398" cy="969690"/>
+          </a:xfrm>
+        </p:spPr>
+        <p:txBody>
+          <a:bodyPr/>
+          <a:lstStyle/>
+          <a:p>
+            <a:pPr marL="0" indent="0">
+              <a:buNone/>
+            </a:pPr>
+            <a:r>
+              <a:rPr lang="en-US" dirty="0">
+                <a:hlinkClick r:id="rId3"/>
+              </a:rPr>
+              <a:t>http://cran.r-project.org/bin/windows/Rtools</a:t>
+            </a:r>
+            <a:r>
+              <a:rPr lang="en-US" dirty="0" smtClean="0">
+                <a:hlinkClick r:id="rId3"/>
+              </a:rPr>
+              <a:t>/</a:t>
+            </a:r>
+            <a:r>
+              <a:rPr lang="en-US" dirty="0" smtClean="0"/>
+              <a:t> </a:t>
+            </a:r>
+            <a:endParaRPr lang="en-US" dirty="0"/>
+          </a:p>
+        </p:txBody>
+      </p:sp>
+    </p:spTree>
+    <p:extLst>
+      <p:ext uri="{BB962C8B-B14F-4D97-AF65-F5344CB8AC3E}">
+        <p14:creationId xmlns:p14="http://schemas.microsoft.com/office/powerpoint/2010/main" val="1886591479"/>
+      </p:ext>
+    </p:extLst>
+  </p:cSld>
+  <p:clrMapOvr>
+    <a:masterClrMapping/>
+  </p:clrMapOvr>
 </p:sld>
 </file>
 

--- a/demo/demo walkthrough.pptx
+++ b/demo/demo walkthrough.pptx
@@ -5,7 +5,7 @@
     <p:sldMasterId id="2147483846" r:id="rId1"/>
   </p:sldMasterIdLst>
   <p:notesMasterIdLst>
-    <p:notesMasterId r:id="rId9"/>
+    <p:notesMasterId r:id="rId10"/>
   </p:notesMasterIdLst>
   <p:sldIdLst>
     <p:sldId id="256" r:id="rId2"/>
@@ -15,6 +15,7 @@
     <p:sldId id="258" r:id="rId6"/>
     <p:sldId id="261" r:id="rId7"/>
     <p:sldId id="263" r:id="rId8"/>
+    <p:sldId id="264" r:id="rId9"/>
   </p:sldIdLst>
   <p:sldSz cx="12192000" cy="6858000"/>
   <p:notesSz cx="6858000" cy="9144000"/>
@@ -9846,6 +9847,105 @@
     <p:extLst>
       <p:ext uri="{BB962C8B-B14F-4D97-AF65-F5344CB8AC3E}">
         <p14:creationId xmlns:p14="http://schemas.microsoft.com/office/powerpoint/2010/main" val="1886591479"/>
+      </p:ext>
+    </p:extLst>
+  </p:cSld>
+  <p:clrMapOvr>
+    <a:masterClrMapping/>
+  </p:clrMapOvr>
+</p:sld>
+</file>
+
+<file path=ppt/slides/slide8.xml><?xml version="1.0" encoding="utf-8"?>
+<p:sld xmlns:a="http://schemas.openxmlformats.org/drawingml/2006/main" xmlns:r="http://schemas.openxmlformats.org/officeDocument/2006/relationships" xmlns:p="http://schemas.openxmlformats.org/presentationml/2006/main">
+  <p:cSld>
+    <p:spTree>
+      <p:nvGrpSpPr>
+        <p:cNvPr id="1" name=""/>
+        <p:cNvGrpSpPr/>
+        <p:nvPr/>
+      </p:nvGrpSpPr>
+      <p:grpSpPr>
+        <a:xfrm>
+          <a:off x="0" y="0"/>
+          <a:ext cx="0" cy="0"/>
+          <a:chOff x="0" y="0"/>
+          <a:chExt cx="0" cy="0"/>
+        </a:xfrm>
+      </p:grpSpPr>
+      <p:sp>
+        <p:nvSpPr>
+          <p:cNvPr id="2" name="Title 1"/>
+          <p:cNvSpPr>
+            <a:spLocks noGrp="1"/>
+          </p:cNvSpPr>
+          <p:nvPr>
+            <p:ph type="title"/>
+          </p:nvPr>
+        </p:nvSpPr>
+        <p:spPr/>
+        <p:txBody>
+          <a:bodyPr/>
+          <a:lstStyle/>
+          <a:p>
+            <a:r>
+              <a:rPr lang="en-US" dirty="0" smtClean="0"/>
+              <a:t>Sources</a:t>
+            </a:r>
+            <a:endParaRPr lang="en-US" dirty="0"/>
+          </a:p>
+        </p:txBody>
+      </p:sp>
+      <p:sp>
+        <p:nvSpPr>
+          <p:cNvPr id="3" name="Content Placeholder 2"/>
+          <p:cNvSpPr>
+            <a:spLocks noGrp="1"/>
+          </p:cNvSpPr>
+          <p:nvPr>
+            <p:ph sz="half" idx="1"/>
+          </p:nvPr>
+        </p:nvSpPr>
+        <p:spPr>
+          <a:xfrm>
+            <a:off x="2589212" y="2133600"/>
+            <a:ext cx="8643470" cy="3777622"/>
+          </a:xfrm>
+        </p:spPr>
+        <p:txBody>
+          <a:bodyPr/>
+          <a:lstStyle/>
+          <a:p>
+            <a:r>
+              <a:rPr lang="en-US" dirty="0" smtClean="0"/>
+              <a:t>Downloading </a:t>
+            </a:r>
+            <a:r>
+              <a:rPr lang="en-US" dirty="0" err="1" smtClean="0"/>
+              <a:t>Rtools</a:t>
+            </a:r>
+            <a:r>
+              <a:rPr lang="en-US" dirty="0" smtClean="0"/>
+              <a:t>:</a:t>
+            </a:r>
+          </a:p>
+          <a:p>
+            <a:pPr lvl="1"/>
+            <a:r>
+              <a:rPr lang="en-US" dirty="0" smtClean="0"/>
+              <a:t>http</a:t>
+            </a:r>
+            <a:r>
+              <a:rPr lang="en-US" dirty="0"/>
+              <a:t>://stackoverflow.com/questions/29129681/create-zip-file-error-running-command-had-status-127</a:t>
+            </a:r>
+          </a:p>
+        </p:txBody>
+      </p:sp>
+    </p:spTree>
+    <p:extLst>
+      <p:ext uri="{BB962C8B-B14F-4D97-AF65-F5344CB8AC3E}">
+        <p14:creationId xmlns:p14="http://schemas.microsoft.com/office/powerpoint/2010/main" val="2326847490"/>
       </p:ext>
     </p:extLst>
   </p:cSld>

--- a/demo/demo walkthrough.pptx
+++ b/demo/demo walkthrough.pptx
@@ -5,20 +5,20 @@
     <p:sldMasterId id="2147483846" r:id="rId1"/>
   </p:sldMasterIdLst>
   <p:notesMasterIdLst>
-    <p:notesMasterId r:id="rId10"/>
+    <p:notesMasterId r:id="rId7"/>
   </p:notesMasterIdLst>
+  <p:handoutMasterIdLst>
+    <p:handoutMasterId r:id="rId8"/>
+  </p:handoutMasterIdLst>
   <p:sldIdLst>
     <p:sldId id="256" r:id="rId2"/>
-    <p:sldId id="262" r:id="rId3"/>
-    <p:sldId id="260" r:id="rId4"/>
-    <p:sldId id="257" r:id="rId5"/>
-    <p:sldId id="258" r:id="rId6"/>
-    <p:sldId id="261" r:id="rId7"/>
-    <p:sldId id="263" r:id="rId8"/>
-    <p:sldId id="264" r:id="rId9"/>
+    <p:sldId id="261" r:id="rId3"/>
+    <p:sldId id="264" r:id="rId4"/>
+    <p:sldId id="260" r:id="rId5"/>
+    <p:sldId id="263" r:id="rId6"/>
   </p:sldIdLst>
   <p:sldSz cx="12192000" cy="6858000"/>
-  <p:notesSz cx="6858000" cy="9144000"/>
+  <p:notesSz cx="7010400" cy="9296400"/>
   <p:defaultTextStyle>
     <a:defPPr>
       <a:defRPr lang="en-US"/>
@@ -117,6 +117,5531 @@
 </p:presentation>
 </file>
 
+<file path=ppt/commentAuthors.xml><?xml version="1.0" encoding="utf-8"?>
+<p:cmAuthorLst xmlns:a="http://schemas.openxmlformats.org/drawingml/2006/main" xmlns:r="http://schemas.openxmlformats.org/officeDocument/2006/relationships" xmlns:p="http://schemas.openxmlformats.org/presentationml/2006/main">
+  <p:cmAuthor id="1" name="Bri Gerads" initials="BG" lastIdx="1" clrIdx="0">
+    <p:extLst>
+      <p:ext uri="{19B8F6BF-5375-455C-9EA6-DF929625EA0E}">
+        <p15:presenceInfo xmlns:p15="http://schemas.microsoft.com/office/powerpoint/2012/main" userId="S-1-5-21-2127521184-1604012920-1887927527-17064517" providerId="AD"/>
+      </p:ext>
+    </p:extLst>
+  </p:cmAuthor>
+</p:cmAuthorLst>
+</file>
+
+<file path=ppt/diagrams/colors1.xml><?xml version="1.0" encoding="utf-8"?>
+<dgm:colorsDef xmlns:dgm="http://schemas.openxmlformats.org/drawingml/2006/diagram" xmlns:a="http://schemas.openxmlformats.org/drawingml/2006/main" uniqueId="urn:microsoft.com/office/officeart/2005/8/colors/accent3_3">
+  <dgm:title val=""/>
+  <dgm:desc val=""/>
+  <dgm:catLst>
+    <dgm:cat type="accent3" pri="11300"/>
+  </dgm:catLst>
+  <dgm:styleLbl name="node0">
+    <dgm:fillClrLst meth="repeat">
+      <a:schemeClr val="accent3">
+        <a:shade val="80000"/>
+      </a:schemeClr>
+    </dgm:fillClrLst>
+    <dgm:linClrLst meth="repeat">
+      <a:schemeClr val="lt1"/>
+    </dgm:linClrLst>
+    <dgm:effectClrLst/>
+    <dgm:txLinClrLst/>
+    <dgm:txFillClrLst/>
+    <dgm:txEffectClrLst/>
+  </dgm:styleLbl>
+  <dgm:styleLbl name="node1">
+    <dgm:fillClrLst>
+      <a:schemeClr val="accent3">
+        <a:shade val="80000"/>
+      </a:schemeClr>
+      <a:schemeClr val="accent3">
+        <a:tint val="70000"/>
+      </a:schemeClr>
+    </dgm:fillClrLst>
+    <dgm:linClrLst meth="repeat">
+      <a:schemeClr val="lt1"/>
+    </dgm:linClrLst>
+    <dgm:effectClrLst/>
+    <dgm:txLinClrLst/>
+    <dgm:txFillClrLst/>
+    <dgm:txEffectClrLst/>
+  </dgm:styleLbl>
+  <dgm:styleLbl name="alignNode1">
+    <dgm:fillClrLst>
+      <a:schemeClr val="accent3">
+        <a:shade val="80000"/>
+      </a:schemeClr>
+      <a:schemeClr val="accent3">
+        <a:tint val="70000"/>
+      </a:schemeClr>
+    </dgm:fillClrLst>
+    <dgm:linClrLst>
+      <a:schemeClr val="accent3">
+        <a:shade val="80000"/>
+      </a:schemeClr>
+      <a:schemeClr val="accent3">
+        <a:tint val="70000"/>
+      </a:schemeClr>
+    </dgm:linClrLst>
+    <dgm:effectClrLst/>
+    <dgm:txLinClrLst/>
+    <dgm:txFillClrLst/>
+    <dgm:txEffectClrLst/>
+  </dgm:styleLbl>
+  <dgm:styleLbl name="lnNode1">
+    <dgm:fillClrLst>
+      <a:schemeClr val="accent3">
+        <a:shade val="80000"/>
+      </a:schemeClr>
+      <a:schemeClr val="accent3">
+        <a:tint val="70000"/>
+      </a:schemeClr>
+    </dgm:fillClrLst>
+    <dgm:linClrLst meth="repeat">
+      <a:schemeClr val="lt1"/>
+    </dgm:linClrLst>
+    <dgm:effectClrLst/>
+    <dgm:txLinClrLst/>
+    <dgm:txFillClrLst/>
+    <dgm:txEffectClrLst/>
+  </dgm:styleLbl>
+  <dgm:styleLbl name="vennNode1">
+    <dgm:fillClrLst>
+      <a:schemeClr val="accent3">
+        <a:shade val="80000"/>
+        <a:alpha val="50000"/>
+      </a:schemeClr>
+      <a:schemeClr val="accent3">
+        <a:tint val="70000"/>
+        <a:alpha val="50000"/>
+      </a:schemeClr>
+    </dgm:fillClrLst>
+    <dgm:linClrLst meth="repeat">
+      <a:schemeClr val="lt1"/>
+    </dgm:linClrLst>
+    <dgm:effectClrLst/>
+    <dgm:txLinClrLst/>
+    <dgm:txFillClrLst/>
+    <dgm:txEffectClrLst/>
+  </dgm:styleLbl>
+  <dgm:styleLbl name="node2">
+    <dgm:fillClrLst>
+      <a:schemeClr val="accent3">
+        <a:tint val="99000"/>
+      </a:schemeClr>
+    </dgm:fillClrLst>
+    <dgm:linClrLst meth="repeat">
+      <a:schemeClr val="lt1"/>
+    </dgm:linClrLst>
+    <dgm:effectClrLst/>
+    <dgm:txLinClrLst/>
+    <dgm:txFillClrLst/>
+    <dgm:txEffectClrLst/>
+  </dgm:styleLbl>
+  <dgm:styleLbl name="node3">
+    <dgm:fillClrLst>
+      <a:schemeClr val="accent3">
+        <a:tint val="80000"/>
+      </a:schemeClr>
+    </dgm:fillClrLst>
+    <dgm:linClrLst meth="repeat">
+      <a:schemeClr val="lt1"/>
+    </dgm:linClrLst>
+    <dgm:effectClrLst/>
+    <dgm:txLinClrLst/>
+    <dgm:txFillClrLst/>
+    <dgm:txEffectClrLst/>
+  </dgm:styleLbl>
+  <dgm:styleLbl name="node4">
+    <dgm:fillClrLst>
+      <a:schemeClr val="accent3">
+        <a:tint val="70000"/>
+      </a:schemeClr>
+    </dgm:fillClrLst>
+    <dgm:linClrLst meth="repeat">
+      <a:schemeClr val="lt1"/>
+    </dgm:linClrLst>
+    <dgm:effectClrLst/>
+    <dgm:txLinClrLst/>
+    <dgm:txFillClrLst/>
+    <dgm:txEffectClrLst/>
+  </dgm:styleLbl>
+  <dgm:styleLbl name="fgImgPlace1">
+    <dgm:fillClrLst>
+      <a:schemeClr val="accent3">
+        <a:tint val="50000"/>
+      </a:schemeClr>
+      <a:schemeClr val="accent3">
+        <a:tint val="20000"/>
+      </a:schemeClr>
+    </dgm:fillClrLst>
+    <dgm:linClrLst meth="repeat">
+      <a:schemeClr val="lt1"/>
+    </dgm:linClrLst>
+    <dgm:effectClrLst/>
+    <dgm:txLinClrLst/>
+    <dgm:txFillClrLst meth="repeat">
+      <a:schemeClr val="lt1"/>
+    </dgm:txFillClrLst>
+    <dgm:txEffectClrLst/>
+  </dgm:styleLbl>
+  <dgm:styleLbl name="alignImgPlace1">
+    <dgm:fillClrLst>
+      <a:schemeClr val="accent3">
+        <a:tint val="50000"/>
+      </a:schemeClr>
+      <a:schemeClr val="accent3">
+        <a:tint val="20000"/>
+      </a:schemeClr>
+    </dgm:fillClrLst>
+    <dgm:linClrLst meth="repeat">
+      <a:schemeClr val="lt1"/>
+    </dgm:linClrLst>
+    <dgm:effectClrLst/>
+    <dgm:txLinClrLst/>
+    <dgm:txFillClrLst meth="repeat">
+      <a:schemeClr val="lt1"/>
+    </dgm:txFillClrLst>
+    <dgm:txEffectClrLst/>
+  </dgm:styleLbl>
+  <dgm:styleLbl name="bgImgPlace1">
+    <dgm:fillClrLst>
+      <a:schemeClr val="accent3">
+        <a:tint val="50000"/>
+      </a:schemeClr>
+      <a:schemeClr val="accent3">
+        <a:tint val="20000"/>
+      </a:schemeClr>
+    </dgm:fillClrLst>
+    <dgm:linClrLst meth="repeat">
+      <a:schemeClr val="lt1"/>
+    </dgm:linClrLst>
+    <dgm:effectClrLst/>
+    <dgm:txLinClrLst/>
+    <dgm:txFillClrLst meth="repeat">
+      <a:schemeClr val="lt1"/>
+    </dgm:txFillClrLst>
+    <dgm:txEffectClrLst/>
+  </dgm:styleLbl>
+  <dgm:styleLbl name="sibTrans2D1">
+    <dgm:fillClrLst>
+      <a:schemeClr val="accent3">
+        <a:shade val="90000"/>
+      </a:schemeClr>
+      <a:schemeClr val="accent3">
+        <a:tint val="70000"/>
+      </a:schemeClr>
+    </dgm:fillClrLst>
+    <dgm:linClrLst>
+      <a:schemeClr val="accent3">
+        <a:shade val="90000"/>
+      </a:schemeClr>
+      <a:schemeClr val="accent3">
+        <a:tint val="70000"/>
+      </a:schemeClr>
+    </dgm:linClrLst>
+    <dgm:effectClrLst/>
+    <dgm:txLinClrLst/>
+    <dgm:txFillClrLst/>
+    <dgm:txEffectClrLst/>
+  </dgm:styleLbl>
+  <dgm:styleLbl name="fgSibTrans2D1">
+    <dgm:fillClrLst>
+      <a:schemeClr val="accent3">
+        <a:shade val="90000"/>
+      </a:schemeClr>
+      <a:schemeClr val="accent3">
+        <a:tint val="70000"/>
+      </a:schemeClr>
+    </dgm:fillClrLst>
+    <dgm:linClrLst>
+      <a:schemeClr val="accent3">
+        <a:shade val="90000"/>
+      </a:schemeClr>
+      <a:schemeClr val="accent3">
+        <a:tint val="70000"/>
+      </a:schemeClr>
+    </dgm:linClrLst>
+    <dgm:effectClrLst/>
+    <dgm:txLinClrLst/>
+    <dgm:txFillClrLst meth="repeat">
+      <a:schemeClr val="lt1"/>
+    </dgm:txFillClrLst>
+    <dgm:txEffectClrLst/>
+  </dgm:styleLbl>
+  <dgm:styleLbl name="bgSibTrans2D1">
+    <dgm:fillClrLst>
+      <a:schemeClr val="accent3">
+        <a:shade val="90000"/>
+      </a:schemeClr>
+      <a:schemeClr val="accent3">
+        <a:tint val="70000"/>
+      </a:schemeClr>
+    </dgm:fillClrLst>
+    <dgm:linClrLst>
+      <a:schemeClr val="accent3">
+        <a:shade val="90000"/>
+      </a:schemeClr>
+      <a:schemeClr val="accent3">
+        <a:tint val="70000"/>
+      </a:schemeClr>
+    </dgm:linClrLst>
+    <dgm:effectClrLst/>
+    <dgm:txLinClrLst/>
+    <dgm:txFillClrLst meth="repeat">
+      <a:schemeClr val="lt1"/>
+    </dgm:txFillClrLst>
+    <dgm:txEffectClrLst/>
+  </dgm:styleLbl>
+  <dgm:styleLbl name="sibTrans1D1">
+    <dgm:fillClrLst>
+      <a:schemeClr val="accent3">
+        <a:shade val="90000"/>
+      </a:schemeClr>
+      <a:schemeClr val="accent3">
+        <a:tint val="70000"/>
+      </a:schemeClr>
+    </dgm:fillClrLst>
+    <dgm:linClrLst>
+      <a:schemeClr val="accent3">
+        <a:shade val="90000"/>
+      </a:schemeClr>
+      <a:schemeClr val="accent3">
+        <a:tint val="70000"/>
+      </a:schemeClr>
+    </dgm:linClrLst>
+    <dgm:effectClrLst/>
+    <dgm:txLinClrLst/>
+    <dgm:txFillClrLst meth="repeat">
+      <a:schemeClr val="tx1"/>
+    </dgm:txFillClrLst>
+    <dgm:txEffectClrLst/>
+  </dgm:styleLbl>
+  <dgm:styleLbl name="callout">
+    <dgm:fillClrLst meth="repeat">
+      <a:schemeClr val="accent3"/>
+    </dgm:fillClrLst>
+    <dgm:linClrLst meth="repeat">
+      <a:schemeClr val="accent3"/>
+    </dgm:linClrLst>
+    <dgm:effectClrLst/>
+    <dgm:txLinClrLst/>
+    <dgm:txFillClrLst meth="repeat">
+      <a:schemeClr val="tx1"/>
+    </dgm:txFillClrLst>
+    <dgm:txEffectClrLst/>
+  </dgm:styleLbl>
+  <dgm:styleLbl name="asst0">
+    <dgm:fillClrLst meth="repeat">
+      <a:schemeClr val="accent3">
+        <a:shade val="80000"/>
+      </a:schemeClr>
+    </dgm:fillClrLst>
+    <dgm:linClrLst meth="repeat">
+      <a:schemeClr val="lt1"/>
+    </dgm:linClrLst>
+    <dgm:effectClrLst/>
+    <dgm:txLinClrLst/>
+    <dgm:txFillClrLst/>
+    <dgm:txEffectClrLst/>
+  </dgm:styleLbl>
+  <dgm:styleLbl name="asst1">
+    <dgm:fillClrLst meth="repeat">
+      <a:schemeClr val="accent3">
+        <a:shade val="80000"/>
+      </a:schemeClr>
+    </dgm:fillClrLst>
+    <dgm:linClrLst meth="repeat">
+      <a:schemeClr val="lt1"/>
+    </dgm:linClrLst>
+    <dgm:effectClrLst/>
+    <dgm:txLinClrLst/>
+    <dgm:txFillClrLst/>
+    <dgm:txEffectClrLst/>
+  </dgm:styleLbl>
+  <dgm:styleLbl name="asst2">
+    <dgm:fillClrLst>
+      <a:schemeClr val="accent3">
+        <a:tint val="99000"/>
+      </a:schemeClr>
+    </dgm:fillClrLst>
+    <dgm:linClrLst meth="repeat">
+      <a:schemeClr val="lt1"/>
+    </dgm:linClrLst>
+    <dgm:effectClrLst/>
+    <dgm:txLinClrLst/>
+    <dgm:txFillClrLst/>
+    <dgm:txEffectClrLst/>
+  </dgm:styleLbl>
+  <dgm:styleLbl name="asst3">
+    <dgm:fillClrLst>
+      <a:schemeClr val="accent3">
+        <a:tint val="80000"/>
+      </a:schemeClr>
+    </dgm:fillClrLst>
+    <dgm:linClrLst meth="repeat">
+      <a:schemeClr val="lt1"/>
+    </dgm:linClrLst>
+    <dgm:effectClrLst/>
+    <dgm:txLinClrLst/>
+    <dgm:txFillClrLst/>
+    <dgm:txEffectClrLst/>
+  </dgm:styleLbl>
+  <dgm:styleLbl name="asst4">
+    <dgm:fillClrLst>
+      <a:schemeClr val="accent3">
+        <a:tint val="70000"/>
+      </a:schemeClr>
+    </dgm:fillClrLst>
+    <dgm:linClrLst meth="repeat">
+      <a:schemeClr val="lt1"/>
+    </dgm:linClrLst>
+    <dgm:effectClrLst/>
+    <dgm:txLinClrLst/>
+    <dgm:txFillClrLst/>
+    <dgm:txEffectClrLst/>
+  </dgm:styleLbl>
+  <dgm:styleLbl name="parChTrans2D1">
+    <dgm:fillClrLst meth="repeat">
+      <a:schemeClr val="accent3">
+        <a:tint val="60000"/>
+      </a:schemeClr>
+    </dgm:fillClrLst>
+    <dgm:linClrLst meth="repeat">
+      <a:schemeClr val="accent3">
+        <a:tint val="60000"/>
+      </a:schemeClr>
+    </dgm:linClrLst>
+    <dgm:effectClrLst/>
+    <dgm:txLinClrLst/>
+    <dgm:txFillClrLst meth="repeat">
+      <a:schemeClr val="lt1"/>
+    </dgm:txFillClrLst>
+    <dgm:txEffectClrLst/>
+  </dgm:styleLbl>
+  <dgm:styleLbl name="parChTrans2D2">
+    <dgm:fillClrLst meth="repeat">
+      <a:schemeClr val="accent3">
+        <a:tint val="90000"/>
+      </a:schemeClr>
+    </dgm:fillClrLst>
+    <dgm:linClrLst meth="repeat">
+      <a:schemeClr val="accent3">
+        <a:tint val="90000"/>
+      </a:schemeClr>
+    </dgm:linClrLst>
+    <dgm:effectClrLst/>
+    <dgm:txLinClrLst/>
+    <dgm:txFillClrLst/>
+    <dgm:txEffectClrLst/>
+  </dgm:styleLbl>
+  <dgm:styleLbl name="parChTrans2D3">
+    <dgm:fillClrLst meth="repeat">
+      <a:schemeClr val="accent3">
+        <a:tint val="70000"/>
+      </a:schemeClr>
+    </dgm:fillClrLst>
+    <dgm:linClrLst meth="repeat">
+      <a:schemeClr val="accent3">
+        <a:tint val="70000"/>
+      </a:schemeClr>
+    </dgm:linClrLst>
+    <dgm:effectClrLst/>
+    <dgm:txLinClrLst/>
+    <dgm:txFillClrLst/>
+    <dgm:txEffectClrLst/>
+  </dgm:styleLbl>
+  <dgm:styleLbl name="parChTrans2D4">
+    <dgm:fillClrLst meth="repeat">
+      <a:schemeClr val="accent3">
+        <a:tint val="50000"/>
+      </a:schemeClr>
+    </dgm:fillClrLst>
+    <dgm:linClrLst meth="repeat">
+      <a:schemeClr val="accent3">
+        <a:tint val="50000"/>
+      </a:schemeClr>
+    </dgm:linClrLst>
+    <dgm:effectClrLst/>
+    <dgm:txLinClrLst/>
+    <dgm:txFillClrLst meth="repeat">
+      <a:schemeClr val="lt1"/>
+    </dgm:txFillClrLst>
+    <dgm:txEffectClrLst/>
+  </dgm:styleLbl>
+  <dgm:styleLbl name="parChTrans1D1">
+    <dgm:fillClrLst meth="repeat">
+      <a:schemeClr val="accent3">
+        <a:shade val="80000"/>
+      </a:schemeClr>
+    </dgm:fillClrLst>
+    <dgm:linClrLst meth="repeat">
+      <a:schemeClr val="accent3">
+        <a:shade val="80000"/>
+      </a:schemeClr>
+    </dgm:linClrLst>
+    <dgm:effectClrLst/>
+    <dgm:txLinClrLst/>
+    <dgm:txFillClrLst meth="repeat">
+      <a:schemeClr val="tx1"/>
+    </dgm:txFillClrLst>
+    <dgm:txEffectClrLst/>
+  </dgm:styleLbl>
+  <dgm:styleLbl name="parChTrans1D2">
+    <dgm:fillClrLst meth="repeat">
+      <a:schemeClr val="accent3">
+        <a:tint val="99000"/>
+      </a:schemeClr>
+    </dgm:fillClrLst>
+    <dgm:linClrLst meth="repeat">
+      <a:schemeClr val="accent3">
+        <a:tint val="99000"/>
+      </a:schemeClr>
+    </dgm:linClrLst>
+    <dgm:effectClrLst/>
+    <dgm:txLinClrLst/>
+    <dgm:txFillClrLst meth="repeat">
+      <a:schemeClr val="tx1"/>
+    </dgm:txFillClrLst>
+    <dgm:txEffectClrLst/>
+  </dgm:styleLbl>
+  <dgm:styleLbl name="parChTrans1D3">
+    <dgm:fillClrLst meth="repeat">
+      <a:schemeClr val="accent3">
+        <a:tint val="80000"/>
+      </a:schemeClr>
+    </dgm:fillClrLst>
+    <dgm:linClrLst meth="repeat">
+      <a:schemeClr val="accent3">
+        <a:tint val="80000"/>
+      </a:schemeClr>
+    </dgm:linClrLst>
+    <dgm:effectClrLst/>
+    <dgm:txLinClrLst/>
+    <dgm:txFillClrLst meth="repeat">
+      <a:schemeClr val="tx1"/>
+    </dgm:txFillClrLst>
+    <dgm:txEffectClrLst/>
+  </dgm:styleLbl>
+  <dgm:styleLbl name="parChTrans1D4">
+    <dgm:fillClrLst meth="repeat">
+      <a:schemeClr val="accent3">
+        <a:tint val="70000"/>
+      </a:schemeClr>
+    </dgm:fillClrLst>
+    <dgm:linClrLst meth="repeat">
+      <a:schemeClr val="accent3">
+        <a:tint val="70000"/>
+      </a:schemeClr>
+    </dgm:linClrLst>
+    <dgm:effectClrLst/>
+    <dgm:txLinClrLst/>
+    <dgm:txFillClrLst meth="repeat">
+      <a:schemeClr val="tx1"/>
+    </dgm:txFillClrLst>
+    <dgm:txEffectClrLst/>
+  </dgm:styleLbl>
+  <dgm:styleLbl name="fgAcc1">
+    <dgm:fillClrLst meth="repeat">
+      <a:schemeClr val="lt1">
+        <a:alpha val="90000"/>
+      </a:schemeClr>
+    </dgm:fillClrLst>
+    <dgm:linClrLst>
+      <a:schemeClr val="accent3">
+        <a:shade val="80000"/>
+      </a:schemeClr>
+      <a:schemeClr val="accent3">
+        <a:tint val="70000"/>
+      </a:schemeClr>
+    </dgm:linClrLst>
+    <dgm:effectClrLst/>
+    <dgm:txLinClrLst/>
+    <dgm:txFillClrLst meth="repeat">
+      <a:schemeClr val="dk1"/>
+    </dgm:txFillClrLst>
+    <dgm:txEffectClrLst/>
+  </dgm:styleLbl>
+  <dgm:styleLbl name="conFgAcc1">
+    <dgm:fillClrLst meth="repeat">
+      <a:schemeClr val="lt1">
+        <a:alpha val="90000"/>
+      </a:schemeClr>
+    </dgm:fillClrLst>
+    <dgm:linClrLst>
+      <a:schemeClr val="accent3">
+        <a:shade val="80000"/>
+      </a:schemeClr>
+      <a:schemeClr val="accent3">
+        <a:tint val="70000"/>
+      </a:schemeClr>
+    </dgm:linClrLst>
+    <dgm:effectClrLst/>
+    <dgm:txLinClrLst/>
+    <dgm:txFillClrLst meth="repeat">
+      <a:schemeClr val="dk1"/>
+    </dgm:txFillClrLst>
+    <dgm:txEffectClrLst/>
+  </dgm:styleLbl>
+  <dgm:styleLbl name="alignAcc1">
+    <dgm:fillClrLst meth="repeat">
+      <a:schemeClr val="lt1">
+        <a:alpha val="90000"/>
+      </a:schemeClr>
+    </dgm:fillClrLst>
+    <dgm:linClrLst>
+      <a:schemeClr val="accent3">
+        <a:shade val="80000"/>
+      </a:schemeClr>
+      <a:schemeClr val="accent3">
+        <a:tint val="70000"/>
+      </a:schemeClr>
+    </dgm:linClrLst>
+    <dgm:effectClrLst/>
+    <dgm:txLinClrLst/>
+    <dgm:txFillClrLst meth="repeat">
+      <a:schemeClr val="dk1"/>
+    </dgm:txFillClrLst>
+    <dgm:txEffectClrLst/>
+  </dgm:styleLbl>
+  <dgm:styleLbl name="trAlignAcc1">
+    <dgm:fillClrLst meth="repeat">
+      <a:schemeClr val="lt1">
+        <a:alpha val="40000"/>
+      </a:schemeClr>
+    </dgm:fillClrLst>
+    <dgm:linClrLst meth="repeat">
+      <a:schemeClr val="accent3"/>
+    </dgm:linClrLst>
+    <dgm:effectClrLst/>
+    <dgm:txLinClrLst/>
+    <dgm:txFillClrLst meth="repeat">
+      <a:schemeClr val="dk1"/>
+    </dgm:txFillClrLst>
+    <dgm:txEffectClrLst/>
+  </dgm:styleLbl>
+  <dgm:styleLbl name="bgAcc1">
+    <dgm:fillClrLst meth="repeat">
+      <a:schemeClr val="lt1">
+        <a:alpha val="90000"/>
+      </a:schemeClr>
+    </dgm:fillClrLst>
+    <dgm:linClrLst>
+      <a:schemeClr val="accent3">
+        <a:shade val="80000"/>
+      </a:schemeClr>
+      <a:schemeClr val="accent3">
+        <a:tint val="70000"/>
+      </a:schemeClr>
+    </dgm:linClrLst>
+    <dgm:effectClrLst/>
+    <dgm:txLinClrLst/>
+    <dgm:txFillClrLst meth="repeat">
+      <a:schemeClr val="dk1"/>
+    </dgm:txFillClrLst>
+    <dgm:txEffectClrLst/>
+  </dgm:styleLbl>
+  <dgm:styleLbl name="solidFgAcc1">
+    <dgm:fillClrLst meth="repeat">
+      <a:schemeClr val="lt1"/>
+    </dgm:fillClrLst>
+    <dgm:linClrLst>
+      <a:schemeClr val="accent3">
+        <a:shade val="80000"/>
+      </a:schemeClr>
+      <a:schemeClr val="accent3">
+        <a:tint val="70000"/>
+      </a:schemeClr>
+    </dgm:linClrLst>
+    <dgm:effectClrLst/>
+    <dgm:txLinClrLst/>
+    <dgm:txFillClrLst meth="repeat">
+      <a:schemeClr val="dk1"/>
+    </dgm:txFillClrLst>
+    <dgm:txEffectClrLst/>
+  </dgm:styleLbl>
+  <dgm:styleLbl name="solidAlignAcc1">
+    <dgm:fillClrLst meth="repeat">
+      <a:schemeClr val="lt1"/>
+    </dgm:fillClrLst>
+    <dgm:linClrLst meth="repeat">
+      <a:schemeClr val="accent3"/>
+    </dgm:linClrLst>
+    <dgm:effectClrLst/>
+    <dgm:txLinClrLst/>
+    <dgm:txFillClrLst meth="repeat">
+      <a:schemeClr val="dk1"/>
+    </dgm:txFillClrLst>
+    <dgm:txEffectClrLst/>
+  </dgm:styleLbl>
+  <dgm:styleLbl name="solidBgAcc1">
+    <dgm:fillClrLst meth="repeat">
+      <a:schemeClr val="lt1"/>
+    </dgm:fillClrLst>
+    <dgm:linClrLst meth="repeat">
+      <a:schemeClr val="accent3"/>
+    </dgm:linClrLst>
+    <dgm:effectClrLst/>
+    <dgm:txLinClrLst/>
+    <dgm:txFillClrLst meth="repeat">
+      <a:schemeClr val="dk1"/>
+    </dgm:txFillClrLst>
+    <dgm:txEffectClrLst/>
+  </dgm:styleLbl>
+  <dgm:styleLbl name="fgAccFollowNode1">
+    <dgm:fillClrLst meth="repeat">
+      <a:schemeClr val="accent3">
+        <a:alpha val="90000"/>
+        <a:tint val="40000"/>
+      </a:schemeClr>
+    </dgm:fillClrLst>
+    <dgm:linClrLst meth="repeat">
+      <a:schemeClr val="accent3">
+        <a:alpha val="90000"/>
+        <a:tint val="40000"/>
+      </a:schemeClr>
+    </dgm:linClrLst>
+    <dgm:effectClrLst/>
+    <dgm:txLinClrLst/>
+    <dgm:txFillClrLst meth="repeat">
+      <a:schemeClr val="dk1"/>
+    </dgm:txFillClrLst>
+    <dgm:txEffectClrLst/>
+  </dgm:styleLbl>
+  <dgm:styleLbl name="alignAccFollowNode1">
+    <dgm:fillClrLst meth="repeat">
+      <a:schemeClr val="accent3">
+        <a:alpha val="90000"/>
+        <a:tint val="40000"/>
+      </a:schemeClr>
+    </dgm:fillClrLst>
+    <dgm:linClrLst meth="repeat">
+      <a:schemeClr val="accent3">
+        <a:alpha val="90000"/>
+        <a:tint val="40000"/>
+      </a:schemeClr>
+    </dgm:linClrLst>
+    <dgm:effectClrLst/>
+    <dgm:txLinClrLst/>
+    <dgm:txFillClrLst meth="repeat">
+      <a:schemeClr val="dk1"/>
+    </dgm:txFillClrLst>
+    <dgm:txEffectClrLst/>
+  </dgm:styleLbl>
+  <dgm:styleLbl name="bgAccFollowNode1">
+    <dgm:fillClrLst meth="repeat">
+      <a:schemeClr val="accent3">
+        <a:alpha val="90000"/>
+        <a:tint val="40000"/>
+      </a:schemeClr>
+    </dgm:fillClrLst>
+    <dgm:linClrLst meth="repeat">
+      <a:schemeClr val="lt1"/>
+    </dgm:linClrLst>
+    <dgm:effectClrLst/>
+    <dgm:txLinClrLst/>
+    <dgm:txFillClrLst meth="repeat">
+      <a:schemeClr val="dk1"/>
+    </dgm:txFillClrLst>
+    <dgm:txEffectClrLst/>
+  </dgm:styleLbl>
+  <dgm:styleLbl name="fgAcc0">
+    <dgm:fillClrLst meth="repeat">
+      <a:schemeClr val="lt1">
+        <a:alpha val="90000"/>
+      </a:schemeClr>
+    </dgm:fillClrLst>
+    <dgm:linClrLst meth="repeat">
+      <a:schemeClr val="accent3">
+        <a:shade val="80000"/>
+      </a:schemeClr>
+    </dgm:linClrLst>
+    <dgm:effectClrLst/>
+    <dgm:txLinClrLst/>
+    <dgm:txFillClrLst meth="repeat">
+      <a:schemeClr val="dk1"/>
+    </dgm:txFillClrLst>
+    <dgm:txEffectClrLst/>
+  </dgm:styleLbl>
+  <dgm:styleLbl name="fgAcc2">
+    <dgm:fillClrLst meth="repeat">
+      <a:schemeClr val="lt1">
+        <a:alpha val="90000"/>
+      </a:schemeClr>
+    </dgm:fillClrLst>
+    <dgm:linClrLst meth="repeat">
+      <a:schemeClr val="accent3">
+        <a:tint val="99000"/>
+      </a:schemeClr>
+    </dgm:linClrLst>
+    <dgm:effectClrLst/>
+    <dgm:txLinClrLst/>
+    <dgm:txFillClrLst meth="repeat">
+      <a:schemeClr val="dk1"/>
+    </dgm:txFillClrLst>
+    <dgm:txEffectClrLst/>
+  </dgm:styleLbl>
+  <dgm:styleLbl name="fgAcc3">
+    <dgm:fillClrLst meth="repeat">
+      <a:schemeClr val="lt1">
+        <a:alpha val="90000"/>
+      </a:schemeClr>
+    </dgm:fillClrLst>
+    <dgm:linClrLst meth="repeat">
+      <a:schemeClr val="accent3">
+        <a:tint val="80000"/>
+      </a:schemeClr>
+    </dgm:linClrLst>
+    <dgm:effectClrLst/>
+    <dgm:txLinClrLst/>
+    <dgm:txFillClrLst meth="repeat">
+      <a:schemeClr val="dk1"/>
+    </dgm:txFillClrLst>
+    <dgm:txEffectClrLst/>
+  </dgm:styleLbl>
+  <dgm:styleLbl name="fgAcc4">
+    <dgm:fillClrLst meth="repeat">
+      <a:schemeClr val="lt1">
+        <a:alpha val="90000"/>
+      </a:schemeClr>
+    </dgm:fillClrLst>
+    <dgm:linClrLst meth="repeat">
+      <a:schemeClr val="accent3">
+        <a:tint val="70000"/>
+      </a:schemeClr>
+    </dgm:linClrLst>
+    <dgm:effectClrLst/>
+    <dgm:txLinClrLst/>
+    <dgm:txFillClrLst meth="repeat">
+      <a:schemeClr val="dk1"/>
+    </dgm:txFillClrLst>
+    <dgm:txEffectClrLst/>
+  </dgm:styleLbl>
+  <dgm:styleLbl name="bgShp">
+    <dgm:fillClrLst meth="repeat">
+      <a:schemeClr val="accent3">
+        <a:tint val="40000"/>
+      </a:schemeClr>
+    </dgm:fillClrLst>
+    <dgm:linClrLst meth="repeat">
+      <a:schemeClr val="dk1"/>
+    </dgm:linClrLst>
+    <dgm:effectClrLst/>
+    <dgm:txLinClrLst/>
+    <dgm:txFillClrLst meth="repeat">
+      <a:schemeClr val="dk1"/>
+    </dgm:txFillClrLst>
+    <dgm:txEffectClrLst/>
+  </dgm:styleLbl>
+  <dgm:styleLbl name="dkBgShp">
+    <dgm:fillClrLst meth="repeat">
+      <a:schemeClr val="accent3">
+        <a:shade val="90000"/>
+      </a:schemeClr>
+    </dgm:fillClrLst>
+    <dgm:linClrLst meth="repeat">
+      <a:schemeClr val="dk1"/>
+    </dgm:linClrLst>
+    <dgm:effectClrLst/>
+    <dgm:txLinClrLst/>
+    <dgm:txFillClrLst meth="repeat">
+      <a:schemeClr val="lt1"/>
+    </dgm:txFillClrLst>
+    <dgm:txEffectClrLst/>
+  </dgm:styleLbl>
+  <dgm:styleLbl name="trBgShp">
+    <dgm:fillClrLst meth="repeat">
+      <a:schemeClr val="accent3">
+        <a:tint val="50000"/>
+        <a:alpha val="40000"/>
+      </a:schemeClr>
+    </dgm:fillClrLst>
+    <dgm:linClrLst meth="repeat">
+      <a:schemeClr val="accent3"/>
+    </dgm:linClrLst>
+    <dgm:effectClrLst/>
+    <dgm:txLinClrLst/>
+    <dgm:txFillClrLst meth="repeat">
+      <a:schemeClr val="lt1"/>
+    </dgm:txFillClrLst>
+    <dgm:txEffectClrLst/>
+  </dgm:styleLbl>
+  <dgm:styleLbl name="fgShp">
+    <dgm:fillClrLst meth="repeat">
+      <a:schemeClr val="accent3">
+        <a:tint val="40000"/>
+      </a:schemeClr>
+    </dgm:fillClrLst>
+    <dgm:linClrLst meth="repeat">
+      <a:schemeClr val="lt1"/>
+    </dgm:linClrLst>
+    <dgm:effectClrLst/>
+    <dgm:txLinClrLst/>
+    <dgm:txFillClrLst meth="repeat">
+      <a:schemeClr val="dk1"/>
+    </dgm:txFillClrLst>
+    <dgm:txEffectClrLst/>
+  </dgm:styleLbl>
+  <dgm:styleLbl name="revTx">
+    <dgm:fillClrLst meth="repeat">
+      <a:schemeClr val="lt1">
+        <a:alpha val="0"/>
+      </a:schemeClr>
+    </dgm:fillClrLst>
+    <dgm:linClrLst meth="repeat">
+      <a:schemeClr val="dk1">
+        <a:alpha val="0"/>
+      </a:schemeClr>
+    </dgm:linClrLst>
+    <dgm:effectClrLst/>
+    <dgm:txLinClrLst/>
+    <dgm:txFillClrLst meth="repeat">
+      <a:schemeClr val="tx1"/>
+    </dgm:txFillClrLst>
+    <dgm:txEffectClrLst/>
+  </dgm:styleLbl>
+</dgm:colorsDef>
+</file>
+
+<file path=ppt/diagrams/colors2.xml><?xml version="1.0" encoding="utf-8"?>
+<dgm:colorsDef xmlns:dgm="http://schemas.openxmlformats.org/drawingml/2006/diagram" xmlns:a="http://schemas.openxmlformats.org/drawingml/2006/main" uniqueId="urn:microsoft.com/office/officeart/2005/8/colors/accent3_3">
+  <dgm:title val=""/>
+  <dgm:desc val=""/>
+  <dgm:catLst>
+    <dgm:cat type="accent3" pri="11300"/>
+  </dgm:catLst>
+  <dgm:styleLbl name="node0">
+    <dgm:fillClrLst meth="repeat">
+      <a:schemeClr val="accent3">
+        <a:shade val="80000"/>
+      </a:schemeClr>
+    </dgm:fillClrLst>
+    <dgm:linClrLst meth="repeat">
+      <a:schemeClr val="lt1"/>
+    </dgm:linClrLst>
+    <dgm:effectClrLst/>
+    <dgm:txLinClrLst/>
+    <dgm:txFillClrLst/>
+    <dgm:txEffectClrLst/>
+  </dgm:styleLbl>
+  <dgm:styleLbl name="node1">
+    <dgm:fillClrLst>
+      <a:schemeClr val="accent3">
+        <a:shade val="80000"/>
+      </a:schemeClr>
+      <a:schemeClr val="accent3">
+        <a:tint val="70000"/>
+      </a:schemeClr>
+    </dgm:fillClrLst>
+    <dgm:linClrLst meth="repeat">
+      <a:schemeClr val="lt1"/>
+    </dgm:linClrLst>
+    <dgm:effectClrLst/>
+    <dgm:txLinClrLst/>
+    <dgm:txFillClrLst/>
+    <dgm:txEffectClrLst/>
+  </dgm:styleLbl>
+  <dgm:styleLbl name="alignNode1">
+    <dgm:fillClrLst>
+      <a:schemeClr val="accent3">
+        <a:shade val="80000"/>
+      </a:schemeClr>
+      <a:schemeClr val="accent3">
+        <a:tint val="70000"/>
+      </a:schemeClr>
+    </dgm:fillClrLst>
+    <dgm:linClrLst>
+      <a:schemeClr val="accent3">
+        <a:shade val="80000"/>
+      </a:schemeClr>
+      <a:schemeClr val="accent3">
+        <a:tint val="70000"/>
+      </a:schemeClr>
+    </dgm:linClrLst>
+    <dgm:effectClrLst/>
+    <dgm:txLinClrLst/>
+    <dgm:txFillClrLst/>
+    <dgm:txEffectClrLst/>
+  </dgm:styleLbl>
+  <dgm:styleLbl name="lnNode1">
+    <dgm:fillClrLst>
+      <a:schemeClr val="accent3">
+        <a:shade val="80000"/>
+      </a:schemeClr>
+      <a:schemeClr val="accent3">
+        <a:tint val="70000"/>
+      </a:schemeClr>
+    </dgm:fillClrLst>
+    <dgm:linClrLst meth="repeat">
+      <a:schemeClr val="lt1"/>
+    </dgm:linClrLst>
+    <dgm:effectClrLst/>
+    <dgm:txLinClrLst/>
+    <dgm:txFillClrLst/>
+    <dgm:txEffectClrLst/>
+  </dgm:styleLbl>
+  <dgm:styleLbl name="vennNode1">
+    <dgm:fillClrLst>
+      <a:schemeClr val="accent3">
+        <a:shade val="80000"/>
+        <a:alpha val="50000"/>
+      </a:schemeClr>
+      <a:schemeClr val="accent3">
+        <a:tint val="70000"/>
+        <a:alpha val="50000"/>
+      </a:schemeClr>
+    </dgm:fillClrLst>
+    <dgm:linClrLst meth="repeat">
+      <a:schemeClr val="lt1"/>
+    </dgm:linClrLst>
+    <dgm:effectClrLst/>
+    <dgm:txLinClrLst/>
+    <dgm:txFillClrLst/>
+    <dgm:txEffectClrLst/>
+  </dgm:styleLbl>
+  <dgm:styleLbl name="node2">
+    <dgm:fillClrLst>
+      <a:schemeClr val="accent3">
+        <a:tint val="99000"/>
+      </a:schemeClr>
+    </dgm:fillClrLst>
+    <dgm:linClrLst meth="repeat">
+      <a:schemeClr val="lt1"/>
+    </dgm:linClrLst>
+    <dgm:effectClrLst/>
+    <dgm:txLinClrLst/>
+    <dgm:txFillClrLst/>
+    <dgm:txEffectClrLst/>
+  </dgm:styleLbl>
+  <dgm:styleLbl name="node3">
+    <dgm:fillClrLst>
+      <a:schemeClr val="accent3">
+        <a:tint val="80000"/>
+      </a:schemeClr>
+    </dgm:fillClrLst>
+    <dgm:linClrLst meth="repeat">
+      <a:schemeClr val="lt1"/>
+    </dgm:linClrLst>
+    <dgm:effectClrLst/>
+    <dgm:txLinClrLst/>
+    <dgm:txFillClrLst/>
+    <dgm:txEffectClrLst/>
+  </dgm:styleLbl>
+  <dgm:styleLbl name="node4">
+    <dgm:fillClrLst>
+      <a:schemeClr val="accent3">
+        <a:tint val="70000"/>
+      </a:schemeClr>
+    </dgm:fillClrLst>
+    <dgm:linClrLst meth="repeat">
+      <a:schemeClr val="lt1"/>
+    </dgm:linClrLst>
+    <dgm:effectClrLst/>
+    <dgm:txLinClrLst/>
+    <dgm:txFillClrLst/>
+    <dgm:txEffectClrLst/>
+  </dgm:styleLbl>
+  <dgm:styleLbl name="fgImgPlace1">
+    <dgm:fillClrLst>
+      <a:schemeClr val="accent3">
+        <a:tint val="50000"/>
+      </a:schemeClr>
+      <a:schemeClr val="accent3">
+        <a:tint val="20000"/>
+      </a:schemeClr>
+    </dgm:fillClrLst>
+    <dgm:linClrLst meth="repeat">
+      <a:schemeClr val="lt1"/>
+    </dgm:linClrLst>
+    <dgm:effectClrLst/>
+    <dgm:txLinClrLst/>
+    <dgm:txFillClrLst meth="repeat">
+      <a:schemeClr val="lt1"/>
+    </dgm:txFillClrLst>
+    <dgm:txEffectClrLst/>
+  </dgm:styleLbl>
+  <dgm:styleLbl name="alignImgPlace1">
+    <dgm:fillClrLst>
+      <a:schemeClr val="accent3">
+        <a:tint val="50000"/>
+      </a:schemeClr>
+      <a:schemeClr val="accent3">
+        <a:tint val="20000"/>
+      </a:schemeClr>
+    </dgm:fillClrLst>
+    <dgm:linClrLst meth="repeat">
+      <a:schemeClr val="lt1"/>
+    </dgm:linClrLst>
+    <dgm:effectClrLst/>
+    <dgm:txLinClrLst/>
+    <dgm:txFillClrLst meth="repeat">
+      <a:schemeClr val="lt1"/>
+    </dgm:txFillClrLst>
+    <dgm:txEffectClrLst/>
+  </dgm:styleLbl>
+  <dgm:styleLbl name="bgImgPlace1">
+    <dgm:fillClrLst>
+      <a:schemeClr val="accent3">
+        <a:tint val="50000"/>
+      </a:schemeClr>
+      <a:schemeClr val="accent3">
+        <a:tint val="20000"/>
+      </a:schemeClr>
+    </dgm:fillClrLst>
+    <dgm:linClrLst meth="repeat">
+      <a:schemeClr val="lt1"/>
+    </dgm:linClrLst>
+    <dgm:effectClrLst/>
+    <dgm:txLinClrLst/>
+    <dgm:txFillClrLst meth="repeat">
+      <a:schemeClr val="lt1"/>
+    </dgm:txFillClrLst>
+    <dgm:txEffectClrLst/>
+  </dgm:styleLbl>
+  <dgm:styleLbl name="sibTrans2D1">
+    <dgm:fillClrLst>
+      <a:schemeClr val="accent3">
+        <a:shade val="90000"/>
+      </a:schemeClr>
+      <a:schemeClr val="accent3">
+        <a:tint val="70000"/>
+      </a:schemeClr>
+    </dgm:fillClrLst>
+    <dgm:linClrLst>
+      <a:schemeClr val="accent3">
+        <a:shade val="90000"/>
+      </a:schemeClr>
+      <a:schemeClr val="accent3">
+        <a:tint val="70000"/>
+      </a:schemeClr>
+    </dgm:linClrLst>
+    <dgm:effectClrLst/>
+    <dgm:txLinClrLst/>
+    <dgm:txFillClrLst/>
+    <dgm:txEffectClrLst/>
+  </dgm:styleLbl>
+  <dgm:styleLbl name="fgSibTrans2D1">
+    <dgm:fillClrLst>
+      <a:schemeClr val="accent3">
+        <a:shade val="90000"/>
+      </a:schemeClr>
+      <a:schemeClr val="accent3">
+        <a:tint val="70000"/>
+      </a:schemeClr>
+    </dgm:fillClrLst>
+    <dgm:linClrLst>
+      <a:schemeClr val="accent3">
+        <a:shade val="90000"/>
+      </a:schemeClr>
+      <a:schemeClr val="accent3">
+        <a:tint val="70000"/>
+      </a:schemeClr>
+    </dgm:linClrLst>
+    <dgm:effectClrLst/>
+    <dgm:txLinClrLst/>
+    <dgm:txFillClrLst meth="repeat">
+      <a:schemeClr val="lt1"/>
+    </dgm:txFillClrLst>
+    <dgm:txEffectClrLst/>
+  </dgm:styleLbl>
+  <dgm:styleLbl name="bgSibTrans2D1">
+    <dgm:fillClrLst>
+      <a:schemeClr val="accent3">
+        <a:shade val="90000"/>
+      </a:schemeClr>
+      <a:schemeClr val="accent3">
+        <a:tint val="70000"/>
+      </a:schemeClr>
+    </dgm:fillClrLst>
+    <dgm:linClrLst>
+      <a:schemeClr val="accent3">
+        <a:shade val="90000"/>
+      </a:schemeClr>
+      <a:schemeClr val="accent3">
+        <a:tint val="70000"/>
+      </a:schemeClr>
+    </dgm:linClrLst>
+    <dgm:effectClrLst/>
+    <dgm:txLinClrLst/>
+    <dgm:txFillClrLst meth="repeat">
+      <a:schemeClr val="lt1"/>
+    </dgm:txFillClrLst>
+    <dgm:txEffectClrLst/>
+  </dgm:styleLbl>
+  <dgm:styleLbl name="sibTrans1D1">
+    <dgm:fillClrLst>
+      <a:schemeClr val="accent3">
+        <a:shade val="90000"/>
+      </a:schemeClr>
+      <a:schemeClr val="accent3">
+        <a:tint val="70000"/>
+      </a:schemeClr>
+    </dgm:fillClrLst>
+    <dgm:linClrLst>
+      <a:schemeClr val="accent3">
+        <a:shade val="90000"/>
+      </a:schemeClr>
+      <a:schemeClr val="accent3">
+        <a:tint val="70000"/>
+      </a:schemeClr>
+    </dgm:linClrLst>
+    <dgm:effectClrLst/>
+    <dgm:txLinClrLst/>
+    <dgm:txFillClrLst meth="repeat">
+      <a:schemeClr val="tx1"/>
+    </dgm:txFillClrLst>
+    <dgm:txEffectClrLst/>
+  </dgm:styleLbl>
+  <dgm:styleLbl name="callout">
+    <dgm:fillClrLst meth="repeat">
+      <a:schemeClr val="accent3"/>
+    </dgm:fillClrLst>
+    <dgm:linClrLst meth="repeat">
+      <a:schemeClr val="accent3"/>
+    </dgm:linClrLst>
+    <dgm:effectClrLst/>
+    <dgm:txLinClrLst/>
+    <dgm:txFillClrLst meth="repeat">
+      <a:schemeClr val="tx1"/>
+    </dgm:txFillClrLst>
+    <dgm:txEffectClrLst/>
+  </dgm:styleLbl>
+  <dgm:styleLbl name="asst0">
+    <dgm:fillClrLst meth="repeat">
+      <a:schemeClr val="accent3">
+        <a:shade val="80000"/>
+      </a:schemeClr>
+    </dgm:fillClrLst>
+    <dgm:linClrLst meth="repeat">
+      <a:schemeClr val="lt1"/>
+    </dgm:linClrLst>
+    <dgm:effectClrLst/>
+    <dgm:txLinClrLst/>
+    <dgm:txFillClrLst/>
+    <dgm:txEffectClrLst/>
+  </dgm:styleLbl>
+  <dgm:styleLbl name="asst1">
+    <dgm:fillClrLst meth="repeat">
+      <a:schemeClr val="accent3">
+        <a:shade val="80000"/>
+      </a:schemeClr>
+    </dgm:fillClrLst>
+    <dgm:linClrLst meth="repeat">
+      <a:schemeClr val="lt1"/>
+    </dgm:linClrLst>
+    <dgm:effectClrLst/>
+    <dgm:txLinClrLst/>
+    <dgm:txFillClrLst/>
+    <dgm:txEffectClrLst/>
+  </dgm:styleLbl>
+  <dgm:styleLbl name="asst2">
+    <dgm:fillClrLst>
+      <a:schemeClr val="accent3">
+        <a:tint val="99000"/>
+      </a:schemeClr>
+    </dgm:fillClrLst>
+    <dgm:linClrLst meth="repeat">
+      <a:schemeClr val="lt1"/>
+    </dgm:linClrLst>
+    <dgm:effectClrLst/>
+    <dgm:txLinClrLst/>
+    <dgm:txFillClrLst/>
+    <dgm:txEffectClrLst/>
+  </dgm:styleLbl>
+  <dgm:styleLbl name="asst3">
+    <dgm:fillClrLst>
+      <a:schemeClr val="accent3">
+        <a:tint val="80000"/>
+      </a:schemeClr>
+    </dgm:fillClrLst>
+    <dgm:linClrLst meth="repeat">
+      <a:schemeClr val="lt1"/>
+    </dgm:linClrLst>
+    <dgm:effectClrLst/>
+    <dgm:txLinClrLst/>
+    <dgm:txFillClrLst/>
+    <dgm:txEffectClrLst/>
+  </dgm:styleLbl>
+  <dgm:styleLbl name="asst4">
+    <dgm:fillClrLst>
+      <a:schemeClr val="accent3">
+        <a:tint val="70000"/>
+      </a:schemeClr>
+    </dgm:fillClrLst>
+    <dgm:linClrLst meth="repeat">
+      <a:schemeClr val="lt1"/>
+    </dgm:linClrLst>
+    <dgm:effectClrLst/>
+    <dgm:txLinClrLst/>
+    <dgm:txFillClrLst/>
+    <dgm:txEffectClrLst/>
+  </dgm:styleLbl>
+  <dgm:styleLbl name="parChTrans2D1">
+    <dgm:fillClrLst meth="repeat">
+      <a:schemeClr val="accent3">
+        <a:tint val="60000"/>
+      </a:schemeClr>
+    </dgm:fillClrLst>
+    <dgm:linClrLst meth="repeat">
+      <a:schemeClr val="accent3">
+        <a:tint val="60000"/>
+      </a:schemeClr>
+    </dgm:linClrLst>
+    <dgm:effectClrLst/>
+    <dgm:txLinClrLst/>
+    <dgm:txFillClrLst meth="repeat">
+      <a:schemeClr val="lt1"/>
+    </dgm:txFillClrLst>
+    <dgm:txEffectClrLst/>
+  </dgm:styleLbl>
+  <dgm:styleLbl name="parChTrans2D2">
+    <dgm:fillClrLst meth="repeat">
+      <a:schemeClr val="accent3">
+        <a:tint val="90000"/>
+      </a:schemeClr>
+    </dgm:fillClrLst>
+    <dgm:linClrLst meth="repeat">
+      <a:schemeClr val="accent3">
+        <a:tint val="90000"/>
+      </a:schemeClr>
+    </dgm:linClrLst>
+    <dgm:effectClrLst/>
+    <dgm:txLinClrLst/>
+    <dgm:txFillClrLst/>
+    <dgm:txEffectClrLst/>
+  </dgm:styleLbl>
+  <dgm:styleLbl name="parChTrans2D3">
+    <dgm:fillClrLst meth="repeat">
+      <a:schemeClr val="accent3">
+        <a:tint val="70000"/>
+      </a:schemeClr>
+    </dgm:fillClrLst>
+    <dgm:linClrLst meth="repeat">
+      <a:schemeClr val="accent3">
+        <a:tint val="70000"/>
+      </a:schemeClr>
+    </dgm:linClrLst>
+    <dgm:effectClrLst/>
+    <dgm:txLinClrLst/>
+    <dgm:txFillClrLst/>
+    <dgm:txEffectClrLst/>
+  </dgm:styleLbl>
+  <dgm:styleLbl name="parChTrans2D4">
+    <dgm:fillClrLst meth="repeat">
+      <a:schemeClr val="accent3">
+        <a:tint val="50000"/>
+      </a:schemeClr>
+    </dgm:fillClrLst>
+    <dgm:linClrLst meth="repeat">
+      <a:schemeClr val="accent3">
+        <a:tint val="50000"/>
+      </a:schemeClr>
+    </dgm:linClrLst>
+    <dgm:effectClrLst/>
+    <dgm:txLinClrLst/>
+    <dgm:txFillClrLst meth="repeat">
+      <a:schemeClr val="lt1"/>
+    </dgm:txFillClrLst>
+    <dgm:txEffectClrLst/>
+  </dgm:styleLbl>
+  <dgm:styleLbl name="parChTrans1D1">
+    <dgm:fillClrLst meth="repeat">
+      <a:schemeClr val="accent3">
+        <a:shade val="80000"/>
+      </a:schemeClr>
+    </dgm:fillClrLst>
+    <dgm:linClrLst meth="repeat">
+      <a:schemeClr val="accent3">
+        <a:shade val="80000"/>
+      </a:schemeClr>
+    </dgm:linClrLst>
+    <dgm:effectClrLst/>
+    <dgm:txLinClrLst/>
+    <dgm:txFillClrLst meth="repeat">
+      <a:schemeClr val="tx1"/>
+    </dgm:txFillClrLst>
+    <dgm:txEffectClrLst/>
+  </dgm:styleLbl>
+  <dgm:styleLbl name="parChTrans1D2">
+    <dgm:fillClrLst meth="repeat">
+      <a:schemeClr val="accent3">
+        <a:tint val="99000"/>
+      </a:schemeClr>
+    </dgm:fillClrLst>
+    <dgm:linClrLst meth="repeat">
+      <a:schemeClr val="accent3">
+        <a:tint val="99000"/>
+      </a:schemeClr>
+    </dgm:linClrLst>
+    <dgm:effectClrLst/>
+    <dgm:txLinClrLst/>
+    <dgm:txFillClrLst meth="repeat">
+      <a:schemeClr val="tx1"/>
+    </dgm:txFillClrLst>
+    <dgm:txEffectClrLst/>
+  </dgm:styleLbl>
+  <dgm:styleLbl name="parChTrans1D3">
+    <dgm:fillClrLst meth="repeat">
+      <a:schemeClr val="accent3">
+        <a:tint val="80000"/>
+      </a:schemeClr>
+    </dgm:fillClrLst>
+    <dgm:linClrLst meth="repeat">
+      <a:schemeClr val="accent3">
+        <a:tint val="80000"/>
+      </a:schemeClr>
+    </dgm:linClrLst>
+    <dgm:effectClrLst/>
+    <dgm:txLinClrLst/>
+    <dgm:txFillClrLst meth="repeat">
+      <a:schemeClr val="tx1"/>
+    </dgm:txFillClrLst>
+    <dgm:txEffectClrLst/>
+  </dgm:styleLbl>
+  <dgm:styleLbl name="parChTrans1D4">
+    <dgm:fillClrLst meth="repeat">
+      <a:schemeClr val="accent3">
+        <a:tint val="70000"/>
+      </a:schemeClr>
+    </dgm:fillClrLst>
+    <dgm:linClrLst meth="repeat">
+      <a:schemeClr val="accent3">
+        <a:tint val="70000"/>
+      </a:schemeClr>
+    </dgm:linClrLst>
+    <dgm:effectClrLst/>
+    <dgm:txLinClrLst/>
+    <dgm:txFillClrLst meth="repeat">
+      <a:schemeClr val="tx1"/>
+    </dgm:txFillClrLst>
+    <dgm:txEffectClrLst/>
+  </dgm:styleLbl>
+  <dgm:styleLbl name="fgAcc1">
+    <dgm:fillClrLst meth="repeat">
+      <a:schemeClr val="lt1">
+        <a:alpha val="90000"/>
+      </a:schemeClr>
+    </dgm:fillClrLst>
+    <dgm:linClrLst>
+      <a:schemeClr val="accent3">
+        <a:shade val="80000"/>
+      </a:schemeClr>
+      <a:schemeClr val="accent3">
+        <a:tint val="70000"/>
+      </a:schemeClr>
+    </dgm:linClrLst>
+    <dgm:effectClrLst/>
+    <dgm:txLinClrLst/>
+    <dgm:txFillClrLst meth="repeat">
+      <a:schemeClr val="dk1"/>
+    </dgm:txFillClrLst>
+    <dgm:txEffectClrLst/>
+  </dgm:styleLbl>
+  <dgm:styleLbl name="conFgAcc1">
+    <dgm:fillClrLst meth="repeat">
+      <a:schemeClr val="lt1">
+        <a:alpha val="90000"/>
+      </a:schemeClr>
+    </dgm:fillClrLst>
+    <dgm:linClrLst>
+      <a:schemeClr val="accent3">
+        <a:shade val="80000"/>
+      </a:schemeClr>
+      <a:schemeClr val="accent3">
+        <a:tint val="70000"/>
+      </a:schemeClr>
+    </dgm:linClrLst>
+    <dgm:effectClrLst/>
+    <dgm:txLinClrLst/>
+    <dgm:txFillClrLst meth="repeat">
+      <a:schemeClr val="dk1"/>
+    </dgm:txFillClrLst>
+    <dgm:txEffectClrLst/>
+  </dgm:styleLbl>
+  <dgm:styleLbl name="alignAcc1">
+    <dgm:fillClrLst meth="repeat">
+      <a:schemeClr val="lt1">
+        <a:alpha val="90000"/>
+      </a:schemeClr>
+    </dgm:fillClrLst>
+    <dgm:linClrLst>
+      <a:schemeClr val="accent3">
+        <a:shade val="80000"/>
+      </a:schemeClr>
+      <a:schemeClr val="accent3">
+        <a:tint val="70000"/>
+      </a:schemeClr>
+    </dgm:linClrLst>
+    <dgm:effectClrLst/>
+    <dgm:txLinClrLst/>
+    <dgm:txFillClrLst meth="repeat">
+      <a:schemeClr val="dk1"/>
+    </dgm:txFillClrLst>
+    <dgm:txEffectClrLst/>
+  </dgm:styleLbl>
+  <dgm:styleLbl name="trAlignAcc1">
+    <dgm:fillClrLst meth="repeat">
+      <a:schemeClr val="lt1">
+        <a:alpha val="40000"/>
+      </a:schemeClr>
+    </dgm:fillClrLst>
+    <dgm:linClrLst meth="repeat">
+      <a:schemeClr val="accent3"/>
+    </dgm:linClrLst>
+    <dgm:effectClrLst/>
+    <dgm:txLinClrLst/>
+    <dgm:txFillClrLst meth="repeat">
+      <a:schemeClr val="dk1"/>
+    </dgm:txFillClrLst>
+    <dgm:txEffectClrLst/>
+  </dgm:styleLbl>
+  <dgm:styleLbl name="bgAcc1">
+    <dgm:fillClrLst meth="repeat">
+      <a:schemeClr val="lt1">
+        <a:alpha val="90000"/>
+      </a:schemeClr>
+    </dgm:fillClrLst>
+    <dgm:linClrLst>
+      <a:schemeClr val="accent3">
+        <a:shade val="80000"/>
+      </a:schemeClr>
+      <a:schemeClr val="accent3">
+        <a:tint val="70000"/>
+      </a:schemeClr>
+    </dgm:linClrLst>
+    <dgm:effectClrLst/>
+    <dgm:txLinClrLst/>
+    <dgm:txFillClrLst meth="repeat">
+      <a:schemeClr val="dk1"/>
+    </dgm:txFillClrLst>
+    <dgm:txEffectClrLst/>
+  </dgm:styleLbl>
+  <dgm:styleLbl name="solidFgAcc1">
+    <dgm:fillClrLst meth="repeat">
+      <a:schemeClr val="lt1"/>
+    </dgm:fillClrLst>
+    <dgm:linClrLst>
+      <a:schemeClr val="accent3">
+        <a:shade val="80000"/>
+      </a:schemeClr>
+      <a:schemeClr val="accent3">
+        <a:tint val="70000"/>
+      </a:schemeClr>
+    </dgm:linClrLst>
+    <dgm:effectClrLst/>
+    <dgm:txLinClrLst/>
+    <dgm:txFillClrLst meth="repeat">
+      <a:schemeClr val="dk1"/>
+    </dgm:txFillClrLst>
+    <dgm:txEffectClrLst/>
+  </dgm:styleLbl>
+  <dgm:styleLbl name="solidAlignAcc1">
+    <dgm:fillClrLst meth="repeat">
+      <a:schemeClr val="lt1"/>
+    </dgm:fillClrLst>
+    <dgm:linClrLst meth="repeat">
+      <a:schemeClr val="accent3"/>
+    </dgm:linClrLst>
+    <dgm:effectClrLst/>
+    <dgm:txLinClrLst/>
+    <dgm:txFillClrLst meth="repeat">
+      <a:schemeClr val="dk1"/>
+    </dgm:txFillClrLst>
+    <dgm:txEffectClrLst/>
+  </dgm:styleLbl>
+  <dgm:styleLbl name="solidBgAcc1">
+    <dgm:fillClrLst meth="repeat">
+      <a:schemeClr val="lt1"/>
+    </dgm:fillClrLst>
+    <dgm:linClrLst meth="repeat">
+      <a:schemeClr val="accent3"/>
+    </dgm:linClrLst>
+    <dgm:effectClrLst/>
+    <dgm:txLinClrLst/>
+    <dgm:txFillClrLst meth="repeat">
+      <a:schemeClr val="dk1"/>
+    </dgm:txFillClrLst>
+    <dgm:txEffectClrLst/>
+  </dgm:styleLbl>
+  <dgm:styleLbl name="fgAccFollowNode1">
+    <dgm:fillClrLst meth="repeat">
+      <a:schemeClr val="accent3">
+        <a:alpha val="90000"/>
+        <a:tint val="40000"/>
+      </a:schemeClr>
+    </dgm:fillClrLst>
+    <dgm:linClrLst meth="repeat">
+      <a:schemeClr val="accent3">
+        <a:alpha val="90000"/>
+        <a:tint val="40000"/>
+      </a:schemeClr>
+    </dgm:linClrLst>
+    <dgm:effectClrLst/>
+    <dgm:txLinClrLst/>
+    <dgm:txFillClrLst meth="repeat">
+      <a:schemeClr val="dk1"/>
+    </dgm:txFillClrLst>
+    <dgm:txEffectClrLst/>
+  </dgm:styleLbl>
+  <dgm:styleLbl name="alignAccFollowNode1">
+    <dgm:fillClrLst meth="repeat">
+      <a:schemeClr val="accent3">
+        <a:alpha val="90000"/>
+        <a:tint val="40000"/>
+      </a:schemeClr>
+    </dgm:fillClrLst>
+    <dgm:linClrLst meth="repeat">
+      <a:schemeClr val="accent3">
+        <a:alpha val="90000"/>
+        <a:tint val="40000"/>
+      </a:schemeClr>
+    </dgm:linClrLst>
+    <dgm:effectClrLst/>
+    <dgm:txLinClrLst/>
+    <dgm:txFillClrLst meth="repeat">
+      <a:schemeClr val="dk1"/>
+    </dgm:txFillClrLst>
+    <dgm:txEffectClrLst/>
+  </dgm:styleLbl>
+  <dgm:styleLbl name="bgAccFollowNode1">
+    <dgm:fillClrLst meth="repeat">
+      <a:schemeClr val="accent3">
+        <a:alpha val="90000"/>
+        <a:tint val="40000"/>
+      </a:schemeClr>
+    </dgm:fillClrLst>
+    <dgm:linClrLst meth="repeat">
+      <a:schemeClr val="lt1"/>
+    </dgm:linClrLst>
+    <dgm:effectClrLst/>
+    <dgm:txLinClrLst/>
+    <dgm:txFillClrLst meth="repeat">
+      <a:schemeClr val="dk1"/>
+    </dgm:txFillClrLst>
+    <dgm:txEffectClrLst/>
+  </dgm:styleLbl>
+  <dgm:styleLbl name="fgAcc0">
+    <dgm:fillClrLst meth="repeat">
+      <a:schemeClr val="lt1">
+        <a:alpha val="90000"/>
+      </a:schemeClr>
+    </dgm:fillClrLst>
+    <dgm:linClrLst meth="repeat">
+      <a:schemeClr val="accent3">
+        <a:shade val="80000"/>
+      </a:schemeClr>
+    </dgm:linClrLst>
+    <dgm:effectClrLst/>
+    <dgm:txLinClrLst/>
+    <dgm:txFillClrLst meth="repeat">
+      <a:schemeClr val="dk1"/>
+    </dgm:txFillClrLst>
+    <dgm:txEffectClrLst/>
+  </dgm:styleLbl>
+  <dgm:styleLbl name="fgAcc2">
+    <dgm:fillClrLst meth="repeat">
+      <a:schemeClr val="lt1">
+        <a:alpha val="90000"/>
+      </a:schemeClr>
+    </dgm:fillClrLst>
+    <dgm:linClrLst meth="repeat">
+      <a:schemeClr val="accent3">
+        <a:tint val="99000"/>
+      </a:schemeClr>
+    </dgm:linClrLst>
+    <dgm:effectClrLst/>
+    <dgm:txLinClrLst/>
+    <dgm:txFillClrLst meth="repeat">
+      <a:schemeClr val="dk1"/>
+    </dgm:txFillClrLst>
+    <dgm:txEffectClrLst/>
+  </dgm:styleLbl>
+  <dgm:styleLbl name="fgAcc3">
+    <dgm:fillClrLst meth="repeat">
+      <a:schemeClr val="lt1">
+        <a:alpha val="90000"/>
+      </a:schemeClr>
+    </dgm:fillClrLst>
+    <dgm:linClrLst meth="repeat">
+      <a:schemeClr val="accent3">
+        <a:tint val="80000"/>
+      </a:schemeClr>
+    </dgm:linClrLst>
+    <dgm:effectClrLst/>
+    <dgm:txLinClrLst/>
+    <dgm:txFillClrLst meth="repeat">
+      <a:schemeClr val="dk1"/>
+    </dgm:txFillClrLst>
+    <dgm:txEffectClrLst/>
+  </dgm:styleLbl>
+  <dgm:styleLbl name="fgAcc4">
+    <dgm:fillClrLst meth="repeat">
+      <a:schemeClr val="lt1">
+        <a:alpha val="90000"/>
+      </a:schemeClr>
+    </dgm:fillClrLst>
+    <dgm:linClrLst meth="repeat">
+      <a:schemeClr val="accent3">
+        <a:tint val="70000"/>
+      </a:schemeClr>
+    </dgm:linClrLst>
+    <dgm:effectClrLst/>
+    <dgm:txLinClrLst/>
+    <dgm:txFillClrLst meth="repeat">
+      <a:schemeClr val="dk1"/>
+    </dgm:txFillClrLst>
+    <dgm:txEffectClrLst/>
+  </dgm:styleLbl>
+  <dgm:styleLbl name="bgShp">
+    <dgm:fillClrLst meth="repeat">
+      <a:schemeClr val="accent3">
+        <a:tint val="40000"/>
+      </a:schemeClr>
+    </dgm:fillClrLst>
+    <dgm:linClrLst meth="repeat">
+      <a:schemeClr val="dk1"/>
+    </dgm:linClrLst>
+    <dgm:effectClrLst/>
+    <dgm:txLinClrLst/>
+    <dgm:txFillClrLst meth="repeat">
+      <a:schemeClr val="dk1"/>
+    </dgm:txFillClrLst>
+    <dgm:txEffectClrLst/>
+  </dgm:styleLbl>
+  <dgm:styleLbl name="dkBgShp">
+    <dgm:fillClrLst meth="repeat">
+      <a:schemeClr val="accent3">
+        <a:shade val="90000"/>
+      </a:schemeClr>
+    </dgm:fillClrLst>
+    <dgm:linClrLst meth="repeat">
+      <a:schemeClr val="dk1"/>
+    </dgm:linClrLst>
+    <dgm:effectClrLst/>
+    <dgm:txLinClrLst/>
+    <dgm:txFillClrLst meth="repeat">
+      <a:schemeClr val="lt1"/>
+    </dgm:txFillClrLst>
+    <dgm:txEffectClrLst/>
+  </dgm:styleLbl>
+  <dgm:styleLbl name="trBgShp">
+    <dgm:fillClrLst meth="repeat">
+      <a:schemeClr val="accent3">
+        <a:tint val="50000"/>
+        <a:alpha val="40000"/>
+      </a:schemeClr>
+    </dgm:fillClrLst>
+    <dgm:linClrLst meth="repeat">
+      <a:schemeClr val="accent3"/>
+    </dgm:linClrLst>
+    <dgm:effectClrLst/>
+    <dgm:txLinClrLst/>
+    <dgm:txFillClrLst meth="repeat">
+      <a:schemeClr val="lt1"/>
+    </dgm:txFillClrLst>
+    <dgm:txEffectClrLst/>
+  </dgm:styleLbl>
+  <dgm:styleLbl name="fgShp">
+    <dgm:fillClrLst meth="repeat">
+      <a:schemeClr val="accent3">
+        <a:tint val="40000"/>
+      </a:schemeClr>
+    </dgm:fillClrLst>
+    <dgm:linClrLst meth="repeat">
+      <a:schemeClr val="lt1"/>
+    </dgm:linClrLst>
+    <dgm:effectClrLst/>
+    <dgm:txLinClrLst/>
+    <dgm:txFillClrLst meth="repeat">
+      <a:schemeClr val="dk1"/>
+    </dgm:txFillClrLst>
+    <dgm:txEffectClrLst/>
+  </dgm:styleLbl>
+  <dgm:styleLbl name="revTx">
+    <dgm:fillClrLst meth="repeat">
+      <a:schemeClr val="lt1">
+        <a:alpha val="0"/>
+      </a:schemeClr>
+    </dgm:fillClrLst>
+    <dgm:linClrLst meth="repeat">
+      <a:schemeClr val="dk1">
+        <a:alpha val="0"/>
+      </a:schemeClr>
+    </dgm:linClrLst>
+    <dgm:effectClrLst/>
+    <dgm:txLinClrLst/>
+    <dgm:txFillClrLst meth="repeat">
+      <a:schemeClr val="tx1"/>
+    </dgm:txFillClrLst>
+    <dgm:txEffectClrLst/>
+  </dgm:styleLbl>
+</dgm:colorsDef>
+</file>
+
+<file path=ppt/diagrams/data1.xml><?xml version="1.0" encoding="utf-8"?>
+<dgm:dataModel xmlns:dgm="http://schemas.openxmlformats.org/drawingml/2006/diagram" xmlns:a="http://schemas.openxmlformats.org/drawingml/2006/main">
+  <dgm:ptLst>
+    <dgm:pt modelId="{2157B5E1-D83A-4BC2-9A42-481B25694F45}" type="doc">
+      <dgm:prSet loTypeId="urn:microsoft.com/office/officeart/2005/8/layout/process1" loCatId="process" qsTypeId="urn:microsoft.com/office/officeart/2005/8/quickstyle/simple1" qsCatId="simple" csTypeId="urn:microsoft.com/office/officeart/2005/8/colors/accent3_3" csCatId="accent3" phldr="1"/>
+      <dgm:spPr/>
+      <dgm:t>
+        <a:bodyPr/>
+        <a:lstStyle/>
+        <a:p>
+          <a:endParaRPr lang="en-US"/>
+        </a:p>
+      </dgm:t>
+    </dgm:pt>
+    <dgm:pt modelId="{CECE1DF5-AE9F-4869-8A5C-FBE358D09A54}">
+      <dgm:prSet phldrT="[Text]" custT="1"/>
+      <dgm:spPr/>
+      <dgm:t>
+        <a:bodyPr/>
+        <a:lstStyle/>
+        <a:p>
+          <a:pPr algn="l"/>
+          <a:r>
+            <a:rPr lang="en-US" sz="2400" dirty="0" smtClean="0"/>
+            <a:t>Millions of Data Scientists and developers working from </a:t>
+          </a:r>
+          <a:r>
+            <a:rPr lang="en-US" sz="2400" dirty="0" err="1" smtClean="0"/>
+            <a:t>RStudio</a:t>
+          </a:r>
+          <a:endParaRPr lang="en-US" sz="2400" dirty="0">
+            <a:solidFill>
+              <a:schemeClr val="tx1"/>
+            </a:solidFill>
+          </a:endParaRPr>
+        </a:p>
+      </dgm:t>
+    </dgm:pt>
+    <dgm:pt modelId="{D81ADE2E-AD72-4ECD-82C9-2802E5DC6524}" type="parTrans" cxnId="{F1EB2505-C915-44CD-AB9B-B0A98C3597FA}">
+      <dgm:prSet/>
+      <dgm:spPr/>
+      <dgm:t>
+        <a:bodyPr/>
+        <a:lstStyle/>
+        <a:p>
+          <a:endParaRPr lang="en-US"/>
+        </a:p>
+      </dgm:t>
+    </dgm:pt>
+    <dgm:pt modelId="{5FF75A2D-899E-4DFC-B16A-7F62ACD64683}" type="sibTrans" cxnId="{F1EB2505-C915-44CD-AB9B-B0A98C3597FA}">
+      <dgm:prSet/>
+      <dgm:spPr/>
+      <dgm:t>
+        <a:bodyPr/>
+        <a:lstStyle/>
+        <a:p>
+          <a:endParaRPr lang="en-US"/>
+        </a:p>
+      </dgm:t>
+    </dgm:pt>
+    <dgm:pt modelId="{A7EB8D2F-7A59-4937-932C-B4894295A136}">
+      <dgm:prSet phldrT="[Text]"/>
+      <dgm:spPr/>
+      <dgm:t>
+        <a:bodyPr/>
+        <a:lstStyle/>
+        <a:p>
+          <a:pPr algn="l"/>
+          <a:r>
+            <a:rPr lang="en-US" dirty="0" smtClean="0"/>
+            <a:t>Users have to leave </a:t>
+          </a:r>
+          <a:r>
+            <a:rPr lang="en-US" dirty="0" err="1" smtClean="0"/>
+            <a:t>RStudio</a:t>
+          </a:r>
+          <a:r>
+            <a:rPr lang="en-US" dirty="0" smtClean="0"/>
+            <a:t> if they need to gain access to web services</a:t>
+          </a:r>
+          <a:endParaRPr lang="en-US" dirty="0"/>
+        </a:p>
+      </dgm:t>
+    </dgm:pt>
+    <dgm:pt modelId="{561BDF53-A6B2-4A08-916A-28C422BCFCA4}" type="parTrans" cxnId="{8D9A39BC-6D54-480E-B6E7-654E8262C316}">
+      <dgm:prSet/>
+      <dgm:spPr/>
+      <dgm:t>
+        <a:bodyPr/>
+        <a:lstStyle/>
+        <a:p>
+          <a:endParaRPr lang="en-US"/>
+        </a:p>
+      </dgm:t>
+    </dgm:pt>
+    <dgm:pt modelId="{11C99CBE-15BD-4C89-82F6-5C2F7BA414F1}" type="sibTrans" cxnId="{8D9A39BC-6D54-480E-B6E7-654E8262C316}">
+      <dgm:prSet/>
+      <dgm:spPr/>
+      <dgm:t>
+        <a:bodyPr/>
+        <a:lstStyle/>
+        <a:p>
+          <a:endParaRPr lang="en-US"/>
+        </a:p>
+      </dgm:t>
+    </dgm:pt>
+    <dgm:pt modelId="{B41FC37D-4874-4B65-AED6-B0CFF9DB3B54}">
+      <dgm:prSet phldrT="[Text]"/>
+      <dgm:spPr/>
+      <dgm:t>
+        <a:bodyPr/>
+        <a:lstStyle/>
+        <a:p>
+          <a:pPr algn="l"/>
+          <a:r>
+            <a:rPr lang="en-US" dirty="0" err="1" smtClean="0"/>
+            <a:t>RStudio</a:t>
+          </a:r>
+          <a:r>
+            <a:rPr lang="en-US" dirty="0" smtClean="0"/>
+            <a:t> does </a:t>
+          </a:r>
+          <a:r>
+            <a:rPr lang="en-US" b="1" dirty="0" smtClean="0"/>
+            <a:t>NOT</a:t>
+          </a:r>
+          <a:r>
+            <a:rPr lang="en-US" dirty="0" smtClean="0"/>
+            <a:t> have access to web services</a:t>
+          </a:r>
+          <a:endParaRPr lang="en-US" dirty="0"/>
+        </a:p>
+      </dgm:t>
+    </dgm:pt>
+    <dgm:pt modelId="{54E83B88-9311-4A4C-A5FE-AE5B43692D06}" type="sibTrans" cxnId="{F07D8F42-358D-48BD-89A9-736B588EFBF2}">
+      <dgm:prSet/>
+      <dgm:spPr/>
+      <dgm:t>
+        <a:bodyPr/>
+        <a:lstStyle/>
+        <a:p>
+          <a:endParaRPr lang="en-US"/>
+        </a:p>
+      </dgm:t>
+    </dgm:pt>
+    <dgm:pt modelId="{3F2B8007-0B73-445F-A1E7-8BE607A16893}" type="parTrans" cxnId="{F07D8F42-358D-48BD-89A9-736B588EFBF2}">
+      <dgm:prSet/>
+      <dgm:spPr/>
+      <dgm:t>
+        <a:bodyPr/>
+        <a:lstStyle/>
+        <a:p>
+          <a:endParaRPr lang="en-US"/>
+        </a:p>
+      </dgm:t>
+    </dgm:pt>
+    <dgm:pt modelId="{E3447519-9D67-4724-9C52-A4171A71CCE8}" type="pres">
+      <dgm:prSet presAssocID="{2157B5E1-D83A-4BC2-9A42-481B25694F45}" presName="Name0" presStyleCnt="0">
+        <dgm:presLayoutVars>
+          <dgm:dir/>
+          <dgm:resizeHandles val="exact"/>
+        </dgm:presLayoutVars>
+      </dgm:prSet>
+      <dgm:spPr/>
+    </dgm:pt>
+    <dgm:pt modelId="{09B556BA-BD67-4E2F-9601-11BDB66D76B1}" type="pres">
+      <dgm:prSet presAssocID="{CECE1DF5-AE9F-4869-8A5C-FBE358D09A54}" presName="node" presStyleLbl="node1" presStyleIdx="0" presStyleCnt="3" custScaleY="137715">
+        <dgm:presLayoutVars>
+          <dgm:bulletEnabled val="1"/>
+        </dgm:presLayoutVars>
+      </dgm:prSet>
+      <dgm:spPr/>
+      <dgm:t>
+        <a:bodyPr/>
+        <a:lstStyle/>
+        <a:p>
+          <a:endParaRPr lang="en-US"/>
+        </a:p>
+      </dgm:t>
+    </dgm:pt>
+    <dgm:pt modelId="{E688654C-480D-4723-81A7-40BBA8079336}" type="pres">
+      <dgm:prSet presAssocID="{5FF75A2D-899E-4DFC-B16A-7F62ACD64683}" presName="sibTrans" presStyleLbl="sibTrans2D1" presStyleIdx="0" presStyleCnt="2"/>
+      <dgm:spPr/>
+    </dgm:pt>
+    <dgm:pt modelId="{2ADD7079-839A-475E-8D7D-E8917615C115}" type="pres">
+      <dgm:prSet presAssocID="{5FF75A2D-899E-4DFC-B16A-7F62ACD64683}" presName="connectorText" presStyleLbl="sibTrans2D1" presStyleIdx="0" presStyleCnt="2"/>
+      <dgm:spPr/>
+    </dgm:pt>
+    <dgm:pt modelId="{CFB31821-0763-4057-9B7F-34EB41CB66CE}" type="pres">
+      <dgm:prSet presAssocID="{B41FC37D-4874-4B65-AED6-B0CFF9DB3B54}" presName="node" presStyleLbl="node1" presStyleIdx="1" presStyleCnt="3" custScaleY="137715">
+        <dgm:presLayoutVars>
+          <dgm:bulletEnabled val="1"/>
+        </dgm:presLayoutVars>
+      </dgm:prSet>
+      <dgm:spPr/>
+      <dgm:t>
+        <a:bodyPr/>
+        <a:lstStyle/>
+        <a:p>
+          <a:endParaRPr lang="en-US"/>
+        </a:p>
+      </dgm:t>
+    </dgm:pt>
+    <dgm:pt modelId="{D4AD2F42-40BB-4325-A12E-7CDDF3AB7080}" type="pres">
+      <dgm:prSet presAssocID="{54E83B88-9311-4A4C-A5FE-AE5B43692D06}" presName="sibTrans" presStyleLbl="sibTrans2D1" presStyleIdx="1" presStyleCnt="2"/>
+      <dgm:spPr/>
+    </dgm:pt>
+    <dgm:pt modelId="{F07CDDFB-2665-47C3-936A-830BAA1596CD}" type="pres">
+      <dgm:prSet presAssocID="{54E83B88-9311-4A4C-A5FE-AE5B43692D06}" presName="connectorText" presStyleLbl="sibTrans2D1" presStyleIdx="1" presStyleCnt="2"/>
+      <dgm:spPr/>
+    </dgm:pt>
+    <dgm:pt modelId="{32FC0D74-E03E-4FB7-9977-F61FC74F82AE}" type="pres">
+      <dgm:prSet presAssocID="{A7EB8D2F-7A59-4937-932C-B4894295A136}" presName="node" presStyleLbl="node1" presStyleIdx="2" presStyleCnt="3" custScaleY="146506">
+        <dgm:presLayoutVars>
+          <dgm:bulletEnabled val="1"/>
+        </dgm:presLayoutVars>
+      </dgm:prSet>
+      <dgm:spPr/>
+      <dgm:t>
+        <a:bodyPr/>
+        <a:lstStyle/>
+        <a:p>
+          <a:endParaRPr lang="en-US"/>
+        </a:p>
+      </dgm:t>
+    </dgm:pt>
+  </dgm:ptLst>
+  <dgm:cxnLst>
+    <dgm:cxn modelId="{732E965C-F25B-418B-B4DA-6B528DC98520}" type="presOf" srcId="{5FF75A2D-899E-4DFC-B16A-7F62ACD64683}" destId="{E688654C-480D-4723-81A7-40BBA8079336}" srcOrd="0" destOrd="0" presId="urn:microsoft.com/office/officeart/2005/8/layout/process1"/>
+    <dgm:cxn modelId="{F1EB2505-C915-44CD-AB9B-B0A98C3597FA}" srcId="{2157B5E1-D83A-4BC2-9A42-481B25694F45}" destId="{CECE1DF5-AE9F-4869-8A5C-FBE358D09A54}" srcOrd="0" destOrd="0" parTransId="{D81ADE2E-AD72-4ECD-82C9-2802E5DC6524}" sibTransId="{5FF75A2D-899E-4DFC-B16A-7F62ACD64683}"/>
+    <dgm:cxn modelId="{3761EE46-D4B2-476C-AE8F-686EF123E1C9}" type="presOf" srcId="{A7EB8D2F-7A59-4937-932C-B4894295A136}" destId="{32FC0D74-E03E-4FB7-9977-F61FC74F82AE}" srcOrd="0" destOrd="0" presId="urn:microsoft.com/office/officeart/2005/8/layout/process1"/>
+    <dgm:cxn modelId="{788BD5CC-70C8-445F-8E67-0AB9F50D215A}" type="presOf" srcId="{5FF75A2D-899E-4DFC-B16A-7F62ACD64683}" destId="{2ADD7079-839A-475E-8D7D-E8917615C115}" srcOrd="1" destOrd="0" presId="urn:microsoft.com/office/officeart/2005/8/layout/process1"/>
+    <dgm:cxn modelId="{DE91A91C-8603-42E1-8FC1-FF054169490A}" type="presOf" srcId="{B41FC37D-4874-4B65-AED6-B0CFF9DB3B54}" destId="{CFB31821-0763-4057-9B7F-34EB41CB66CE}" srcOrd="0" destOrd="0" presId="urn:microsoft.com/office/officeart/2005/8/layout/process1"/>
+    <dgm:cxn modelId="{8D9A39BC-6D54-480E-B6E7-654E8262C316}" srcId="{2157B5E1-D83A-4BC2-9A42-481B25694F45}" destId="{A7EB8D2F-7A59-4937-932C-B4894295A136}" srcOrd="2" destOrd="0" parTransId="{561BDF53-A6B2-4A08-916A-28C422BCFCA4}" sibTransId="{11C99CBE-15BD-4C89-82F6-5C2F7BA414F1}"/>
+    <dgm:cxn modelId="{94EF7C74-B86E-4896-9D37-0119D1A0BC5A}" type="presOf" srcId="{54E83B88-9311-4A4C-A5FE-AE5B43692D06}" destId="{D4AD2F42-40BB-4325-A12E-7CDDF3AB7080}" srcOrd="0" destOrd="0" presId="urn:microsoft.com/office/officeart/2005/8/layout/process1"/>
+    <dgm:cxn modelId="{5ED3FD25-31F7-40A4-A3D8-81131BEEA430}" type="presOf" srcId="{2157B5E1-D83A-4BC2-9A42-481B25694F45}" destId="{E3447519-9D67-4724-9C52-A4171A71CCE8}" srcOrd="0" destOrd="0" presId="urn:microsoft.com/office/officeart/2005/8/layout/process1"/>
+    <dgm:cxn modelId="{A4520FB8-C959-46A5-AA35-8D2A47079E69}" type="presOf" srcId="{CECE1DF5-AE9F-4869-8A5C-FBE358D09A54}" destId="{09B556BA-BD67-4E2F-9601-11BDB66D76B1}" srcOrd="0" destOrd="0" presId="urn:microsoft.com/office/officeart/2005/8/layout/process1"/>
+    <dgm:cxn modelId="{8BF69AC6-A31B-4022-B660-78AC39A0BBB7}" type="presOf" srcId="{54E83B88-9311-4A4C-A5FE-AE5B43692D06}" destId="{F07CDDFB-2665-47C3-936A-830BAA1596CD}" srcOrd="1" destOrd="0" presId="urn:microsoft.com/office/officeart/2005/8/layout/process1"/>
+    <dgm:cxn modelId="{F07D8F42-358D-48BD-89A9-736B588EFBF2}" srcId="{2157B5E1-D83A-4BC2-9A42-481B25694F45}" destId="{B41FC37D-4874-4B65-AED6-B0CFF9DB3B54}" srcOrd="1" destOrd="0" parTransId="{3F2B8007-0B73-445F-A1E7-8BE607A16893}" sibTransId="{54E83B88-9311-4A4C-A5FE-AE5B43692D06}"/>
+    <dgm:cxn modelId="{3CF62D91-83EA-4BD7-8605-ED754B86D5BE}" type="presParOf" srcId="{E3447519-9D67-4724-9C52-A4171A71CCE8}" destId="{09B556BA-BD67-4E2F-9601-11BDB66D76B1}" srcOrd="0" destOrd="0" presId="urn:microsoft.com/office/officeart/2005/8/layout/process1"/>
+    <dgm:cxn modelId="{39B75DE4-9BDF-4C8B-82D4-35A5C94E806C}" type="presParOf" srcId="{E3447519-9D67-4724-9C52-A4171A71CCE8}" destId="{E688654C-480D-4723-81A7-40BBA8079336}" srcOrd="1" destOrd="0" presId="urn:microsoft.com/office/officeart/2005/8/layout/process1"/>
+    <dgm:cxn modelId="{D37B208B-4F67-4416-804E-5AF196A135FE}" type="presParOf" srcId="{E688654C-480D-4723-81A7-40BBA8079336}" destId="{2ADD7079-839A-475E-8D7D-E8917615C115}" srcOrd="0" destOrd="0" presId="urn:microsoft.com/office/officeart/2005/8/layout/process1"/>
+    <dgm:cxn modelId="{B1B1FA31-D358-4302-95EC-E90492599398}" type="presParOf" srcId="{E3447519-9D67-4724-9C52-A4171A71CCE8}" destId="{CFB31821-0763-4057-9B7F-34EB41CB66CE}" srcOrd="2" destOrd="0" presId="urn:microsoft.com/office/officeart/2005/8/layout/process1"/>
+    <dgm:cxn modelId="{6F37CD21-3BE1-46E5-B4B7-44FDDE7A56EE}" type="presParOf" srcId="{E3447519-9D67-4724-9C52-A4171A71CCE8}" destId="{D4AD2F42-40BB-4325-A12E-7CDDF3AB7080}" srcOrd="3" destOrd="0" presId="urn:microsoft.com/office/officeart/2005/8/layout/process1"/>
+    <dgm:cxn modelId="{270702EB-9F57-414E-A252-7EBF4CADFC05}" type="presParOf" srcId="{D4AD2F42-40BB-4325-A12E-7CDDF3AB7080}" destId="{F07CDDFB-2665-47C3-936A-830BAA1596CD}" srcOrd="0" destOrd="0" presId="urn:microsoft.com/office/officeart/2005/8/layout/process1"/>
+    <dgm:cxn modelId="{2D6149E9-3CE3-488C-8BE6-6D325A539EAF}" type="presParOf" srcId="{E3447519-9D67-4724-9C52-A4171A71CCE8}" destId="{32FC0D74-E03E-4FB7-9977-F61FC74F82AE}" srcOrd="4" destOrd="0" presId="urn:microsoft.com/office/officeart/2005/8/layout/process1"/>
+  </dgm:cxnLst>
+  <dgm:bg/>
+  <dgm:whole/>
+  <dgm:extLst>
+    <a:ext uri="http://schemas.microsoft.com/office/drawing/2008/diagram">
+      <dsp:dataModelExt xmlns:dsp="http://schemas.microsoft.com/office/drawing/2008/diagram" relId="rId6" minVer="http://schemas.openxmlformats.org/drawingml/2006/diagram"/>
+    </a:ext>
+  </dgm:extLst>
+</dgm:dataModel>
+</file>
+
+<file path=ppt/diagrams/data2.xml><?xml version="1.0" encoding="utf-8"?>
+<dgm:dataModel xmlns:dgm="http://schemas.openxmlformats.org/drawingml/2006/diagram" xmlns:a="http://schemas.openxmlformats.org/drawingml/2006/main">
+  <dgm:ptLst>
+    <dgm:pt modelId="{656F842F-44AC-4A22-8007-9BC0517027BA}" type="doc">
+      <dgm:prSet loTypeId="urn:microsoft.com/office/officeart/2005/8/layout/hChevron3" loCatId="process" qsTypeId="urn:microsoft.com/office/officeart/2005/8/quickstyle/simple1" qsCatId="simple" csTypeId="urn:microsoft.com/office/officeart/2005/8/colors/accent3_3" csCatId="accent3" phldr="1"/>
+      <dgm:spPr/>
+      <dgm:t>
+        <a:bodyPr/>
+        <a:lstStyle/>
+        <a:p>
+          <a:endParaRPr lang="en-US"/>
+        </a:p>
+      </dgm:t>
+    </dgm:pt>
+    <dgm:pt modelId="{692914DB-491D-4830-957B-F6117C868A8C}">
+      <dgm:prSet phldrT="[Text]" custT="1"/>
+      <dgm:spPr/>
+      <dgm:t>
+        <a:bodyPr/>
+        <a:lstStyle/>
+        <a:p>
+          <a:r>
+            <a:rPr lang="en-US" sz="2000" dirty="0" smtClean="0"/>
+            <a:t>Publishing</a:t>
+          </a:r>
+          <a:endParaRPr lang="en-US" sz="2000" dirty="0"/>
+        </a:p>
+      </dgm:t>
+    </dgm:pt>
+    <dgm:pt modelId="{420156EB-488E-4C6C-86D9-B9E07CFBA571}" type="parTrans" cxnId="{564D4A35-22A2-47D5-AC0C-F20C14A0EF2F}">
+      <dgm:prSet/>
+      <dgm:spPr/>
+      <dgm:t>
+        <a:bodyPr/>
+        <a:lstStyle/>
+        <a:p>
+          <a:endParaRPr lang="en-US" sz="2000"/>
+        </a:p>
+      </dgm:t>
+    </dgm:pt>
+    <dgm:pt modelId="{8EB44C7A-F276-4DEE-9882-A69A75DD15D8}" type="sibTrans" cxnId="{564D4A35-22A2-47D5-AC0C-F20C14A0EF2F}">
+      <dgm:prSet/>
+      <dgm:spPr/>
+      <dgm:t>
+        <a:bodyPr/>
+        <a:lstStyle/>
+        <a:p>
+          <a:endParaRPr lang="en-US" sz="2000"/>
+        </a:p>
+      </dgm:t>
+    </dgm:pt>
+    <dgm:pt modelId="{8E44DC43-3DA5-4880-A68E-2309D521BF27}">
+      <dgm:prSet phldrT="[Text]" custT="1"/>
+      <dgm:spPr/>
+      <dgm:t>
+        <a:bodyPr/>
+        <a:lstStyle/>
+        <a:p>
+          <a:r>
+            <a:rPr lang="en-US" sz="2000" dirty="0" smtClean="0"/>
+            <a:t>Discovery</a:t>
+          </a:r>
+          <a:endParaRPr lang="en-US" sz="2000" dirty="0"/>
+        </a:p>
+      </dgm:t>
+    </dgm:pt>
+    <dgm:pt modelId="{D38CF6B8-7346-4C58-BAC0-7D53B2CE4653}" type="parTrans" cxnId="{D6C0EFBC-3063-40D6-84C8-9EC5894C56E2}">
+      <dgm:prSet/>
+      <dgm:spPr/>
+      <dgm:t>
+        <a:bodyPr/>
+        <a:lstStyle/>
+        <a:p>
+          <a:endParaRPr lang="en-US" sz="2000"/>
+        </a:p>
+      </dgm:t>
+    </dgm:pt>
+    <dgm:pt modelId="{81D7C1E2-D0F6-4CC8-A9AC-DE163A6494FF}" type="sibTrans" cxnId="{D6C0EFBC-3063-40D6-84C8-9EC5894C56E2}">
+      <dgm:prSet/>
+      <dgm:spPr/>
+      <dgm:t>
+        <a:bodyPr/>
+        <a:lstStyle/>
+        <a:p>
+          <a:endParaRPr lang="en-US" sz="2000"/>
+        </a:p>
+      </dgm:t>
+    </dgm:pt>
+    <dgm:pt modelId="{E96C8050-7BDC-42F6-B69C-91367BDD07CD}">
+      <dgm:prSet phldrT="[Text]" custT="1"/>
+      <dgm:spPr/>
+      <dgm:t>
+        <a:bodyPr/>
+        <a:lstStyle/>
+        <a:p>
+          <a:r>
+            <a:rPr lang="en-US" sz="2000" dirty="0" smtClean="0"/>
+            <a:t>Consumption</a:t>
+          </a:r>
+          <a:endParaRPr lang="en-US" sz="2000" dirty="0"/>
+        </a:p>
+      </dgm:t>
+    </dgm:pt>
+    <dgm:pt modelId="{1A0BF559-65F7-4BCE-B5D4-986936128761}" type="parTrans" cxnId="{FB09B62F-BA8B-45B2-9259-28FE33540E86}">
+      <dgm:prSet/>
+      <dgm:spPr/>
+      <dgm:t>
+        <a:bodyPr/>
+        <a:lstStyle/>
+        <a:p>
+          <a:endParaRPr lang="en-US" sz="2000"/>
+        </a:p>
+      </dgm:t>
+    </dgm:pt>
+    <dgm:pt modelId="{55CFBCD0-BE14-492E-974A-3781FAE72AAF}" type="sibTrans" cxnId="{FB09B62F-BA8B-45B2-9259-28FE33540E86}">
+      <dgm:prSet/>
+      <dgm:spPr/>
+      <dgm:t>
+        <a:bodyPr/>
+        <a:lstStyle/>
+        <a:p>
+          <a:endParaRPr lang="en-US" sz="2000"/>
+        </a:p>
+      </dgm:t>
+    </dgm:pt>
+    <dgm:pt modelId="{0542727A-B5A6-4437-ADE5-D511D7CC89D2}" type="pres">
+      <dgm:prSet presAssocID="{656F842F-44AC-4A22-8007-9BC0517027BA}" presName="Name0" presStyleCnt="0">
+        <dgm:presLayoutVars>
+          <dgm:dir/>
+          <dgm:resizeHandles val="exact"/>
+        </dgm:presLayoutVars>
+      </dgm:prSet>
+      <dgm:spPr/>
+    </dgm:pt>
+    <dgm:pt modelId="{3B54DEBD-AE5F-4B07-90BE-CD70AEA39EB0}" type="pres">
+      <dgm:prSet presAssocID="{692914DB-491D-4830-957B-F6117C868A8C}" presName="parTxOnly" presStyleLbl="node1" presStyleIdx="0" presStyleCnt="3" custLinFactNeighborY="45400">
+        <dgm:presLayoutVars>
+          <dgm:bulletEnabled val="1"/>
+        </dgm:presLayoutVars>
+      </dgm:prSet>
+      <dgm:spPr/>
+    </dgm:pt>
+    <dgm:pt modelId="{FE26787F-46E4-4259-B81D-D2CD253151A5}" type="pres">
+      <dgm:prSet presAssocID="{8EB44C7A-F276-4DEE-9882-A69A75DD15D8}" presName="parSpace" presStyleCnt="0"/>
+      <dgm:spPr/>
+    </dgm:pt>
+    <dgm:pt modelId="{7CCFB4AF-FDFD-48A3-8E8E-F8FDF32D629F}" type="pres">
+      <dgm:prSet presAssocID="{8E44DC43-3DA5-4880-A68E-2309D521BF27}" presName="parTxOnly" presStyleLbl="node1" presStyleIdx="1" presStyleCnt="3" custLinFactNeighborY="45400">
+        <dgm:presLayoutVars>
+          <dgm:bulletEnabled val="1"/>
+        </dgm:presLayoutVars>
+      </dgm:prSet>
+      <dgm:spPr/>
+    </dgm:pt>
+    <dgm:pt modelId="{3C992D8B-E4CB-4212-BBE2-6B3D62B6BC5C}" type="pres">
+      <dgm:prSet presAssocID="{81D7C1E2-D0F6-4CC8-A9AC-DE163A6494FF}" presName="parSpace" presStyleCnt="0"/>
+      <dgm:spPr/>
+    </dgm:pt>
+    <dgm:pt modelId="{80E90EF3-40C3-42AB-9AA0-088D1239EAD2}" type="pres">
+      <dgm:prSet presAssocID="{E96C8050-7BDC-42F6-B69C-91367BDD07CD}" presName="parTxOnly" presStyleLbl="node1" presStyleIdx="2" presStyleCnt="3" custLinFactNeighborY="45400">
+        <dgm:presLayoutVars>
+          <dgm:bulletEnabled val="1"/>
+        </dgm:presLayoutVars>
+      </dgm:prSet>
+      <dgm:spPr/>
+    </dgm:pt>
+  </dgm:ptLst>
+  <dgm:cxnLst>
+    <dgm:cxn modelId="{564D4A35-22A2-47D5-AC0C-F20C14A0EF2F}" srcId="{656F842F-44AC-4A22-8007-9BC0517027BA}" destId="{692914DB-491D-4830-957B-F6117C868A8C}" srcOrd="0" destOrd="0" parTransId="{420156EB-488E-4C6C-86D9-B9E07CFBA571}" sibTransId="{8EB44C7A-F276-4DEE-9882-A69A75DD15D8}"/>
+    <dgm:cxn modelId="{FB09B62F-BA8B-45B2-9259-28FE33540E86}" srcId="{656F842F-44AC-4A22-8007-9BC0517027BA}" destId="{E96C8050-7BDC-42F6-B69C-91367BDD07CD}" srcOrd="2" destOrd="0" parTransId="{1A0BF559-65F7-4BCE-B5D4-986936128761}" sibTransId="{55CFBCD0-BE14-492E-974A-3781FAE72AAF}"/>
+    <dgm:cxn modelId="{12830507-995D-4076-AC16-267EFAD79E00}" type="presOf" srcId="{E96C8050-7BDC-42F6-B69C-91367BDD07CD}" destId="{80E90EF3-40C3-42AB-9AA0-088D1239EAD2}" srcOrd="0" destOrd="0" presId="urn:microsoft.com/office/officeart/2005/8/layout/hChevron3"/>
+    <dgm:cxn modelId="{9361F7E6-2016-4C4F-86CA-3AC3698F265C}" type="presOf" srcId="{692914DB-491D-4830-957B-F6117C868A8C}" destId="{3B54DEBD-AE5F-4B07-90BE-CD70AEA39EB0}" srcOrd="0" destOrd="0" presId="urn:microsoft.com/office/officeart/2005/8/layout/hChevron3"/>
+    <dgm:cxn modelId="{C95101AC-0B2F-48A3-B5B2-0087345AEAD6}" type="presOf" srcId="{656F842F-44AC-4A22-8007-9BC0517027BA}" destId="{0542727A-B5A6-4437-ADE5-D511D7CC89D2}" srcOrd="0" destOrd="0" presId="urn:microsoft.com/office/officeart/2005/8/layout/hChevron3"/>
+    <dgm:cxn modelId="{D6C0EFBC-3063-40D6-84C8-9EC5894C56E2}" srcId="{656F842F-44AC-4A22-8007-9BC0517027BA}" destId="{8E44DC43-3DA5-4880-A68E-2309D521BF27}" srcOrd="1" destOrd="0" parTransId="{D38CF6B8-7346-4C58-BAC0-7D53B2CE4653}" sibTransId="{81D7C1E2-D0F6-4CC8-A9AC-DE163A6494FF}"/>
+    <dgm:cxn modelId="{387F359A-CF87-4CAC-9999-A35A0950B924}" type="presOf" srcId="{8E44DC43-3DA5-4880-A68E-2309D521BF27}" destId="{7CCFB4AF-FDFD-48A3-8E8E-F8FDF32D629F}" srcOrd="0" destOrd="0" presId="urn:microsoft.com/office/officeart/2005/8/layout/hChevron3"/>
+    <dgm:cxn modelId="{A5AA97A4-BA2C-4D81-A9E6-3AEB5DFF1898}" type="presParOf" srcId="{0542727A-B5A6-4437-ADE5-D511D7CC89D2}" destId="{3B54DEBD-AE5F-4B07-90BE-CD70AEA39EB0}" srcOrd="0" destOrd="0" presId="urn:microsoft.com/office/officeart/2005/8/layout/hChevron3"/>
+    <dgm:cxn modelId="{03DB7FED-D89B-4479-8BFA-7FFF29291743}" type="presParOf" srcId="{0542727A-B5A6-4437-ADE5-D511D7CC89D2}" destId="{FE26787F-46E4-4259-B81D-D2CD253151A5}" srcOrd="1" destOrd="0" presId="urn:microsoft.com/office/officeart/2005/8/layout/hChevron3"/>
+    <dgm:cxn modelId="{88D1928D-FFB4-470B-AAAC-5970A1BD0B58}" type="presParOf" srcId="{0542727A-B5A6-4437-ADE5-D511D7CC89D2}" destId="{7CCFB4AF-FDFD-48A3-8E8E-F8FDF32D629F}" srcOrd="2" destOrd="0" presId="urn:microsoft.com/office/officeart/2005/8/layout/hChevron3"/>
+    <dgm:cxn modelId="{1CEE4427-1D33-4128-A7C3-530F1DE3F1E9}" type="presParOf" srcId="{0542727A-B5A6-4437-ADE5-D511D7CC89D2}" destId="{3C992D8B-E4CB-4212-BBE2-6B3D62B6BC5C}" srcOrd="3" destOrd="0" presId="urn:microsoft.com/office/officeart/2005/8/layout/hChevron3"/>
+    <dgm:cxn modelId="{EF631B11-0AAC-438D-B8C6-63BECA73F0B8}" type="presParOf" srcId="{0542727A-B5A6-4437-ADE5-D511D7CC89D2}" destId="{80E90EF3-40C3-42AB-9AA0-088D1239EAD2}" srcOrd="4" destOrd="0" presId="urn:microsoft.com/office/officeart/2005/8/layout/hChevron3"/>
+  </dgm:cxnLst>
+  <dgm:bg/>
+  <dgm:whole/>
+  <dgm:extLst>
+    <a:ext uri="http://schemas.microsoft.com/office/drawing/2008/diagram">
+      <dsp:dataModelExt xmlns:dsp="http://schemas.microsoft.com/office/drawing/2008/diagram" relId="rId7" minVer="http://schemas.openxmlformats.org/drawingml/2006/diagram"/>
+    </a:ext>
+  </dgm:extLst>
+</dgm:dataModel>
+</file>
+
+<file path=ppt/diagrams/drawing1.xml><?xml version="1.0" encoding="utf-8"?>
+<dsp:drawing xmlns:dgm="http://schemas.openxmlformats.org/drawingml/2006/diagram" xmlns:dsp="http://schemas.microsoft.com/office/drawing/2008/diagram" xmlns:a="http://schemas.openxmlformats.org/drawingml/2006/main">
+  <dsp:spTree>
+    <dsp:nvGrpSpPr>
+      <dsp:cNvPr id="0" name=""/>
+      <dsp:cNvGrpSpPr/>
+    </dsp:nvGrpSpPr>
+    <dsp:grpSpPr/>
+    <dsp:sp modelId="{09B556BA-BD67-4E2F-9601-11BDB66D76B1}">
+      <dsp:nvSpPr>
+        <dsp:cNvPr id="0" name=""/>
+        <dsp:cNvSpPr/>
+      </dsp:nvSpPr>
+      <dsp:spPr>
+        <a:xfrm>
+          <a:off x="8730" y="847149"/>
+          <a:ext cx="2609578" cy="2762718"/>
+        </a:xfrm>
+        <a:prstGeom prst="roundRect">
+          <a:avLst>
+            <a:gd name="adj" fmla="val 10000"/>
+          </a:avLst>
+        </a:prstGeom>
+        <a:solidFill>
+          <a:schemeClr val="accent3">
+            <a:shade val="80000"/>
+            <a:hueOff val="0"/>
+            <a:satOff val="0"/>
+            <a:lumOff val="0"/>
+            <a:alphaOff val="0"/>
+          </a:schemeClr>
+        </a:solidFill>
+        <a:ln w="15875" cap="rnd" cmpd="sng" algn="ctr">
+          <a:solidFill>
+            <a:schemeClr val="lt1">
+              <a:hueOff val="0"/>
+              <a:satOff val="0"/>
+              <a:lumOff val="0"/>
+              <a:alphaOff val="0"/>
+            </a:schemeClr>
+          </a:solidFill>
+          <a:prstDash val="solid"/>
+        </a:ln>
+        <a:effectLst/>
+      </dsp:spPr>
+      <dsp:style>
+        <a:lnRef idx="2">
+          <a:scrgbClr r="0" g="0" b="0"/>
+        </a:lnRef>
+        <a:fillRef idx="1">
+          <a:scrgbClr r="0" g="0" b="0"/>
+        </a:fillRef>
+        <a:effectRef idx="0">
+          <a:scrgbClr r="0" g="0" b="0"/>
+        </a:effectRef>
+        <a:fontRef idx="minor">
+          <a:schemeClr val="lt1"/>
+        </a:fontRef>
+      </dsp:style>
+      <dsp:txBody>
+        <a:bodyPr spcFirstLastPara="0" vert="horz" wrap="square" lIns="91440" tIns="91440" rIns="91440" bIns="91440" numCol="1" spcCol="1270" anchor="ctr" anchorCtr="0">
+          <a:noAutofit/>
+        </a:bodyPr>
+        <a:lstStyle/>
+        <a:p>
+          <a:pPr lvl="0" algn="l" defTabSz="1066800">
+            <a:lnSpc>
+              <a:spcPct val="90000"/>
+            </a:lnSpc>
+            <a:spcBef>
+              <a:spcPct val="0"/>
+            </a:spcBef>
+            <a:spcAft>
+              <a:spcPct val="35000"/>
+            </a:spcAft>
+          </a:pPr>
+          <a:r>
+            <a:rPr lang="en-US" sz="2400" kern="1200" dirty="0" smtClean="0"/>
+            <a:t>Millions of Data Scientists and developers working from </a:t>
+          </a:r>
+          <a:r>
+            <a:rPr lang="en-US" sz="2400" kern="1200" dirty="0" err="1" smtClean="0"/>
+            <a:t>RStudio</a:t>
+          </a:r>
+          <a:endParaRPr lang="en-US" sz="2400" kern="1200" dirty="0">
+            <a:solidFill>
+              <a:schemeClr val="tx1"/>
+            </a:solidFill>
+          </a:endParaRPr>
+        </a:p>
+      </dsp:txBody>
+      <dsp:txXfrm>
+        <a:off x="85162" y="923581"/>
+        <a:ext cx="2456714" cy="2609854"/>
+      </dsp:txXfrm>
+    </dsp:sp>
+    <dsp:sp modelId="{E688654C-480D-4723-81A7-40BBA8079336}">
+      <dsp:nvSpPr>
+        <dsp:cNvPr id="0" name=""/>
+        <dsp:cNvSpPr/>
+      </dsp:nvSpPr>
+      <dsp:spPr>
+        <a:xfrm>
+          <a:off x="2879266" y="1904920"/>
+          <a:ext cx="553230" cy="647175"/>
+        </a:xfrm>
+        <a:prstGeom prst="rightArrow">
+          <a:avLst>
+            <a:gd name="adj1" fmla="val 60000"/>
+            <a:gd name="adj2" fmla="val 50000"/>
+          </a:avLst>
+        </a:prstGeom>
+        <a:solidFill>
+          <a:schemeClr val="accent3">
+            <a:shade val="90000"/>
+            <a:hueOff val="0"/>
+            <a:satOff val="0"/>
+            <a:lumOff val="0"/>
+            <a:alphaOff val="0"/>
+          </a:schemeClr>
+        </a:solidFill>
+        <a:ln>
+          <a:noFill/>
+        </a:ln>
+        <a:effectLst/>
+      </dsp:spPr>
+      <dsp:style>
+        <a:lnRef idx="0">
+          <a:scrgbClr r="0" g="0" b="0"/>
+        </a:lnRef>
+        <a:fillRef idx="1">
+          <a:scrgbClr r="0" g="0" b="0"/>
+        </a:fillRef>
+        <a:effectRef idx="0">
+          <a:scrgbClr r="0" g="0" b="0"/>
+        </a:effectRef>
+        <a:fontRef idx="minor">
+          <a:schemeClr val="lt1"/>
+        </a:fontRef>
+      </dsp:style>
+      <dsp:txBody>
+        <a:bodyPr spcFirstLastPara="0" vert="horz" wrap="square" lIns="0" tIns="0" rIns="0" bIns="0" numCol="1" spcCol="1270" anchor="ctr" anchorCtr="0">
+          <a:noAutofit/>
+        </a:bodyPr>
+        <a:lstStyle/>
+        <a:p>
+          <a:pPr lvl="0" algn="ctr" defTabSz="889000">
+            <a:lnSpc>
+              <a:spcPct val="90000"/>
+            </a:lnSpc>
+            <a:spcBef>
+              <a:spcPct val="0"/>
+            </a:spcBef>
+            <a:spcAft>
+              <a:spcPct val="35000"/>
+            </a:spcAft>
+          </a:pPr>
+          <a:endParaRPr lang="en-US" sz="2000" kern="1200"/>
+        </a:p>
+      </dsp:txBody>
+      <dsp:txXfrm>
+        <a:off x="2879266" y="2034355"/>
+        <a:ext cx="387261" cy="388305"/>
+      </dsp:txXfrm>
+    </dsp:sp>
+    <dsp:sp modelId="{CFB31821-0763-4057-9B7F-34EB41CB66CE}">
+      <dsp:nvSpPr>
+        <dsp:cNvPr id="0" name=""/>
+        <dsp:cNvSpPr/>
+      </dsp:nvSpPr>
+      <dsp:spPr>
+        <a:xfrm>
+          <a:off x="3662140" y="847149"/>
+          <a:ext cx="2609578" cy="2762718"/>
+        </a:xfrm>
+        <a:prstGeom prst="roundRect">
+          <a:avLst>
+            <a:gd name="adj" fmla="val 10000"/>
+          </a:avLst>
+        </a:prstGeom>
+        <a:solidFill>
+          <a:schemeClr val="accent3">
+            <a:shade val="80000"/>
+            <a:hueOff val="254882"/>
+            <a:satOff val="-19351"/>
+            <a:lumOff val="17144"/>
+            <a:alphaOff val="0"/>
+          </a:schemeClr>
+        </a:solidFill>
+        <a:ln w="15875" cap="rnd" cmpd="sng" algn="ctr">
+          <a:solidFill>
+            <a:schemeClr val="lt1">
+              <a:hueOff val="0"/>
+              <a:satOff val="0"/>
+              <a:lumOff val="0"/>
+              <a:alphaOff val="0"/>
+            </a:schemeClr>
+          </a:solidFill>
+          <a:prstDash val="solid"/>
+        </a:ln>
+        <a:effectLst/>
+      </dsp:spPr>
+      <dsp:style>
+        <a:lnRef idx="2">
+          <a:scrgbClr r="0" g="0" b="0"/>
+        </a:lnRef>
+        <a:fillRef idx="1">
+          <a:scrgbClr r="0" g="0" b="0"/>
+        </a:fillRef>
+        <a:effectRef idx="0">
+          <a:scrgbClr r="0" g="0" b="0"/>
+        </a:effectRef>
+        <a:fontRef idx="minor">
+          <a:schemeClr val="lt1"/>
+        </a:fontRef>
+      </dsp:style>
+      <dsp:txBody>
+        <a:bodyPr spcFirstLastPara="0" vert="horz" wrap="square" lIns="95250" tIns="95250" rIns="95250" bIns="95250" numCol="1" spcCol="1270" anchor="ctr" anchorCtr="0">
+          <a:noAutofit/>
+        </a:bodyPr>
+        <a:lstStyle/>
+        <a:p>
+          <a:pPr lvl="0" algn="l" defTabSz="1111250">
+            <a:lnSpc>
+              <a:spcPct val="90000"/>
+            </a:lnSpc>
+            <a:spcBef>
+              <a:spcPct val="0"/>
+            </a:spcBef>
+            <a:spcAft>
+              <a:spcPct val="35000"/>
+            </a:spcAft>
+          </a:pPr>
+          <a:r>
+            <a:rPr lang="en-US" sz="2500" kern="1200" dirty="0" err="1" smtClean="0"/>
+            <a:t>RStudio</a:t>
+          </a:r>
+          <a:r>
+            <a:rPr lang="en-US" sz="2500" kern="1200" dirty="0" smtClean="0"/>
+            <a:t> does </a:t>
+          </a:r>
+          <a:r>
+            <a:rPr lang="en-US" sz="2500" b="1" kern="1200" dirty="0" smtClean="0"/>
+            <a:t>NOT</a:t>
+          </a:r>
+          <a:r>
+            <a:rPr lang="en-US" sz="2500" kern="1200" dirty="0" smtClean="0"/>
+            <a:t> have access to web services</a:t>
+          </a:r>
+          <a:endParaRPr lang="en-US" sz="2500" kern="1200" dirty="0"/>
+        </a:p>
+      </dsp:txBody>
+      <dsp:txXfrm>
+        <a:off x="3738572" y="923581"/>
+        <a:ext cx="2456714" cy="2609854"/>
+      </dsp:txXfrm>
+    </dsp:sp>
+    <dsp:sp modelId="{D4AD2F42-40BB-4325-A12E-7CDDF3AB7080}">
+      <dsp:nvSpPr>
+        <dsp:cNvPr id="0" name=""/>
+        <dsp:cNvSpPr/>
+      </dsp:nvSpPr>
+      <dsp:spPr>
+        <a:xfrm>
+          <a:off x="6532676" y="1904920"/>
+          <a:ext cx="553230" cy="647175"/>
+        </a:xfrm>
+        <a:prstGeom prst="rightArrow">
+          <a:avLst>
+            <a:gd name="adj1" fmla="val 60000"/>
+            <a:gd name="adj2" fmla="val 50000"/>
+          </a:avLst>
+        </a:prstGeom>
+        <a:solidFill>
+          <a:schemeClr val="accent3">
+            <a:shade val="90000"/>
+            <a:hueOff val="509732"/>
+            <a:satOff val="-38217"/>
+            <a:lumOff val="32391"/>
+            <a:alphaOff val="0"/>
+          </a:schemeClr>
+        </a:solidFill>
+        <a:ln>
+          <a:noFill/>
+        </a:ln>
+        <a:effectLst/>
+      </dsp:spPr>
+      <dsp:style>
+        <a:lnRef idx="0">
+          <a:scrgbClr r="0" g="0" b="0"/>
+        </a:lnRef>
+        <a:fillRef idx="1">
+          <a:scrgbClr r="0" g="0" b="0"/>
+        </a:fillRef>
+        <a:effectRef idx="0">
+          <a:scrgbClr r="0" g="0" b="0"/>
+        </a:effectRef>
+        <a:fontRef idx="minor">
+          <a:schemeClr val="lt1"/>
+        </a:fontRef>
+      </dsp:style>
+      <dsp:txBody>
+        <a:bodyPr spcFirstLastPara="0" vert="horz" wrap="square" lIns="0" tIns="0" rIns="0" bIns="0" numCol="1" spcCol="1270" anchor="ctr" anchorCtr="0">
+          <a:noAutofit/>
+        </a:bodyPr>
+        <a:lstStyle/>
+        <a:p>
+          <a:pPr lvl="0" algn="ctr" defTabSz="889000">
+            <a:lnSpc>
+              <a:spcPct val="90000"/>
+            </a:lnSpc>
+            <a:spcBef>
+              <a:spcPct val="0"/>
+            </a:spcBef>
+            <a:spcAft>
+              <a:spcPct val="35000"/>
+            </a:spcAft>
+          </a:pPr>
+          <a:endParaRPr lang="en-US" sz="2000" kern="1200"/>
+        </a:p>
+      </dsp:txBody>
+      <dsp:txXfrm>
+        <a:off x="6532676" y="2034355"/>
+        <a:ext cx="387261" cy="388305"/>
+      </dsp:txXfrm>
+    </dsp:sp>
+    <dsp:sp modelId="{32FC0D74-E03E-4FB7-9977-F61FC74F82AE}">
+      <dsp:nvSpPr>
+        <dsp:cNvPr id="0" name=""/>
+        <dsp:cNvSpPr/>
+      </dsp:nvSpPr>
+      <dsp:spPr>
+        <a:xfrm>
+          <a:off x="7315549" y="758970"/>
+          <a:ext cx="2609578" cy="2939076"/>
+        </a:xfrm>
+        <a:prstGeom prst="roundRect">
+          <a:avLst>
+            <a:gd name="adj" fmla="val 10000"/>
+          </a:avLst>
+        </a:prstGeom>
+        <a:solidFill>
+          <a:schemeClr val="accent3">
+            <a:shade val="80000"/>
+            <a:hueOff val="509765"/>
+            <a:satOff val="-38702"/>
+            <a:lumOff val="34288"/>
+            <a:alphaOff val="0"/>
+          </a:schemeClr>
+        </a:solidFill>
+        <a:ln w="15875" cap="rnd" cmpd="sng" algn="ctr">
+          <a:solidFill>
+            <a:schemeClr val="lt1">
+              <a:hueOff val="0"/>
+              <a:satOff val="0"/>
+              <a:lumOff val="0"/>
+              <a:alphaOff val="0"/>
+            </a:schemeClr>
+          </a:solidFill>
+          <a:prstDash val="solid"/>
+        </a:ln>
+        <a:effectLst/>
+      </dsp:spPr>
+      <dsp:style>
+        <a:lnRef idx="2">
+          <a:scrgbClr r="0" g="0" b="0"/>
+        </a:lnRef>
+        <a:fillRef idx="1">
+          <a:scrgbClr r="0" g="0" b="0"/>
+        </a:fillRef>
+        <a:effectRef idx="0">
+          <a:scrgbClr r="0" g="0" b="0"/>
+        </a:effectRef>
+        <a:fontRef idx="minor">
+          <a:schemeClr val="lt1"/>
+        </a:fontRef>
+      </dsp:style>
+      <dsp:txBody>
+        <a:bodyPr spcFirstLastPara="0" vert="horz" wrap="square" lIns="95250" tIns="95250" rIns="95250" bIns="95250" numCol="1" spcCol="1270" anchor="ctr" anchorCtr="0">
+          <a:noAutofit/>
+        </a:bodyPr>
+        <a:lstStyle/>
+        <a:p>
+          <a:pPr lvl="0" algn="l" defTabSz="1111250">
+            <a:lnSpc>
+              <a:spcPct val="90000"/>
+            </a:lnSpc>
+            <a:spcBef>
+              <a:spcPct val="0"/>
+            </a:spcBef>
+            <a:spcAft>
+              <a:spcPct val="35000"/>
+            </a:spcAft>
+          </a:pPr>
+          <a:r>
+            <a:rPr lang="en-US" sz="2500" kern="1200" dirty="0" smtClean="0"/>
+            <a:t>Users have to leave </a:t>
+          </a:r>
+          <a:r>
+            <a:rPr lang="en-US" sz="2500" kern="1200" dirty="0" err="1" smtClean="0"/>
+            <a:t>RStudio</a:t>
+          </a:r>
+          <a:r>
+            <a:rPr lang="en-US" sz="2500" kern="1200" dirty="0" smtClean="0"/>
+            <a:t> if they need to gain access to web services</a:t>
+          </a:r>
+          <a:endParaRPr lang="en-US" sz="2500" kern="1200" dirty="0"/>
+        </a:p>
+      </dsp:txBody>
+      <dsp:txXfrm>
+        <a:off x="7391981" y="835402"/>
+        <a:ext cx="2456714" cy="2786212"/>
+      </dsp:txXfrm>
+    </dsp:sp>
+  </dsp:spTree>
+</dsp:drawing>
+</file>
+
+<file path=ppt/diagrams/drawing2.xml><?xml version="1.0" encoding="utf-8"?>
+<dsp:drawing xmlns:dgm="http://schemas.openxmlformats.org/drawingml/2006/diagram" xmlns:dsp="http://schemas.microsoft.com/office/drawing/2008/diagram" xmlns:a="http://schemas.openxmlformats.org/drawingml/2006/main">
+  <dsp:spTree>
+    <dsp:nvGrpSpPr>
+      <dsp:cNvPr id="0" name=""/>
+      <dsp:cNvGrpSpPr/>
+    </dsp:nvGrpSpPr>
+    <dsp:grpSpPr/>
+    <dsp:sp modelId="{3B54DEBD-AE5F-4B07-90BE-CD70AEA39EB0}">
+      <dsp:nvSpPr>
+        <dsp:cNvPr id="0" name=""/>
+        <dsp:cNvSpPr/>
+      </dsp:nvSpPr>
+      <dsp:spPr>
+        <a:xfrm>
+          <a:off x="3653" y="2100802"/>
+          <a:ext cx="3194396" cy="1277758"/>
+        </a:xfrm>
+        <a:prstGeom prst="homePlate">
+          <a:avLst/>
+        </a:prstGeom>
+        <a:solidFill>
+          <a:schemeClr val="accent3">
+            <a:shade val="80000"/>
+            <a:hueOff val="0"/>
+            <a:satOff val="0"/>
+            <a:lumOff val="0"/>
+            <a:alphaOff val="0"/>
+          </a:schemeClr>
+        </a:solidFill>
+        <a:ln w="15875" cap="rnd" cmpd="sng" algn="ctr">
+          <a:solidFill>
+            <a:schemeClr val="lt1">
+              <a:hueOff val="0"/>
+              <a:satOff val="0"/>
+              <a:lumOff val="0"/>
+              <a:alphaOff val="0"/>
+            </a:schemeClr>
+          </a:solidFill>
+          <a:prstDash val="solid"/>
+        </a:ln>
+        <a:effectLst/>
+      </dsp:spPr>
+      <dsp:style>
+        <a:lnRef idx="2">
+          <a:scrgbClr r="0" g="0" b="0"/>
+        </a:lnRef>
+        <a:fillRef idx="1">
+          <a:scrgbClr r="0" g="0" b="0"/>
+        </a:fillRef>
+        <a:effectRef idx="0">
+          <a:scrgbClr r="0" g="0" b="0"/>
+        </a:effectRef>
+        <a:fontRef idx="minor">
+          <a:schemeClr val="lt1"/>
+        </a:fontRef>
+      </dsp:style>
+      <dsp:txBody>
+        <a:bodyPr spcFirstLastPara="0" vert="horz" wrap="square" lIns="106680" tIns="53340" rIns="26670" bIns="53340" numCol="1" spcCol="1270" anchor="ctr" anchorCtr="0">
+          <a:noAutofit/>
+        </a:bodyPr>
+        <a:lstStyle/>
+        <a:p>
+          <a:pPr lvl="0" algn="ctr" defTabSz="889000">
+            <a:lnSpc>
+              <a:spcPct val="90000"/>
+            </a:lnSpc>
+            <a:spcBef>
+              <a:spcPct val="0"/>
+            </a:spcBef>
+            <a:spcAft>
+              <a:spcPct val="35000"/>
+            </a:spcAft>
+          </a:pPr>
+          <a:r>
+            <a:rPr lang="en-US" sz="2000" kern="1200" dirty="0" smtClean="0"/>
+            <a:t>Publishing</a:t>
+          </a:r>
+          <a:endParaRPr lang="en-US" sz="2000" kern="1200" dirty="0"/>
+        </a:p>
+      </dsp:txBody>
+      <dsp:txXfrm>
+        <a:off x="3653" y="2100802"/>
+        <a:ext cx="2874957" cy="1277758"/>
+      </dsp:txXfrm>
+    </dsp:sp>
+    <dsp:sp modelId="{7CCFB4AF-FDFD-48A3-8E8E-F8FDF32D629F}">
+      <dsp:nvSpPr>
+        <dsp:cNvPr id="0" name=""/>
+        <dsp:cNvSpPr/>
+      </dsp:nvSpPr>
+      <dsp:spPr>
+        <a:xfrm>
+          <a:off x="2559169" y="2100802"/>
+          <a:ext cx="3194396" cy="1277758"/>
+        </a:xfrm>
+        <a:prstGeom prst="chevron">
+          <a:avLst/>
+        </a:prstGeom>
+        <a:solidFill>
+          <a:schemeClr val="accent3">
+            <a:shade val="80000"/>
+            <a:hueOff val="254882"/>
+            <a:satOff val="-19351"/>
+            <a:lumOff val="17144"/>
+            <a:alphaOff val="0"/>
+          </a:schemeClr>
+        </a:solidFill>
+        <a:ln w="15875" cap="rnd" cmpd="sng" algn="ctr">
+          <a:solidFill>
+            <a:schemeClr val="lt1">
+              <a:hueOff val="0"/>
+              <a:satOff val="0"/>
+              <a:lumOff val="0"/>
+              <a:alphaOff val="0"/>
+            </a:schemeClr>
+          </a:solidFill>
+          <a:prstDash val="solid"/>
+        </a:ln>
+        <a:effectLst/>
+      </dsp:spPr>
+      <dsp:style>
+        <a:lnRef idx="2">
+          <a:scrgbClr r="0" g="0" b="0"/>
+        </a:lnRef>
+        <a:fillRef idx="1">
+          <a:scrgbClr r="0" g="0" b="0"/>
+        </a:fillRef>
+        <a:effectRef idx="0">
+          <a:scrgbClr r="0" g="0" b="0"/>
+        </a:effectRef>
+        <a:fontRef idx="minor">
+          <a:schemeClr val="lt1"/>
+        </a:fontRef>
+      </dsp:style>
+      <dsp:txBody>
+        <a:bodyPr spcFirstLastPara="0" vert="horz" wrap="square" lIns="80010" tIns="53340" rIns="26670" bIns="53340" numCol="1" spcCol="1270" anchor="ctr" anchorCtr="0">
+          <a:noAutofit/>
+        </a:bodyPr>
+        <a:lstStyle/>
+        <a:p>
+          <a:pPr lvl="0" algn="ctr" defTabSz="889000">
+            <a:lnSpc>
+              <a:spcPct val="90000"/>
+            </a:lnSpc>
+            <a:spcBef>
+              <a:spcPct val="0"/>
+            </a:spcBef>
+            <a:spcAft>
+              <a:spcPct val="35000"/>
+            </a:spcAft>
+          </a:pPr>
+          <a:r>
+            <a:rPr lang="en-US" sz="2000" kern="1200" dirty="0" smtClean="0"/>
+            <a:t>Discovery</a:t>
+          </a:r>
+          <a:endParaRPr lang="en-US" sz="2000" kern="1200" dirty="0"/>
+        </a:p>
+      </dsp:txBody>
+      <dsp:txXfrm>
+        <a:off x="3198048" y="2100802"/>
+        <a:ext cx="1916638" cy="1277758"/>
+      </dsp:txXfrm>
+    </dsp:sp>
+    <dsp:sp modelId="{80E90EF3-40C3-42AB-9AA0-088D1239EAD2}">
+      <dsp:nvSpPr>
+        <dsp:cNvPr id="0" name=""/>
+        <dsp:cNvSpPr/>
+      </dsp:nvSpPr>
+      <dsp:spPr>
+        <a:xfrm>
+          <a:off x="5114686" y="2100802"/>
+          <a:ext cx="3194396" cy="1277758"/>
+        </a:xfrm>
+        <a:prstGeom prst="chevron">
+          <a:avLst/>
+        </a:prstGeom>
+        <a:solidFill>
+          <a:schemeClr val="accent3">
+            <a:shade val="80000"/>
+            <a:hueOff val="509765"/>
+            <a:satOff val="-38702"/>
+            <a:lumOff val="34288"/>
+            <a:alphaOff val="0"/>
+          </a:schemeClr>
+        </a:solidFill>
+        <a:ln w="15875" cap="rnd" cmpd="sng" algn="ctr">
+          <a:solidFill>
+            <a:schemeClr val="lt1">
+              <a:hueOff val="0"/>
+              <a:satOff val="0"/>
+              <a:lumOff val="0"/>
+              <a:alphaOff val="0"/>
+            </a:schemeClr>
+          </a:solidFill>
+          <a:prstDash val="solid"/>
+        </a:ln>
+        <a:effectLst/>
+      </dsp:spPr>
+      <dsp:style>
+        <a:lnRef idx="2">
+          <a:scrgbClr r="0" g="0" b="0"/>
+        </a:lnRef>
+        <a:fillRef idx="1">
+          <a:scrgbClr r="0" g="0" b="0"/>
+        </a:fillRef>
+        <a:effectRef idx="0">
+          <a:scrgbClr r="0" g="0" b="0"/>
+        </a:effectRef>
+        <a:fontRef idx="minor">
+          <a:schemeClr val="lt1"/>
+        </a:fontRef>
+      </dsp:style>
+      <dsp:txBody>
+        <a:bodyPr spcFirstLastPara="0" vert="horz" wrap="square" lIns="80010" tIns="53340" rIns="26670" bIns="53340" numCol="1" spcCol="1270" anchor="ctr" anchorCtr="0">
+          <a:noAutofit/>
+        </a:bodyPr>
+        <a:lstStyle/>
+        <a:p>
+          <a:pPr lvl="0" algn="ctr" defTabSz="889000">
+            <a:lnSpc>
+              <a:spcPct val="90000"/>
+            </a:lnSpc>
+            <a:spcBef>
+              <a:spcPct val="0"/>
+            </a:spcBef>
+            <a:spcAft>
+              <a:spcPct val="35000"/>
+            </a:spcAft>
+          </a:pPr>
+          <a:r>
+            <a:rPr lang="en-US" sz="2000" kern="1200" dirty="0" smtClean="0"/>
+            <a:t>Consumption</a:t>
+          </a:r>
+          <a:endParaRPr lang="en-US" sz="2000" kern="1200" dirty="0"/>
+        </a:p>
+      </dsp:txBody>
+      <dsp:txXfrm>
+        <a:off x="5753565" y="2100802"/>
+        <a:ext cx="1916638" cy="1277758"/>
+      </dsp:txXfrm>
+    </dsp:sp>
+  </dsp:spTree>
+</dsp:drawing>
+</file>
+
+<file path=ppt/diagrams/layout1.xml><?xml version="1.0" encoding="utf-8"?>
+<dgm:layoutDef xmlns:dgm="http://schemas.openxmlformats.org/drawingml/2006/diagram" xmlns:a="http://schemas.openxmlformats.org/drawingml/2006/main" uniqueId="urn:microsoft.com/office/officeart/2005/8/layout/process1">
+  <dgm:title val=""/>
+  <dgm:desc val=""/>
+  <dgm:catLst>
+    <dgm:cat type="process" pri="1000"/>
+    <dgm:cat type="convert" pri="15000"/>
+  </dgm:catLst>
+  <dgm:sampData useDef="1">
+    <dgm:dataModel>
+      <dgm:ptLst/>
+      <dgm:bg/>
+      <dgm:whole/>
+    </dgm:dataModel>
+  </dgm:sampData>
+  <dgm:styleData>
+    <dgm:dataModel>
+      <dgm:ptLst>
+        <dgm:pt modelId="0" type="doc"/>
+        <dgm:pt modelId="1"/>
+        <dgm:pt modelId="2"/>
+      </dgm:ptLst>
+      <dgm:cxnLst>
+        <dgm:cxn modelId="3" srcId="0" destId="1" srcOrd="0" destOrd="0"/>
+        <dgm:cxn modelId="4" srcId="0" destId="2" srcOrd="1" destOrd="0"/>
+      </dgm:cxnLst>
+      <dgm:bg/>
+      <dgm:whole/>
+    </dgm:dataModel>
+  </dgm:styleData>
+  <dgm:clrData>
+    <dgm:dataModel>
+      <dgm:ptLst>
+        <dgm:pt modelId="0" type="doc"/>
+        <dgm:pt modelId="1"/>
+        <dgm:pt modelId="2"/>
+        <dgm:pt modelId="3"/>
+        <dgm:pt modelId="4"/>
+      </dgm:ptLst>
+      <dgm:cxnLst>
+        <dgm:cxn modelId="5" srcId="0" destId="1" srcOrd="0" destOrd="0"/>
+        <dgm:cxn modelId="6" srcId="0" destId="2" srcOrd="1" destOrd="0"/>
+        <dgm:cxn modelId="7" srcId="0" destId="3" srcOrd="2" destOrd="0"/>
+        <dgm:cxn modelId="8" srcId="0" destId="4" srcOrd="3" destOrd="0"/>
+      </dgm:cxnLst>
+      <dgm:bg/>
+      <dgm:whole/>
+    </dgm:dataModel>
+  </dgm:clrData>
+  <dgm:layoutNode name="Name0">
+    <dgm:varLst>
+      <dgm:dir/>
+      <dgm:resizeHandles val="exact"/>
+    </dgm:varLst>
+    <dgm:choose name="Name1">
+      <dgm:if name="Name2" func="var" arg="dir" op="equ" val="norm">
+        <dgm:alg type="lin"/>
+      </dgm:if>
+      <dgm:else name="Name3">
+        <dgm:alg type="lin">
+          <dgm:param type="linDir" val="fromR"/>
+        </dgm:alg>
+      </dgm:else>
+    </dgm:choose>
+    <dgm:shape xmlns:r="http://schemas.openxmlformats.org/officeDocument/2006/relationships" r:blip="">
+      <dgm:adjLst/>
+    </dgm:shape>
+    <dgm:presOf/>
+    <dgm:constrLst>
+      <dgm:constr type="w" for="ch" ptType="node" refType="w"/>
+      <dgm:constr type="h" for="ch" ptType="node" op="equ"/>
+      <dgm:constr type="primFontSz" for="ch" ptType="node" op="equ" val="65"/>
+      <dgm:constr type="w" for="ch" ptType="sibTrans" refType="w" refFor="ch" refPtType="node" op="equ" fact="0.4"/>
+      <dgm:constr type="h" for="ch" ptType="sibTrans" op="equ"/>
+      <dgm:constr type="primFontSz" for="des" forName="connectorText" op="equ" val="55"/>
+      <dgm:constr type="primFontSz" for="des" forName="connectorText" refType="primFontSz" refFor="ch" refPtType="node" op="lte" fact="0.8"/>
+    </dgm:constrLst>
+    <dgm:ruleLst/>
+    <dgm:forEach name="nodesForEach" axis="ch" ptType="node">
+      <dgm:layoutNode name="node">
+        <dgm:varLst>
+          <dgm:bulletEnabled val="1"/>
+        </dgm:varLst>
+        <dgm:alg type="tx"/>
+        <dgm:shape xmlns:r="http://schemas.openxmlformats.org/officeDocument/2006/relationships" type="roundRect" r:blip="">
+          <dgm:adjLst>
+            <dgm:adj idx="1" val="0.1"/>
+          </dgm:adjLst>
+        </dgm:shape>
+        <dgm:presOf axis="desOrSelf" ptType="node"/>
+        <dgm:constrLst>
+          <dgm:constr type="h" refType="w" fact="0.6"/>
+          <dgm:constr type="tMarg" refType="primFontSz" fact="0.3"/>
+          <dgm:constr type="bMarg" refType="primFontSz" fact="0.3"/>
+          <dgm:constr type="lMarg" refType="primFontSz" fact="0.3"/>
+          <dgm:constr type="rMarg" refType="primFontSz" fact="0.3"/>
+        </dgm:constrLst>
+        <dgm:ruleLst>
+          <dgm:rule type="primFontSz" val="18" fact="NaN" max="NaN"/>
+          <dgm:rule type="h" val="NaN" fact="1.5" max="NaN"/>
+          <dgm:rule type="primFontSz" val="5" fact="NaN" max="NaN"/>
+          <dgm:rule type="h" val="INF" fact="NaN" max="NaN"/>
+        </dgm:ruleLst>
+      </dgm:layoutNode>
+      <dgm:forEach name="sibTransForEach" axis="followSib" ptType="sibTrans" cnt="1">
+        <dgm:layoutNode name="sibTrans">
+          <dgm:alg type="conn">
+            <dgm:param type="begPts" val="auto"/>
+            <dgm:param type="endPts" val="auto"/>
+          </dgm:alg>
+          <dgm:shape xmlns:r="http://schemas.openxmlformats.org/officeDocument/2006/relationships" type="conn" r:blip="">
+            <dgm:adjLst/>
+          </dgm:shape>
+          <dgm:presOf axis="self"/>
+          <dgm:constrLst>
+            <dgm:constr type="h" refType="w" fact="0.62"/>
+            <dgm:constr type="connDist"/>
+            <dgm:constr type="begPad" refType="connDist" fact="0.25"/>
+            <dgm:constr type="endPad" refType="connDist" fact="0.22"/>
+          </dgm:constrLst>
+          <dgm:ruleLst/>
+          <dgm:layoutNode name="connectorText">
+            <dgm:alg type="tx">
+              <dgm:param type="autoTxRot" val="grav"/>
+            </dgm:alg>
+            <dgm:shape xmlns:r="http://schemas.openxmlformats.org/officeDocument/2006/relationships" type="conn" r:blip="" hideGeom="1">
+              <dgm:adjLst/>
+            </dgm:shape>
+            <dgm:presOf axis="self"/>
+            <dgm:constrLst>
+              <dgm:constr type="lMarg"/>
+              <dgm:constr type="rMarg"/>
+              <dgm:constr type="tMarg"/>
+              <dgm:constr type="bMarg"/>
+            </dgm:constrLst>
+            <dgm:ruleLst>
+              <dgm:rule type="primFontSz" val="5" fact="NaN" max="NaN"/>
+            </dgm:ruleLst>
+          </dgm:layoutNode>
+        </dgm:layoutNode>
+      </dgm:forEach>
+    </dgm:forEach>
+  </dgm:layoutNode>
+</dgm:layoutDef>
+</file>
+
+<file path=ppt/diagrams/layout2.xml><?xml version="1.0" encoding="utf-8"?>
+<dgm:layoutDef xmlns:dgm="http://schemas.openxmlformats.org/drawingml/2006/diagram" xmlns:a="http://schemas.openxmlformats.org/drawingml/2006/main" uniqueId="urn:microsoft.com/office/officeart/2005/8/layout/hChevron3">
+  <dgm:title val=""/>
+  <dgm:desc val=""/>
+  <dgm:catLst>
+    <dgm:cat type="process" pri="10000"/>
+  </dgm:catLst>
+  <dgm:sampData useDef="1">
+    <dgm:dataModel>
+      <dgm:ptLst/>
+      <dgm:bg/>
+      <dgm:whole/>
+    </dgm:dataModel>
+  </dgm:sampData>
+  <dgm:styleData>
+    <dgm:dataModel>
+      <dgm:ptLst>
+        <dgm:pt modelId="0" type="doc"/>
+        <dgm:pt modelId="1"/>
+        <dgm:pt modelId="2"/>
+      </dgm:ptLst>
+      <dgm:cxnLst>
+        <dgm:cxn modelId="3" srcId="0" destId="1" srcOrd="0" destOrd="0"/>
+        <dgm:cxn modelId="4" srcId="0" destId="2" srcOrd="1" destOrd="0"/>
+      </dgm:cxnLst>
+      <dgm:bg/>
+      <dgm:whole/>
+    </dgm:dataModel>
+  </dgm:styleData>
+  <dgm:clrData>
+    <dgm:dataModel>
+      <dgm:ptLst>
+        <dgm:pt modelId="0" type="doc"/>
+        <dgm:pt modelId="1"/>
+        <dgm:pt modelId="2"/>
+        <dgm:pt modelId="3"/>
+        <dgm:pt modelId="4"/>
+      </dgm:ptLst>
+      <dgm:cxnLst>
+        <dgm:cxn modelId="5" srcId="0" destId="1" srcOrd="0" destOrd="0"/>
+        <dgm:cxn modelId="6" srcId="0" destId="2" srcOrd="1" destOrd="0"/>
+        <dgm:cxn modelId="7" srcId="0" destId="3" srcOrd="2" destOrd="0"/>
+        <dgm:cxn modelId="8" srcId="0" destId="4" srcOrd="3" destOrd="0"/>
+      </dgm:cxnLst>
+      <dgm:bg/>
+      <dgm:whole/>
+    </dgm:dataModel>
+  </dgm:clrData>
+  <dgm:layoutNode name="Name0">
+    <dgm:varLst>
+      <dgm:dir/>
+      <dgm:resizeHandles val="exact"/>
+    </dgm:varLst>
+    <dgm:choose name="Name1">
+      <dgm:if name="Name2" func="var" arg="dir" op="equ" val="norm">
+        <dgm:alg type="lin"/>
+      </dgm:if>
+      <dgm:else name="Name3">
+        <dgm:alg type="lin">
+          <dgm:param type="linDir" val="fromR"/>
+        </dgm:alg>
+      </dgm:else>
+    </dgm:choose>
+    <dgm:shape xmlns:r="http://schemas.openxmlformats.org/officeDocument/2006/relationships" r:blip="">
+      <dgm:adjLst/>
+    </dgm:shape>
+    <dgm:presOf/>
+    <dgm:choose name="Name4">
+      <dgm:if name="Name5" axis="root des" func="maxDepth" op="gte" val="2">
+        <dgm:constrLst>
+          <dgm:constr type="w" for="ch" forName="parAndChTx" refType="w"/>
+          <dgm:constr type="primFontSz" for="ch" ptType="node" op="equ"/>
+          <dgm:constr type="w" for="ch" forName="parAndChSpace" refType="w" refFor="ch" refForName="parAndChTx" fact="-0.2"/>
+          <dgm:constr type="w" for="ch" ptType="sibTrans" op="equ"/>
+        </dgm:constrLst>
+        <dgm:ruleLst/>
+        <dgm:forEach name="Name6" axis="ch" ptType="node">
+          <dgm:layoutNode name="parAndChTx">
+            <dgm:varLst>
+              <dgm:bulletEnabled val="1"/>
+            </dgm:varLst>
+            <dgm:alg type="tx"/>
+            <dgm:choose name="Name7">
+              <dgm:if name="Name8" func="var" arg="dir" op="equ" val="norm">
+                <dgm:choose name="Name9">
+                  <dgm:if name="Name10" axis="self" ptType="node" func="pos" op="equ" val="1">
+                    <dgm:shape xmlns:r="http://schemas.openxmlformats.org/officeDocument/2006/relationships" type="homePlate" r:blip="">
+                      <dgm:adjLst>
+                        <dgm:adj idx="1" val="0.25"/>
+                      </dgm:adjLst>
+                    </dgm:shape>
+                    <dgm:presOf axis="desOrSelf" ptType="node"/>
+                    <dgm:constrLst>
+                      <dgm:constr type="h" refType="w" op="equ" fact="0.8"/>
+                      <dgm:constr type="primFontSz" val="65"/>
+                      <dgm:constr type="tMarg" refType="primFontSz" fact="0.2"/>
+                      <dgm:constr type="bMarg" refType="primFontSz" fact="0.2"/>
+                      <dgm:constr type="lMarg" refType="w" fact="0.1"/>
+                      <dgm:constr type="rMarg" refType="w" fact="0.4"/>
+                    </dgm:constrLst>
+                  </dgm:if>
+                  <dgm:else name="Name11">
+                    <dgm:shape xmlns:r="http://schemas.openxmlformats.org/officeDocument/2006/relationships" type="chevron" r:blip="">
+                      <dgm:adjLst>
+                        <dgm:adj idx="1" val="0.25"/>
+                      </dgm:adjLst>
+                    </dgm:shape>
+                    <dgm:presOf axis="desOrSelf" ptType="node"/>
+                    <dgm:constrLst>
+                      <dgm:constr type="h" refType="w" op="equ" fact="0.8"/>
+                      <dgm:constr type="primFontSz" val="65"/>
+                      <dgm:constr type="tMarg" refType="primFontSz" fact="0.2"/>
+                      <dgm:constr type="bMarg" refType="primFontSz" fact="0.2"/>
+                      <dgm:constr type="lMarg" refType="w" fact="0.1"/>
+                      <dgm:constr type="rMarg" refType="w" fact="0.1"/>
+                    </dgm:constrLst>
+                  </dgm:else>
+                </dgm:choose>
+              </dgm:if>
+              <dgm:else name="Name12">
+                <dgm:choose name="Name13">
+                  <dgm:if name="Name14" axis="self" ptType="node" func="pos" op="equ" val="1">
+                    <dgm:shape xmlns:r="http://schemas.openxmlformats.org/officeDocument/2006/relationships" rot="180" type="homePlate" r:blip="">
+                      <dgm:adjLst>
+                        <dgm:adj idx="1" val="0.25"/>
+                      </dgm:adjLst>
+                    </dgm:shape>
+                    <dgm:presOf axis="desOrSelf" ptType="node"/>
+                    <dgm:constrLst>
+                      <dgm:constr type="h" refType="w" op="equ" fact="0.8"/>
+                      <dgm:constr type="primFontSz" val="65"/>
+                      <dgm:constr type="tMarg" refType="primFontSz" fact="0.2"/>
+                      <dgm:constr type="bMarg" refType="primFontSz" fact="0.2"/>
+                      <dgm:constr type="lMarg" refType="w" fact="0.4"/>
+                      <dgm:constr type="rMarg" refType="w" fact="0.1"/>
+                    </dgm:constrLst>
+                  </dgm:if>
+                  <dgm:else name="Name15">
+                    <dgm:shape xmlns:r="http://schemas.openxmlformats.org/officeDocument/2006/relationships" rot="180" type="chevron" r:blip="">
+                      <dgm:adjLst>
+                        <dgm:adj idx="1" val="0.25"/>
+                      </dgm:adjLst>
+                    </dgm:shape>
+                    <dgm:presOf axis="desOrSelf" ptType="node"/>
+                    <dgm:constrLst>
+                      <dgm:constr type="h" refType="w" op="equ" fact="0.8"/>
+                      <dgm:constr type="primFontSz" val="65"/>
+                      <dgm:constr type="tMarg" refType="primFontSz" fact="0.2"/>
+                      <dgm:constr type="bMarg" refType="primFontSz" fact="0.2"/>
+                      <dgm:constr type="lMarg" refType="w" fact="0.1"/>
+                      <dgm:constr type="rMarg" refType="w" fact="0.1"/>
+                    </dgm:constrLst>
+                  </dgm:else>
+                </dgm:choose>
+              </dgm:else>
+            </dgm:choose>
+            <dgm:ruleLst>
+              <dgm:rule type="primFontSz" val="5" fact="NaN" max="NaN"/>
+            </dgm:ruleLst>
+          </dgm:layoutNode>
+          <dgm:forEach name="Name16" axis="followSib" ptType="sibTrans" cnt="1">
+            <dgm:layoutNode name="parAndChSpace">
+              <dgm:alg type="sp"/>
+              <dgm:shape xmlns:r="http://schemas.openxmlformats.org/officeDocument/2006/relationships" r:blip="">
+                <dgm:adjLst/>
+              </dgm:shape>
+              <dgm:presOf/>
+              <dgm:constrLst/>
+              <dgm:ruleLst/>
+            </dgm:layoutNode>
+          </dgm:forEach>
+        </dgm:forEach>
+      </dgm:if>
+      <dgm:else name="Name17">
+        <dgm:constrLst>
+          <dgm:constr type="w" for="ch" forName="parTxOnly" refType="w"/>
+          <dgm:constr type="primFontSz" for="ch" ptType="node" op="equ"/>
+          <dgm:constr type="w" for="ch" forName="parSpace" refType="w" refFor="ch" refForName="parTxOnly" fact="-0.2"/>
+          <dgm:constr type="w" for="ch" ptType="sibTrans" op="equ"/>
+        </dgm:constrLst>
+        <dgm:ruleLst/>
+        <dgm:forEach name="Name18" axis="ch" ptType="node">
+          <dgm:layoutNode name="parTxOnly">
+            <dgm:varLst>
+              <dgm:bulletEnabled val="1"/>
+            </dgm:varLst>
+            <dgm:alg type="tx"/>
+            <dgm:presOf axis="desOrSelf" ptType="node"/>
+            <dgm:choose name="Name19">
+              <dgm:if name="Name20" func="var" arg="dir" op="equ" val="norm">
+                <dgm:choose name="Name21">
+                  <dgm:if name="Name22" axis="self" ptType="node" func="pos" op="equ" val="1">
+                    <dgm:shape xmlns:r="http://schemas.openxmlformats.org/officeDocument/2006/relationships" type="homePlate" r:blip="">
+                      <dgm:adjLst/>
+                    </dgm:shape>
+                    <dgm:constrLst>
+                      <dgm:constr type="h" refType="w" op="equ" fact="0.4"/>
+                      <dgm:constr type="primFontSz" val="65"/>
+                      <dgm:constr type="tMarg" refType="primFontSz" fact="0.21"/>
+                      <dgm:constr type="bMarg" refType="primFontSz" fact="0.21"/>
+                      <dgm:constr type="lMarg" refType="primFontSz" fact="0.42"/>
+                      <dgm:constr type="rMarg" refType="primFontSz" fact="0.105"/>
+                    </dgm:constrLst>
+                  </dgm:if>
+                  <dgm:else name="Name23">
+                    <dgm:shape xmlns:r="http://schemas.openxmlformats.org/officeDocument/2006/relationships" type="chevron" r:blip="">
+                      <dgm:adjLst/>
+                    </dgm:shape>
+                    <dgm:constrLst>
+                      <dgm:constr type="h" refType="w" op="equ" fact="0.4"/>
+                      <dgm:constr type="primFontSz" val="65"/>
+                      <dgm:constr type="tMarg" refType="primFontSz" fact="0.21"/>
+                      <dgm:constr type="bMarg" refType="primFontSz" fact="0.21"/>
+                      <dgm:constr type="lMarg" refType="primFontSz" fact="0.315"/>
+                      <dgm:constr type="rMarg" refType="primFontSz" fact="0.105"/>
+                    </dgm:constrLst>
+                  </dgm:else>
+                </dgm:choose>
+              </dgm:if>
+              <dgm:else name="Name24">
+                <dgm:choose name="Name25">
+                  <dgm:if name="Name26" axis="self" ptType="node" func="pos" op="equ" val="1">
+                    <dgm:shape xmlns:r="http://schemas.openxmlformats.org/officeDocument/2006/relationships" rot="180" type="homePlate" r:blip="">
+                      <dgm:adjLst/>
+                    </dgm:shape>
+                    <dgm:constrLst>
+                      <dgm:constr type="h" refType="w" op="equ" fact="0.4"/>
+                      <dgm:constr type="primFontSz" val="65"/>
+                      <dgm:constr type="tMarg" refType="primFontSz" fact="0.21"/>
+                      <dgm:constr type="bMarg" refType="primFontSz" fact="0.21"/>
+                      <dgm:constr type="lMarg" refType="primFontSz" fact="0.105"/>
+                      <dgm:constr type="rMarg" refType="primFontSz" fact="0.42"/>
+                    </dgm:constrLst>
+                  </dgm:if>
+                  <dgm:else name="Name27">
+                    <dgm:shape xmlns:r="http://schemas.openxmlformats.org/officeDocument/2006/relationships" rot="180" type="chevron" r:blip="">
+                      <dgm:adjLst/>
+                    </dgm:shape>
+                    <dgm:constrLst>
+                      <dgm:constr type="h" refType="w" op="equ" fact="0.4"/>
+                      <dgm:constr type="primFontSz" val="65"/>
+                      <dgm:constr type="tMarg" refType="primFontSz" fact="0.21"/>
+                      <dgm:constr type="bMarg" refType="primFontSz" fact="0.21"/>
+                      <dgm:constr type="lMarg" refType="primFontSz" fact="0.105"/>
+                      <dgm:constr type="rMarg" refType="primFontSz" fact="0.315"/>
+                    </dgm:constrLst>
+                  </dgm:else>
+                </dgm:choose>
+              </dgm:else>
+            </dgm:choose>
+            <dgm:ruleLst>
+              <dgm:rule type="primFontSz" val="5" fact="NaN" max="NaN"/>
+            </dgm:ruleLst>
+          </dgm:layoutNode>
+          <dgm:forEach name="Name28" axis="followSib" ptType="sibTrans" cnt="1">
+            <dgm:layoutNode name="parSpace">
+              <dgm:alg type="sp"/>
+              <dgm:shape xmlns:r="http://schemas.openxmlformats.org/officeDocument/2006/relationships" r:blip="">
+                <dgm:adjLst/>
+              </dgm:shape>
+              <dgm:presOf/>
+              <dgm:constrLst/>
+              <dgm:ruleLst/>
+            </dgm:layoutNode>
+          </dgm:forEach>
+        </dgm:forEach>
+      </dgm:else>
+    </dgm:choose>
+  </dgm:layoutNode>
+</dgm:layoutDef>
+</file>
+
+<file path=ppt/diagrams/quickStyle1.xml><?xml version="1.0" encoding="utf-8"?>
+<dgm:styleDef xmlns:dgm="http://schemas.openxmlformats.org/drawingml/2006/diagram" xmlns:a="http://schemas.openxmlformats.org/drawingml/2006/main" uniqueId="urn:microsoft.com/office/officeart/2005/8/quickstyle/simple1">
+  <dgm:title val=""/>
+  <dgm:desc val=""/>
+  <dgm:catLst>
+    <dgm:cat type="simple" pri="10100"/>
+  </dgm:catLst>
+  <dgm:scene3d>
+    <a:camera prst="orthographicFront"/>
+    <a:lightRig rig="threePt" dir="t"/>
+  </dgm:scene3d>
+  <dgm:styleLbl name="node0">
+    <dgm:scene3d>
+      <a:camera prst="orthographicFront"/>
+      <a:lightRig rig="threePt" dir="t"/>
+    </dgm:scene3d>
+    <dgm:sp3d/>
+    <dgm:txPr/>
+    <dgm:style>
+      <a:lnRef idx="2">
+        <a:scrgbClr r="0" g="0" b="0"/>
+      </a:lnRef>
+      <a:fillRef idx="1">
+        <a:scrgbClr r="0" g="0" b="0"/>
+      </a:fillRef>
+      <a:effectRef idx="0">
+        <a:scrgbClr r="0" g="0" b="0"/>
+      </a:effectRef>
+      <a:fontRef idx="minor">
+        <a:schemeClr val="lt1"/>
+      </a:fontRef>
+    </dgm:style>
+  </dgm:styleLbl>
+  <dgm:styleLbl name="lnNode1">
+    <dgm:scene3d>
+      <a:camera prst="orthographicFront"/>
+      <a:lightRig rig="threePt" dir="t"/>
+    </dgm:scene3d>
+    <dgm:sp3d/>
+    <dgm:txPr/>
+    <dgm:style>
+      <a:lnRef idx="2">
+        <a:scrgbClr r="0" g="0" b="0"/>
+      </a:lnRef>
+      <a:fillRef idx="1">
+        <a:scrgbClr r="0" g="0" b="0"/>
+      </a:fillRef>
+      <a:effectRef idx="0">
+        <a:scrgbClr r="0" g="0" b="0"/>
+      </a:effectRef>
+      <a:fontRef idx="minor">
+        <a:schemeClr val="lt1"/>
+      </a:fontRef>
+    </dgm:style>
+  </dgm:styleLbl>
+  <dgm:styleLbl name="vennNode1">
+    <dgm:scene3d>
+      <a:camera prst="orthographicFront"/>
+      <a:lightRig rig="threePt" dir="t"/>
+    </dgm:scene3d>
+    <dgm:sp3d/>
+    <dgm:txPr/>
+    <dgm:style>
+      <a:lnRef idx="2">
+        <a:scrgbClr r="0" g="0" b="0"/>
+      </a:lnRef>
+      <a:fillRef idx="1">
+        <a:scrgbClr r="0" g="0" b="0"/>
+      </a:fillRef>
+      <a:effectRef idx="0">
+        <a:scrgbClr r="0" g="0" b="0"/>
+      </a:effectRef>
+      <a:fontRef idx="minor">
+        <a:schemeClr val="tx1"/>
+      </a:fontRef>
+    </dgm:style>
+  </dgm:styleLbl>
+  <dgm:styleLbl name="alignNode1">
+    <dgm:scene3d>
+      <a:camera prst="orthographicFront"/>
+      <a:lightRig rig="threePt" dir="t"/>
+    </dgm:scene3d>
+    <dgm:sp3d/>
+    <dgm:txPr/>
+    <dgm:style>
+      <a:lnRef idx="2">
+        <a:scrgbClr r="0" g="0" b="0"/>
+      </a:lnRef>
+      <a:fillRef idx="1">
+        <a:scrgbClr r="0" g="0" b="0"/>
+      </a:fillRef>
+      <a:effectRef idx="0">
+        <a:scrgbClr r="0" g="0" b="0"/>
+      </a:effectRef>
+      <a:fontRef idx="minor">
+        <a:schemeClr val="lt1"/>
+      </a:fontRef>
+    </dgm:style>
+  </dgm:styleLbl>
+  <dgm:styleLbl name="node1">
+    <dgm:scene3d>
+      <a:camera prst="orthographicFront"/>
+      <a:lightRig rig="threePt" dir="t"/>
+    </dgm:scene3d>
+    <dgm:sp3d/>
+    <dgm:txPr/>
+    <dgm:style>
+      <a:lnRef idx="2">
+        <a:scrgbClr r="0" g="0" b="0"/>
+      </a:lnRef>
+      <a:fillRef idx="1">
+        <a:scrgbClr r="0" g="0" b="0"/>
+      </a:fillRef>
+      <a:effectRef idx="0">
+        <a:scrgbClr r="0" g="0" b="0"/>
+      </a:effectRef>
+      <a:fontRef idx="minor">
+        <a:schemeClr val="lt1"/>
+      </a:fontRef>
+    </dgm:style>
+  </dgm:styleLbl>
+  <dgm:styleLbl name="node2">
+    <dgm:scene3d>
+      <a:camera prst="orthographicFront"/>
+      <a:lightRig rig="threePt" dir="t"/>
+    </dgm:scene3d>
+    <dgm:sp3d/>
+    <dgm:txPr/>
+    <dgm:style>
+      <a:lnRef idx="2">
+        <a:scrgbClr r="0" g="0" b="0"/>
+      </a:lnRef>
+      <a:fillRef idx="1">
+        <a:scrgbClr r="0" g="0" b="0"/>
+      </a:fillRef>
+      <a:effectRef idx="0">
+        <a:scrgbClr r="0" g="0" b="0"/>
+      </a:effectRef>
+      <a:fontRef idx="minor">
+        <a:schemeClr val="lt1"/>
+      </a:fontRef>
+    </dgm:style>
+  </dgm:styleLbl>
+  <dgm:styleLbl name="node3">
+    <dgm:scene3d>
+      <a:camera prst="orthographicFront"/>
+      <a:lightRig rig="threePt" dir="t"/>
+    </dgm:scene3d>
+    <dgm:sp3d/>
+    <dgm:txPr/>
+    <dgm:style>
+      <a:lnRef idx="2">
+        <a:scrgbClr r="0" g="0" b="0"/>
+      </a:lnRef>
+      <a:fillRef idx="1">
+        <a:scrgbClr r="0" g="0" b="0"/>
+      </a:fillRef>
+      <a:effectRef idx="0">
+        <a:scrgbClr r="0" g="0" b="0"/>
+      </a:effectRef>
+      <a:fontRef idx="minor">
+        <a:schemeClr val="lt1"/>
+      </a:fontRef>
+    </dgm:style>
+  </dgm:styleLbl>
+  <dgm:styleLbl name="node4">
+    <dgm:scene3d>
+      <a:camera prst="orthographicFront"/>
+      <a:lightRig rig="threePt" dir="t"/>
+    </dgm:scene3d>
+    <dgm:sp3d/>
+    <dgm:txPr/>
+    <dgm:style>
+      <a:lnRef idx="2">
+        <a:scrgbClr r="0" g="0" b="0"/>
+      </a:lnRef>
+      <a:fillRef idx="1">
+        <a:scrgbClr r="0" g="0" b="0"/>
+      </a:fillRef>
+      <a:effectRef idx="0">
+        <a:scrgbClr r="0" g="0" b="0"/>
+      </a:effectRef>
+      <a:fontRef idx="minor">
+        <a:schemeClr val="lt1"/>
+      </a:fontRef>
+    </dgm:style>
+  </dgm:styleLbl>
+  <dgm:styleLbl name="fgImgPlace1">
+    <dgm:scene3d>
+      <a:camera prst="orthographicFront"/>
+      <a:lightRig rig="threePt" dir="t"/>
+    </dgm:scene3d>
+    <dgm:sp3d/>
+    <dgm:txPr/>
+    <dgm:style>
+      <a:lnRef idx="2">
+        <a:scrgbClr r="0" g="0" b="0"/>
+      </a:lnRef>
+      <a:fillRef idx="1">
+        <a:scrgbClr r="0" g="0" b="0"/>
+      </a:fillRef>
+      <a:effectRef idx="0">
+        <a:scrgbClr r="0" g="0" b="0"/>
+      </a:effectRef>
+      <a:fontRef idx="minor"/>
+    </dgm:style>
+  </dgm:styleLbl>
+  <dgm:styleLbl name="alignImgPlace1">
+    <dgm:scene3d>
+      <a:camera prst="orthographicFront"/>
+      <a:lightRig rig="threePt" dir="t"/>
+    </dgm:scene3d>
+    <dgm:sp3d/>
+    <dgm:txPr/>
+    <dgm:style>
+      <a:lnRef idx="2">
+        <a:scrgbClr r="0" g="0" b="0"/>
+      </a:lnRef>
+      <a:fillRef idx="1">
+        <a:scrgbClr r="0" g="0" b="0"/>
+      </a:fillRef>
+      <a:effectRef idx="0">
+        <a:scrgbClr r="0" g="0" b="0"/>
+      </a:effectRef>
+      <a:fontRef idx="minor"/>
+    </dgm:style>
+  </dgm:styleLbl>
+  <dgm:styleLbl name="bgImgPlace1">
+    <dgm:scene3d>
+      <a:camera prst="orthographicFront"/>
+      <a:lightRig rig="threePt" dir="t"/>
+    </dgm:scene3d>
+    <dgm:sp3d/>
+    <dgm:txPr/>
+    <dgm:style>
+      <a:lnRef idx="2">
+        <a:scrgbClr r="0" g="0" b="0"/>
+      </a:lnRef>
+      <a:fillRef idx="1">
+        <a:scrgbClr r="0" g="0" b="0"/>
+      </a:fillRef>
+      <a:effectRef idx="0">
+        <a:scrgbClr r="0" g="0" b="0"/>
+      </a:effectRef>
+      <a:fontRef idx="minor"/>
+    </dgm:style>
+  </dgm:styleLbl>
+  <dgm:styleLbl name="sibTrans2D1">
+    <dgm:scene3d>
+      <a:camera prst="orthographicFront"/>
+      <a:lightRig rig="threePt" dir="t"/>
+    </dgm:scene3d>
+    <dgm:sp3d/>
+    <dgm:txPr/>
+    <dgm:style>
+      <a:lnRef idx="0">
+        <a:scrgbClr r="0" g="0" b="0"/>
+      </a:lnRef>
+      <a:fillRef idx="1">
+        <a:scrgbClr r="0" g="0" b="0"/>
+      </a:fillRef>
+      <a:effectRef idx="0">
+        <a:scrgbClr r="0" g="0" b="0"/>
+      </a:effectRef>
+      <a:fontRef idx="minor">
+        <a:schemeClr val="lt1"/>
+      </a:fontRef>
+    </dgm:style>
+  </dgm:styleLbl>
+  <dgm:styleLbl name="fgSibTrans2D1">
+    <dgm:scene3d>
+      <a:camera prst="orthographicFront"/>
+      <a:lightRig rig="threePt" dir="t"/>
+    </dgm:scene3d>
+    <dgm:sp3d/>
+    <dgm:txPr/>
+    <dgm:style>
+      <a:lnRef idx="0">
+        <a:scrgbClr r="0" g="0" b="0"/>
+      </a:lnRef>
+      <a:fillRef idx="1">
+        <a:scrgbClr r="0" g="0" b="0"/>
+      </a:fillRef>
+      <a:effectRef idx="0">
+        <a:scrgbClr r="0" g="0" b="0"/>
+      </a:effectRef>
+      <a:fontRef idx="minor">
+        <a:schemeClr val="lt1"/>
+      </a:fontRef>
+    </dgm:style>
+  </dgm:styleLbl>
+  <dgm:styleLbl name="bgSibTrans2D1">
+    <dgm:scene3d>
+      <a:camera prst="orthographicFront"/>
+      <a:lightRig rig="threePt" dir="t"/>
+    </dgm:scene3d>
+    <dgm:sp3d/>
+    <dgm:txPr/>
+    <dgm:style>
+      <a:lnRef idx="0">
+        <a:scrgbClr r="0" g="0" b="0"/>
+      </a:lnRef>
+      <a:fillRef idx="1">
+        <a:scrgbClr r="0" g="0" b="0"/>
+      </a:fillRef>
+      <a:effectRef idx="0">
+        <a:scrgbClr r="0" g="0" b="0"/>
+      </a:effectRef>
+      <a:fontRef idx="minor">
+        <a:schemeClr val="lt1"/>
+      </a:fontRef>
+    </dgm:style>
+  </dgm:styleLbl>
+  <dgm:styleLbl name="sibTrans1D1">
+    <dgm:scene3d>
+      <a:camera prst="orthographicFront"/>
+      <a:lightRig rig="threePt" dir="t"/>
+    </dgm:scene3d>
+    <dgm:sp3d/>
+    <dgm:txPr/>
+    <dgm:style>
+      <a:lnRef idx="1">
+        <a:scrgbClr r="0" g="0" b="0"/>
+      </a:lnRef>
+      <a:fillRef idx="0">
+        <a:scrgbClr r="0" g="0" b="0"/>
+      </a:fillRef>
+      <a:effectRef idx="0">
+        <a:scrgbClr r="0" g="0" b="0"/>
+      </a:effectRef>
+      <a:fontRef idx="minor"/>
+    </dgm:style>
+  </dgm:styleLbl>
+  <dgm:styleLbl name="callout">
+    <dgm:scene3d>
+      <a:camera prst="orthographicFront"/>
+      <a:lightRig rig="threePt" dir="t"/>
+    </dgm:scene3d>
+    <dgm:sp3d/>
+    <dgm:txPr/>
+    <dgm:style>
+      <a:lnRef idx="2">
+        <a:scrgbClr r="0" g="0" b="0"/>
+      </a:lnRef>
+      <a:fillRef idx="1">
+        <a:scrgbClr r="0" g="0" b="0"/>
+      </a:fillRef>
+      <a:effectRef idx="0">
+        <a:scrgbClr r="0" g="0" b="0"/>
+      </a:effectRef>
+      <a:fontRef idx="minor"/>
+    </dgm:style>
+  </dgm:styleLbl>
+  <dgm:styleLbl name="asst0">
+    <dgm:scene3d>
+      <a:camera prst="orthographicFront"/>
+      <a:lightRig rig="threePt" dir="t"/>
+    </dgm:scene3d>
+    <dgm:sp3d/>
+    <dgm:txPr/>
+    <dgm:style>
+      <a:lnRef idx="2">
+        <a:scrgbClr r="0" g="0" b="0"/>
+      </a:lnRef>
+      <a:fillRef idx="1">
+        <a:scrgbClr r="0" g="0" b="0"/>
+      </a:fillRef>
+      <a:effectRef idx="0">
+        <a:scrgbClr r="0" g="0" b="0"/>
+      </a:effectRef>
+      <a:fontRef idx="minor">
+        <a:schemeClr val="lt1"/>
+      </a:fontRef>
+    </dgm:style>
+  </dgm:styleLbl>
+  <dgm:styleLbl name="asst1">
+    <dgm:scene3d>
+      <a:camera prst="orthographicFront"/>
+      <a:lightRig rig="threePt" dir="t"/>
+    </dgm:scene3d>
+    <dgm:sp3d/>
+    <dgm:txPr/>
+    <dgm:style>
+      <a:lnRef idx="2">
+        <a:scrgbClr r="0" g="0" b="0"/>
+      </a:lnRef>
+      <a:fillRef idx="1">
+        <a:scrgbClr r="0" g="0" b="0"/>
+      </a:fillRef>
+      <a:effectRef idx="0">
+        <a:scrgbClr r="0" g="0" b="0"/>
+      </a:effectRef>
+      <a:fontRef idx="minor">
+        <a:schemeClr val="lt1"/>
+      </a:fontRef>
+    </dgm:style>
+  </dgm:styleLbl>
+  <dgm:styleLbl name="asst2">
+    <dgm:scene3d>
+      <a:camera prst="orthographicFront"/>
+      <a:lightRig rig="threePt" dir="t"/>
+    </dgm:scene3d>
+    <dgm:sp3d/>
+    <dgm:txPr/>
+    <dgm:style>
+      <a:lnRef idx="2">
+        <a:scrgbClr r="0" g="0" b="0"/>
+      </a:lnRef>
+      <a:fillRef idx="1">
+        <a:scrgbClr r="0" g="0" b="0"/>
+      </a:fillRef>
+      <a:effectRef idx="0">
+        <a:scrgbClr r="0" g="0" b="0"/>
+      </a:effectRef>
+      <a:fontRef idx="minor">
+        <a:schemeClr val="lt1"/>
+      </a:fontRef>
+    </dgm:style>
+  </dgm:styleLbl>
+  <dgm:styleLbl name="asst3">
+    <dgm:scene3d>
+      <a:camera prst="orthographicFront"/>
+      <a:lightRig rig="threePt" dir="t"/>
+    </dgm:scene3d>
+    <dgm:sp3d/>
+    <dgm:txPr/>
+    <dgm:style>
+      <a:lnRef idx="2">
+        <a:scrgbClr r="0" g="0" b="0"/>
+      </a:lnRef>
+      <a:fillRef idx="1">
+        <a:scrgbClr r="0" g="0" b="0"/>
+      </a:fillRef>
+      <a:effectRef idx="0">
+        <a:scrgbClr r="0" g="0" b="0"/>
+      </a:effectRef>
+      <a:fontRef idx="minor">
+        <a:schemeClr val="lt1"/>
+      </a:fontRef>
+    </dgm:style>
+  </dgm:styleLbl>
+  <dgm:styleLbl name="asst4">
+    <dgm:scene3d>
+      <a:camera prst="orthographicFront"/>
+      <a:lightRig rig="threePt" dir="t"/>
+    </dgm:scene3d>
+    <dgm:sp3d/>
+    <dgm:txPr/>
+    <dgm:style>
+      <a:lnRef idx="2">
+        <a:scrgbClr r="0" g="0" b="0"/>
+      </a:lnRef>
+      <a:fillRef idx="1">
+        <a:scrgbClr r="0" g="0" b="0"/>
+      </a:fillRef>
+      <a:effectRef idx="0">
+        <a:scrgbClr r="0" g="0" b="0"/>
+      </a:effectRef>
+      <a:fontRef idx="minor">
+        <a:schemeClr val="lt1"/>
+      </a:fontRef>
+    </dgm:style>
+  </dgm:styleLbl>
+  <dgm:styleLbl name="parChTrans2D1">
+    <dgm:scene3d>
+      <a:camera prst="orthographicFront"/>
+      <a:lightRig rig="threePt" dir="t"/>
+    </dgm:scene3d>
+    <dgm:sp3d/>
+    <dgm:txPr/>
+    <dgm:style>
+      <a:lnRef idx="2">
+        <a:scrgbClr r="0" g="0" b="0"/>
+      </a:lnRef>
+      <a:fillRef idx="1">
+        <a:scrgbClr r="0" g="0" b="0"/>
+      </a:fillRef>
+      <a:effectRef idx="0">
+        <a:scrgbClr r="0" g="0" b="0"/>
+      </a:effectRef>
+      <a:fontRef idx="minor">
+        <a:schemeClr val="lt1"/>
+      </a:fontRef>
+    </dgm:style>
+  </dgm:styleLbl>
+  <dgm:styleLbl name="parChTrans2D2">
+    <dgm:scene3d>
+      <a:camera prst="orthographicFront"/>
+      <a:lightRig rig="threePt" dir="t"/>
+    </dgm:scene3d>
+    <dgm:sp3d/>
+    <dgm:txPr/>
+    <dgm:style>
+      <a:lnRef idx="2">
+        <a:scrgbClr r="0" g="0" b="0"/>
+      </a:lnRef>
+      <a:fillRef idx="1">
+        <a:scrgbClr r="0" g="0" b="0"/>
+      </a:fillRef>
+      <a:effectRef idx="0">
+        <a:scrgbClr r="0" g="0" b="0"/>
+      </a:effectRef>
+      <a:fontRef idx="minor">
+        <a:schemeClr val="lt1"/>
+      </a:fontRef>
+    </dgm:style>
+  </dgm:styleLbl>
+  <dgm:styleLbl name="parChTrans2D3">
+    <dgm:scene3d>
+      <a:camera prst="orthographicFront"/>
+      <a:lightRig rig="threePt" dir="t"/>
+    </dgm:scene3d>
+    <dgm:sp3d/>
+    <dgm:txPr/>
+    <dgm:style>
+      <a:lnRef idx="2">
+        <a:scrgbClr r="0" g="0" b="0"/>
+      </a:lnRef>
+      <a:fillRef idx="1">
+        <a:scrgbClr r="0" g="0" b="0"/>
+      </a:fillRef>
+      <a:effectRef idx="0">
+        <a:scrgbClr r="0" g="0" b="0"/>
+      </a:effectRef>
+      <a:fontRef idx="minor">
+        <a:schemeClr val="lt1"/>
+      </a:fontRef>
+    </dgm:style>
+  </dgm:styleLbl>
+  <dgm:styleLbl name="parChTrans2D4">
+    <dgm:scene3d>
+      <a:camera prst="orthographicFront"/>
+      <a:lightRig rig="threePt" dir="t"/>
+    </dgm:scene3d>
+    <dgm:sp3d/>
+    <dgm:txPr/>
+    <dgm:style>
+      <a:lnRef idx="2">
+        <a:scrgbClr r="0" g="0" b="0"/>
+      </a:lnRef>
+      <a:fillRef idx="1">
+        <a:scrgbClr r="0" g="0" b="0"/>
+      </a:fillRef>
+      <a:effectRef idx="0">
+        <a:scrgbClr r="0" g="0" b="0"/>
+      </a:effectRef>
+      <a:fontRef idx="minor">
+        <a:schemeClr val="lt1"/>
+      </a:fontRef>
+    </dgm:style>
+  </dgm:styleLbl>
+  <dgm:styleLbl name="parChTrans1D1">
+    <dgm:scene3d>
+      <a:camera prst="orthographicFront"/>
+      <a:lightRig rig="threePt" dir="t"/>
+    </dgm:scene3d>
+    <dgm:sp3d/>
+    <dgm:txPr/>
+    <dgm:style>
+      <a:lnRef idx="2">
+        <a:scrgbClr r="0" g="0" b="0"/>
+      </a:lnRef>
+      <a:fillRef idx="0">
+        <a:scrgbClr r="0" g="0" b="0"/>
+      </a:fillRef>
+      <a:effectRef idx="0">
+        <a:scrgbClr r="0" g="0" b="0"/>
+      </a:effectRef>
+      <a:fontRef idx="minor"/>
+    </dgm:style>
+  </dgm:styleLbl>
+  <dgm:styleLbl name="parChTrans1D2">
+    <dgm:scene3d>
+      <a:camera prst="orthographicFront"/>
+      <a:lightRig rig="threePt" dir="t"/>
+    </dgm:scene3d>
+    <dgm:sp3d/>
+    <dgm:txPr/>
+    <dgm:style>
+      <a:lnRef idx="2">
+        <a:scrgbClr r="0" g="0" b="0"/>
+      </a:lnRef>
+      <a:fillRef idx="0">
+        <a:scrgbClr r="0" g="0" b="0"/>
+      </a:fillRef>
+      <a:effectRef idx="0">
+        <a:scrgbClr r="0" g="0" b="0"/>
+      </a:effectRef>
+      <a:fontRef idx="minor"/>
+    </dgm:style>
+  </dgm:styleLbl>
+  <dgm:styleLbl name="parChTrans1D3">
+    <dgm:scene3d>
+      <a:camera prst="orthographicFront"/>
+      <a:lightRig rig="threePt" dir="t"/>
+    </dgm:scene3d>
+    <dgm:sp3d/>
+    <dgm:txPr/>
+    <dgm:style>
+      <a:lnRef idx="2">
+        <a:scrgbClr r="0" g="0" b="0"/>
+      </a:lnRef>
+      <a:fillRef idx="0">
+        <a:scrgbClr r="0" g="0" b="0"/>
+      </a:fillRef>
+      <a:effectRef idx="0">
+        <a:scrgbClr r="0" g="0" b="0"/>
+      </a:effectRef>
+      <a:fontRef idx="minor"/>
+    </dgm:style>
+  </dgm:styleLbl>
+  <dgm:styleLbl name="parChTrans1D4">
+    <dgm:scene3d>
+      <a:camera prst="orthographicFront"/>
+      <a:lightRig rig="threePt" dir="t"/>
+    </dgm:scene3d>
+    <dgm:sp3d/>
+    <dgm:txPr/>
+    <dgm:style>
+      <a:lnRef idx="2">
+        <a:scrgbClr r="0" g="0" b="0"/>
+      </a:lnRef>
+      <a:fillRef idx="0">
+        <a:scrgbClr r="0" g="0" b="0"/>
+      </a:fillRef>
+      <a:effectRef idx="0">
+        <a:scrgbClr r="0" g="0" b="0"/>
+      </a:effectRef>
+      <a:fontRef idx="minor"/>
+    </dgm:style>
+  </dgm:styleLbl>
+  <dgm:styleLbl name="fgAcc1">
+    <dgm:scene3d>
+      <a:camera prst="orthographicFront"/>
+      <a:lightRig rig="threePt" dir="t"/>
+    </dgm:scene3d>
+    <dgm:sp3d/>
+    <dgm:txPr/>
+    <dgm:style>
+      <a:lnRef idx="2">
+        <a:scrgbClr r="0" g="0" b="0"/>
+      </a:lnRef>
+      <a:fillRef idx="1">
+        <a:scrgbClr r="0" g="0" b="0"/>
+      </a:fillRef>
+      <a:effectRef idx="0">
+        <a:scrgbClr r="0" g="0" b="0"/>
+      </a:effectRef>
+      <a:fontRef idx="minor"/>
+    </dgm:style>
+  </dgm:styleLbl>
+  <dgm:styleLbl name="conFgAcc1">
+    <dgm:scene3d>
+      <a:camera prst="orthographicFront"/>
+      <a:lightRig rig="threePt" dir="t"/>
+    </dgm:scene3d>
+    <dgm:sp3d/>
+    <dgm:txPr/>
+    <dgm:style>
+      <a:lnRef idx="2">
+        <a:scrgbClr r="0" g="0" b="0"/>
+      </a:lnRef>
+      <a:fillRef idx="1">
+        <a:scrgbClr r="0" g="0" b="0"/>
+      </a:fillRef>
+      <a:effectRef idx="0">
+        <a:scrgbClr r="0" g="0" b="0"/>
+      </a:effectRef>
+      <a:fontRef idx="minor"/>
+    </dgm:style>
+  </dgm:styleLbl>
+  <dgm:styleLbl name="alignAcc1">
+    <dgm:scene3d>
+      <a:camera prst="orthographicFront"/>
+      <a:lightRig rig="threePt" dir="t"/>
+    </dgm:scene3d>
+    <dgm:sp3d/>
+    <dgm:txPr/>
+    <dgm:style>
+      <a:lnRef idx="2">
+        <a:scrgbClr r="0" g="0" b="0"/>
+      </a:lnRef>
+      <a:fillRef idx="1">
+        <a:scrgbClr r="0" g="0" b="0"/>
+      </a:fillRef>
+      <a:effectRef idx="0">
+        <a:scrgbClr r="0" g="0" b="0"/>
+      </a:effectRef>
+      <a:fontRef idx="minor"/>
+    </dgm:style>
+  </dgm:styleLbl>
+  <dgm:styleLbl name="trAlignAcc1">
+    <dgm:scene3d>
+      <a:camera prst="orthographicFront"/>
+      <a:lightRig rig="threePt" dir="t"/>
+    </dgm:scene3d>
+    <dgm:sp3d/>
+    <dgm:txPr/>
+    <dgm:style>
+      <a:lnRef idx="1">
+        <a:scrgbClr r="0" g="0" b="0"/>
+      </a:lnRef>
+      <a:fillRef idx="1">
+        <a:scrgbClr r="0" g="0" b="0"/>
+      </a:fillRef>
+      <a:effectRef idx="0">
+        <a:scrgbClr r="0" g="0" b="0"/>
+      </a:effectRef>
+      <a:fontRef idx="minor"/>
+    </dgm:style>
+  </dgm:styleLbl>
+  <dgm:styleLbl name="bgAcc1">
+    <dgm:scene3d>
+      <a:camera prst="orthographicFront"/>
+      <a:lightRig rig="threePt" dir="t"/>
+    </dgm:scene3d>
+    <dgm:sp3d/>
+    <dgm:txPr/>
+    <dgm:style>
+      <a:lnRef idx="2">
+        <a:scrgbClr r="0" g="0" b="0"/>
+      </a:lnRef>
+      <a:fillRef idx="1">
+        <a:scrgbClr r="0" g="0" b="0"/>
+      </a:fillRef>
+      <a:effectRef idx="0">
+        <a:scrgbClr r="0" g="0" b="0"/>
+      </a:effectRef>
+      <a:fontRef idx="minor"/>
+    </dgm:style>
+  </dgm:styleLbl>
+  <dgm:styleLbl name="solidFgAcc1">
+    <dgm:scene3d>
+      <a:camera prst="orthographicFront"/>
+      <a:lightRig rig="threePt" dir="t"/>
+    </dgm:scene3d>
+    <dgm:sp3d/>
+    <dgm:txPr/>
+    <dgm:style>
+      <a:lnRef idx="2">
+        <a:scrgbClr r="0" g="0" b="0"/>
+      </a:lnRef>
+      <a:fillRef idx="1">
+        <a:scrgbClr r="0" g="0" b="0"/>
+      </a:fillRef>
+      <a:effectRef idx="0">
+        <a:scrgbClr r="0" g="0" b="0"/>
+      </a:effectRef>
+      <a:fontRef idx="minor"/>
+    </dgm:style>
+  </dgm:styleLbl>
+  <dgm:styleLbl name="solidAlignAcc1">
+    <dgm:scene3d>
+      <a:camera prst="orthographicFront"/>
+      <a:lightRig rig="threePt" dir="t"/>
+    </dgm:scene3d>
+    <dgm:sp3d/>
+    <dgm:txPr/>
+    <dgm:style>
+      <a:lnRef idx="2">
+        <a:scrgbClr r="0" g="0" b="0"/>
+      </a:lnRef>
+      <a:fillRef idx="1">
+        <a:scrgbClr r="0" g="0" b="0"/>
+      </a:fillRef>
+      <a:effectRef idx="0">
+        <a:scrgbClr r="0" g="0" b="0"/>
+      </a:effectRef>
+      <a:fontRef idx="minor"/>
+    </dgm:style>
+  </dgm:styleLbl>
+  <dgm:styleLbl name="solidBgAcc1">
+    <dgm:scene3d>
+      <a:camera prst="orthographicFront"/>
+      <a:lightRig rig="threePt" dir="t"/>
+    </dgm:scene3d>
+    <dgm:sp3d/>
+    <dgm:txPr/>
+    <dgm:style>
+      <a:lnRef idx="2">
+        <a:scrgbClr r="0" g="0" b="0"/>
+      </a:lnRef>
+      <a:fillRef idx="1">
+        <a:scrgbClr r="0" g="0" b="0"/>
+      </a:fillRef>
+      <a:effectRef idx="0">
+        <a:scrgbClr r="0" g="0" b="0"/>
+      </a:effectRef>
+      <a:fontRef idx="minor"/>
+    </dgm:style>
+  </dgm:styleLbl>
+  <dgm:styleLbl name="fgAccFollowNode1">
+    <dgm:scene3d>
+      <a:camera prst="orthographicFront"/>
+      <a:lightRig rig="threePt" dir="t"/>
+    </dgm:scene3d>
+    <dgm:sp3d/>
+    <dgm:txPr/>
+    <dgm:style>
+      <a:lnRef idx="2">
+        <a:scrgbClr r="0" g="0" b="0"/>
+      </a:lnRef>
+      <a:fillRef idx="1">
+        <a:scrgbClr r="0" g="0" b="0"/>
+      </a:fillRef>
+      <a:effectRef idx="0">
+        <a:scrgbClr r="0" g="0" b="0"/>
+      </a:effectRef>
+      <a:fontRef idx="minor"/>
+    </dgm:style>
+  </dgm:styleLbl>
+  <dgm:styleLbl name="alignAccFollowNode1">
+    <dgm:scene3d>
+      <a:camera prst="orthographicFront"/>
+      <a:lightRig rig="threePt" dir="t"/>
+    </dgm:scene3d>
+    <dgm:sp3d/>
+    <dgm:txPr/>
+    <dgm:style>
+      <a:lnRef idx="2">
+        <a:scrgbClr r="0" g="0" b="0"/>
+      </a:lnRef>
+      <a:fillRef idx="1">
+        <a:scrgbClr r="0" g="0" b="0"/>
+      </a:fillRef>
+      <a:effectRef idx="0">
+        <a:scrgbClr r="0" g="0" b="0"/>
+      </a:effectRef>
+      <a:fontRef idx="minor"/>
+    </dgm:style>
+  </dgm:styleLbl>
+  <dgm:styleLbl name="bgAccFollowNode1">
+    <dgm:scene3d>
+      <a:camera prst="orthographicFront"/>
+      <a:lightRig rig="threePt" dir="t"/>
+    </dgm:scene3d>
+    <dgm:sp3d/>
+    <dgm:txPr/>
+    <dgm:style>
+      <a:lnRef idx="2">
+        <a:scrgbClr r="0" g="0" b="0"/>
+      </a:lnRef>
+      <a:fillRef idx="1">
+        <a:scrgbClr r="0" g="0" b="0"/>
+      </a:fillRef>
+      <a:effectRef idx="0">
+        <a:scrgbClr r="0" g="0" b="0"/>
+      </a:effectRef>
+      <a:fontRef idx="minor"/>
+    </dgm:style>
+  </dgm:styleLbl>
+  <dgm:styleLbl name="fgAcc0">
+    <dgm:scene3d>
+      <a:camera prst="orthographicFront"/>
+      <a:lightRig rig="threePt" dir="t"/>
+    </dgm:scene3d>
+    <dgm:sp3d/>
+    <dgm:txPr/>
+    <dgm:style>
+      <a:lnRef idx="2">
+        <a:scrgbClr r="0" g="0" b="0"/>
+      </a:lnRef>
+      <a:fillRef idx="1">
+        <a:scrgbClr r="0" g="0" b="0"/>
+      </a:fillRef>
+      <a:effectRef idx="0">
+        <a:scrgbClr r="0" g="0" b="0"/>
+      </a:effectRef>
+      <a:fontRef idx="minor"/>
+    </dgm:style>
+  </dgm:styleLbl>
+  <dgm:styleLbl name="fgAcc2">
+    <dgm:scene3d>
+      <a:camera prst="orthographicFront"/>
+      <a:lightRig rig="threePt" dir="t"/>
+    </dgm:scene3d>
+    <dgm:sp3d/>
+    <dgm:txPr/>
+    <dgm:style>
+      <a:lnRef idx="2">
+        <a:scrgbClr r="0" g="0" b="0"/>
+      </a:lnRef>
+      <a:fillRef idx="1">
+        <a:scrgbClr r="0" g="0" b="0"/>
+      </a:fillRef>
+      <a:effectRef idx="0">
+        <a:scrgbClr r="0" g="0" b="0"/>
+      </a:effectRef>
+      <a:fontRef idx="minor"/>
+    </dgm:style>
+  </dgm:styleLbl>
+  <dgm:styleLbl name="fgAcc3">
+    <dgm:scene3d>
+      <a:camera prst="orthographicFront"/>
+      <a:lightRig rig="threePt" dir="t"/>
+    </dgm:scene3d>
+    <dgm:sp3d/>
+    <dgm:txPr/>
+    <dgm:style>
+      <a:lnRef idx="2">
+        <a:scrgbClr r="0" g="0" b="0"/>
+      </a:lnRef>
+      <a:fillRef idx="1">
+        <a:scrgbClr r="0" g="0" b="0"/>
+      </a:fillRef>
+      <a:effectRef idx="0">
+        <a:scrgbClr r="0" g="0" b="0"/>
+      </a:effectRef>
+      <a:fontRef idx="minor"/>
+    </dgm:style>
+  </dgm:styleLbl>
+  <dgm:styleLbl name="fgAcc4">
+    <dgm:scene3d>
+      <a:camera prst="orthographicFront"/>
+      <a:lightRig rig="threePt" dir="t"/>
+    </dgm:scene3d>
+    <dgm:sp3d/>
+    <dgm:txPr/>
+    <dgm:style>
+      <a:lnRef idx="2">
+        <a:scrgbClr r="0" g="0" b="0"/>
+      </a:lnRef>
+      <a:fillRef idx="1">
+        <a:scrgbClr r="0" g="0" b="0"/>
+      </a:fillRef>
+      <a:effectRef idx="0">
+        <a:scrgbClr r="0" g="0" b="0"/>
+      </a:effectRef>
+      <a:fontRef idx="minor"/>
+    </dgm:style>
+  </dgm:styleLbl>
+  <dgm:styleLbl name="bgShp">
+    <dgm:scene3d>
+      <a:camera prst="orthographicFront"/>
+      <a:lightRig rig="threePt" dir="t"/>
+    </dgm:scene3d>
+    <dgm:sp3d/>
+    <dgm:txPr/>
+    <dgm:style>
+      <a:lnRef idx="0">
+        <a:scrgbClr r="0" g="0" b="0"/>
+      </a:lnRef>
+      <a:fillRef idx="1">
+        <a:scrgbClr r="0" g="0" b="0"/>
+      </a:fillRef>
+      <a:effectRef idx="0">
+        <a:scrgbClr r="0" g="0" b="0"/>
+      </a:effectRef>
+      <a:fontRef idx="minor"/>
+    </dgm:style>
+  </dgm:styleLbl>
+  <dgm:styleLbl name="dkBgShp">
+    <dgm:scene3d>
+      <a:camera prst="orthographicFront"/>
+      <a:lightRig rig="threePt" dir="t"/>
+    </dgm:scene3d>
+    <dgm:sp3d/>
+    <dgm:txPr/>
+    <dgm:style>
+      <a:lnRef idx="0">
+        <a:scrgbClr r="0" g="0" b="0"/>
+      </a:lnRef>
+      <a:fillRef idx="1">
+        <a:scrgbClr r="0" g="0" b="0"/>
+      </a:fillRef>
+      <a:effectRef idx="0">
+        <a:scrgbClr r="0" g="0" b="0"/>
+      </a:effectRef>
+      <a:fontRef idx="minor"/>
+    </dgm:style>
+  </dgm:styleLbl>
+  <dgm:styleLbl name="trBgShp">
+    <dgm:scene3d>
+      <a:camera prst="orthographicFront"/>
+      <a:lightRig rig="threePt" dir="t"/>
+    </dgm:scene3d>
+    <dgm:sp3d/>
+    <dgm:txPr/>
+    <dgm:style>
+      <a:lnRef idx="0">
+        <a:scrgbClr r="0" g="0" b="0"/>
+      </a:lnRef>
+      <a:fillRef idx="1">
+        <a:scrgbClr r="0" g="0" b="0"/>
+      </a:fillRef>
+      <a:effectRef idx="0">
+        <a:scrgbClr r="0" g="0" b="0"/>
+      </a:effectRef>
+      <a:fontRef idx="minor"/>
+    </dgm:style>
+  </dgm:styleLbl>
+  <dgm:styleLbl name="fgShp">
+    <dgm:scene3d>
+      <a:camera prst="orthographicFront"/>
+      <a:lightRig rig="threePt" dir="t"/>
+    </dgm:scene3d>
+    <dgm:sp3d/>
+    <dgm:txPr/>
+    <dgm:style>
+      <a:lnRef idx="2">
+        <a:scrgbClr r="0" g="0" b="0"/>
+      </a:lnRef>
+      <a:fillRef idx="1">
+        <a:scrgbClr r="0" g="0" b="0"/>
+      </a:fillRef>
+      <a:effectRef idx="0">
+        <a:scrgbClr r="0" g="0" b="0"/>
+      </a:effectRef>
+      <a:fontRef idx="minor"/>
+    </dgm:style>
+  </dgm:styleLbl>
+  <dgm:styleLbl name="revTx">
+    <dgm:scene3d>
+      <a:camera prst="orthographicFront"/>
+      <a:lightRig rig="threePt" dir="t"/>
+    </dgm:scene3d>
+    <dgm:sp3d/>
+    <dgm:txPr/>
+    <dgm:style>
+      <a:lnRef idx="0">
+        <a:scrgbClr r="0" g="0" b="0"/>
+      </a:lnRef>
+      <a:fillRef idx="0">
+        <a:scrgbClr r="0" g="0" b="0"/>
+      </a:fillRef>
+      <a:effectRef idx="0">
+        <a:scrgbClr r="0" g="0" b="0"/>
+      </a:effectRef>
+      <a:fontRef idx="minor"/>
+    </dgm:style>
+  </dgm:styleLbl>
+</dgm:styleDef>
+</file>
+
+<file path=ppt/diagrams/quickStyle2.xml><?xml version="1.0" encoding="utf-8"?>
+<dgm:styleDef xmlns:dgm="http://schemas.openxmlformats.org/drawingml/2006/diagram" xmlns:a="http://schemas.openxmlformats.org/drawingml/2006/main" uniqueId="urn:microsoft.com/office/officeart/2005/8/quickstyle/simple1">
+  <dgm:title val=""/>
+  <dgm:desc val=""/>
+  <dgm:catLst>
+    <dgm:cat type="simple" pri="10100"/>
+  </dgm:catLst>
+  <dgm:scene3d>
+    <a:camera prst="orthographicFront"/>
+    <a:lightRig rig="threePt" dir="t"/>
+  </dgm:scene3d>
+  <dgm:styleLbl name="node0">
+    <dgm:scene3d>
+      <a:camera prst="orthographicFront"/>
+      <a:lightRig rig="threePt" dir="t"/>
+    </dgm:scene3d>
+    <dgm:sp3d/>
+    <dgm:txPr/>
+    <dgm:style>
+      <a:lnRef idx="2">
+        <a:scrgbClr r="0" g="0" b="0"/>
+      </a:lnRef>
+      <a:fillRef idx="1">
+        <a:scrgbClr r="0" g="0" b="0"/>
+      </a:fillRef>
+      <a:effectRef idx="0">
+        <a:scrgbClr r="0" g="0" b="0"/>
+      </a:effectRef>
+      <a:fontRef idx="minor">
+        <a:schemeClr val="lt1"/>
+      </a:fontRef>
+    </dgm:style>
+  </dgm:styleLbl>
+  <dgm:styleLbl name="lnNode1">
+    <dgm:scene3d>
+      <a:camera prst="orthographicFront"/>
+      <a:lightRig rig="threePt" dir="t"/>
+    </dgm:scene3d>
+    <dgm:sp3d/>
+    <dgm:txPr/>
+    <dgm:style>
+      <a:lnRef idx="2">
+        <a:scrgbClr r="0" g="0" b="0"/>
+      </a:lnRef>
+      <a:fillRef idx="1">
+        <a:scrgbClr r="0" g="0" b="0"/>
+      </a:fillRef>
+      <a:effectRef idx="0">
+        <a:scrgbClr r="0" g="0" b="0"/>
+      </a:effectRef>
+      <a:fontRef idx="minor">
+        <a:schemeClr val="lt1"/>
+      </a:fontRef>
+    </dgm:style>
+  </dgm:styleLbl>
+  <dgm:styleLbl name="vennNode1">
+    <dgm:scene3d>
+      <a:camera prst="orthographicFront"/>
+      <a:lightRig rig="threePt" dir="t"/>
+    </dgm:scene3d>
+    <dgm:sp3d/>
+    <dgm:txPr/>
+    <dgm:style>
+      <a:lnRef idx="2">
+        <a:scrgbClr r="0" g="0" b="0"/>
+      </a:lnRef>
+      <a:fillRef idx="1">
+        <a:scrgbClr r="0" g="0" b="0"/>
+      </a:fillRef>
+      <a:effectRef idx="0">
+        <a:scrgbClr r="0" g="0" b="0"/>
+      </a:effectRef>
+      <a:fontRef idx="minor">
+        <a:schemeClr val="tx1"/>
+      </a:fontRef>
+    </dgm:style>
+  </dgm:styleLbl>
+  <dgm:styleLbl name="alignNode1">
+    <dgm:scene3d>
+      <a:camera prst="orthographicFront"/>
+      <a:lightRig rig="threePt" dir="t"/>
+    </dgm:scene3d>
+    <dgm:sp3d/>
+    <dgm:txPr/>
+    <dgm:style>
+      <a:lnRef idx="2">
+        <a:scrgbClr r="0" g="0" b="0"/>
+      </a:lnRef>
+      <a:fillRef idx="1">
+        <a:scrgbClr r="0" g="0" b="0"/>
+      </a:fillRef>
+      <a:effectRef idx="0">
+        <a:scrgbClr r="0" g="0" b="0"/>
+      </a:effectRef>
+      <a:fontRef idx="minor">
+        <a:schemeClr val="lt1"/>
+      </a:fontRef>
+    </dgm:style>
+  </dgm:styleLbl>
+  <dgm:styleLbl name="node1">
+    <dgm:scene3d>
+      <a:camera prst="orthographicFront"/>
+      <a:lightRig rig="threePt" dir="t"/>
+    </dgm:scene3d>
+    <dgm:sp3d/>
+    <dgm:txPr/>
+    <dgm:style>
+      <a:lnRef idx="2">
+        <a:scrgbClr r="0" g="0" b="0"/>
+      </a:lnRef>
+      <a:fillRef idx="1">
+        <a:scrgbClr r="0" g="0" b="0"/>
+      </a:fillRef>
+      <a:effectRef idx="0">
+        <a:scrgbClr r="0" g="0" b="0"/>
+      </a:effectRef>
+      <a:fontRef idx="minor">
+        <a:schemeClr val="lt1"/>
+      </a:fontRef>
+    </dgm:style>
+  </dgm:styleLbl>
+  <dgm:styleLbl name="node2">
+    <dgm:scene3d>
+      <a:camera prst="orthographicFront"/>
+      <a:lightRig rig="threePt" dir="t"/>
+    </dgm:scene3d>
+    <dgm:sp3d/>
+    <dgm:txPr/>
+    <dgm:style>
+      <a:lnRef idx="2">
+        <a:scrgbClr r="0" g="0" b="0"/>
+      </a:lnRef>
+      <a:fillRef idx="1">
+        <a:scrgbClr r="0" g="0" b="0"/>
+      </a:fillRef>
+      <a:effectRef idx="0">
+        <a:scrgbClr r="0" g="0" b="0"/>
+      </a:effectRef>
+      <a:fontRef idx="minor">
+        <a:schemeClr val="lt1"/>
+      </a:fontRef>
+    </dgm:style>
+  </dgm:styleLbl>
+  <dgm:styleLbl name="node3">
+    <dgm:scene3d>
+      <a:camera prst="orthographicFront"/>
+      <a:lightRig rig="threePt" dir="t"/>
+    </dgm:scene3d>
+    <dgm:sp3d/>
+    <dgm:txPr/>
+    <dgm:style>
+      <a:lnRef idx="2">
+        <a:scrgbClr r="0" g="0" b="0"/>
+      </a:lnRef>
+      <a:fillRef idx="1">
+        <a:scrgbClr r="0" g="0" b="0"/>
+      </a:fillRef>
+      <a:effectRef idx="0">
+        <a:scrgbClr r="0" g="0" b="0"/>
+      </a:effectRef>
+      <a:fontRef idx="minor">
+        <a:schemeClr val="lt1"/>
+      </a:fontRef>
+    </dgm:style>
+  </dgm:styleLbl>
+  <dgm:styleLbl name="node4">
+    <dgm:scene3d>
+      <a:camera prst="orthographicFront"/>
+      <a:lightRig rig="threePt" dir="t"/>
+    </dgm:scene3d>
+    <dgm:sp3d/>
+    <dgm:txPr/>
+    <dgm:style>
+      <a:lnRef idx="2">
+        <a:scrgbClr r="0" g="0" b="0"/>
+      </a:lnRef>
+      <a:fillRef idx="1">
+        <a:scrgbClr r="0" g="0" b="0"/>
+      </a:fillRef>
+      <a:effectRef idx="0">
+        <a:scrgbClr r="0" g="0" b="0"/>
+      </a:effectRef>
+      <a:fontRef idx="minor">
+        <a:schemeClr val="lt1"/>
+      </a:fontRef>
+    </dgm:style>
+  </dgm:styleLbl>
+  <dgm:styleLbl name="fgImgPlace1">
+    <dgm:scene3d>
+      <a:camera prst="orthographicFront"/>
+      <a:lightRig rig="threePt" dir="t"/>
+    </dgm:scene3d>
+    <dgm:sp3d/>
+    <dgm:txPr/>
+    <dgm:style>
+      <a:lnRef idx="2">
+        <a:scrgbClr r="0" g="0" b="0"/>
+      </a:lnRef>
+      <a:fillRef idx="1">
+        <a:scrgbClr r="0" g="0" b="0"/>
+      </a:fillRef>
+      <a:effectRef idx="0">
+        <a:scrgbClr r="0" g="0" b="0"/>
+      </a:effectRef>
+      <a:fontRef idx="minor"/>
+    </dgm:style>
+  </dgm:styleLbl>
+  <dgm:styleLbl name="alignImgPlace1">
+    <dgm:scene3d>
+      <a:camera prst="orthographicFront"/>
+      <a:lightRig rig="threePt" dir="t"/>
+    </dgm:scene3d>
+    <dgm:sp3d/>
+    <dgm:txPr/>
+    <dgm:style>
+      <a:lnRef idx="2">
+        <a:scrgbClr r="0" g="0" b="0"/>
+      </a:lnRef>
+      <a:fillRef idx="1">
+        <a:scrgbClr r="0" g="0" b="0"/>
+      </a:fillRef>
+      <a:effectRef idx="0">
+        <a:scrgbClr r="0" g="0" b="0"/>
+      </a:effectRef>
+      <a:fontRef idx="minor"/>
+    </dgm:style>
+  </dgm:styleLbl>
+  <dgm:styleLbl name="bgImgPlace1">
+    <dgm:scene3d>
+      <a:camera prst="orthographicFront"/>
+      <a:lightRig rig="threePt" dir="t"/>
+    </dgm:scene3d>
+    <dgm:sp3d/>
+    <dgm:txPr/>
+    <dgm:style>
+      <a:lnRef idx="2">
+        <a:scrgbClr r="0" g="0" b="0"/>
+      </a:lnRef>
+      <a:fillRef idx="1">
+        <a:scrgbClr r="0" g="0" b="0"/>
+      </a:fillRef>
+      <a:effectRef idx="0">
+        <a:scrgbClr r="0" g="0" b="0"/>
+      </a:effectRef>
+      <a:fontRef idx="minor"/>
+    </dgm:style>
+  </dgm:styleLbl>
+  <dgm:styleLbl name="sibTrans2D1">
+    <dgm:scene3d>
+      <a:camera prst="orthographicFront"/>
+      <a:lightRig rig="threePt" dir="t"/>
+    </dgm:scene3d>
+    <dgm:sp3d/>
+    <dgm:txPr/>
+    <dgm:style>
+      <a:lnRef idx="0">
+        <a:scrgbClr r="0" g="0" b="0"/>
+      </a:lnRef>
+      <a:fillRef idx="1">
+        <a:scrgbClr r="0" g="0" b="0"/>
+      </a:fillRef>
+      <a:effectRef idx="0">
+        <a:scrgbClr r="0" g="0" b="0"/>
+      </a:effectRef>
+      <a:fontRef idx="minor">
+        <a:schemeClr val="lt1"/>
+      </a:fontRef>
+    </dgm:style>
+  </dgm:styleLbl>
+  <dgm:styleLbl name="fgSibTrans2D1">
+    <dgm:scene3d>
+      <a:camera prst="orthographicFront"/>
+      <a:lightRig rig="threePt" dir="t"/>
+    </dgm:scene3d>
+    <dgm:sp3d/>
+    <dgm:txPr/>
+    <dgm:style>
+      <a:lnRef idx="0">
+        <a:scrgbClr r="0" g="0" b="0"/>
+      </a:lnRef>
+      <a:fillRef idx="1">
+        <a:scrgbClr r="0" g="0" b="0"/>
+      </a:fillRef>
+      <a:effectRef idx="0">
+        <a:scrgbClr r="0" g="0" b="0"/>
+      </a:effectRef>
+      <a:fontRef idx="minor">
+        <a:schemeClr val="lt1"/>
+      </a:fontRef>
+    </dgm:style>
+  </dgm:styleLbl>
+  <dgm:styleLbl name="bgSibTrans2D1">
+    <dgm:scene3d>
+      <a:camera prst="orthographicFront"/>
+      <a:lightRig rig="threePt" dir="t"/>
+    </dgm:scene3d>
+    <dgm:sp3d/>
+    <dgm:txPr/>
+    <dgm:style>
+      <a:lnRef idx="0">
+        <a:scrgbClr r="0" g="0" b="0"/>
+      </a:lnRef>
+      <a:fillRef idx="1">
+        <a:scrgbClr r="0" g="0" b="0"/>
+      </a:fillRef>
+      <a:effectRef idx="0">
+        <a:scrgbClr r="0" g="0" b="0"/>
+      </a:effectRef>
+      <a:fontRef idx="minor">
+        <a:schemeClr val="lt1"/>
+      </a:fontRef>
+    </dgm:style>
+  </dgm:styleLbl>
+  <dgm:styleLbl name="sibTrans1D1">
+    <dgm:scene3d>
+      <a:camera prst="orthographicFront"/>
+      <a:lightRig rig="threePt" dir="t"/>
+    </dgm:scene3d>
+    <dgm:sp3d/>
+    <dgm:txPr/>
+    <dgm:style>
+      <a:lnRef idx="1">
+        <a:scrgbClr r="0" g="0" b="0"/>
+      </a:lnRef>
+      <a:fillRef idx="0">
+        <a:scrgbClr r="0" g="0" b="0"/>
+      </a:fillRef>
+      <a:effectRef idx="0">
+        <a:scrgbClr r="0" g="0" b="0"/>
+      </a:effectRef>
+      <a:fontRef idx="minor"/>
+    </dgm:style>
+  </dgm:styleLbl>
+  <dgm:styleLbl name="callout">
+    <dgm:scene3d>
+      <a:camera prst="orthographicFront"/>
+      <a:lightRig rig="threePt" dir="t"/>
+    </dgm:scene3d>
+    <dgm:sp3d/>
+    <dgm:txPr/>
+    <dgm:style>
+      <a:lnRef idx="2">
+        <a:scrgbClr r="0" g="0" b="0"/>
+      </a:lnRef>
+      <a:fillRef idx="1">
+        <a:scrgbClr r="0" g="0" b="0"/>
+      </a:fillRef>
+      <a:effectRef idx="0">
+        <a:scrgbClr r="0" g="0" b="0"/>
+      </a:effectRef>
+      <a:fontRef idx="minor"/>
+    </dgm:style>
+  </dgm:styleLbl>
+  <dgm:styleLbl name="asst0">
+    <dgm:scene3d>
+      <a:camera prst="orthographicFront"/>
+      <a:lightRig rig="threePt" dir="t"/>
+    </dgm:scene3d>
+    <dgm:sp3d/>
+    <dgm:txPr/>
+    <dgm:style>
+      <a:lnRef idx="2">
+        <a:scrgbClr r="0" g="0" b="0"/>
+      </a:lnRef>
+      <a:fillRef idx="1">
+        <a:scrgbClr r="0" g="0" b="0"/>
+      </a:fillRef>
+      <a:effectRef idx="0">
+        <a:scrgbClr r="0" g="0" b="0"/>
+      </a:effectRef>
+      <a:fontRef idx="minor">
+        <a:schemeClr val="lt1"/>
+      </a:fontRef>
+    </dgm:style>
+  </dgm:styleLbl>
+  <dgm:styleLbl name="asst1">
+    <dgm:scene3d>
+      <a:camera prst="orthographicFront"/>
+      <a:lightRig rig="threePt" dir="t"/>
+    </dgm:scene3d>
+    <dgm:sp3d/>
+    <dgm:txPr/>
+    <dgm:style>
+      <a:lnRef idx="2">
+        <a:scrgbClr r="0" g="0" b="0"/>
+      </a:lnRef>
+      <a:fillRef idx="1">
+        <a:scrgbClr r="0" g="0" b="0"/>
+      </a:fillRef>
+      <a:effectRef idx="0">
+        <a:scrgbClr r="0" g="0" b="0"/>
+      </a:effectRef>
+      <a:fontRef idx="minor">
+        <a:schemeClr val="lt1"/>
+      </a:fontRef>
+    </dgm:style>
+  </dgm:styleLbl>
+  <dgm:styleLbl name="asst2">
+    <dgm:scene3d>
+      <a:camera prst="orthographicFront"/>
+      <a:lightRig rig="threePt" dir="t"/>
+    </dgm:scene3d>
+    <dgm:sp3d/>
+    <dgm:txPr/>
+    <dgm:style>
+      <a:lnRef idx="2">
+        <a:scrgbClr r="0" g="0" b="0"/>
+      </a:lnRef>
+      <a:fillRef idx="1">
+        <a:scrgbClr r="0" g="0" b="0"/>
+      </a:fillRef>
+      <a:effectRef idx="0">
+        <a:scrgbClr r="0" g="0" b="0"/>
+      </a:effectRef>
+      <a:fontRef idx="minor">
+        <a:schemeClr val="lt1"/>
+      </a:fontRef>
+    </dgm:style>
+  </dgm:styleLbl>
+  <dgm:styleLbl name="asst3">
+    <dgm:scene3d>
+      <a:camera prst="orthographicFront"/>
+      <a:lightRig rig="threePt" dir="t"/>
+    </dgm:scene3d>
+    <dgm:sp3d/>
+    <dgm:txPr/>
+    <dgm:style>
+      <a:lnRef idx="2">
+        <a:scrgbClr r="0" g="0" b="0"/>
+      </a:lnRef>
+      <a:fillRef idx="1">
+        <a:scrgbClr r="0" g="0" b="0"/>
+      </a:fillRef>
+      <a:effectRef idx="0">
+        <a:scrgbClr r="0" g="0" b="0"/>
+      </a:effectRef>
+      <a:fontRef idx="minor">
+        <a:schemeClr val="lt1"/>
+      </a:fontRef>
+    </dgm:style>
+  </dgm:styleLbl>
+  <dgm:styleLbl name="asst4">
+    <dgm:scene3d>
+      <a:camera prst="orthographicFront"/>
+      <a:lightRig rig="threePt" dir="t"/>
+    </dgm:scene3d>
+    <dgm:sp3d/>
+    <dgm:txPr/>
+    <dgm:style>
+      <a:lnRef idx="2">
+        <a:scrgbClr r="0" g="0" b="0"/>
+      </a:lnRef>
+      <a:fillRef idx="1">
+        <a:scrgbClr r="0" g="0" b="0"/>
+      </a:fillRef>
+      <a:effectRef idx="0">
+        <a:scrgbClr r="0" g="0" b="0"/>
+      </a:effectRef>
+      <a:fontRef idx="minor">
+        <a:schemeClr val="lt1"/>
+      </a:fontRef>
+    </dgm:style>
+  </dgm:styleLbl>
+  <dgm:styleLbl name="parChTrans2D1">
+    <dgm:scene3d>
+      <a:camera prst="orthographicFront"/>
+      <a:lightRig rig="threePt" dir="t"/>
+    </dgm:scene3d>
+    <dgm:sp3d/>
+    <dgm:txPr/>
+    <dgm:style>
+      <a:lnRef idx="2">
+        <a:scrgbClr r="0" g="0" b="0"/>
+      </a:lnRef>
+      <a:fillRef idx="1">
+        <a:scrgbClr r="0" g="0" b="0"/>
+      </a:fillRef>
+      <a:effectRef idx="0">
+        <a:scrgbClr r="0" g="0" b="0"/>
+      </a:effectRef>
+      <a:fontRef idx="minor">
+        <a:schemeClr val="lt1"/>
+      </a:fontRef>
+    </dgm:style>
+  </dgm:styleLbl>
+  <dgm:styleLbl name="parChTrans2D2">
+    <dgm:scene3d>
+      <a:camera prst="orthographicFront"/>
+      <a:lightRig rig="threePt" dir="t"/>
+    </dgm:scene3d>
+    <dgm:sp3d/>
+    <dgm:txPr/>
+    <dgm:style>
+      <a:lnRef idx="2">
+        <a:scrgbClr r="0" g="0" b="0"/>
+      </a:lnRef>
+      <a:fillRef idx="1">
+        <a:scrgbClr r="0" g="0" b="0"/>
+      </a:fillRef>
+      <a:effectRef idx="0">
+        <a:scrgbClr r="0" g="0" b="0"/>
+      </a:effectRef>
+      <a:fontRef idx="minor">
+        <a:schemeClr val="lt1"/>
+      </a:fontRef>
+    </dgm:style>
+  </dgm:styleLbl>
+  <dgm:styleLbl name="parChTrans2D3">
+    <dgm:scene3d>
+      <a:camera prst="orthographicFront"/>
+      <a:lightRig rig="threePt" dir="t"/>
+    </dgm:scene3d>
+    <dgm:sp3d/>
+    <dgm:txPr/>
+    <dgm:style>
+      <a:lnRef idx="2">
+        <a:scrgbClr r="0" g="0" b="0"/>
+      </a:lnRef>
+      <a:fillRef idx="1">
+        <a:scrgbClr r="0" g="0" b="0"/>
+      </a:fillRef>
+      <a:effectRef idx="0">
+        <a:scrgbClr r="0" g="0" b="0"/>
+      </a:effectRef>
+      <a:fontRef idx="minor">
+        <a:schemeClr val="lt1"/>
+      </a:fontRef>
+    </dgm:style>
+  </dgm:styleLbl>
+  <dgm:styleLbl name="parChTrans2D4">
+    <dgm:scene3d>
+      <a:camera prst="orthographicFront"/>
+      <a:lightRig rig="threePt" dir="t"/>
+    </dgm:scene3d>
+    <dgm:sp3d/>
+    <dgm:txPr/>
+    <dgm:style>
+      <a:lnRef idx="2">
+        <a:scrgbClr r="0" g="0" b="0"/>
+      </a:lnRef>
+      <a:fillRef idx="1">
+        <a:scrgbClr r="0" g="0" b="0"/>
+      </a:fillRef>
+      <a:effectRef idx="0">
+        <a:scrgbClr r="0" g="0" b="0"/>
+      </a:effectRef>
+      <a:fontRef idx="minor">
+        <a:schemeClr val="lt1"/>
+      </a:fontRef>
+    </dgm:style>
+  </dgm:styleLbl>
+  <dgm:styleLbl name="parChTrans1D1">
+    <dgm:scene3d>
+      <a:camera prst="orthographicFront"/>
+      <a:lightRig rig="threePt" dir="t"/>
+    </dgm:scene3d>
+    <dgm:sp3d/>
+    <dgm:txPr/>
+    <dgm:style>
+      <a:lnRef idx="2">
+        <a:scrgbClr r="0" g="0" b="0"/>
+      </a:lnRef>
+      <a:fillRef idx="0">
+        <a:scrgbClr r="0" g="0" b="0"/>
+      </a:fillRef>
+      <a:effectRef idx="0">
+        <a:scrgbClr r="0" g="0" b="0"/>
+      </a:effectRef>
+      <a:fontRef idx="minor"/>
+    </dgm:style>
+  </dgm:styleLbl>
+  <dgm:styleLbl name="parChTrans1D2">
+    <dgm:scene3d>
+      <a:camera prst="orthographicFront"/>
+      <a:lightRig rig="threePt" dir="t"/>
+    </dgm:scene3d>
+    <dgm:sp3d/>
+    <dgm:txPr/>
+    <dgm:style>
+      <a:lnRef idx="2">
+        <a:scrgbClr r="0" g="0" b="0"/>
+      </a:lnRef>
+      <a:fillRef idx="0">
+        <a:scrgbClr r="0" g="0" b="0"/>
+      </a:fillRef>
+      <a:effectRef idx="0">
+        <a:scrgbClr r="0" g="0" b="0"/>
+      </a:effectRef>
+      <a:fontRef idx="minor"/>
+    </dgm:style>
+  </dgm:styleLbl>
+  <dgm:styleLbl name="parChTrans1D3">
+    <dgm:scene3d>
+      <a:camera prst="orthographicFront"/>
+      <a:lightRig rig="threePt" dir="t"/>
+    </dgm:scene3d>
+    <dgm:sp3d/>
+    <dgm:txPr/>
+    <dgm:style>
+      <a:lnRef idx="2">
+        <a:scrgbClr r="0" g="0" b="0"/>
+      </a:lnRef>
+      <a:fillRef idx="0">
+        <a:scrgbClr r="0" g="0" b="0"/>
+      </a:fillRef>
+      <a:effectRef idx="0">
+        <a:scrgbClr r="0" g="0" b="0"/>
+      </a:effectRef>
+      <a:fontRef idx="minor"/>
+    </dgm:style>
+  </dgm:styleLbl>
+  <dgm:styleLbl name="parChTrans1D4">
+    <dgm:scene3d>
+      <a:camera prst="orthographicFront"/>
+      <a:lightRig rig="threePt" dir="t"/>
+    </dgm:scene3d>
+    <dgm:sp3d/>
+    <dgm:txPr/>
+    <dgm:style>
+      <a:lnRef idx="2">
+        <a:scrgbClr r="0" g="0" b="0"/>
+      </a:lnRef>
+      <a:fillRef idx="0">
+        <a:scrgbClr r="0" g="0" b="0"/>
+      </a:fillRef>
+      <a:effectRef idx="0">
+        <a:scrgbClr r="0" g="0" b="0"/>
+      </a:effectRef>
+      <a:fontRef idx="minor"/>
+    </dgm:style>
+  </dgm:styleLbl>
+  <dgm:styleLbl name="fgAcc1">
+    <dgm:scene3d>
+      <a:camera prst="orthographicFront"/>
+      <a:lightRig rig="threePt" dir="t"/>
+    </dgm:scene3d>
+    <dgm:sp3d/>
+    <dgm:txPr/>
+    <dgm:style>
+      <a:lnRef idx="2">
+        <a:scrgbClr r="0" g="0" b="0"/>
+      </a:lnRef>
+      <a:fillRef idx="1">
+        <a:scrgbClr r="0" g="0" b="0"/>
+      </a:fillRef>
+      <a:effectRef idx="0">
+        <a:scrgbClr r="0" g="0" b="0"/>
+      </a:effectRef>
+      <a:fontRef idx="minor"/>
+    </dgm:style>
+  </dgm:styleLbl>
+  <dgm:styleLbl name="conFgAcc1">
+    <dgm:scene3d>
+      <a:camera prst="orthographicFront"/>
+      <a:lightRig rig="threePt" dir="t"/>
+    </dgm:scene3d>
+    <dgm:sp3d/>
+    <dgm:txPr/>
+    <dgm:style>
+      <a:lnRef idx="2">
+        <a:scrgbClr r="0" g="0" b="0"/>
+      </a:lnRef>
+      <a:fillRef idx="1">
+        <a:scrgbClr r="0" g="0" b="0"/>
+      </a:fillRef>
+      <a:effectRef idx="0">
+        <a:scrgbClr r="0" g="0" b="0"/>
+      </a:effectRef>
+      <a:fontRef idx="minor"/>
+    </dgm:style>
+  </dgm:styleLbl>
+  <dgm:styleLbl name="alignAcc1">
+    <dgm:scene3d>
+      <a:camera prst="orthographicFront"/>
+      <a:lightRig rig="threePt" dir="t"/>
+    </dgm:scene3d>
+    <dgm:sp3d/>
+    <dgm:txPr/>
+    <dgm:style>
+      <a:lnRef idx="2">
+        <a:scrgbClr r="0" g="0" b="0"/>
+      </a:lnRef>
+      <a:fillRef idx="1">
+        <a:scrgbClr r="0" g="0" b="0"/>
+      </a:fillRef>
+      <a:effectRef idx="0">
+        <a:scrgbClr r="0" g="0" b="0"/>
+      </a:effectRef>
+      <a:fontRef idx="minor"/>
+    </dgm:style>
+  </dgm:styleLbl>
+  <dgm:styleLbl name="trAlignAcc1">
+    <dgm:scene3d>
+      <a:camera prst="orthographicFront"/>
+      <a:lightRig rig="threePt" dir="t"/>
+    </dgm:scene3d>
+    <dgm:sp3d/>
+    <dgm:txPr/>
+    <dgm:style>
+      <a:lnRef idx="1">
+        <a:scrgbClr r="0" g="0" b="0"/>
+      </a:lnRef>
+      <a:fillRef idx="1">
+        <a:scrgbClr r="0" g="0" b="0"/>
+      </a:fillRef>
+      <a:effectRef idx="0">
+        <a:scrgbClr r="0" g="0" b="0"/>
+      </a:effectRef>
+      <a:fontRef idx="minor"/>
+    </dgm:style>
+  </dgm:styleLbl>
+  <dgm:styleLbl name="bgAcc1">
+    <dgm:scene3d>
+      <a:camera prst="orthographicFront"/>
+      <a:lightRig rig="threePt" dir="t"/>
+    </dgm:scene3d>
+    <dgm:sp3d/>
+    <dgm:txPr/>
+    <dgm:style>
+      <a:lnRef idx="2">
+        <a:scrgbClr r="0" g="0" b="0"/>
+      </a:lnRef>
+      <a:fillRef idx="1">
+        <a:scrgbClr r="0" g="0" b="0"/>
+      </a:fillRef>
+      <a:effectRef idx="0">
+        <a:scrgbClr r="0" g="0" b="0"/>
+      </a:effectRef>
+      <a:fontRef idx="minor"/>
+    </dgm:style>
+  </dgm:styleLbl>
+  <dgm:styleLbl name="solidFgAcc1">
+    <dgm:scene3d>
+      <a:camera prst="orthographicFront"/>
+      <a:lightRig rig="threePt" dir="t"/>
+    </dgm:scene3d>
+    <dgm:sp3d/>
+    <dgm:txPr/>
+    <dgm:style>
+      <a:lnRef idx="2">
+        <a:scrgbClr r="0" g="0" b="0"/>
+      </a:lnRef>
+      <a:fillRef idx="1">
+        <a:scrgbClr r="0" g="0" b="0"/>
+      </a:fillRef>
+      <a:effectRef idx="0">
+        <a:scrgbClr r="0" g="0" b="0"/>
+      </a:effectRef>
+      <a:fontRef idx="minor"/>
+    </dgm:style>
+  </dgm:styleLbl>
+  <dgm:styleLbl name="solidAlignAcc1">
+    <dgm:scene3d>
+      <a:camera prst="orthographicFront"/>
+      <a:lightRig rig="threePt" dir="t"/>
+    </dgm:scene3d>
+    <dgm:sp3d/>
+    <dgm:txPr/>
+    <dgm:style>
+      <a:lnRef idx="2">
+        <a:scrgbClr r="0" g="0" b="0"/>
+      </a:lnRef>
+      <a:fillRef idx="1">
+        <a:scrgbClr r="0" g="0" b="0"/>
+      </a:fillRef>
+      <a:effectRef idx="0">
+        <a:scrgbClr r="0" g="0" b="0"/>
+      </a:effectRef>
+      <a:fontRef idx="minor"/>
+    </dgm:style>
+  </dgm:styleLbl>
+  <dgm:styleLbl name="solidBgAcc1">
+    <dgm:scene3d>
+      <a:camera prst="orthographicFront"/>
+      <a:lightRig rig="threePt" dir="t"/>
+    </dgm:scene3d>
+    <dgm:sp3d/>
+    <dgm:txPr/>
+    <dgm:style>
+      <a:lnRef idx="2">
+        <a:scrgbClr r="0" g="0" b="0"/>
+      </a:lnRef>
+      <a:fillRef idx="1">
+        <a:scrgbClr r="0" g="0" b="0"/>
+      </a:fillRef>
+      <a:effectRef idx="0">
+        <a:scrgbClr r="0" g="0" b="0"/>
+      </a:effectRef>
+      <a:fontRef idx="minor"/>
+    </dgm:style>
+  </dgm:styleLbl>
+  <dgm:styleLbl name="fgAccFollowNode1">
+    <dgm:scene3d>
+      <a:camera prst="orthographicFront"/>
+      <a:lightRig rig="threePt" dir="t"/>
+    </dgm:scene3d>
+    <dgm:sp3d/>
+    <dgm:txPr/>
+    <dgm:style>
+      <a:lnRef idx="2">
+        <a:scrgbClr r="0" g="0" b="0"/>
+      </a:lnRef>
+      <a:fillRef idx="1">
+        <a:scrgbClr r="0" g="0" b="0"/>
+      </a:fillRef>
+      <a:effectRef idx="0">
+        <a:scrgbClr r="0" g="0" b="0"/>
+      </a:effectRef>
+      <a:fontRef idx="minor"/>
+    </dgm:style>
+  </dgm:styleLbl>
+  <dgm:styleLbl name="alignAccFollowNode1">
+    <dgm:scene3d>
+      <a:camera prst="orthographicFront"/>
+      <a:lightRig rig="threePt" dir="t"/>
+    </dgm:scene3d>
+    <dgm:sp3d/>
+    <dgm:txPr/>
+    <dgm:style>
+      <a:lnRef idx="2">
+        <a:scrgbClr r="0" g="0" b="0"/>
+      </a:lnRef>
+      <a:fillRef idx="1">
+        <a:scrgbClr r="0" g="0" b="0"/>
+      </a:fillRef>
+      <a:effectRef idx="0">
+        <a:scrgbClr r="0" g="0" b="0"/>
+      </a:effectRef>
+      <a:fontRef idx="minor"/>
+    </dgm:style>
+  </dgm:styleLbl>
+  <dgm:styleLbl name="bgAccFollowNode1">
+    <dgm:scene3d>
+      <a:camera prst="orthographicFront"/>
+      <a:lightRig rig="threePt" dir="t"/>
+    </dgm:scene3d>
+    <dgm:sp3d/>
+    <dgm:txPr/>
+    <dgm:style>
+      <a:lnRef idx="2">
+        <a:scrgbClr r="0" g="0" b="0"/>
+      </a:lnRef>
+      <a:fillRef idx="1">
+        <a:scrgbClr r="0" g="0" b="0"/>
+      </a:fillRef>
+      <a:effectRef idx="0">
+        <a:scrgbClr r="0" g="0" b="0"/>
+      </a:effectRef>
+      <a:fontRef idx="minor"/>
+    </dgm:style>
+  </dgm:styleLbl>
+  <dgm:styleLbl name="fgAcc0">
+    <dgm:scene3d>
+      <a:camera prst="orthographicFront"/>
+      <a:lightRig rig="threePt" dir="t"/>
+    </dgm:scene3d>
+    <dgm:sp3d/>
+    <dgm:txPr/>
+    <dgm:style>
+      <a:lnRef idx="2">
+        <a:scrgbClr r="0" g="0" b="0"/>
+      </a:lnRef>
+      <a:fillRef idx="1">
+        <a:scrgbClr r="0" g="0" b="0"/>
+      </a:fillRef>
+      <a:effectRef idx="0">
+        <a:scrgbClr r="0" g="0" b="0"/>
+      </a:effectRef>
+      <a:fontRef idx="minor"/>
+    </dgm:style>
+  </dgm:styleLbl>
+  <dgm:styleLbl name="fgAcc2">
+    <dgm:scene3d>
+      <a:camera prst="orthographicFront"/>
+      <a:lightRig rig="threePt" dir="t"/>
+    </dgm:scene3d>
+    <dgm:sp3d/>
+    <dgm:txPr/>
+    <dgm:style>
+      <a:lnRef idx="2">
+        <a:scrgbClr r="0" g="0" b="0"/>
+      </a:lnRef>
+      <a:fillRef idx="1">
+        <a:scrgbClr r="0" g="0" b="0"/>
+      </a:fillRef>
+      <a:effectRef idx="0">
+        <a:scrgbClr r="0" g="0" b="0"/>
+      </a:effectRef>
+      <a:fontRef idx="minor"/>
+    </dgm:style>
+  </dgm:styleLbl>
+  <dgm:styleLbl name="fgAcc3">
+    <dgm:scene3d>
+      <a:camera prst="orthographicFront"/>
+      <a:lightRig rig="threePt" dir="t"/>
+    </dgm:scene3d>
+    <dgm:sp3d/>
+    <dgm:txPr/>
+    <dgm:style>
+      <a:lnRef idx="2">
+        <a:scrgbClr r="0" g="0" b="0"/>
+      </a:lnRef>
+      <a:fillRef idx="1">
+        <a:scrgbClr r="0" g="0" b="0"/>
+      </a:fillRef>
+      <a:effectRef idx="0">
+        <a:scrgbClr r="0" g="0" b="0"/>
+      </a:effectRef>
+      <a:fontRef idx="minor"/>
+    </dgm:style>
+  </dgm:styleLbl>
+  <dgm:styleLbl name="fgAcc4">
+    <dgm:scene3d>
+      <a:camera prst="orthographicFront"/>
+      <a:lightRig rig="threePt" dir="t"/>
+    </dgm:scene3d>
+    <dgm:sp3d/>
+    <dgm:txPr/>
+    <dgm:style>
+      <a:lnRef idx="2">
+        <a:scrgbClr r="0" g="0" b="0"/>
+      </a:lnRef>
+      <a:fillRef idx="1">
+        <a:scrgbClr r="0" g="0" b="0"/>
+      </a:fillRef>
+      <a:effectRef idx="0">
+        <a:scrgbClr r="0" g="0" b="0"/>
+      </a:effectRef>
+      <a:fontRef idx="minor"/>
+    </dgm:style>
+  </dgm:styleLbl>
+  <dgm:styleLbl name="bgShp">
+    <dgm:scene3d>
+      <a:camera prst="orthographicFront"/>
+      <a:lightRig rig="threePt" dir="t"/>
+    </dgm:scene3d>
+    <dgm:sp3d/>
+    <dgm:txPr/>
+    <dgm:style>
+      <a:lnRef idx="0">
+        <a:scrgbClr r="0" g="0" b="0"/>
+      </a:lnRef>
+      <a:fillRef idx="1">
+        <a:scrgbClr r="0" g="0" b="0"/>
+      </a:fillRef>
+      <a:effectRef idx="0">
+        <a:scrgbClr r="0" g="0" b="0"/>
+      </a:effectRef>
+      <a:fontRef idx="minor"/>
+    </dgm:style>
+  </dgm:styleLbl>
+  <dgm:styleLbl name="dkBgShp">
+    <dgm:scene3d>
+      <a:camera prst="orthographicFront"/>
+      <a:lightRig rig="threePt" dir="t"/>
+    </dgm:scene3d>
+    <dgm:sp3d/>
+    <dgm:txPr/>
+    <dgm:style>
+      <a:lnRef idx="0">
+        <a:scrgbClr r="0" g="0" b="0"/>
+      </a:lnRef>
+      <a:fillRef idx="1">
+        <a:scrgbClr r="0" g="0" b="0"/>
+      </a:fillRef>
+      <a:effectRef idx="0">
+        <a:scrgbClr r="0" g="0" b="0"/>
+      </a:effectRef>
+      <a:fontRef idx="minor"/>
+    </dgm:style>
+  </dgm:styleLbl>
+  <dgm:styleLbl name="trBgShp">
+    <dgm:scene3d>
+      <a:camera prst="orthographicFront"/>
+      <a:lightRig rig="threePt" dir="t"/>
+    </dgm:scene3d>
+    <dgm:sp3d/>
+    <dgm:txPr/>
+    <dgm:style>
+      <a:lnRef idx="0">
+        <a:scrgbClr r="0" g="0" b="0"/>
+      </a:lnRef>
+      <a:fillRef idx="1">
+        <a:scrgbClr r="0" g="0" b="0"/>
+      </a:fillRef>
+      <a:effectRef idx="0">
+        <a:scrgbClr r="0" g="0" b="0"/>
+      </a:effectRef>
+      <a:fontRef idx="minor"/>
+    </dgm:style>
+  </dgm:styleLbl>
+  <dgm:styleLbl name="fgShp">
+    <dgm:scene3d>
+      <a:camera prst="orthographicFront"/>
+      <a:lightRig rig="threePt" dir="t"/>
+    </dgm:scene3d>
+    <dgm:sp3d/>
+    <dgm:txPr/>
+    <dgm:style>
+      <a:lnRef idx="2">
+        <a:scrgbClr r="0" g="0" b="0"/>
+      </a:lnRef>
+      <a:fillRef idx="1">
+        <a:scrgbClr r="0" g="0" b="0"/>
+      </a:fillRef>
+      <a:effectRef idx="0">
+        <a:scrgbClr r="0" g="0" b="0"/>
+      </a:effectRef>
+      <a:fontRef idx="minor"/>
+    </dgm:style>
+  </dgm:styleLbl>
+  <dgm:styleLbl name="revTx">
+    <dgm:scene3d>
+      <a:camera prst="orthographicFront"/>
+      <a:lightRig rig="threePt" dir="t"/>
+    </dgm:scene3d>
+    <dgm:sp3d/>
+    <dgm:txPr/>
+    <dgm:style>
+      <a:lnRef idx="0">
+        <a:scrgbClr r="0" g="0" b="0"/>
+      </a:lnRef>
+      <a:fillRef idx="0">
+        <a:scrgbClr r="0" g="0" b="0"/>
+      </a:fillRef>
+      <a:effectRef idx="0">
+        <a:scrgbClr r="0" g="0" b="0"/>
+      </a:effectRef>
+      <a:fontRef idx="minor"/>
+    </dgm:style>
+  </dgm:styleLbl>
+</dgm:styleDef>
+</file>
+
+<file path=ppt/handoutMasters/handoutMaster1.xml><?xml version="1.0" encoding="utf-8"?>
+<p:handoutMaster xmlns:a="http://schemas.openxmlformats.org/drawingml/2006/main" xmlns:r="http://schemas.openxmlformats.org/officeDocument/2006/relationships" xmlns:p="http://schemas.openxmlformats.org/presentationml/2006/main">
+  <p:cSld>
+    <p:bg>
+      <p:bgRef idx="1001">
+        <a:schemeClr val="bg1"/>
+      </p:bgRef>
+    </p:bg>
+    <p:spTree>
+      <p:nvGrpSpPr>
+        <p:cNvPr id="1" name=""/>
+        <p:cNvGrpSpPr/>
+        <p:nvPr/>
+      </p:nvGrpSpPr>
+      <p:grpSpPr>
+        <a:xfrm>
+          <a:off x="0" y="0"/>
+          <a:ext cx="0" cy="0"/>
+          <a:chOff x="0" y="0"/>
+          <a:chExt cx="0" cy="0"/>
+        </a:xfrm>
+      </p:grpSpPr>
+      <p:sp>
+        <p:nvSpPr>
+          <p:cNvPr id="2" name="Header Placeholder 1"/>
+          <p:cNvSpPr>
+            <a:spLocks noGrp="1"/>
+          </p:cNvSpPr>
+          <p:nvPr>
+            <p:ph type="hdr" sz="quarter"/>
+          </p:nvPr>
+        </p:nvSpPr>
+        <p:spPr>
+          <a:xfrm>
+            <a:off x="0" y="0"/>
+            <a:ext cx="3038475" cy="466725"/>
+          </a:xfrm>
+          <a:prstGeom prst="rect">
+            <a:avLst/>
+          </a:prstGeom>
+        </p:spPr>
+        <p:txBody>
+          <a:bodyPr vert="horz" lIns="91440" tIns="45720" rIns="91440" bIns="45720" rtlCol="0"/>
+          <a:lstStyle>
+            <a:lvl1pPr algn="l">
+              <a:defRPr sz="1200"/>
+            </a:lvl1pPr>
+          </a:lstStyle>
+          <a:p>
+            <a:endParaRPr lang="en-US"/>
+          </a:p>
+        </p:txBody>
+      </p:sp>
+      <p:sp>
+        <p:nvSpPr>
+          <p:cNvPr id="3" name="Date Placeholder 2"/>
+          <p:cNvSpPr>
+            <a:spLocks noGrp="1"/>
+          </p:cNvSpPr>
+          <p:nvPr>
+            <p:ph type="dt" sz="quarter" idx="1"/>
+          </p:nvPr>
+        </p:nvSpPr>
+        <p:spPr>
+          <a:xfrm>
+            <a:off x="3970338" y="0"/>
+            <a:ext cx="3038475" cy="466725"/>
+          </a:xfrm>
+          <a:prstGeom prst="rect">
+            <a:avLst/>
+          </a:prstGeom>
+        </p:spPr>
+        <p:txBody>
+          <a:bodyPr vert="horz" lIns="91440" tIns="45720" rIns="91440" bIns="45720" rtlCol="0"/>
+          <a:lstStyle>
+            <a:lvl1pPr algn="r">
+              <a:defRPr sz="1200"/>
+            </a:lvl1pPr>
+          </a:lstStyle>
+          <a:p>
+            <a:fld id="{5D444164-595D-4D84-92EA-94C16051EB23}" type="datetimeFigureOut">
+              <a:rPr lang="en-US" smtClean="0"/>
+              <a:t>7/8/2015</a:t>
+            </a:fld>
+            <a:endParaRPr lang="en-US"/>
+          </a:p>
+        </p:txBody>
+      </p:sp>
+      <p:sp>
+        <p:nvSpPr>
+          <p:cNvPr id="4" name="Footer Placeholder 3"/>
+          <p:cNvSpPr>
+            <a:spLocks noGrp="1"/>
+          </p:cNvSpPr>
+          <p:nvPr>
+            <p:ph type="ftr" sz="quarter" idx="2"/>
+          </p:nvPr>
+        </p:nvSpPr>
+        <p:spPr>
+          <a:xfrm>
+            <a:off x="0" y="8829675"/>
+            <a:ext cx="3038475" cy="466725"/>
+          </a:xfrm>
+          <a:prstGeom prst="rect">
+            <a:avLst/>
+          </a:prstGeom>
+        </p:spPr>
+        <p:txBody>
+          <a:bodyPr vert="horz" lIns="91440" tIns="45720" rIns="91440" bIns="45720" rtlCol="0" anchor="b"/>
+          <a:lstStyle>
+            <a:lvl1pPr algn="l">
+              <a:defRPr sz="1200"/>
+            </a:lvl1pPr>
+          </a:lstStyle>
+          <a:p>
+            <a:endParaRPr lang="en-US"/>
+          </a:p>
+        </p:txBody>
+      </p:sp>
+      <p:sp>
+        <p:nvSpPr>
+          <p:cNvPr id="5" name="Slide Number Placeholder 4"/>
+          <p:cNvSpPr>
+            <a:spLocks noGrp="1"/>
+          </p:cNvSpPr>
+          <p:nvPr>
+            <p:ph type="sldNum" sz="quarter" idx="3"/>
+          </p:nvPr>
+        </p:nvSpPr>
+        <p:spPr>
+          <a:xfrm>
+            <a:off x="3970338" y="8829675"/>
+            <a:ext cx="3038475" cy="466725"/>
+          </a:xfrm>
+          <a:prstGeom prst="rect">
+            <a:avLst/>
+          </a:prstGeom>
+        </p:spPr>
+        <p:txBody>
+          <a:bodyPr vert="horz" lIns="91440" tIns="45720" rIns="91440" bIns="45720" rtlCol="0" anchor="b"/>
+          <a:lstStyle>
+            <a:lvl1pPr algn="r">
+              <a:defRPr sz="1200"/>
+            </a:lvl1pPr>
+          </a:lstStyle>
+          <a:p>
+            <a:fld id="{567D0A65-FAA5-497F-9368-2AFA6848B104}" type="slidenum">
+              <a:rPr lang="en-US" smtClean="0"/>
+              <a:t>‹#›</a:t>
+            </a:fld>
+            <a:endParaRPr lang="en-US"/>
+          </a:p>
+        </p:txBody>
+      </p:sp>
+    </p:spTree>
+    <p:extLst>
+      <p:ext uri="{BB962C8B-B14F-4D97-AF65-F5344CB8AC3E}">
+        <p14:creationId xmlns:p14="http://schemas.microsoft.com/office/powerpoint/2010/main" val="4204444966"/>
+      </p:ext>
+    </p:extLst>
+  </p:cSld>
+  <p:clrMap bg1="lt1" tx1="dk1" bg2="lt2" tx2="dk2" accent1="accent1" accent2="accent2" accent3="accent3" accent4="accent4" accent5="accent5" accent6="accent6" hlink="hlink" folHlink="folHlink"/>
+</p:handoutMaster>
+</file>
+
 <file path=ppt/notesMasters/notesMaster1.xml><?xml version="1.0" encoding="utf-8"?>
 <p:notesMaster xmlns:a="http://schemas.openxmlformats.org/drawingml/2006/main" xmlns:r="http://schemas.openxmlformats.org/officeDocument/2006/relationships" xmlns:p="http://schemas.openxmlformats.org/presentationml/2006/main">
   <p:cSld>
@@ -152,14 +5677,14 @@
         <p:spPr>
           <a:xfrm>
             <a:off x="0" y="0"/>
-            <a:ext cx="2971800" cy="458788"/>
+            <a:ext cx="3037840" cy="466434"/>
           </a:xfrm>
           <a:prstGeom prst="rect">
             <a:avLst/>
           </a:prstGeom>
         </p:spPr>
         <p:txBody>
-          <a:bodyPr vert="horz" lIns="91440" tIns="45720" rIns="91440" bIns="45720" rtlCol="0"/>
+          <a:bodyPr vert="horz" lIns="93177" tIns="46589" rIns="93177" bIns="46589" rtlCol="0"/>
           <a:lstStyle>
             <a:lvl1pPr algn="l">
               <a:defRPr sz="1200"/>
@@ -182,15 +5707,15 @@
         </p:nvSpPr>
         <p:spPr>
           <a:xfrm>
-            <a:off x="3884613" y="0"/>
-            <a:ext cx="2971800" cy="458788"/>
+            <a:off x="3970938" y="0"/>
+            <a:ext cx="3037840" cy="466434"/>
           </a:xfrm>
           <a:prstGeom prst="rect">
             <a:avLst/>
           </a:prstGeom>
         </p:spPr>
         <p:txBody>
-          <a:bodyPr vert="horz" lIns="91440" tIns="45720" rIns="91440" bIns="45720" rtlCol="0"/>
+          <a:bodyPr vert="horz" lIns="93177" tIns="46589" rIns="93177" bIns="46589" rtlCol="0"/>
           <a:lstStyle>
             <a:lvl1pPr algn="r">
               <a:defRPr sz="1200"/>
@@ -217,8 +5742,8 @@
         </p:nvSpPr>
         <p:spPr>
           <a:xfrm>
-            <a:off x="685800" y="1143000"/>
-            <a:ext cx="5486400" cy="3086100"/>
+            <a:off x="717550" y="1162050"/>
+            <a:ext cx="5575300" cy="3136900"/>
           </a:xfrm>
           <a:prstGeom prst="rect">
             <a:avLst/>
@@ -231,7 +5756,7 @@
           </a:ln>
         </p:spPr>
         <p:txBody>
-          <a:bodyPr vert="horz" lIns="91440" tIns="45720" rIns="91440" bIns="45720" rtlCol="0" anchor="ctr"/>
+          <a:bodyPr vert="horz" lIns="93177" tIns="46589" rIns="93177" bIns="46589" rtlCol="0" anchor="ctr"/>
           <a:lstStyle/>
           <a:p>
             <a:endParaRPr lang="en-US"/>
@@ -250,15 +5775,15 @@
         </p:nvSpPr>
         <p:spPr>
           <a:xfrm>
-            <a:off x="685800" y="4400550"/>
-            <a:ext cx="5486400" cy="3600450"/>
+            <a:off x="701040" y="4473892"/>
+            <a:ext cx="5608320" cy="3660458"/>
           </a:xfrm>
           <a:prstGeom prst="rect">
             <a:avLst/>
           </a:prstGeom>
         </p:spPr>
         <p:txBody>
-          <a:bodyPr vert="horz" lIns="91440" tIns="45720" rIns="91440" bIns="45720" rtlCol="0"/>
+          <a:bodyPr vert="horz" lIns="93177" tIns="46589" rIns="93177" bIns="46589" rtlCol="0"/>
           <a:lstStyle/>
           <a:p>
             <a:pPr lvl="0"/>
@@ -310,15 +5835,15 @@
         </p:nvSpPr>
         <p:spPr>
           <a:xfrm>
-            <a:off x="0" y="8685213"/>
-            <a:ext cx="2971800" cy="458787"/>
+            <a:off x="0" y="8829967"/>
+            <a:ext cx="3037840" cy="466433"/>
           </a:xfrm>
           <a:prstGeom prst="rect">
             <a:avLst/>
           </a:prstGeom>
         </p:spPr>
         <p:txBody>
-          <a:bodyPr vert="horz" lIns="91440" tIns="45720" rIns="91440" bIns="45720" rtlCol="0" anchor="b"/>
+          <a:bodyPr vert="horz" lIns="93177" tIns="46589" rIns="93177" bIns="46589" rtlCol="0" anchor="b"/>
           <a:lstStyle>
             <a:lvl1pPr algn="l">
               <a:defRPr sz="1200"/>
@@ -341,15 +5866,15 @@
         </p:nvSpPr>
         <p:spPr>
           <a:xfrm>
-            <a:off x="3884613" y="8685213"/>
-            <a:ext cx="2971800" cy="458787"/>
+            <a:off x="3970938" y="8829967"/>
+            <a:ext cx="3037840" cy="466433"/>
           </a:xfrm>
           <a:prstGeom prst="rect">
             <a:avLst/>
           </a:prstGeom>
         </p:spPr>
         <p:txBody>
-          <a:bodyPr vert="horz" lIns="91440" tIns="45720" rIns="91440" bIns="45720" rtlCol="0" anchor="b"/>
+          <a:bodyPr vert="horz" lIns="93177" tIns="46589" rIns="93177" bIns="46589" rtlCol="0" anchor="b"/>
           <a:lstStyle>
             <a:lvl1pPr algn="r">
               <a:defRPr sz="1200"/>
@@ -611,11 +6136,7 @@
           <a:bodyPr/>
           <a:lstStyle/>
           <a:p>
-            <a:r>
-              <a:rPr lang="en-US" dirty="0" smtClean="0"/>
-              <a:t>These packages need to be installed</a:t>
-            </a:r>
-            <a:endParaRPr lang="en-US" dirty="0"/>
+            <a:endParaRPr lang="en-US" baseline="0" dirty="0" smtClean="0"/>
           </a:p>
         </p:txBody>
       </p:sp>
@@ -636,7 +6157,7 @@
           <a:p>
             <a:fld id="{29C8BA92-DA2F-4C34-B41C-28EA4D1A3BD3}" type="slidenum">
               <a:rPr lang="en-US" smtClean="0"/>
-              <a:t>6</a:t>
+              <a:t>3</a:t>
             </a:fld>
             <a:endParaRPr lang="en-US"/>
           </a:p>
@@ -645,7 +6166,114 @@
     </p:spTree>
     <p:extLst>
       <p:ext uri="{BB962C8B-B14F-4D97-AF65-F5344CB8AC3E}">
-        <p14:creationId xmlns:p14="http://schemas.microsoft.com/office/powerpoint/2010/main" val="802192008"/>
+        <p14:creationId xmlns:p14="http://schemas.microsoft.com/office/powerpoint/2010/main" val="1799008181"/>
+      </p:ext>
+    </p:extLst>
+  </p:cSld>
+  <p:clrMapOvr>
+    <a:masterClrMapping/>
+  </p:clrMapOvr>
+</p:notes>
+</file>
+
+<file path=ppt/notesSlides/notesSlide3.xml><?xml version="1.0" encoding="utf-8"?>
+<p:notes xmlns:a="http://schemas.openxmlformats.org/drawingml/2006/main" xmlns:r="http://schemas.openxmlformats.org/officeDocument/2006/relationships" xmlns:p="http://schemas.openxmlformats.org/presentationml/2006/main">
+  <p:cSld>
+    <p:spTree>
+      <p:nvGrpSpPr>
+        <p:cNvPr id="1" name=""/>
+        <p:cNvGrpSpPr/>
+        <p:nvPr/>
+      </p:nvGrpSpPr>
+      <p:grpSpPr>
+        <a:xfrm>
+          <a:off x="0" y="0"/>
+          <a:ext cx="0" cy="0"/>
+          <a:chOff x="0" y="0"/>
+          <a:chExt cx="0" cy="0"/>
+        </a:xfrm>
+      </p:grpSpPr>
+      <p:sp>
+        <p:nvSpPr>
+          <p:cNvPr id="2" name="Slide Image Placeholder 1"/>
+          <p:cNvSpPr>
+            <a:spLocks noGrp="1" noRot="1" noChangeAspect="1"/>
+          </p:cNvSpPr>
+          <p:nvPr>
+            <p:ph type="sldImg"/>
+          </p:nvPr>
+        </p:nvSpPr>
+        <p:spPr/>
+      </p:sp>
+      <p:sp>
+        <p:nvSpPr>
+          <p:cNvPr id="3" name="Notes Placeholder 2"/>
+          <p:cNvSpPr>
+            <a:spLocks noGrp="1"/>
+          </p:cNvSpPr>
+          <p:nvPr>
+            <p:ph type="body" idx="1"/>
+          </p:nvPr>
+        </p:nvSpPr>
+        <p:spPr/>
+        <p:txBody>
+          <a:bodyPr/>
+          <a:lstStyle/>
+          <a:p>
+            <a:r>
+              <a:rPr lang="en-US" dirty="0" smtClean="0"/>
+              <a:t>Why are all these Steps necessary?</a:t>
+            </a:r>
+            <a:endParaRPr lang="en-US" baseline="0" dirty="0" smtClean="0"/>
+          </a:p>
+          <a:p>
+            <a:r>
+              <a:rPr lang="en-US" baseline="0" dirty="0" smtClean="0"/>
+              <a:t>So the user can run the web services without running into problems. There will be a HOW TO document with a walkthrough of the set up.</a:t>
+            </a:r>
+          </a:p>
+          <a:p>
+            <a:r>
+              <a:rPr lang="en-US" baseline="0" dirty="0" smtClean="0"/>
+              <a:t>The working directory and workspace information need to be saved locally for security reasons.</a:t>
+            </a:r>
+          </a:p>
+          <a:p>
+            <a:r>
+              <a:rPr lang="en-US" baseline="0" dirty="0" smtClean="0"/>
+              <a:t>The reason that the input and output need to be formatted is this is a necessary step for publishing</a:t>
+            </a:r>
+            <a:endParaRPr lang="en-US" dirty="0"/>
+          </a:p>
+        </p:txBody>
+      </p:sp>
+      <p:sp>
+        <p:nvSpPr>
+          <p:cNvPr id="4" name="Slide Number Placeholder 3"/>
+          <p:cNvSpPr>
+            <a:spLocks noGrp="1"/>
+          </p:cNvSpPr>
+          <p:nvPr>
+            <p:ph type="sldNum" sz="quarter" idx="10"/>
+          </p:nvPr>
+        </p:nvSpPr>
+        <p:spPr/>
+        <p:txBody>
+          <a:bodyPr/>
+          <a:lstStyle/>
+          <a:p>
+            <a:fld id="{29C8BA92-DA2F-4C34-B41C-28EA4D1A3BD3}" type="slidenum">
+              <a:rPr lang="en-US" smtClean="0"/>
+              <a:t>4</a:t>
+            </a:fld>
+            <a:endParaRPr lang="en-US"/>
+          </a:p>
+        </p:txBody>
+      </p:sp>
+    </p:spTree>
+    <p:extLst>
+      <p:ext uri="{BB962C8B-B14F-4D97-AF65-F5344CB8AC3E}">
+        <p14:creationId xmlns:p14="http://schemas.microsoft.com/office/powerpoint/2010/main" val="2515995392"/>
       </p:ext>
     </p:extLst>
   </p:cSld>
@@ -8328,74 +13956,50 @@
             <p:ph type="title"/>
           </p:nvPr>
         </p:nvSpPr>
-        <p:spPr/>
+        <p:spPr>
+          <a:xfrm>
+            <a:off x="2592925" y="766916"/>
+            <a:ext cx="8911687" cy="1138084"/>
+          </a:xfrm>
+        </p:spPr>
         <p:txBody>
           <a:bodyPr/>
           <a:lstStyle/>
           <a:p>
             <a:r>
               <a:rPr lang="en-US" dirty="0" smtClean="0"/>
-              <a:t>Steps</a:t>
+              <a:t>Problem</a:t>
             </a:r>
             <a:endParaRPr lang="en-US" dirty="0"/>
           </a:p>
         </p:txBody>
       </p:sp>
-      <p:sp>
-        <p:nvSpPr>
-          <p:cNvPr id="3" name="Content Placeholder 2"/>
-          <p:cNvSpPr>
-            <a:spLocks noGrp="1"/>
-          </p:cNvSpPr>
+      <p:graphicFrame>
+        <p:nvGraphicFramePr>
+          <p:cNvPr id="4" name="Diagram 3"/>
+          <p:cNvGraphicFramePr/>
           <p:nvPr>
-            <p:ph idx="1"/>
+            <p:extLst>
+              <p:ext uri="{D42A27DB-BD31-4B8C-83A1-F6EECF244321}">
+                <p14:modId xmlns:p14="http://schemas.microsoft.com/office/powerpoint/2010/main" val="1229926067"/>
+              </p:ext>
+            </p:extLst>
           </p:nvPr>
-        </p:nvSpPr>
-        <p:spPr/>
-        <p:txBody>
-          <a:bodyPr/>
-          <a:lstStyle/>
-          <a:p>
-            <a:r>
-              <a:rPr lang="en-US" dirty="0" smtClean="0"/>
-              <a:t>Set Working Directory</a:t>
-            </a:r>
-          </a:p>
-          <a:p>
-            <a:r>
-              <a:rPr lang="en-US" dirty="0" smtClean="0"/>
-              <a:t>Compile all of consume, discover, publish functions</a:t>
-            </a:r>
-          </a:p>
-          <a:p>
-            <a:r>
-              <a:rPr lang="en-US" dirty="0" smtClean="0"/>
-              <a:t>Set local workspace id and authentication token</a:t>
-            </a:r>
-          </a:p>
-          <a:p>
-            <a:r>
-              <a:rPr lang="en-US" dirty="0" smtClean="0"/>
-              <a:t>Install all packages</a:t>
-            </a:r>
-          </a:p>
-          <a:p>
-            <a:r>
-              <a:rPr lang="en-US" dirty="0" smtClean="0"/>
-              <a:t>Set up </a:t>
-            </a:r>
-            <a:r>
-              <a:rPr lang="en-US" dirty="0" err="1" smtClean="0"/>
-              <a:t>Rtools</a:t>
-            </a:r>
-            <a:endParaRPr lang="en-US" dirty="0"/>
-          </a:p>
-        </p:txBody>
-      </p:sp>
+        </p:nvGraphicFramePr>
+        <p:xfrm>
+          <a:off x="2031999" y="1681316"/>
+          <a:ext cx="9933859" cy="4457017"/>
+        </p:xfrm>
+        <a:graphic>
+          <a:graphicData uri="http://schemas.openxmlformats.org/drawingml/2006/diagram">
+            <dgm:relIds xmlns:dgm="http://schemas.openxmlformats.org/drawingml/2006/diagram" xmlns:r="http://schemas.openxmlformats.org/officeDocument/2006/relationships" r:dm="rId2" r:lo="rId3" r:qs="rId4" r:cs="rId5"/>
+          </a:graphicData>
+        </a:graphic>
+      </p:graphicFrame>
     </p:spTree>
     <p:extLst>
       <p:ext uri="{BB962C8B-B14F-4D97-AF65-F5344CB8AC3E}">
-        <p14:creationId xmlns:p14="http://schemas.microsoft.com/office/powerpoint/2010/main" val="1447858407"/>
+        <p14:creationId xmlns:p14="http://schemas.microsoft.com/office/powerpoint/2010/main" val="3678957928"/>
       </p:ext>
     </p:extLst>
   </p:cSld>
@@ -8434,414 +14038,104 @@
         </p:nvSpPr>
         <p:spPr>
           <a:xfrm>
-            <a:off x="2205990" y="446088"/>
-            <a:ext cx="3888421" cy="976312"/>
+            <a:off x="2592925" y="727586"/>
+            <a:ext cx="8911687" cy="1177413"/>
           </a:xfrm>
         </p:spPr>
         <p:txBody>
-          <a:bodyPr>
-            <a:normAutofit/>
-          </a:bodyPr>
+          <a:bodyPr/>
           <a:lstStyle/>
           <a:p>
             <a:r>
-              <a:rPr lang="en-US" sz="3200" dirty="0"/>
-              <a:t>Getting Started</a:t>
+              <a:rPr lang="en-US" dirty="0" smtClean="0"/>
+              <a:t>Solution</a:t>
             </a:r>
+            <a:endParaRPr lang="en-US" dirty="0"/>
           </a:p>
         </p:txBody>
       </p:sp>
       <p:sp>
         <p:nvSpPr>
-          <p:cNvPr id="4" name="Text Placeholder 3"/>
+          <p:cNvPr id="3" name="Content Placeholder 2"/>
           <p:cNvSpPr>
             <a:spLocks noGrp="1"/>
           </p:cNvSpPr>
           <p:nvPr>
-            <p:ph type="body" sz="half" idx="2"/>
+            <p:ph idx="1"/>
           </p:nvPr>
         </p:nvSpPr>
         <p:spPr>
           <a:xfrm>
-            <a:off x="2205990" y="2000250"/>
-            <a:ext cx="3463600" cy="3860799"/>
+            <a:off x="2589212" y="2160639"/>
+            <a:ext cx="8915400" cy="4006222"/>
           </a:xfrm>
         </p:spPr>
         <p:txBody>
-          <a:bodyPr>
-            <a:normAutofit/>
-          </a:bodyPr>
+          <a:bodyPr/>
           <a:lstStyle/>
           <a:p>
-            <a:pPr marL="342900" indent="-342900">
-              <a:buAutoNum type="arabicPeriod"/>
+            <a:pPr marL="0" indent="0">
+              <a:buNone/>
             </a:pPr>
             <a:r>
               <a:rPr lang="en-US" dirty="0" smtClean="0"/>
-              <a:t>Go to Settings</a:t>
-            </a:r>
-          </a:p>
-          <a:p>
-            <a:pPr marL="342900" indent="-342900">
-              <a:buAutoNum type="arabicPeriod"/>
-            </a:pPr>
-            <a:r>
-              <a:rPr lang="en-US" dirty="0" smtClean="0"/>
-              <a:t>Grab Workspace ID</a:t>
-            </a:r>
-          </a:p>
-          <a:p>
-            <a:pPr marL="342900" indent="-342900">
-              <a:buAutoNum type="arabicPeriod"/>
-            </a:pPr>
-            <a:r>
-              <a:rPr lang="en-US" dirty="0" smtClean="0"/>
-              <a:t>Switch over to Authorization Token tab and grab the token</a:t>
-            </a:r>
-          </a:p>
-          <a:p>
-            <a:pPr algn="just"/>
-            <a:r>
-              <a:rPr lang="en-US" b="1" dirty="0" smtClean="0"/>
-              <a:t>**Would be a good idea to save these as a global variable as it is necessary for most functions**</a:t>
-            </a:r>
-          </a:p>
-        </p:txBody>
-      </p:sp>
-      <p:pic>
-        <p:nvPicPr>
-          <p:cNvPr id="9" name="Content Placeholder 8"/>
-          <p:cNvPicPr>
-            <a:picLocks noGrp="1" noChangeAspect="1"/>
-          </p:cNvPicPr>
-          <p:nvPr>
-            <p:ph idx="1"/>
-          </p:nvPr>
-        </p:nvPicPr>
-        <p:blipFill>
-          <a:blip r:embed="rId2">
-            <a:extLst>
-              <a:ext uri="{28A0092B-C50C-407E-A947-70E740481C1C}">
-                <a14:useLocalDpi xmlns:a14="http://schemas.microsoft.com/office/drawing/2010/main" val="0"/>
-              </a:ext>
-            </a:extLst>
-          </a:blip>
-          <a:stretch>
-            <a:fillRect/>
-          </a:stretch>
-        </p:blipFill>
-        <p:spPr>
-          <a:xfrm>
-            <a:off x="6094412" y="1802231"/>
-            <a:ext cx="5958848" cy="2484019"/>
-          </a:xfrm>
-        </p:spPr>
-      </p:pic>
-      <p:sp>
-        <p:nvSpPr>
-          <p:cNvPr id="10" name="Content Placeholder 2"/>
-          <p:cNvSpPr txBox="1">
-            <a:spLocks/>
-          </p:cNvSpPr>
-          <p:nvPr/>
-        </p:nvSpPr>
-        <p:spPr>
-          <a:xfrm>
-            <a:off x="2205990" y="1303338"/>
-            <a:ext cx="9193847" cy="590550"/>
-          </a:xfrm>
-          <a:prstGeom prst="rect">
-            <a:avLst/>
-          </a:prstGeom>
-        </p:spPr>
-        <p:txBody>
-          <a:bodyPr vert="horz" lIns="91440" tIns="45720" rIns="91440" bIns="45720" rtlCol="0" anchor="ctr">
-            <a:normAutofit/>
-          </a:bodyPr>
-          <a:lstStyle>
-            <a:lvl1pPr marL="342900" indent="-342900" algn="l" defTabSz="457200" rtl="0" eaLnBrk="1" latinLnBrk="0" hangingPunct="1">
-              <a:spcBef>
-                <a:spcPts val="1000"/>
-              </a:spcBef>
-              <a:spcAft>
-                <a:spcPts val="0"/>
-              </a:spcAft>
-              <a:buClr>
-                <a:schemeClr val="accent1"/>
-              </a:buClr>
-              <a:buFont typeface="Wingdings 3" charset="2"/>
-              <a:buChar char=""/>
-              <a:defRPr sz="1800" kern="1200">
-                <a:solidFill>
-                  <a:schemeClr val="tx1">
-                    <a:lumMod val="75000"/>
-                    <a:lumOff val="25000"/>
-                  </a:schemeClr>
-                </a:solidFill>
-                <a:latin typeface="+mn-lt"/>
-                <a:ea typeface="+mn-ea"/>
-                <a:cs typeface="+mn-cs"/>
-              </a:defRPr>
-            </a:lvl1pPr>
-            <a:lvl2pPr marL="742950" indent="-285750" algn="l" defTabSz="457200" rtl="0" eaLnBrk="1" latinLnBrk="0" hangingPunct="1">
-              <a:spcBef>
-                <a:spcPts val="1000"/>
-              </a:spcBef>
-              <a:spcAft>
-                <a:spcPts val="0"/>
-              </a:spcAft>
-              <a:buClr>
-                <a:schemeClr val="accent1"/>
-              </a:buClr>
-              <a:buFont typeface="Wingdings 3" charset="2"/>
-              <a:buChar char=""/>
-              <a:defRPr sz="1600" kern="1200">
-                <a:solidFill>
-                  <a:schemeClr val="tx1">
-                    <a:lumMod val="75000"/>
-                    <a:lumOff val="25000"/>
-                  </a:schemeClr>
-                </a:solidFill>
-                <a:latin typeface="+mn-lt"/>
-                <a:ea typeface="+mn-ea"/>
-                <a:cs typeface="+mn-cs"/>
-              </a:defRPr>
-            </a:lvl2pPr>
-            <a:lvl3pPr marL="1143000" indent="-228600" algn="l" defTabSz="457200" rtl="0" eaLnBrk="1" latinLnBrk="0" hangingPunct="1">
-              <a:spcBef>
-                <a:spcPts val="1000"/>
-              </a:spcBef>
-              <a:spcAft>
-                <a:spcPts val="0"/>
-              </a:spcAft>
-              <a:buClr>
-                <a:schemeClr val="accent1"/>
-              </a:buClr>
-              <a:buFont typeface="Wingdings 3" charset="2"/>
-              <a:buChar char=""/>
-              <a:defRPr sz="1400" kern="1200">
-                <a:solidFill>
-                  <a:schemeClr val="tx1">
-                    <a:lumMod val="75000"/>
-                    <a:lumOff val="25000"/>
-                  </a:schemeClr>
-                </a:solidFill>
-                <a:latin typeface="+mn-lt"/>
-                <a:ea typeface="+mn-ea"/>
-                <a:cs typeface="+mn-cs"/>
-              </a:defRPr>
-            </a:lvl3pPr>
-            <a:lvl4pPr marL="1600200" indent="-228600" algn="l" defTabSz="457200" rtl="0" eaLnBrk="1" latinLnBrk="0" hangingPunct="1">
-              <a:spcBef>
-                <a:spcPts val="1000"/>
-              </a:spcBef>
-              <a:spcAft>
-                <a:spcPts val="0"/>
-              </a:spcAft>
-              <a:buClr>
-                <a:schemeClr val="accent1"/>
-              </a:buClr>
-              <a:buFont typeface="Wingdings 3" charset="2"/>
-              <a:buChar char=""/>
-              <a:defRPr sz="1200" kern="1200">
-                <a:solidFill>
-                  <a:schemeClr val="tx1">
-                    <a:lumMod val="75000"/>
-                    <a:lumOff val="25000"/>
-                  </a:schemeClr>
-                </a:solidFill>
-                <a:latin typeface="+mn-lt"/>
-                <a:ea typeface="+mn-ea"/>
-                <a:cs typeface="+mn-cs"/>
-              </a:defRPr>
-            </a:lvl4pPr>
-            <a:lvl5pPr marL="2057400" indent="-228600" algn="l" defTabSz="457200" rtl="0" eaLnBrk="1" latinLnBrk="0" hangingPunct="1">
-              <a:spcBef>
-                <a:spcPts val="1000"/>
-              </a:spcBef>
-              <a:spcAft>
-                <a:spcPts val="0"/>
-              </a:spcAft>
-              <a:buClr>
-                <a:schemeClr val="accent1"/>
-              </a:buClr>
-              <a:buFont typeface="Wingdings 3" charset="2"/>
-              <a:buChar char=""/>
-              <a:defRPr sz="1200" kern="1200">
-                <a:solidFill>
-                  <a:schemeClr val="tx1">
-                    <a:lumMod val="75000"/>
-                    <a:lumOff val="25000"/>
-                  </a:schemeClr>
-                </a:solidFill>
-                <a:latin typeface="+mn-lt"/>
-                <a:ea typeface="+mn-ea"/>
-                <a:cs typeface="+mn-cs"/>
-              </a:defRPr>
-            </a:lvl5pPr>
-            <a:lvl6pPr marL="2514600" indent="-228600" algn="l" defTabSz="457200" rtl="0" eaLnBrk="1" latinLnBrk="0" hangingPunct="1">
-              <a:spcBef>
-                <a:spcPts val="1000"/>
-              </a:spcBef>
-              <a:spcAft>
-                <a:spcPts val="0"/>
-              </a:spcAft>
-              <a:buClr>
-                <a:schemeClr val="accent1"/>
-              </a:buClr>
-              <a:buFont typeface="Wingdings 3" charset="2"/>
-              <a:buChar char=""/>
-              <a:defRPr sz="1200" kern="1200">
-                <a:solidFill>
-                  <a:schemeClr val="tx1">
-                    <a:lumMod val="75000"/>
-                    <a:lumOff val="25000"/>
-                  </a:schemeClr>
-                </a:solidFill>
-                <a:latin typeface="+mn-lt"/>
-                <a:ea typeface="+mn-ea"/>
-                <a:cs typeface="+mn-cs"/>
-              </a:defRPr>
-            </a:lvl6pPr>
-            <a:lvl7pPr marL="2971800" indent="-228600" algn="l" defTabSz="457200" rtl="0" eaLnBrk="1" latinLnBrk="0" hangingPunct="1">
-              <a:spcBef>
-                <a:spcPts val="1000"/>
-              </a:spcBef>
-              <a:spcAft>
-                <a:spcPts val="0"/>
-              </a:spcAft>
-              <a:buClr>
-                <a:schemeClr val="accent1"/>
-              </a:buClr>
-              <a:buFont typeface="Wingdings 3" charset="2"/>
-              <a:buChar char=""/>
-              <a:defRPr sz="1200" kern="1200">
-                <a:solidFill>
-                  <a:schemeClr val="tx1">
-                    <a:lumMod val="75000"/>
-                    <a:lumOff val="25000"/>
-                  </a:schemeClr>
-                </a:solidFill>
-                <a:latin typeface="+mn-lt"/>
-                <a:ea typeface="+mn-ea"/>
-                <a:cs typeface="+mn-cs"/>
-              </a:defRPr>
-            </a:lvl7pPr>
-            <a:lvl8pPr marL="3429000" indent="-228600" algn="l" defTabSz="457200" rtl="0" eaLnBrk="1" latinLnBrk="0" hangingPunct="1">
-              <a:spcBef>
-                <a:spcPts val="1000"/>
-              </a:spcBef>
-              <a:spcAft>
-                <a:spcPts val="0"/>
-              </a:spcAft>
-              <a:buClr>
-                <a:schemeClr val="accent1"/>
-              </a:buClr>
-              <a:buFont typeface="Wingdings 3" charset="2"/>
-              <a:buChar char=""/>
-              <a:defRPr sz="1200" kern="1200">
-                <a:solidFill>
-                  <a:schemeClr val="tx1">
-                    <a:lumMod val="75000"/>
-                    <a:lumOff val="25000"/>
-                  </a:schemeClr>
-                </a:solidFill>
-                <a:latin typeface="+mn-lt"/>
-                <a:ea typeface="+mn-ea"/>
-                <a:cs typeface="+mn-cs"/>
-              </a:defRPr>
-            </a:lvl8pPr>
-            <a:lvl9pPr marL="3886200" indent="-228600" algn="l" defTabSz="457200" rtl="0" eaLnBrk="1" latinLnBrk="0" hangingPunct="1">
-              <a:spcBef>
-                <a:spcPts val="1000"/>
-              </a:spcBef>
-              <a:spcAft>
-                <a:spcPts val="0"/>
-              </a:spcAft>
-              <a:buClr>
-                <a:schemeClr val="accent1"/>
-              </a:buClr>
-              <a:buFont typeface="Wingdings 3" charset="2"/>
-              <a:buChar char=""/>
-              <a:defRPr sz="1200" kern="1200">
-                <a:solidFill>
-                  <a:schemeClr val="tx1">
-                    <a:lumMod val="75000"/>
-                    <a:lumOff val="25000"/>
-                  </a:schemeClr>
-                </a:solidFill>
-                <a:latin typeface="+mn-lt"/>
-                <a:ea typeface="+mn-ea"/>
-                <a:cs typeface="+mn-cs"/>
-              </a:defRPr>
-            </a:lvl9pPr>
-          </a:lstStyle>
-          <a:p>
-            <a:r>
-              <a:rPr lang="en-US" dirty="0" smtClean="0"/>
-              <a:t>Go to </a:t>
+              <a:t>Access to </a:t>
             </a:r>
             <a:r>
-              <a:rPr lang="en-US" dirty="0" smtClean="0">
-                <a:hlinkClick r:id="rId3"/>
-              </a:rPr>
-              <a:t>https://studio.azureml.net/</a:t>
+              <a:rPr lang="en-US" dirty="0" err="1" smtClean="0"/>
+              <a:t>AzureML</a:t>
             </a:r>
             <a:r>
               <a:rPr lang="en-US" dirty="0" smtClean="0"/>
-              <a:t> and gather your Workspace information</a:t>
+              <a:t> web services through a CRAN package with access to:</a:t>
             </a:r>
+          </a:p>
+          <a:p>
+            <a:pPr marL="0" indent="0">
+              <a:buNone/>
+            </a:pPr>
+            <a:endParaRPr lang="en-US" dirty="0"/>
+          </a:p>
+          <a:p>
+            <a:pPr marL="0" indent="0">
+              <a:buNone/>
+            </a:pPr>
             <a:endParaRPr lang="en-US" dirty="0"/>
           </a:p>
         </p:txBody>
       </p:sp>
-      <p:pic>
-        <p:nvPicPr>
-          <p:cNvPr id="12" name="Picture 11"/>
-          <p:cNvPicPr>
-            <a:picLocks noChangeAspect="1"/>
-          </p:cNvPicPr>
-          <p:nvPr/>
-        </p:nvPicPr>
-        <p:blipFill>
-          <a:blip r:embed="rId4">
-            <a:extLst>
-              <a:ext uri="{28A0092B-C50C-407E-A947-70E740481C1C}">
-                <a14:useLocalDpi xmlns:a14="http://schemas.microsoft.com/office/drawing/2010/main" val="0"/>
-              </a:ext>
-            </a:extLst>
-          </a:blip>
-          <a:stretch>
-            <a:fillRect/>
-          </a:stretch>
-        </p:blipFill>
-        <p:spPr>
-          <a:xfrm>
-            <a:off x="6094412" y="4023023"/>
-            <a:ext cx="5958848" cy="2477348"/>
-          </a:xfrm>
-          <a:prstGeom prst="rect">
-            <a:avLst/>
-          </a:prstGeom>
-        </p:spPr>
-      </p:pic>
+      <p:graphicFrame>
+        <p:nvGraphicFramePr>
+          <p:cNvPr id="4" name="Diagram 3"/>
+          <p:cNvGraphicFramePr/>
+          <p:nvPr>
+            <p:extLst>
+              <p:ext uri="{D42A27DB-BD31-4B8C-83A1-F6EECF244321}">
+                <p14:modId xmlns:p14="http://schemas.microsoft.com/office/powerpoint/2010/main" val="3465340337"/>
+              </p:ext>
+            </p:extLst>
+          </p:nvPr>
+        </p:nvGraphicFramePr>
+        <p:xfrm>
+          <a:off x="2679316" y="1809550"/>
+          <a:ext cx="8312736" cy="4319159"/>
+        </p:xfrm>
+        <a:graphic>
+          <a:graphicData uri="http://schemas.openxmlformats.org/drawingml/2006/diagram">
+            <dgm:relIds xmlns:dgm="http://schemas.openxmlformats.org/drawingml/2006/diagram" xmlns:r="http://schemas.openxmlformats.org/officeDocument/2006/relationships" r:dm="rId3" r:lo="rId4" r:qs="rId5" r:cs="rId6"/>
+          </a:graphicData>
+        </a:graphic>
+      </p:graphicFrame>
     </p:spTree>
     <p:extLst>
       <p:ext uri="{BB962C8B-B14F-4D97-AF65-F5344CB8AC3E}">
-        <p14:creationId xmlns:p14="http://schemas.microsoft.com/office/powerpoint/2010/main" val="549452656"/>
+        <p14:creationId xmlns:p14="http://schemas.microsoft.com/office/powerpoint/2010/main" val="1303777009"/>
       </p:ext>
     </p:extLst>
   </p:cSld>
   <p:clrMapOvr>
     <a:masterClrMapping/>
   </p:clrMapOvr>
-  <p:timing>
-    <p:tnLst>
-      <p:par>
-        <p:cTn id="1" dur="indefinite" restart="never" nodeType="tmRoot"/>
-      </p:par>
-    </p:tnLst>
-  </p:timing>
 </p:sld>
 </file>
 
@@ -8872,33 +14166,10 @@
             <p:ph type="title"/>
           </p:nvPr>
         </p:nvSpPr>
-        <p:spPr/>
-        <p:txBody>
-          <a:bodyPr/>
-          <a:lstStyle/>
-          <a:p>
-            <a:r>
-              <a:rPr lang="en-US" dirty="0" smtClean="0"/>
-              <a:t>User Functions</a:t>
-            </a:r>
-            <a:endParaRPr lang="en-US" dirty="0"/>
-          </a:p>
-        </p:txBody>
-      </p:sp>
-      <p:sp>
-        <p:nvSpPr>
-          <p:cNvPr id="3" name="Content Placeholder 2"/>
-          <p:cNvSpPr>
-            <a:spLocks noGrp="1"/>
-          </p:cNvSpPr>
-          <p:nvPr>
-            <p:ph idx="1"/>
-          </p:nvPr>
-        </p:nvSpPr>
         <p:spPr>
           <a:xfrm>
-            <a:off x="2133600" y="1476375"/>
-            <a:ext cx="9371012" cy="5200650"/>
+            <a:off x="2205989" y="305227"/>
+            <a:ext cx="3888421" cy="976312"/>
           </a:xfrm>
         </p:spPr>
         <p:txBody>
@@ -8908,488 +14179,168 @@
           <a:lstStyle/>
           <a:p>
             <a:r>
-              <a:rPr lang="en-US" dirty="0" smtClean="0"/>
-              <a:t>Discovery</a:t>
+              <a:rPr lang="en-US" sz="3200" dirty="0"/>
+              <a:t>Getting Started</a:t>
             </a:r>
           </a:p>
-          <a:p>
-            <a:pPr lvl="1"/>
+        </p:txBody>
+      </p:sp>
+      <p:sp>
+        <p:nvSpPr>
+          <p:cNvPr id="4" name="Text Placeholder 3"/>
+          <p:cNvSpPr>
+            <a:spLocks noGrp="1"/>
+          </p:cNvSpPr>
+          <p:nvPr>
+            <p:ph type="body" sz="half" idx="2"/>
+          </p:nvPr>
+        </p:nvSpPr>
+        <p:spPr>
+          <a:xfrm>
+            <a:off x="2205989" y="1958741"/>
+            <a:ext cx="9315451" cy="4899259"/>
+          </a:xfrm>
+        </p:spPr>
+        <p:txBody>
+          <a:bodyPr>
+            <a:normAutofit/>
+          </a:bodyPr>
+          <a:lstStyle/>
+          <a:p>
+            <a:pPr marL="342900" indent="-342900">
+              <a:buFont typeface="Wingdings 3" charset="2"/>
+              <a:buAutoNum type="arabicPeriod"/>
+            </a:pPr>
             <a:r>
-              <a:rPr lang="en-US" dirty="0" err="1" smtClean="0"/>
-              <a:t>getEndpoints</a:t>
+              <a:rPr lang="en-US" sz="1800" dirty="0" smtClean="0"/>
+              <a:t>Set Working Directory locally</a:t>
+            </a:r>
+          </a:p>
+          <a:p>
+            <a:pPr marL="342900" indent="-342900">
+              <a:buFont typeface="Wingdings 3" charset="2"/>
+              <a:buAutoNum type="arabicPeriod"/>
+            </a:pPr>
+            <a:endParaRPr lang="en-US" sz="800" dirty="0" smtClean="0"/>
+          </a:p>
+          <a:p>
+            <a:pPr marL="342900" indent="-342900">
+              <a:buFont typeface="Wingdings 3" charset="2"/>
+              <a:buAutoNum type="arabicPeriod"/>
+            </a:pPr>
+            <a:r>
+              <a:rPr lang="en-US" sz="1800" dirty="0" smtClean="0"/>
+              <a:t>Go </a:t>
             </a:r>
             <a:r>
-              <a:rPr lang="en-US" dirty="0" smtClean="0"/>
-              <a:t>(</a:t>
+              <a:rPr lang="en-US" sz="1800" dirty="0"/>
+              <a:t>to </a:t>
             </a:r>
             <a:r>
-              <a:rPr lang="en-US" dirty="0" err="1" smtClean="0"/>
-              <a:t>wkID</a:t>
+              <a:rPr lang="en-US" sz="1800" dirty="0">
+                <a:hlinkClick r:id="rId3"/>
+              </a:rPr>
+              <a:t>https://studio.azureml.net/</a:t>
             </a:r>
             <a:r>
-              <a:rPr lang="en-US" dirty="0"/>
-              <a:t>, </a:t>
+              <a:rPr lang="en-US" sz="1800" dirty="0"/>
+              <a:t> and gather your Workspace information</a:t>
+            </a:r>
+          </a:p>
+          <a:p>
+            <a:pPr marL="800100" lvl="1" indent="-342900">
+              <a:buAutoNum type="arabicPeriod"/>
+            </a:pPr>
+            <a:r>
+              <a:rPr lang="en-US" sz="1800" dirty="0" smtClean="0"/>
+              <a:t>Save the workspace ID and authentication token locally</a:t>
+            </a:r>
+            <a:endParaRPr lang="en-US" sz="1800" b="1" dirty="0" smtClean="0"/>
+          </a:p>
+          <a:p>
+            <a:pPr marL="800100" lvl="1" indent="-342900">
+              <a:buFont typeface="Wingdings 3" charset="2"/>
+              <a:buAutoNum type="arabicPeriod"/>
+            </a:pPr>
+            <a:endParaRPr lang="en-US" sz="800" dirty="0" smtClean="0"/>
+          </a:p>
+          <a:p>
+            <a:pPr marL="342900" indent="-342900">
+              <a:buFont typeface="Wingdings 3" charset="2"/>
+              <a:buAutoNum type="arabicPeriod"/>
+            </a:pPr>
+            <a:r>
+              <a:rPr lang="en-US" sz="1800" dirty="0"/>
+              <a:t>Set up </a:t>
             </a:r>
             <a:r>
-              <a:rPr lang="en-US" dirty="0" err="1"/>
-              <a:t>authToken</a:t>
+              <a:rPr lang="en-US" sz="1800" dirty="0" err="1" smtClean="0"/>
+              <a:t>Rtools</a:t>
+            </a:r>
+            <a:endParaRPr lang="en-US" sz="1800" dirty="0" smtClean="0"/>
+          </a:p>
+          <a:p>
+            <a:pPr marL="342900" indent="-342900">
+              <a:buFont typeface="Wingdings 3" charset="2"/>
+              <a:buAutoNum type="arabicPeriod"/>
+            </a:pPr>
+            <a:endParaRPr lang="en-US" sz="800" dirty="0" smtClean="0"/>
+          </a:p>
+          <a:p>
+            <a:pPr marL="342900" indent="-342900">
+              <a:buFont typeface="Wingdings 3" charset="2"/>
+              <a:buAutoNum type="arabicPeriod"/>
+            </a:pPr>
+            <a:r>
+              <a:rPr lang="en-US" sz="1800" dirty="0" smtClean="0"/>
+              <a:t>Install all necessary and included packages</a:t>
+            </a:r>
+          </a:p>
+          <a:p>
+            <a:pPr marL="342900" indent="-342900">
+              <a:buFont typeface="Wingdings 3" charset="2"/>
+              <a:buAutoNum type="arabicPeriod"/>
+            </a:pPr>
+            <a:endParaRPr lang="en-US" sz="900" dirty="0"/>
+          </a:p>
+          <a:p>
+            <a:pPr marL="342900" indent="-342900">
+              <a:buAutoNum type="arabicPeriod"/>
+            </a:pPr>
+            <a:r>
+              <a:rPr lang="en-US" sz="1800" dirty="0" smtClean="0"/>
+              <a:t>Format your input and output schemas</a:t>
+            </a:r>
+          </a:p>
+          <a:p>
+            <a:pPr marL="342900" indent="-342900">
+              <a:buAutoNum type="arabicPeriod"/>
+            </a:pPr>
+            <a:endParaRPr lang="en-US" sz="900" dirty="0" smtClean="0"/>
+          </a:p>
+          <a:p>
+            <a:pPr marL="342900" indent="-342900">
+              <a:buFont typeface="Wingdings 3" charset="2"/>
+              <a:buAutoNum type="arabicPeriod"/>
+            </a:pPr>
+            <a:r>
+              <a:rPr lang="en-US" sz="1800" dirty="0"/>
+              <a:t>Compile all of consume, discover, publish </a:t>
             </a:r>
             <a:r>
-              <a:rPr lang="en-US" dirty="0"/>
-              <a:t>, </a:t>
+              <a:rPr lang="en-US" sz="1800" dirty="0" smtClean="0"/>
+              <a:t>functions</a:t>
             </a:r>
-            <a:r>
-              <a:rPr lang="en-US" dirty="0" err="1"/>
-              <a:t>wsID</a:t>
-            </a:r>
-            <a:r>
-              <a:rPr lang="en-US" dirty="0"/>
-              <a:t>, </a:t>
-            </a:r>
-            <a:r>
-              <a:rPr lang="en-US" dirty="0" err="1"/>
-              <a:t>url</a:t>
-            </a:r>
-            <a:r>
-              <a:rPr lang="en-US" dirty="0"/>
-              <a:t>=</a:t>
-            </a:r>
-            <a:r>
-              <a:rPr lang="en-US" dirty="0" err="1"/>
-              <a:t>epURL</a:t>
-            </a:r>
-            <a:r>
-              <a:rPr lang="en-US" dirty="0"/>
-              <a:t>)</a:t>
-            </a:r>
-          </a:p>
-          <a:p>
-            <a:pPr lvl="1"/>
-            <a:r>
-              <a:rPr lang="en-US" dirty="0" err="1" smtClean="0"/>
-              <a:t>getEPDetails</a:t>
-            </a:r>
-            <a:r>
-              <a:rPr lang="en-US" dirty="0" smtClean="0"/>
-              <a:t>(</a:t>
-            </a:r>
-            <a:r>
-              <a:rPr lang="en-US" dirty="0" err="1" smtClean="0"/>
-              <a:t>wkID</a:t>
-            </a:r>
-            <a:r>
-              <a:rPr lang="en-US" dirty="0"/>
-              <a:t>, </a:t>
-            </a:r>
-            <a:r>
-              <a:rPr lang="en-US" dirty="0" err="1"/>
-              <a:t>authToken</a:t>
-            </a:r>
-            <a:r>
-              <a:rPr lang="en-US" dirty="0"/>
-              <a:t>, </a:t>
-            </a:r>
-            <a:r>
-              <a:rPr lang="en-US" dirty="0" err="1"/>
-              <a:t>wsID</a:t>
-            </a:r>
-            <a:r>
-              <a:rPr lang="en-US" dirty="0"/>
-              <a:t>, </a:t>
-            </a:r>
-            <a:r>
-              <a:rPr lang="en-US" dirty="0" err="1"/>
-              <a:t>epID</a:t>
-            </a:r>
-            <a:r>
-              <a:rPr lang="en-US" dirty="0"/>
-              <a:t>, </a:t>
-            </a:r>
-            <a:r>
-              <a:rPr lang="en-US" dirty="0" err="1"/>
-              <a:t>url</a:t>
-            </a:r>
-            <a:r>
-              <a:rPr lang="en-US" dirty="0"/>
-              <a:t>=</a:t>
-            </a:r>
-            <a:r>
-              <a:rPr lang="en-US" dirty="0" err="1"/>
-              <a:t>epURLdet</a:t>
-            </a:r>
-            <a:r>
-              <a:rPr lang="en-US" dirty="0"/>
-              <a:t>)</a:t>
-            </a:r>
-          </a:p>
-          <a:p>
-            <a:pPr lvl="1"/>
-            <a:r>
-              <a:rPr lang="en-US" dirty="0" err="1" smtClean="0"/>
-              <a:t>getWebServices</a:t>
-            </a:r>
-            <a:r>
-              <a:rPr lang="en-US" dirty="0" smtClean="0"/>
-              <a:t>(</a:t>
-            </a:r>
-            <a:r>
-              <a:rPr lang="en-US" dirty="0" err="1" smtClean="0"/>
-              <a:t>wkID</a:t>
-            </a:r>
-            <a:r>
-              <a:rPr lang="en-US" dirty="0"/>
-              <a:t>, </a:t>
-            </a:r>
-            <a:r>
-              <a:rPr lang="en-US" dirty="0" err="1"/>
-              <a:t>authToken</a:t>
-            </a:r>
-            <a:r>
-              <a:rPr lang="en-US" dirty="0"/>
-              <a:t>, </a:t>
-            </a:r>
-            <a:r>
-              <a:rPr lang="en-US" dirty="0" err="1"/>
-              <a:t>url</a:t>
-            </a:r>
-            <a:r>
-              <a:rPr lang="en-US" dirty="0"/>
-              <a:t>=</a:t>
-            </a:r>
-            <a:r>
-              <a:rPr lang="en-US" dirty="0" err="1"/>
-              <a:t>wsURL</a:t>
-            </a:r>
-            <a:r>
-              <a:rPr lang="en-US" dirty="0"/>
-              <a:t>)</a:t>
-            </a:r>
-          </a:p>
-          <a:p>
-            <a:pPr lvl="1"/>
-            <a:r>
-              <a:rPr lang="en-US" dirty="0" err="1" smtClean="0"/>
-              <a:t>getWSDetails</a:t>
-            </a:r>
-            <a:r>
-              <a:rPr lang="en-US" dirty="0" smtClean="0"/>
-              <a:t>(</a:t>
-            </a:r>
-            <a:r>
-              <a:rPr lang="en-US" dirty="0" err="1" smtClean="0"/>
-              <a:t>wkID</a:t>
-            </a:r>
-            <a:r>
-              <a:rPr lang="en-US" dirty="0"/>
-              <a:t>, </a:t>
-            </a:r>
-            <a:r>
-              <a:rPr lang="en-US" dirty="0" err="1"/>
-              <a:t>authToken</a:t>
-            </a:r>
-            <a:r>
-              <a:rPr lang="en-US" dirty="0"/>
-              <a:t>, </a:t>
-            </a:r>
-            <a:r>
-              <a:rPr lang="en-US" dirty="0" err="1"/>
-              <a:t>wsID</a:t>
-            </a:r>
-            <a:r>
-              <a:rPr lang="en-US" dirty="0"/>
-              <a:t>, </a:t>
-            </a:r>
-            <a:r>
-              <a:rPr lang="en-US" dirty="0" err="1"/>
-              <a:t>url</a:t>
-            </a:r>
-            <a:r>
-              <a:rPr lang="en-US" dirty="0"/>
-              <a:t>=</a:t>
-            </a:r>
-            <a:r>
-              <a:rPr lang="en-US" dirty="0" err="1"/>
-              <a:t>wsURLdet</a:t>
-            </a:r>
-            <a:r>
-              <a:rPr lang="en-US" dirty="0"/>
-              <a:t>)</a:t>
-            </a:r>
-          </a:p>
-          <a:p>
-            <a:r>
-              <a:rPr lang="en-US" dirty="0" smtClean="0"/>
-              <a:t>Consumption</a:t>
-            </a:r>
-          </a:p>
-          <a:p>
-            <a:pPr lvl="1"/>
-            <a:r>
-              <a:rPr lang="en-US" dirty="0" err="1" smtClean="0"/>
-              <a:t>consumeFile</a:t>
-            </a:r>
-            <a:r>
-              <a:rPr lang="en-US" dirty="0" smtClean="0"/>
-              <a:t>(</a:t>
-            </a:r>
-            <a:r>
-              <a:rPr lang="en-US" dirty="0" err="1" smtClean="0"/>
-              <a:t>api_key</a:t>
-            </a:r>
-            <a:r>
-              <a:rPr lang="en-US" dirty="0"/>
-              <a:t>, </a:t>
-            </a:r>
-            <a:r>
-              <a:rPr lang="en-US" dirty="0" err="1"/>
-              <a:t>requestURL</a:t>
-            </a:r>
-            <a:r>
-              <a:rPr lang="en-US" dirty="0"/>
-              <a:t>, </a:t>
-            </a:r>
-            <a:r>
-              <a:rPr lang="en-US" dirty="0" err="1"/>
-              <a:t>infileName</a:t>
-            </a:r>
-            <a:r>
-              <a:rPr lang="en-US" dirty="0"/>
-              <a:t>, </a:t>
-            </a:r>
-            <a:r>
-              <a:rPr lang="en-US" dirty="0" err="1"/>
-              <a:t>globalParam</a:t>
-            </a:r>
-            <a:r>
-              <a:rPr lang="en-US" dirty="0"/>
-              <a:t> = "", </a:t>
-            </a:r>
-            <a:r>
-              <a:rPr lang="en-US" dirty="0" err="1"/>
-              <a:t>outfileName</a:t>
-            </a:r>
-            <a:r>
-              <a:rPr lang="en-US" dirty="0"/>
-              <a:t> = "results.txt", </a:t>
-            </a:r>
-            <a:r>
-              <a:rPr lang="en-US" dirty="0" err="1"/>
-              <a:t>batchSize</a:t>
-            </a:r>
-            <a:r>
-              <a:rPr lang="en-US" dirty="0"/>
-              <a:t> = 250, </a:t>
-            </a:r>
-            <a:r>
-              <a:rPr lang="en-US" dirty="0" err="1"/>
-              <a:t>retryDelay</a:t>
-            </a:r>
-            <a:r>
-              <a:rPr lang="en-US" dirty="0"/>
-              <a:t> = 0.3</a:t>
-            </a:r>
-            <a:r>
-              <a:rPr lang="en-US" dirty="0" smtClean="0"/>
-              <a:t>)</a:t>
-            </a:r>
-          </a:p>
-          <a:p>
-            <a:pPr lvl="1"/>
-            <a:r>
-              <a:rPr lang="en-US" dirty="0" err="1" smtClean="0"/>
-              <a:t>consumeLists</a:t>
-            </a:r>
-            <a:r>
-              <a:rPr lang="en-US" dirty="0" smtClean="0"/>
-              <a:t>(</a:t>
-            </a:r>
-            <a:r>
-              <a:rPr lang="en-US" dirty="0" err="1" smtClean="0"/>
-              <a:t>api_key</a:t>
-            </a:r>
-            <a:r>
-              <a:rPr lang="en-US" dirty="0"/>
-              <a:t>, </a:t>
-            </a:r>
-            <a:r>
-              <a:rPr lang="en-US" dirty="0" err="1"/>
-              <a:t>requestURL</a:t>
-            </a:r>
-            <a:r>
-              <a:rPr lang="en-US" dirty="0"/>
-              <a:t>, </a:t>
-            </a:r>
-            <a:r>
-              <a:rPr lang="en-US" dirty="0" err="1"/>
-              <a:t>columnNames</a:t>
-            </a:r>
-            <a:r>
-              <a:rPr lang="en-US" dirty="0"/>
-              <a:t>, ..., </a:t>
-            </a:r>
-            <a:r>
-              <a:rPr lang="en-US" dirty="0" err="1"/>
-              <a:t>globalParam</a:t>
-            </a:r>
-            <a:r>
-              <a:rPr lang="en-US" dirty="0"/>
-              <a:t>="", </a:t>
-            </a:r>
-            <a:r>
-              <a:rPr lang="en-US" dirty="0" err="1"/>
-              <a:t>retryDelay</a:t>
-            </a:r>
-            <a:r>
-              <a:rPr lang="en-US" dirty="0"/>
-              <a:t> = 0.3</a:t>
-            </a:r>
-            <a:r>
-              <a:rPr lang="en-US" dirty="0" smtClean="0"/>
-              <a:t>)</a:t>
-            </a:r>
-          </a:p>
-          <a:p>
-            <a:pPr lvl="1"/>
-            <a:r>
-              <a:rPr lang="en-US" dirty="0" err="1" smtClean="0"/>
-              <a:t>consumeDataframe</a:t>
-            </a:r>
-            <a:r>
-              <a:rPr lang="en-US" dirty="0" smtClean="0"/>
-              <a:t>(</a:t>
-            </a:r>
-            <a:r>
-              <a:rPr lang="en-US" dirty="0" err="1" smtClean="0"/>
-              <a:t>api_key</a:t>
-            </a:r>
-            <a:r>
-              <a:rPr lang="en-US" dirty="0"/>
-              <a:t>, </a:t>
-            </a:r>
-            <a:r>
-              <a:rPr lang="en-US" dirty="0" err="1"/>
-              <a:t>requestURL</a:t>
-            </a:r>
-            <a:r>
-              <a:rPr lang="en-US" dirty="0"/>
-              <a:t>, </a:t>
-            </a:r>
-            <a:r>
-              <a:rPr lang="en-US" dirty="0" err="1"/>
-              <a:t>valuesDF</a:t>
-            </a:r>
-            <a:r>
-              <a:rPr lang="en-US" dirty="0"/>
-              <a:t>, </a:t>
-            </a:r>
-            <a:r>
-              <a:rPr lang="en-US" dirty="0" err="1"/>
-              <a:t>globalParam</a:t>
-            </a:r>
-            <a:r>
-              <a:rPr lang="en-US" dirty="0"/>
-              <a:t>="", </a:t>
-            </a:r>
-            <a:r>
-              <a:rPr lang="en-US" dirty="0" err="1"/>
-              <a:t>batchSize</a:t>
-            </a:r>
-            <a:r>
-              <a:rPr lang="en-US" dirty="0"/>
-              <a:t> = 250, </a:t>
-            </a:r>
-            <a:r>
-              <a:rPr lang="en-US" dirty="0" err="1"/>
-              <a:t>retryDelay</a:t>
-            </a:r>
-            <a:r>
-              <a:rPr lang="en-US" dirty="0"/>
-              <a:t> = 0.3)</a:t>
-            </a:r>
-            <a:endParaRPr lang="en-US" dirty="0" smtClean="0"/>
-          </a:p>
-          <a:p>
-            <a:r>
-              <a:rPr lang="en-US" dirty="0" smtClean="0"/>
-              <a:t>Publishing</a:t>
-            </a:r>
-          </a:p>
-          <a:p>
-            <a:pPr lvl="1"/>
-            <a:r>
-              <a:rPr lang="en-US" dirty="0"/>
-              <a:t> </a:t>
-            </a:r>
-            <a:r>
-              <a:rPr lang="en-US" dirty="0" err="1" smtClean="0"/>
-              <a:t>publishWebService</a:t>
-            </a:r>
-            <a:r>
-              <a:rPr lang="en-US" dirty="0" smtClean="0"/>
-              <a:t>(</a:t>
-            </a:r>
-            <a:r>
-              <a:rPr lang="en-US" dirty="0" err="1" smtClean="0"/>
-              <a:t>functionName</a:t>
-            </a:r>
-            <a:r>
-              <a:rPr lang="en-US" dirty="0"/>
-              <a:t>, </a:t>
-            </a:r>
-            <a:r>
-              <a:rPr lang="en-US" dirty="0" err="1"/>
-              <a:t>serviceName</a:t>
-            </a:r>
-            <a:r>
-              <a:rPr lang="en-US" dirty="0"/>
-              <a:t>, </a:t>
-            </a:r>
-            <a:r>
-              <a:rPr lang="en-US" dirty="0" err="1"/>
-              <a:t>inputSchema</a:t>
-            </a:r>
-            <a:r>
-              <a:rPr lang="en-US" dirty="0"/>
-              <a:t>, </a:t>
-            </a:r>
-            <a:r>
-              <a:rPr lang="en-US" dirty="0" err="1"/>
-              <a:t>outputSchema</a:t>
-            </a:r>
-            <a:r>
-              <a:rPr lang="en-US" dirty="0"/>
-              <a:t>, </a:t>
-            </a:r>
-            <a:r>
-              <a:rPr lang="en-US" dirty="0" err="1"/>
-              <a:t>wkID</a:t>
-            </a:r>
-            <a:r>
-              <a:rPr lang="en-US" dirty="0"/>
-              <a:t>, </a:t>
-            </a:r>
-            <a:r>
-              <a:rPr lang="en-US" dirty="0" err="1"/>
-              <a:t>authToken</a:t>
-            </a:r>
-            <a:r>
-              <a:rPr lang="en-US" dirty="0"/>
-              <a:t>)</a:t>
-            </a:r>
-            <a:endParaRPr lang="en-US" dirty="0" smtClean="0"/>
-          </a:p>
-          <a:p>
-            <a:pPr marL="457200" lvl="1" indent="0">
-              <a:buNone/>
-            </a:pPr>
-            <a:endParaRPr lang="en-US" dirty="0" smtClean="0"/>
+          </a:p>
+          <a:p>
+            <a:endParaRPr lang="en-US" sz="1800" dirty="0"/>
           </a:p>
         </p:txBody>
       </p:sp>
     </p:spTree>
     <p:extLst>
       <p:ext uri="{BB962C8B-B14F-4D97-AF65-F5344CB8AC3E}">
-        <p14:creationId xmlns:p14="http://schemas.microsoft.com/office/powerpoint/2010/main" val="1592841457"/>
+        <p14:creationId xmlns:p14="http://schemas.microsoft.com/office/powerpoint/2010/main" val="549452656"/>
       </p:ext>
     </p:extLst>
   </p:cSld>
@@ -9433,80 +14384,18 @@
             <p:ph type="title"/>
           </p:nvPr>
         </p:nvSpPr>
-        <p:spPr>
-          <a:xfrm>
-            <a:off x="2589212" y="624110"/>
-            <a:ext cx="8915400" cy="1280890"/>
-          </a:xfrm>
-        </p:spPr>
+        <p:spPr/>
         <p:txBody>
           <a:bodyPr>
             <a:normAutofit/>
           </a:bodyPr>
           <a:lstStyle/>
           <a:p>
-            <a:pPr lvl="1" algn="l" defTabSz="457200" rtl="0">
-              <a:spcBef>
-                <a:spcPct val="0"/>
-              </a:spcBef>
-            </a:pPr>
             <a:r>
-              <a:rPr lang="en-US" sz="2400" dirty="0" err="1" smtClean="0"/>
-              <a:t>publishWebService</a:t>
+              <a:rPr lang="en-US" sz="4000" dirty="0" smtClean="0"/>
+              <a:t>Summary</a:t>
             </a:r>
-            <a:r>
-              <a:rPr lang="en-US" sz="2400" dirty="0" smtClean="0"/>
-              <a:t>(</a:t>
-            </a:r>
-            <a:r>
-              <a:rPr lang="en-US" sz="2400" dirty="0" err="1" smtClean="0"/>
-              <a:t>functionName</a:t>
-            </a:r>
-            <a:r>
-              <a:rPr lang="en-US" sz="2400" dirty="0"/>
-              <a:t>, </a:t>
-            </a:r>
-            <a:r>
-              <a:rPr lang="en-US" sz="2400" dirty="0" err="1"/>
-              <a:t>serviceName</a:t>
-            </a:r>
-            <a:r>
-              <a:rPr lang="en-US" sz="2400" dirty="0"/>
-              <a:t>, </a:t>
-            </a:r>
-            <a:r>
-              <a:rPr lang="en-US" sz="2400" b="1" dirty="0" err="1"/>
-              <a:t>inputSchema</a:t>
-            </a:r>
-            <a:r>
-              <a:rPr lang="en-US" sz="2400" dirty="0"/>
-              <a:t>, </a:t>
-            </a:r>
-            <a:r>
-              <a:rPr lang="en-US" sz="2400" b="1" dirty="0" err="1"/>
-              <a:t>outputSchema</a:t>
-            </a:r>
-            <a:r>
-              <a:rPr lang="en-US" sz="2400" dirty="0"/>
-              <a:t>, </a:t>
-            </a:r>
-            <a:r>
-              <a:rPr lang="en-US" sz="2400" dirty="0" err="1"/>
-              <a:t>wkID</a:t>
-            </a:r>
-            <a:r>
-              <a:rPr lang="en-US" sz="2400" dirty="0"/>
-              <a:t>, </a:t>
-            </a:r>
-            <a:r>
-              <a:rPr lang="en-US" sz="2400" dirty="0" err="1"/>
-              <a:t>authToken</a:t>
-            </a:r>
-            <a:r>
-              <a:rPr lang="en-US" sz="2400" dirty="0" smtClean="0"/>
-              <a:t>)</a:t>
-            </a:r>
-            <a:endParaRPr lang="en-US" sz="2400" dirty="0"/>
+            <a:endParaRPr lang="en-US" sz="4000" dirty="0"/>
           </a:p>
         </p:txBody>
       </p:sp>
@@ -9520,32 +14409,55 @@
             <p:ph idx="1"/>
           </p:nvPr>
         </p:nvSpPr>
-        <p:spPr/>
+        <p:spPr>
+          <a:xfrm>
+            <a:off x="2589212" y="2546554"/>
+            <a:ext cx="8915400" cy="3364667"/>
+          </a:xfrm>
+        </p:spPr>
         <p:txBody>
-          <a:bodyPr/>
+          <a:bodyPr>
+            <a:normAutofit/>
+          </a:bodyPr>
           <a:lstStyle/>
           <a:p>
+            <a:pPr marL="0" indent="0">
+              <a:lnSpc>
+                <a:spcPct val="200000"/>
+              </a:lnSpc>
+              <a:buNone/>
+            </a:pPr>
             <a:r>
-              <a:rPr lang="en-US" dirty="0" err="1"/>
-              <a:t>inputSchema</a:t>
+              <a:rPr lang="en-US" sz="2400" dirty="0" err="1" smtClean="0"/>
+              <a:t>Rstudio</a:t>
             </a:r>
             <a:r>
-              <a:rPr lang="en-US" dirty="0"/>
-              <a:t> = list("arg1"="type", "arg2"="type", ...)</a:t>
-            </a:r>
-          </a:p>
-          <a:p>
-            <a:r>
-              <a:rPr lang="en-US" dirty="0" err="1" smtClean="0"/>
-              <a:t>outputSchema</a:t>
+              <a:rPr lang="en-US" sz="2400" dirty="0" smtClean="0"/>
+              <a:t> users can now </a:t>
             </a:r>
             <a:r>
-              <a:rPr lang="en-US" dirty="0" smtClean="0"/>
-              <a:t> </a:t>
+              <a:rPr lang="en-US" sz="2400" b="1" dirty="0" smtClean="0"/>
+              <a:t>Publish, Discover and Consume</a:t>
             </a:r>
             <a:r>
-              <a:rPr lang="en-US" dirty="0"/>
-              <a:t>= list("output1"="type", "output2"="type", ...)</a:t>
+              <a:rPr lang="en-US" sz="2400" dirty="0" smtClean="0"/>
+              <a:t> trained models from </a:t>
+            </a:r>
+            <a:r>
+              <a:rPr lang="en-US" sz="2400" dirty="0" err="1" smtClean="0"/>
+              <a:t>RStudio</a:t>
+            </a:r>
+            <a:r>
+              <a:rPr lang="en-US" sz="2400" dirty="0" smtClean="0"/>
+              <a:t> using </a:t>
+            </a:r>
+            <a:r>
+              <a:rPr lang="en-US" sz="2400" dirty="0" err="1" smtClean="0"/>
+              <a:t>AzureML</a:t>
+            </a:r>
+            <a:r>
+              <a:rPr lang="en-US" sz="2400" dirty="0" smtClean="0"/>
+              <a:t> web services across multiple platforms</a:t>
             </a:r>
           </a:p>
         </p:txBody>
@@ -9553,399 +14465,7 @@
     </p:spTree>
     <p:extLst>
       <p:ext uri="{BB962C8B-B14F-4D97-AF65-F5344CB8AC3E}">
-        <p14:creationId xmlns:p14="http://schemas.microsoft.com/office/powerpoint/2010/main" val="1893614782"/>
-      </p:ext>
-    </p:extLst>
-  </p:cSld>
-  <p:clrMapOvr>
-    <a:masterClrMapping/>
-  </p:clrMapOvr>
-  <p:timing>
-    <p:tnLst>
-      <p:par>
-        <p:cTn id="1" dur="indefinite" restart="never" nodeType="tmRoot"/>
-      </p:par>
-    </p:tnLst>
-  </p:timing>
-</p:sld>
-</file>
-
-<file path=ppt/slides/slide6.xml><?xml version="1.0" encoding="utf-8"?>
-<p:sld xmlns:a="http://schemas.openxmlformats.org/drawingml/2006/main" xmlns:r="http://schemas.openxmlformats.org/officeDocument/2006/relationships" xmlns:p="http://schemas.openxmlformats.org/presentationml/2006/main">
-  <p:cSld>
-    <p:spTree>
-      <p:nvGrpSpPr>
-        <p:cNvPr id="1" name=""/>
-        <p:cNvGrpSpPr/>
-        <p:nvPr/>
-      </p:nvGrpSpPr>
-      <p:grpSpPr>
-        <a:xfrm>
-          <a:off x="0" y="0"/>
-          <a:ext cx="0" cy="0"/>
-          <a:chOff x="0" y="0"/>
-          <a:chExt cx="0" cy="0"/>
-        </a:xfrm>
-      </p:grpSpPr>
-      <p:sp>
-        <p:nvSpPr>
-          <p:cNvPr id="2" name="Title 1"/>
-          <p:cNvSpPr>
-            <a:spLocks noGrp="1"/>
-          </p:cNvSpPr>
-          <p:nvPr>
-            <p:ph type="title"/>
-          </p:nvPr>
-        </p:nvSpPr>
-        <p:spPr/>
-        <p:txBody>
-          <a:bodyPr/>
-          <a:lstStyle/>
-          <a:p>
-            <a:r>
-              <a:rPr lang="en-US" dirty="0" smtClean="0"/>
-              <a:t>Included Packages</a:t>
-            </a:r>
-            <a:endParaRPr lang="en-US" dirty="0"/>
-          </a:p>
-        </p:txBody>
-      </p:sp>
-      <p:sp>
-        <p:nvSpPr>
-          <p:cNvPr id="9" name="Content Placeholder 8"/>
-          <p:cNvSpPr>
-            <a:spLocks noGrp="1"/>
-          </p:cNvSpPr>
-          <p:nvPr>
-            <p:ph idx="1"/>
-          </p:nvPr>
-        </p:nvSpPr>
-        <p:spPr/>
-        <p:txBody>
-          <a:bodyPr/>
-          <a:lstStyle/>
-          <a:p>
-            <a:pPr fontAlgn="t"/>
-            <a:r>
-              <a:rPr lang="en-US" dirty="0" err="1"/>
-              <a:t>RCurl</a:t>
-            </a:r>
-            <a:r>
-              <a:rPr lang="en-US" dirty="0"/>
-              <a:t>,</a:t>
-            </a:r>
-          </a:p>
-          <a:p>
-            <a:pPr fontAlgn="t"/>
-            <a:r>
-              <a:rPr lang="en-US" dirty="0"/>
-              <a:t>RJSONIO,</a:t>
-            </a:r>
-          </a:p>
-          <a:p>
-            <a:pPr fontAlgn="t"/>
-            <a:r>
-              <a:rPr lang="en-US" dirty="0" err="1"/>
-              <a:t>uuid</a:t>
-            </a:r>
-            <a:r>
-              <a:rPr lang="en-US" dirty="0"/>
-              <a:t>,</a:t>
-            </a:r>
-          </a:p>
-          <a:p>
-            <a:pPr fontAlgn="t"/>
-            <a:r>
-              <a:rPr lang="en-US" dirty="0" err="1"/>
-              <a:t>jsonlite</a:t>
-            </a:r>
-            <a:r>
-              <a:rPr lang="en-US" dirty="0"/>
-              <a:t>,</a:t>
-            </a:r>
-          </a:p>
-          <a:p>
-            <a:pPr fontAlgn="t"/>
-            <a:r>
-              <a:rPr lang="en-US" dirty="0" err="1"/>
-              <a:t>codetools</a:t>
-            </a:r>
-            <a:r>
-              <a:rPr lang="en-US" dirty="0"/>
-              <a:t>,</a:t>
-            </a:r>
-          </a:p>
-          <a:p>
-            <a:pPr fontAlgn="t"/>
-            <a:r>
-              <a:rPr lang="en-US" dirty="0"/>
-              <a:t>base64enc,</a:t>
-            </a:r>
-          </a:p>
-          <a:p>
-            <a:pPr fontAlgn="t"/>
-            <a:r>
-              <a:rPr lang="en-US" dirty="0"/>
-              <a:t>functional,</a:t>
-            </a:r>
-          </a:p>
-          <a:p>
-            <a:pPr fontAlgn="t"/>
-            <a:r>
-              <a:rPr lang="en-US" dirty="0" err="1" smtClean="0"/>
-              <a:t>Httr</a:t>
-            </a:r>
-            <a:endParaRPr lang="en-US" dirty="0" smtClean="0"/>
-          </a:p>
-          <a:p>
-            <a:pPr fontAlgn="t"/>
-            <a:r>
-              <a:rPr lang="en-US" dirty="0" err="1" smtClean="0"/>
-              <a:t>Data.table</a:t>
-            </a:r>
-            <a:endParaRPr lang="en-US" dirty="0"/>
-          </a:p>
-          <a:p>
-            <a:endParaRPr lang="en-US" dirty="0"/>
-          </a:p>
-        </p:txBody>
-      </p:sp>
-    </p:spTree>
-    <p:extLst>
-      <p:ext uri="{BB962C8B-B14F-4D97-AF65-F5344CB8AC3E}">
-        <p14:creationId xmlns:p14="http://schemas.microsoft.com/office/powerpoint/2010/main" val="2526314400"/>
-      </p:ext>
-    </p:extLst>
-  </p:cSld>
-  <p:clrMapOvr>
-    <a:masterClrMapping/>
-  </p:clrMapOvr>
-</p:sld>
-</file>
-
-<file path=ppt/slides/slide7.xml><?xml version="1.0" encoding="utf-8"?>
-<p:sld xmlns:a="http://schemas.openxmlformats.org/drawingml/2006/main" xmlns:r="http://schemas.openxmlformats.org/officeDocument/2006/relationships" xmlns:p="http://schemas.openxmlformats.org/presentationml/2006/main">
-  <p:cSld>
-    <p:spTree>
-      <p:nvGrpSpPr>
-        <p:cNvPr id="1" name=""/>
-        <p:cNvGrpSpPr/>
-        <p:nvPr/>
-      </p:nvGrpSpPr>
-      <p:grpSpPr>
-        <a:xfrm>
-          <a:off x="0" y="0"/>
-          <a:ext cx="0" cy="0"/>
-          <a:chOff x="0" y="0"/>
-          <a:chExt cx="0" cy="0"/>
-        </a:xfrm>
-      </p:grpSpPr>
-      <p:sp>
-        <p:nvSpPr>
-          <p:cNvPr id="2" name="Title 1"/>
-          <p:cNvSpPr>
-            <a:spLocks noGrp="1"/>
-          </p:cNvSpPr>
-          <p:nvPr>
-            <p:ph type="title"/>
-          </p:nvPr>
-        </p:nvSpPr>
-        <p:spPr/>
-        <p:txBody>
-          <a:bodyPr/>
-          <a:lstStyle/>
-          <a:p>
-            <a:r>
-              <a:rPr lang="en-US" dirty="0" smtClean="0"/>
-              <a:t>Set up </a:t>
-            </a:r>
-            <a:r>
-              <a:rPr lang="en-US" dirty="0" err="1" smtClean="0"/>
-              <a:t>Rtools</a:t>
-            </a:r>
-            <a:r>
-              <a:rPr lang="en-US" dirty="0" smtClean="0"/>
-              <a:t/>
-            </a:r>
-            <a:br>
-              <a:rPr lang="en-US" dirty="0" smtClean="0"/>
-            </a:br>
-            <a:endParaRPr lang="en-US" dirty="0"/>
-          </a:p>
-        </p:txBody>
-      </p:sp>
-      <p:pic>
-        <p:nvPicPr>
-          <p:cNvPr id="4" name="Content Placeholder 3"/>
-          <p:cNvPicPr>
-            <a:picLocks noGrp="1" noChangeAspect="1"/>
-          </p:cNvPicPr>
-          <p:nvPr>
-            <p:ph sz="half" idx="1"/>
-          </p:nvPr>
-        </p:nvPicPr>
-        <p:blipFill>
-          <a:blip r:embed="rId2"/>
-          <a:stretch>
-            <a:fillRect/>
-          </a:stretch>
-        </p:blipFill>
-        <p:spPr>
-          <a:xfrm>
-            <a:off x="2589213" y="2383800"/>
-            <a:ext cx="6092774" cy="3243371"/>
-          </a:xfrm>
-          <a:prstGeom prst="rect">
-            <a:avLst/>
-          </a:prstGeom>
-        </p:spPr>
-      </p:pic>
-      <p:sp>
-        <p:nvSpPr>
-          <p:cNvPr id="5" name="Content Placeholder 4"/>
-          <p:cNvSpPr>
-            <a:spLocks noGrp="1"/>
-          </p:cNvSpPr>
-          <p:nvPr>
-            <p:ph sz="half" idx="2"/>
-          </p:nvPr>
-        </p:nvSpPr>
-        <p:spPr>
-          <a:xfrm>
-            <a:off x="2589213" y="1905000"/>
-            <a:ext cx="8915398" cy="969690"/>
-          </a:xfrm>
-        </p:spPr>
-        <p:txBody>
-          <a:bodyPr/>
-          <a:lstStyle/>
-          <a:p>
-            <a:pPr marL="0" indent="0">
-              <a:buNone/>
-            </a:pPr>
-            <a:r>
-              <a:rPr lang="en-US" dirty="0">
-                <a:hlinkClick r:id="rId3"/>
-              </a:rPr>
-              <a:t>http://cran.r-project.org/bin/windows/Rtools</a:t>
-            </a:r>
-            <a:r>
-              <a:rPr lang="en-US" dirty="0" smtClean="0">
-                <a:hlinkClick r:id="rId3"/>
-              </a:rPr>
-              <a:t>/</a:t>
-            </a:r>
-            <a:r>
-              <a:rPr lang="en-US" dirty="0" smtClean="0"/>
-              <a:t> </a:t>
-            </a:r>
-            <a:endParaRPr lang="en-US" dirty="0"/>
-          </a:p>
-        </p:txBody>
-      </p:sp>
-    </p:spTree>
-    <p:extLst>
-      <p:ext uri="{BB962C8B-B14F-4D97-AF65-F5344CB8AC3E}">
-        <p14:creationId xmlns:p14="http://schemas.microsoft.com/office/powerpoint/2010/main" val="1886591479"/>
-      </p:ext>
-    </p:extLst>
-  </p:cSld>
-  <p:clrMapOvr>
-    <a:masterClrMapping/>
-  </p:clrMapOvr>
-</p:sld>
-</file>
-
-<file path=ppt/slides/slide8.xml><?xml version="1.0" encoding="utf-8"?>
-<p:sld xmlns:a="http://schemas.openxmlformats.org/drawingml/2006/main" xmlns:r="http://schemas.openxmlformats.org/officeDocument/2006/relationships" xmlns:p="http://schemas.openxmlformats.org/presentationml/2006/main">
-  <p:cSld>
-    <p:spTree>
-      <p:nvGrpSpPr>
-        <p:cNvPr id="1" name=""/>
-        <p:cNvGrpSpPr/>
-        <p:nvPr/>
-      </p:nvGrpSpPr>
-      <p:grpSpPr>
-        <a:xfrm>
-          <a:off x="0" y="0"/>
-          <a:ext cx="0" cy="0"/>
-          <a:chOff x="0" y="0"/>
-          <a:chExt cx="0" cy="0"/>
-        </a:xfrm>
-      </p:grpSpPr>
-      <p:sp>
-        <p:nvSpPr>
-          <p:cNvPr id="2" name="Title 1"/>
-          <p:cNvSpPr>
-            <a:spLocks noGrp="1"/>
-          </p:cNvSpPr>
-          <p:nvPr>
-            <p:ph type="title"/>
-          </p:nvPr>
-        </p:nvSpPr>
-        <p:spPr/>
-        <p:txBody>
-          <a:bodyPr/>
-          <a:lstStyle/>
-          <a:p>
-            <a:r>
-              <a:rPr lang="en-US" dirty="0" smtClean="0"/>
-              <a:t>Sources</a:t>
-            </a:r>
-            <a:endParaRPr lang="en-US" dirty="0"/>
-          </a:p>
-        </p:txBody>
-      </p:sp>
-      <p:sp>
-        <p:nvSpPr>
-          <p:cNvPr id="3" name="Content Placeholder 2"/>
-          <p:cNvSpPr>
-            <a:spLocks noGrp="1"/>
-          </p:cNvSpPr>
-          <p:nvPr>
-            <p:ph sz="half" idx="1"/>
-          </p:nvPr>
-        </p:nvSpPr>
-        <p:spPr>
-          <a:xfrm>
-            <a:off x="2589212" y="2133600"/>
-            <a:ext cx="8643470" cy="3777622"/>
-          </a:xfrm>
-        </p:spPr>
-        <p:txBody>
-          <a:bodyPr/>
-          <a:lstStyle/>
-          <a:p>
-            <a:r>
-              <a:rPr lang="en-US" dirty="0" smtClean="0"/>
-              <a:t>Downloading </a:t>
-            </a:r>
-            <a:r>
-              <a:rPr lang="en-US" dirty="0" err="1" smtClean="0"/>
-              <a:t>Rtools</a:t>
-            </a:r>
-            <a:r>
-              <a:rPr lang="en-US" dirty="0" smtClean="0"/>
-              <a:t>:</a:t>
-            </a:r>
-          </a:p>
-          <a:p>
-            <a:pPr lvl="1"/>
-            <a:r>
-              <a:rPr lang="en-US" dirty="0" smtClean="0"/>
-              <a:t>http</a:t>
-            </a:r>
-            <a:r>
-              <a:rPr lang="en-US" dirty="0"/>
-              <a:t>://stackoverflow.com/questions/29129681/create-zip-file-error-running-command-had-status-127</a:t>
-            </a:r>
-          </a:p>
-        </p:txBody>
-      </p:sp>
-    </p:spTree>
-    <p:extLst>
-      <p:ext uri="{BB962C8B-B14F-4D97-AF65-F5344CB8AC3E}">
-        <p14:creationId xmlns:p14="http://schemas.microsoft.com/office/powerpoint/2010/main" val="2326847490"/>
+        <p14:creationId xmlns:p14="http://schemas.microsoft.com/office/powerpoint/2010/main" val="859153967"/>
       </p:ext>
     </p:extLst>
   </p:cSld>
@@ -10457,4 +14977,265 @@
     </a:ext>
   </a:extLst>
 </a:theme>
+</file>
+
+<file path=ppt/theme/theme3.xml><?xml version="1.0" encoding="utf-8"?>
+<a:theme xmlns:a="http://schemas.openxmlformats.org/drawingml/2006/main" name="Office Theme">
+  <a:themeElements>
+    <a:clrScheme name="Office">
+      <a:dk1>
+        <a:sysClr val="windowText" lastClr="000000"/>
+      </a:dk1>
+      <a:lt1>
+        <a:sysClr val="window" lastClr="FFFFFF"/>
+      </a:lt1>
+      <a:dk2>
+        <a:srgbClr val="44546A"/>
+      </a:dk2>
+      <a:lt2>
+        <a:srgbClr val="E7E6E6"/>
+      </a:lt2>
+      <a:accent1>
+        <a:srgbClr val="5B9BD5"/>
+      </a:accent1>
+      <a:accent2>
+        <a:srgbClr val="ED7D31"/>
+      </a:accent2>
+      <a:accent3>
+        <a:srgbClr val="A5A5A5"/>
+      </a:accent3>
+      <a:accent4>
+        <a:srgbClr val="FFC000"/>
+      </a:accent4>
+      <a:accent5>
+        <a:srgbClr val="4472C4"/>
+      </a:accent5>
+      <a:accent6>
+        <a:srgbClr val="70AD47"/>
+      </a:accent6>
+      <a:hlink>
+        <a:srgbClr val="0563C1"/>
+      </a:hlink>
+      <a:folHlink>
+        <a:srgbClr val="954F72"/>
+      </a:folHlink>
+    </a:clrScheme>
+    <a:fontScheme name="Office">
+      <a:majorFont>
+        <a:latin typeface="Calibri Light" panose="020F0302020204030204"/>
+        <a:ea typeface=""/>
+        <a:cs typeface=""/>
+        <a:font script="Jpan" typeface="ＭＳ Ｐゴシック"/>
+        <a:font script="Hang" typeface="맑은 고딕"/>
+        <a:font script="Hans" typeface="宋体"/>
+        <a:font script="Hant" typeface="新細明體"/>
+        <a:font script="Arab" typeface="Times New Roman"/>
+        <a:font script="Hebr" typeface="Times New Roman"/>
+        <a:font script="Thai" typeface="Angsana New"/>
+        <a:font script="Ethi" typeface="Nyala"/>
+        <a:font script="Beng" typeface="Vrinda"/>
+        <a:font script="Gujr" typeface="Shruti"/>
+        <a:font script="Khmr" typeface="MoolBoran"/>
+        <a:font script="Knda" typeface="Tunga"/>
+        <a:font script="Guru" typeface="Raavi"/>
+        <a:font script="Cans" typeface="Euphemia"/>
+        <a:font script="Cher" typeface="Plantagenet Cherokee"/>
+        <a:font script="Yiii" typeface="Microsoft Yi Baiti"/>
+        <a:font script="Tibt" typeface="Microsoft Himalaya"/>
+        <a:font script="Thaa" typeface="MV Boli"/>
+        <a:font script="Deva" typeface="Mangal"/>
+        <a:font script="Telu" typeface="Gautami"/>
+        <a:font script="Taml" typeface="Latha"/>
+        <a:font script="Syrc" typeface="Estrangelo Edessa"/>
+        <a:font script="Orya" typeface="Kalinga"/>
+        <a:font script="Mlym" typeface="Kartika"/>
+        <a:font script="Laoo" typeface="DokChampa"/>
+        <a:font script="Sinh" typeface="Iskoola Pota"/>
+        <a:font script="Mong" typeface="Mongolian Baiti"/>
+        <a:font script="Viet" typeface="Times New Roman"/>
+        <a:font script="Uigh" typeface="Microsoft Uighur"/>
+        <a:font script="Geor" typeface="Sylfaen"/>
+      </a:majorFont>
+      <a:minorFont>
+        <a:latin typeface="Calibri" panose="020F0502020204030204"/>
+        <a:ea typeface=""/>
+        <a:cs typeface=""/>
+        <a:font script="Jpan" typeface="ＭＳ Ｐゴシック"/>
+        <a:font script="Hang" typeface="맑은 고딕"/>
+        <a:font script="Hans" typeface="宋体"/>
+        <a:font script="Hant" typeface="新細明體"/>
+        <a:font script="Arab" typeface="Arial"/>
+        <a:font script="Hebr" typeface="Arial"/>
+        <a:font script="Thai" typeface="Cordia New"/>
+        <a:font script="Ethi" typeface="Nyala"/>
+        <a:font script="Beng" typeface="Vrinda"/>
+        <a:font script="Gujr" typeface="Shruti"/>
+        <a:font script="Khmr" typeface="DaunPenh"/>
+        <a:font script="Knda" typeface="Tunga"/>
+        <a:font script="Guru" typeface="Raavi"/>
+        <a:font script="Cans" typeface="Euphemia"/>
+        <a:font script="Cher" typeface="Plantagenet Cherokee"/>
+        <a:font script="Yiii" typeface="Microsoft Yi Baiti"/>
+        <a:font script="Tibt" typeface="Microsoft Himalaya"/>
+        <a:font script="Thaa" typeface="MV Boli"/>
+        <a:font script="Deva" typeface="Mangal"/>
+        <a:font script="Telu" typeface="Gautami"/>
+        <a:font script="Taml" typeface="Latha"/>
+        <a:font script="Syrc" typeface="Estrangelo Edessa"/>
+        <a:font script="Orya" typeface="Kalinga"/>
+        <a:font script="Mlym" typeface="Kartika"/>
+        <a:font script="Laoo" typeface="DokChampa"/>
+        <a:font script="Sinh" typeface="Iskoola Pota"/>
+        <a:font script="Mong" typeface="Mongolian Baiti"/>
+        <a:font script="Viet" typeface="Arial"/>
+        <a:font script="Uigh" typeface="Microsoft Uighur"/>
+        <a:font script="Geor" typeface="Sylfaen"/>
+      </a:minorFont>
+    </a:fontScheme>
+    <a:fmtScheme name="Office">
+      <a:fillStyleLst>
+        <a:solidFill>
+          <a:schemeClr val="phClr"/>
+        </a:solidFill>
+        <a:gradFill rotWithShape="1">
+          <a:gsLst>
+            <a:gs pos="0">
+              <a:schemeClr val="phClr">
+                <a:lumMod val="110000"/>
+                <a:satMod val="105000"/>
+                <a:tint val="67000"/>
+              </a:schemeClr>
+            </a:gs>
+            <a:gs pos="50000">
+              <a:schemeClr val="phClr">
+                <a:lumMod val="105000"/>
+                <a:satMod val="103000"/>
+                <a:tint val="73000"/>
+              </a:schemeClr>
+            </a:gs>
+            <a:gs pos="100000">
+              <a:schemeClr val="phClr">
+                <a:lumMod val="105000"/>
+                <a:satMod val="109000"/>
+                <a:tint val="81000"/>
+              </a:schemeClr>
+            </a:gs>
+          </a:gsLst>
+          <a:lin ang="5400000" scaled="0"/>
+        </a:gradFill>
+        <a:gradFill rotWithShape="1">
+          <a:gsLst>
+            <a:gs pos="0">
+              <a:schemeClr val="phClr">
+                <a:satMod val="103000"/>
+                <a:lumMod val="102000"/>
+                <a:tint val="94000"/>
+              </a:schemeClr>
+            </a:gs>
+            <a:gs pos="50000">
+              <a:schemeClr val="phClr">
+                <a:satMod val="110000"/>
+                <a:lumMod val="100000"/>
+                <a:shade val="100000"/>
+              </a:schemeClr>
+            </a:gs>
+            <a:gs pos="100000">
+              <a:schemeClr val="phClr">
+                <a:lumMod val="99000"/>
+                <a:satMod val="120000"/>
+                <a:shade val="78000"/>
+              </a:schemeClr>
+            </a:gs>
+          </a:gsLst>
+          <a:lin ang="5400000" scaled="0"/>
+        </a:gradFill>
+      </a:fillStyleLst>
+      <a:lnStyleLst>
+        <a:ln w="6350" cap="flat" cmpd="sng" algn="ctr">
+          <a:solidFill>
+            <a:schemeClr val="phClr"/>
+          </a:solidFill>
+          <a:prstDash val="solid"/>
+          <a:miter lim="800000"/>
+        </a:ln>
+        <a:ln w="12700" cap="flat" cmpd="sng" algn="ctr">
+          <a:solidFill>
+            <a:schemeClr val="phClr"/>
+          </a:solidFill>
+          <a:prstDash val="solid"/>
+          <a:miter lim="800000"/>
+        </a:ln>
+        <a:ln w="19050" cap="flat" cmpd="sng" algn="ctr">
+          <a:solidFill>
+            <a:schemeClr val="phClr"/>
+          </a:solidFill>
+          <a:prstDash val="solid"/>
+          <a:miter lim="800000"/>
+        </a:ln>
+      </a:lnStyleLst>
+      <a:effectStyleLst>
+        <a:effectStyle>
+          <a:effectLst/>
+        </a:effectStyle>
+        <a:effectStyle>
+          <a:effectLst/>
+        </a:effectStyle>
+        <a:effectStyle>
+          <a:effectLst>
+            <a:outerShdw blurRad="57150" dist="19050" dir="5400000" algn="ctr" rotWithShape="0">
+              <a:srgbClr val="000000">
+                <a:alpha val="63000"/>
+              </a:srgbClr>
+            </a:outerShdw>
+          </a:effectLst>
+        </a:effectStyle>
+      </a:effectStyleLst>
+      <a:bgFillStyleLst>
+        <a:solidFill>
+          <a:schemeClr val="phClr"/>
+        </a:solidFill>
+        <a:solidFill>
+          <a:schemeClr val="phClr">
+            <a:tint val="95000"/>
+            <a:satMod val="170000"/>
+          </a:schemeClr>
+        </a:solidFill>
+        <a:gradFill rotWithShape="1">
+          <a:gsLst>
+            <a:gs pos="0">
+              <a:schemeClr val="phClr">
+                <a:tint val="93000"/>
+                <a:satMod val="150000"/>
+                <a:shade val="98000"/>
+                <a:lumMod val="102000"/>
+              </a:schemeClr>
+            </a:gs>
+            <a:gs pos="50000">
+              <a:schemeClr val="phClr">
+                <a:tint val="98000"/>
+                <a:satMod val="130000"/>
+                <a:shade val="90000"/>
+                <a:lumMod val="103000"/>
+              </a:schemeClr>
+            </a:gs>
+            <a:gs pos="100000">
+              <a:schemeClr val="phClr">
+                <a:shade val="63000"/>
+                <a:satMod val="120000"/>
+              </a:schemeClr>
+            </a:gs>
+          </a:gsLst>
+          <a:lin ang="5400000" scaled="0"/>
+        </a:gradFill>
+      </a:bgFillStyleLst>
+    </a:fmtScheme>
+  </a:themeElements>
+  <a:objectDefaults/>
+  <a:extraClrSchemeLst/>
+  <a:extLst>
+    <a:ext uri="{05A4C25C-085E-4340-85A3-A5531E510DB2}">
+      <thm15:themeFamily xmlns:thm15="http://schemas.microsoft.com/office/thememl/2012/main" name="Office Theme" id="{62F939B6-93AF-4DB8-9C6B-D6C7DFDC589F}" vid="{4A3C46E8-61CC-4603-A589-7422A47A8E4A}"/>
+    </a:ext>
+  </a:extLst>
+</a:theme>
 </file>
--- a/demo/demo walkthrough.pptx
+++ b/demo/demo walkthrough.pptx
@@ -5,17 +5,21 @@
     <p:sldMasterId id="2147483846" r:id="rId1"/>
   </p:sldMasterIdLst>
   <p:notesMasterIdLst>
-    <p:notesMasterId r:id="rId7"/>
+    <p:notesMasterId r:id="rId11"/>
   </p:notesMasterIdLst>
   <p:handoutMasterIdLst>
-    <p:handoutMasterId r:id="rId8"/>
+    <p:handoutMasterId r:id="rId12"/>
   </p:handoutMasterIdLst>
   <p:sldIdLst>
     <p:sldId id="256" r:id="rId2"/>
     <p:sldId id="261" r:id="rId3"/>
     <p:sldId id="264" r:id="rId4"/>
-    <p:sldId id="260" r:id="rId5"/>
-    <p:sldId id="263" r:id="rId6"/>
+    <p:sldId id="265" r:id="rId5"/>
+    <p:sldId id="266" r:id="rId6"/>
+    <p:sldId id="267" r:id="rId7"/>
+    <p:sldId id="260" r:id="rId8"/>
+    <p:sldId id="263" r:id="rId9"/>
+    <p:sldId id="268" r:id="rId10"/>
   </p:sldIdLst>
   <p:sldSz cx="12192000" cy="6858000"/>
   <p:notesSz cx="7010400" cy="9296400"/>
@@ -114,6 +118,14 @@
       </a:defRPr>
     </a:lvl9pPr>
   </p:defaultTextStyle>
+  <p:extLst>
+    <p:ext uri="{EFAFB233-063F-42B5-8137-9DF3F51BA10A}">
+      <p15:sldGuideLst xmlns:p15="http://schemas.microsoft.com/office/powerpoint/2012/main"/>
+    </p:ext>
+    <p:ext uri="{2D200454-40CA-4A62-9FC3-DE9A4176ACB9}">
+      <p15:notesGuideLst xmlns:p15="http://schemas.microsoft.com/office/powerpoint/2012/main"/>
+    </p:ext>
+  </p:extLst>
 </p:presentation>
 </file>
 
@@ -2043,6 +2055,13 @@
         </dgm:presLayoutVars>
       </dgm:prSet>
       <dgm:spPr/>
+      <dgm:t>
+        <a:bodyPr/>
+        <a:lstStyle/>
+        <a:p>
+          <a:endParaRPr lang="en-US"/>
+        </a:p>
+      </dgm:t>
     </dgm:pt>
     <dgm:pt modelId="{09B556BA-BD67-4E2F-9601-11BDB66D76B1}" type="pres">
       <dgm:prSet presAssocID="{CECE1DF5-AE9F-4869-8A5C-FBE358D09A54}" presName="node" presStyleLbl="node1" presStyleIdx="0" presStyleCnt="3" custScaleY="137715">
@@ -2062,10 +2081,24 @@
     <dgm:pt modelId="{E688654C-480D-4723-81A7-40BBA8079336}" type="pres">
       <dgm:prSet presAssocID="{5FF75A2D-899E-4DFC-B16A-7F62ACD64683}" presName="sibTrans" presStyleLbl="sibTrans2D1" presStyleIdx="0" presStyleCnt="2"/>
       <dgm:spPr/>
+      <dgm:t>
+        <a:bodyPr/>
+        <a:lstStyle/>
+        <a:p>
+          <a:endParaRPr lang="en-US"/>
+        </a:p>
+      </dgm:t>
     </dgm:pt>
     <dgm:pt modelId="{2ADD7079-839A-475E-8D7D-E8917615C115}" type="pres">
       <dgm:prSet presAssocID="{5FF75A2D-899E-4DFC-B16A-7F62ACD64683}" presName="connectorText" presStyleLbl="sibTrans2D1" presStyleIdx="0" presStyleCnt="2"/>
       <dgm:spPr/>
+      <dgm:t>
+        <a:bodyPr/>
+        <a:lstStyle/>
+        <a:p>
+          <a:endParaRPr lang="en-US"/>
+        </a:p>
+      </dgm:t>
     </dgm:pt>
     <dgm:pt modelId="{CFB31821-0763-4057-9B7F-34EB41CB66CE}" type="pres">
       <dgm:prSet presAssocID="{B41FC37D-4874-4B65-AED6-B0CFF9DB3B54}" presName="node" presStyleLbl="node1" presStyleIdx="1" presStyleCnt="3" custScaleY="137715">
@@ -2085,10 +2118,24 @@
     <dgm:pt modelId="{D4AD2F42-40BB-4325-A12E-7CDDF3AB7080}" type="pres">
       <dgm:prSet presAssocID="{54E83B88-9311-4A4C-A5FE-AE5B43692D06}" presName="sibTrans" presStyleLbl="sibTrans2D1" presStyleIdx="1" presStyleCnt="2"/>
       <dgm:spPr/>
+      <dgm:t>
+        <a:bodyPr/>
+        <a:lstStyle/>
+        <a:p>
+          <a:endParaRPr lang="en-US"/>
+        </a:p>
+      </dgm:t>
     </dgm:pt>
     <dgm:pt modelId="{F07CDDFB-2665-47C3-936A-830BAA1596CD}" type="pres">
       <dgm:prSet presAssocID="{54E83B88-9311-4A4C-A5FE-AE5B43692D06}" presName="connectorText" presStyleLbl="sibTrans2D1" presStyleIdx="1" presStyleCnt="2"/>
       <dgm:spPr/>
+      <dgm:t>
+        <a:bodyPr/>
+        <a:lstStyle/>
+        <a:p>
+          <a:endParaRPr lang="en-US"/>
+        </a:p>
+      </dgm:t>
     </dgm:pt>
     <dgm:pt modelId="{32FC0D74-E03E-4FB7-9977-F61FC74F82AE}" type="pres">
       <dgm:prSet presAssocID="{A7EB8D2F-7A59-4937-932C-B4894295A136}" presName="node" presStyleLbl="node1" presStyleIdx="2" presStyleCnt="3" custScaleY="146506">
@@ -2108,16 +2155,16 @@
   </dgm:ptLst>
   <dgm:cxnLst>
     <dgm:cxn modelId="{732E965C-F25B-418B-B4DA-6B528DC98520}" type="presOf" srcId="{5FF75A2D-899E-4DFC-B16A-7F62ACD64683}" destId="{E688654C-480D-4723-81A7-40BBA8079336}" srcOrd="0" destOrd="0" presId="urn:microsoft.com/office/officeart/2005/8/layout/process1"/>
+    <dgm:cxn modelId="{5ED3FD25-31F7-40A4-A3D8-81131BEEA430}" type="presOf" srcId="{2157B5E1-D83A-4BC2-9A42-481B25694F45}" destId="{E3447519-9D67-4724-9C52-A4171A71CCE8}" srcOrd="0" destOrd="0" presId="urn:microsoft.com/office/officeart/2005/8/layout/process1"/>
+    <dgm:cxn modelId="{3761EE46-D4B2-476C-AE8F-686EF123E1C9}" type="presOf" srcId="{A7EB8D2F-7A59-4937-932C-B4894295A136}" destId="{32FC0D74-E03E-4FB7-9977-F61FC74F82AE}" srcOrd="0" destOrd="0" presId="urn:microsoft.com/office/officeart/2005/8/layout/process1"/>
     <dgm:cxn modelId="{F1EB2505-C915-44CD-AB9B-B0A98C3597FA}" srcId="{2157B5E1-D83A-4BC2-9A42-481B25694F45}" destId="{CECE1DF5-AE9F-4869-8A5C-FBE358D09A54}" srcOrd="0" destOrd="0" parTransId="{D81ADE2E-AD72-4ECD-82C9-2802E5DC6524}" sibTransId="{5FF75A2D-899E-4DFC-B16A-7F62ACD64683}"/>
-    <dgm:cxn modelId="{3761EE46-D4B2-476C-AE8F-686EF123E1C9}" type="presOf" srcId="{A7EB8D2F-7A59-4937-932C-B4894295A136}" destId="{32FC0D74-E03E-4FB7-9977-F61FC74F82AE}" srcOrd="0" destOrd="0" presId="urn:microsoft.com/office/officeart/2005/8/layout/process1"/>
     <dgm:cxn modelId="{788BD5CC-70C8-445F-8E67-0AB9F50D215A}" type="presOf" srcId="{5FF75A2D-899E-4DFC-B16A-7F62ACD64683}" destId="{2ADD7079-839A-475E-8D7D-E8917615C115}" srcOrd="1" destOrd="0" presId="urn:microsoft.com/office/officeart/2005/8/layout/process1"/>
+    <dgm:cxn modelId="{8BF69AC6-A31B-4022-B660-78AC39A0BBB7}" type="presOf" srcId="{54E83B88-9311-4A4C-A5FE-AE5B43692D06}" destId="{F07CDDFB-2665-47C3-936A-830BAA1596CD}" srcOrd="1" destOrd="0" presId="urn:microsoft.com/office/officeart/2005/8/layout/process1"/>
+    <dgm:cxn modelId="{94EF7C74-B86E-4896-9D37-0119D1A0BC5A}" type="presOf" srcId="{54E83B88-9311-4A4C-A5FE-AE5B43692D06}" destId="{D4AD2F42-40BB-4325-A12E-7CDDF3AB7080}" srcOrd="0" destOrd="0" presId="urn:microsoft.com/office/officeart/2005/8/layout/process1"/>
+    <dgm:cxn modelId="{A4520FB8-C959-46A5-AA35-8D2A47079E69}" type="presOf" srcId="{CECE1DF5-AE9F-4869-8A5C-FBE358D09A54}" destId="{09B556BA-BD67-4E2F-9601-11BDB66D76B1}" srcOrd="0" destOrd="0" presId="urn:microsoft.com/office/officeart/2005/8/layout/process1"/>
+    <dgm:cxn modelId="{8D9A39BC-6D54-480E-B6E7-654E8262C316}" srcId="{2157B5E1-D83A-4BC2-9A42-481B25694F45}" destId="{A7EB8D2F-7A59-4937-932C-B4894295A136}" srcOrd="2" destOrd="0" parTransId="{561BDF53-A6B2-4A08-916A-28C422BCFCA4}" sibTransId="{11C99CBE-15BD-4C89-82F6-5C2F7BA414F1}"/>
+    <dgm:cxn modelId="{F07D8F42-358D-48BD-89A9-736B588EFBF2}" srcId="{2157B5E1-D83A-4BC2-9A42-481B25694F45}" destId="{B41FC37D-4874-4B65-AED6-B0CFF9DB3B54}" srcOrd="1" destOrd="0" parTransId="{3F2B8007-0B73-445F-A1E7-8BE607A16893}" sibTransId="{54E83B88-9311-4A4C-A5FE-AE5B43692D06}"/>
     <dgm:cxn modelId="{DE91A91C-8603-42E1-8FC1-FF054169490A}" type="presOf" srcId="{B41FC37D-4874-4B65-AED6-B0CFF9DB3B54}" destId="{CFB31821-0763-4057-9B7F-34EB41CB66CE}" srcOrd="0" destOrd="0" presId="urn:microsoft.com/office/officeart/2005/8/layout/process1"/>
-    <dgm:cxn modelId="{8D9A39BC-6D54-480E-B6E7-654E8262C316}" srcId="{2157B5E1-D83A-4BC2-9A42-481B25694F45}" destId="{A7EB8D2F-7A59-4937-932C-B4894295A136}" srcOrd="2" destOrd="0" parTransId="{561BDF53-A6B2-4A08-916A-28C422BCFCA4}" sibTransId="{11C99CBE-15BD-4C89-82F6-5C2F7BA414F1}"/>
-    <dgm:cxn modelId="{94EF7C74-B86E-4896-9D37-0119D1A0BC5A}" type="presOf" srcId="{54E83B88-9311-4A4C-A5FE-AE5B43692D06}" destId="{D4AD2F42-40BB-4325-A12E-7CDDF3AB7080}" srcOrd="0" destOrd="0" presId="urn:microsoft.com/office/officeart/2005/8/layout/process1"/>
-    <dgm:cxn modelId="{5ED3FD25-31F7-40A4-A3D8-81131BEEA430}" type="presOf" srcId="{2157B5E1-D83A-4BC2-9A42-481B25694F45}" destId="{E3447519-9D67-4724-9C52-A4171A71CCE8}" srcOrd="0" destOrd="0" presId="urn:microsoft.com/office/officeart/2005/8/layout/process1"/>
-    <dgm:cxn modelId="{A4520FB8-C959-46A5-AA35-8D2A47079E69}" type="presOf" srcId="{CECE1DF5-AE9F-4869-8A5C-FBE358D09A54}" destId="{09B556BA-BD67-4E2F-9601-11BDB66D76B1}" srcOrd="0" destOrd="0" presId="urn:microsoft.com/office/officeart/2005/8/layout/process1"/>
-    <dgm:cxn modelId="{8BF69AC6-A31B-4022-B660-78AC39A0BBB7}" type="presOf" srcId="{54E83B88-9311-4A4C-A5FE-AE5B43692D06}" destId="{F07CDDFB-2665-47C3-936A-830BAA1596CD}" srcOrd="1" destOrd="0" presId="urn:microsoft.com/office/officeart/2005/8/layout/process1"/>
-    <dgm:cxn modelId="{F07D8F42-358D-48BD-89A9-736B588EFBF2}" srcId="{2157B5E1-D83A-4BC2-9A42-481B25694F45}" destId="{B41FC37D-4874-4B65-AED6-B0CFF9DB3B54}" srcOrd="1" destOrd="0" parTransId="{3F2B8007-0B73-445F-A1E7-8BE607A16893}" sibTransId="{54E83B88-9311-4A4C-A5FE-AE5B43692D06}"/>
     <dgm:cxn modelId="{3CF62D91-83EA-4BD7-8605-ED754B86D5BE}" type="presParOf" srcId="{E3447519-9D67-4724-9C52-A4171A71CCE8}" destId="{09B556BA-BD67-4E2F-9601-11BDB66D76B1}" srcOrd="0" destOrd="0" presId="urn:microsoft.com/office/officeart/2005/8/layout/process1"/>
     <dgm:cxn modelId="{39B75DE4-9BDF-4C8B-82D4-35A5C94E806C}" type="presParOf" srcId="{E3447519-9D67-4724-9C52-A4171A71CCE8}" destId="{E688654C-480D-4723-81A7-40BBA8079336}" srcOrd="1" destOrd="0" presId="urn:microsoft.com/office/officeart/2005/8/layout/process1"/>
     <dgm:cxn modelId="{D37B208B-4F67-4416-804E-5AF196A135FE}" type="presParOf" srcId="{E688654C-480D-4723-81A7-40BBA8079336}" destId="{2ADD7079-839A-475E-8D7D-E8917615C115}" srcOrd="0" destOrd="0" presId="urn:microsoft.com/office/officeart/2005/8/layout/process1"/>
@@ -2130,7 +2177,7 @@
   <dgm:whole/>
   <dgm:extLst>
     <a:ext uri="http://schemas.microsoft.com/office/drawing/2008/diagram">
-      <dsp:dataModelExt xmlns:dsp="http://schemas.microsoft.com/office/drawing/2008/diagram" relId="rId6" minVer="http://schemas.openxmlformats.org/drawingml/2006/diagram"/>
+      <dsp:dataModelExt xmlns:dsp="http://schemas.microsoft.com/office/drawing/2008/diagram" relId="rId7" minVer="http://schemas.openxmlformats.org/drawingml/2006/diagram"/>
     </a:ext>
   </dgm:extLst>
 </dgm:dataModel>
@@ -2269,6 +2316,13 @@
         </dgm:presLayoutVars>
       </dgm:prSet>
       <dgm:spPr/>
+      <dgm:t>
+        <a:bodyPr/>
+        <a:lstStyle/>
+        <a:p>
+          <a:endParaRPr lang="en-US"/>
+        </a:p>
+      </dgm:t>
     </dgm:pt>
     <dgm:pt modelId="{3B54DEBD-AE5F-4B07-90BE-CD70AEA39EB0}" type="pres">
       <dgm:prSet presAssocID="{692914DB-491D-4830-957B-F6117C868A8C}" presName="parTxOnly" presStyleLbl="node1" presStyleIdx="0" presStyleCnt="3" custLinFactNeighborY="45400">
@@ -2277,6 +2331,13 @@
         </dgm:presLayoutVars>
       </dgm:prSet>
       <dgm:spPr/>
+      <dgm:t>
+        <a:bodyPr/>
+        <a:lstStyle/>
+        <a:p>
+          <a:endParaRPr lang="en-US"/>
+        </a:p>
+      </dgm:t>
     </dgm:pt>
     <dgm:pt modelId="{FE26787F-46E4-4259-B81D-D2CD253151A5}" type="pres">
       <dgm:prSet presAssocID="{8EB44C7A-F276-4DEE-9882-A69A75DD15D8}" presName="parSpace" presStyleCnt="0"/>
@@ -2289,6 +2350,13 @@
         </dgm:presLayoutVars>
       </dgm:prSet>
       <dgm:spPr/>
+      <dgm:t>
+        <a:bodyPr/>
+        <a:lstStyle/>
+        <a:p>
+          <a:endParaRPr lang="en-US"/>
+        </a:p>
+      </dgm:t>
     </dgm:pt>
     <dgm:pt modelId="{3C992D8B-E4CB-4212-BBE2-6B3D62B6BC5C}" type="pres">
       <dgm:prSet presAssocID="{81D7C1E2-D0F6-4CC8-A9AC-DE163A6494FF}" presName="parSpace" presStyleCnt="0"/>
@@ -2301,21 +2369,28 @@
         </dgm:presLayoutVars>
       </dgm:prSet>
       <dgm:spPr/>
+      <dgm:t>
+        <a:bodyPr/>
+        <a:lstStyle/>
+        <a:p>
+          <a:endParaRPr lang="en-US"/>
+        </a:p>
+      </dgm:t>
     </dgm:pt>
   </dgm:ptLst>
   <dgm:cxnLst>
+    <dgm:cxn modelId="{FB09B62F-BA8B-45B2-9259-28FE33540E86}" srcId="{656F842F-44AC-4A22-8007-9BC0517027BA}" destId="{E96C8050-7BDC-42F6-B69C-91367BDD07CD}" srcOrd="2" destOrd="0" parTransId="{1A0BF559-65F7-4BCE-B5D4-986936128761}" sibTransId="{55CFBCD0-BE14-492E-974A-3781FAE72AAF}"/>
     <dgm:cxn modelId="{564D4A35-22A2-47D5-AC0C-F20C14A0EF2F}" srcId="{656F842F-44AC-4A22-8007-9BC0517027BA}" destId="{692914DB-491D-4830-957B-F6117C868A8C}" srcOrd="0" destOrd="0" parTransId="{420156EB-488E-4C6C-86D9-B9E07CFBA571}" sibTransId="{8EB44C7A-F276-4DEE-9882-A69A75DD15D8}"/>
-    <dgm:cxn modelId="{FB09B62F-BA8B-45B2-9259-28FE33540E86}" srcId="{656F842F-44AC-4A22-8007-9BC0517027BA}" destId="{E96C8050-7BDC-42F6-B69C-91367BDD07CD}" srcOrd="2" destOrd="0" parTransId="{1A0BF559-65F7-4BCE-B5D4-986936128761}" sibTransId="{55CFBCD0-BE14-492E-974A-3781FAE72AAF}"/>
-    <dgm:cxn modelId="{12830507-995D-4076-AC16-267EFAD79E00}" type="presOf" srcId="{E96C8050-7BDC-42F6-B69C-91367BDD07CD}" destId="{80E90EF3-40C3-42AB-9AA0-088D1239EAD2}" srcOrd="0" destOrd="0" presId="urn:microsoft.com/office/officeart/2005/8/layout/hChevron3"/>
-    <dgm:cxn modelId="{9361F7E6-2016-4C4F-86CA-3AC3698F265C}" type="presOf" srcId="{692914DB-491D-4830-957B-F6117C868A8C}" destId="{3B54DEBD-AE5F-4B07-90BE-CD70AEA39EB0}" srcOrd="0" destOrd="0" presId="urn:microsoft.com/office/officeart/2005/8/layout/hChevron3"/>
-    <dgm:cxn modelId="{C95101AC-0B2F-48A3-B5B2-0087345AEAD6}" type="presOf" srcId="{656F842F-44AC-4A22-8007-9BC0517027BA}" destId="{0542727A-B5A6-4437-ADE5-D511D7CC89D2}" srcOrd="0" destOrd="0" presId="urn:microsoft.com/office/officeart/2005/8/layout/hChevron3"/>
+    <dgm:cxn modelId="{A6EFEBF5-057A-4DB9-A1F6-88E31A8D8AA9}" type="presOf" srcId="{E96C8050-7BDC-42F6-B69C-91367BDD07CD}" destId="{80E90EF3-40C3-42AB-9AA0-088D1239EAD2}" srcOrd="0" destOrd="0" presId="urn:microsoft.com/office/officeart/2005/8/layout/hChevron3"/>
+    <dgm:cxn modelId="{28DDECEC-D0BE-4E01-B314-27C76670022D}" type="presOf" srcId="{656F842F-44AC-4A22-8007-9BC0517027BA}" destId="{0542727A-B5A6-4437-ADE5-D511D7CC89D2}" srcOrd="0" destOrd="0" presId="urn:microsoft.com/office/officeart/2005/8/layout/hChevron3"/>
+    <dgm:cxn modelId="{3C798788-B8C1-4E99-8A3F-B3C67B5918E6}" type="presOf" srcId="{692914DB-491D-4830-957B-F6117C868A8C}" destId="{3B54DEBD-AE5F-4B07-90BE-CD70AEA39EB0}" srcOrd="0" destOrd="0" presId="urn:microsoft.com/office/officeart/2005/8/layout/hChevron3"/>
     <dgm:cxn modelId="{D6C0EFBC-3063-40D6-84C8-9EC5894C56E2}" srcId="{656F842F-44AC-4A22-8007-9BC0517027BA}" destId="{8E44DC43-3DA5-4880-A68E-2309D521BF27}" srcOrd="1" destOrd="0" parTransId="{D38CF6B8-7346-4C58-BAC0-7D53B2CE4653}" sibTransId="{81D7C1E2-D0F6-4CC8-A9AC-DE163A6494FF}"/>
-    <dgm:cxn modelId="{387F359A-CF87-4CAC-9999-A35A0950B924}" type="presOf" srcId="{8E44DC43-3DA5-4880-A68E-2309D521BF27}" destId="{7CCFB4AF-FDFD-48A3-8E8E-F8FDF32D629F}" srcOrd="0" destOrd="0" presId="urn:microsoft.com/office/officeart/2005/8/layout/hChevron3"/>
-    <dgm:cxn modelId="{A5AA97A4-BA2C-4D81-A9E6-3AEB5DFF1898}" type="presParOf" srcId="{0542727A-B5A6-4437-ADE5-D511D7CC89D2}" destId="{3B54DEBD-AE5F-4B07-90BE-CD70AEA39EB0}" srcOrd="0" destOrd="0" presId="urn:microsoft.com/office/officeart/2005/8/layout/hChevron3"/>
-    <dgm:cxn modelId="{03DB7FED-D89B-4479-8BFA-7FFF29291743}" type="presParOf" srcId="{0542727A-B5A6-4437-ADE5-D511D7CC89D2}" destId="{FE26787F-46E4-4259-B81D-D2CD253151A5}" srcOrd="1" destOrd="0" presId="urn:microsoft.com/office/officeart/2005/8/layout/hChevron3"/>
-    <dgm:cxn modelId="{88D1928D-FFB4-470B-AAAC-5970A1BD0B58}" type="presParOf" srcId="{0542727A-B5A6-4437-ADE5-D511D7CC89D2}" destId="{7CCFB4AF-FDFD-48A3-8E8E-F8FDF32D629F}" srcOrd="2" destOrd="0" presId="urn:microsoft.com/office/officeart/2005/8/layout/hChevron3"/>
-    <dgm:cxn modelId="{1CEE4427-1D33-4128-A7C3-530F1DE3F1E9}" type="presParOf" srcId="{0542727A-B5A6-4437-ADE5-D511D7CC89D2}" destId="{3C992D8B-E4CB-4212-BBE2-6B3D62B6BC5C}" srcOrd="3" destOrd="0" presId="urn:microsoft.com/office/officeart/2005/8/layout/hChevron3"/>
-    <dgm:cxn modelId="{EF631B11-0AAC-438D-B8C6-63BECA73F0B8}" type="presParOf" srcId="{0542727A-B5A6-4437-ADE5-D511D7CC89D2}" destId="{80E90EF3-40C3-42AB-9AA0-088D1239EAD2}" srcOrd="4" destOrd="0" presId="urn:microsoft.com/office/officeart/2005/8/layout/hChevron3"/>
+    <dgm:cxn modelId="{E13BF473-4587-4291-9C39-4ED15043BE2E}" type="presOf" srcId="{8E44DC43-3DA5-4880-A68E-2309D521BF27}" destId="{7CCFB4AF-FDFD-48A3-8E8E-F8FDF32D629F}" srcOrd="0" destOrd="0" presId="urn:microsoft.com/office/officeart/2005/8/layout/hChevron3"/>
+    <dgm:cxn modelId="{D1371C6C-1E7C-40D0-B0FB-F3DE3B6E6389}" type="presParOf" srcId="{0542727A-B5A6-4437-ADE5-D511D7CC89D2}" destId="{3B54DEBD-AE5F-4B07-90BE-CD70AEA39EB0}" srcOrd="0" destOrd="0" presId="urn:microsoft.com/office/officeart/2005/8/layout/hChevron3"/>
+    <dgm:cxn modelId="{37C414DA-CCFE-4CA0-8FCD-CF364CFF849C}" type="presParOf" srcId="{0542727A-B5A6-4437-ADE5-D511D7CC89D2}" destId="{FE26787F-46E4-4259-B81D-D2CD253151A5}" srcOrd="1" destOrd="0" presId="urn:microsoft.com/office/officeart/2005/8/layout/hChevron3"/>
+    <dgm:cxn modelId="{A215BDC0-3675-4EBE-B4A0-24412969A687}" type="presParOf" srcId="{0542727A-B5A6-4437-ADE5-D511D7CC89D2}" destId="{7CCFB4AF-FDFD-48A3-8E8E-F8FDF32D629F}" srcOrd="2" destOrd="0" presId="urn:microsoft.com/office/officeart/2005/8/layout/hChevron3"/>
+    <dgm:cxn modelId="{7F491A23-B152-4C29-8041-C166DC0B9BCD}" type="presParOf" srcId="{0542727A-B5A6-4437-ADE5-D511D7CC89D2}" destId="{3C992D8B-E4CB-4212-BBE2-6B3D62B6BC5C}" srcOrd="3" destOrd="0" presId="urn:microsoft.com/office/officeart/2005/8/layout/hChevron3"/>
+    <dgm:cxn modelId="{6C34F775-2807-4B97-96AE-EE828E8E2DFF}" type="presParOf" srcId="{0542727A-B5A6-4437-ADE5-D511D7CC89D2}" destId="{80E90EF3-40C3-42AB-9AA0-088D1239EAD2}" srcOrd="4" destOrd="0" presId="urn:microsoft.com/office/officeart/2005/8/layout/hChevron3"/>
   </dgm:cxnLst>
   <dgm:bg/>
   <dgm:whole/>
@@ -2335,412 +2410,6 @@
       <dsp:cNvGrpSpPr/>
     </dsp:nvGrpSpPr>
     <dsp:grpSpPr/>
-    <dsp:sp modelId="{09B556BA-BD67-4E2F-9601-11BDB66D76B1}">
-      <dsp:nvSpPr>
-        <dsp:cNvPr id="0" name=""/>
-        <dsp:cNvSpPr/>
-      </dsp:nvSpPr>
-      <dsp:spPr>
-        <a:xfrm>
-          <a:off x="8730" y="847149"/>
-          <a:ext cx="2609578" cy="2762718"/>
-        </a:xfrm>
-        <a:prstGeom prst="roundRect">
-          <a:avLst>
-            <a:gd name="adj" fmla="val 10000"/>
-          </a:avLst>
-        </a:prstGeom>
-        <a:solidFill>
-          <a:schemeClr val="accent3">
-            <a:shade val="80000"/>
-            <a:hueOff val="0"/>
-            <a:satOff val="0"/>
-            <a:lumOff val="0"/>
-            <a:alphaOff val="0"/>
-          </a:schemeClr>
-        </a:solidFill>
-        <a:ln w="15875" cap="rnd" cmpd="sng" algn="ctr">
-          <a:solidFill>
-            <a:schemeClr val="lt1">
-              <a:hueOff val="0"/>
-              <a:satOff val="0"/>
-              <a:lumOff val="0"/>
-              <a:alphaOff val="0"/>
-            </a:schemeClr>
-          </a:solidFill>
-          <a:prstDash val="solid"/>
-        </a:ln>
-        <a:effectLst/>
-      </dsp:spPr>
-      <dsp:style>
-        <a:lnRef idx="2">
-          <a:scrgbClr r="0" g="0" b="0"/>
-        </a:lnRef>
-        <a:fillRef idx="1">
-          <a:scrgbClr r="0" g="0" b="0"/>
-        </a:fillRef>
-        <a:effectRef idx="0">
-          <a:scrgbClr r="0" g="0" b="0"/>
-        </a:effectRef>
-        <a:fontRef idx="minor">
-          <a:schemeClr val="lt1"/>
-        </a:fontRef>
-      </dsp:style>
-      <dsp:txBody>
-        <a:bodyPr spcFirstLastPara="0" vert="horz" wrap="square" lIns="91440" tIns="91440" rIns="91440" bIns="91440" numCol="1" spcCol="1270" anchor="ctr" anchorCtr="0">
-          <a:noAutofit/>
-        </a:bodyPr>
-        <a:lstStyle/>
-        <a:p>
-          <a:pPr lvl="0" algn="l" defTabSz="1066800">
-            <a:lnSpc>
-              <a:spcPct val="90000"/>
-            </a:lnSpc>
-            <a:spcBef>
-              <a:spcPct val="0"/>
-            </a:spcBef>
-            <a:spcAft>
-              <a:spcPct val="35000"/>
-            </a:spcAft>
-          </a:pPr>
-          <a:r>
-            <a:rPr lang="en-US" sz="2400" kern="1200" dirty="0" smtClean="0"/>
-            <a:t>Millions of Data Scientists and developers working from </a:t>
-          </a:r>
-          <a:r>
-            <a:rPr lang="en-US" sz="2400" kern="1200" dirty="0" err="1" smtClean="0"/>
-            <a:t>RStudio</a:t>
-          </a:r>
-          <a:endParaRPr lang="en-US" sz="2400" kern="1200" dirty="0">
-            <a:solidFill>
-              <a:schemeClr val="tx1"/>
-            </a:solidFill>
-          </a:endParaRPr>
-        </a:p>
-      </dsp:txBody>
-      <dsp:txXfrm>
-        <a:off x="85162" y="923581"/>
-        <a:ext cx="2456714" cy="2609854"/>
-      </dsp:txXfrm>
-    </dsp:sp>
-    <dsp:sp modelId="{E688654C-480D-4723-81A7-40BBA8079336}">
-      <dsp:nvSpPr>
-        <dsp:cNvPr id="0" name=""/>
-        <dsp:cNvSpPr/>
-      </dsp:nvSpPr>
-      <dsp:spPr>
-        <a:xfrm>
-          <a:off x="2879266" y="1904920"/>
-          <a:ext cx="553230" cy="647175"/>
-        </a:xfrm>
-        <a:prstGeom prst="rightArrow">
-          <a:avLst>
-            <a:gd name="adj1" fmla="val 60000"/>
-            <a:gd name="adj2" fmla="val 50000"/>
-          </a:avLst>
-        </a:prstGeom>
-        <a:solidFill>
-          <a:schemeClr val="accent3">
-            <a:shade val="90000"/>
-            <a:hueOff val="0"/>
-            <a:satOff val="0"/>
-            <a:lumOff val="0"/>
-            <a:alphaOff val="0"/>
-          </a:schemeClr>
-        </a:solidFill>
-        <a:ln>
-          <a:noFill/>
-        </a:ln>
-        <a:effectLst/>
-      </dsp:spPr>
-      <dsp:style>
-        <a:lnRef idx="0">
-          <a:scrgbClr r="0" g="0" b="0"/>
-        </a:lnRef>
-        <a:fillRef idx="1">
-          <a:scrgbClr r="0" g="0" b="0"/>
-        </a:fillRef>
-        <a:effectRef idx="0">
-          <a:scrgbClr r="0" g="0" b="0"/>
-        </a:effectRef>
-        <a:fontRef idx="minor">
-          <a:schemeClr val="lt1"/>
-        </a:fontRef>
-      </dsp:style>
-      <dsp:txBody>
-        <a:bodyPr spcFirstLastPara="0" vert="horz" wrap="square" lIns="0" tIns="0" rIns="0" bIns="0" numCol="1" spcCol="1270" anchor="ctr" anchorCtr="0">
-          <a:noAutofit/>
-        </a:bodyPr>
-        <a:lstStyle/>
-        <a:p>
-          <a:pPr lvl="0" algn="ctr" defTabSz="889000">
-            <a:lnSpc>
-              <a:spcPct val="90000"/>
-            </a:lnSpc>
-            <a:spcBef>
-              <a:spcPct val="0"/>
-            </a:spcBef>
-            <a:spcAft>
-              <a:spcPct val="35000"/>
-            </a:spcAft>
-          </a:pPr>
-          <a:endParaRPr lang="en-US" sz="2000" kern="1200"/>
-        </a:p>
-      </dsp:txBody>
-      <dsp:txXfrm>
-        <a:off x="2879266" y="2034355"/>
-        <a:ext cx="387261" cy="388305"/>
-      </dsp:txXfrm>
-    </dsp:sp>
-    <dsp:sp modelId="{CFB31821-0763-4057-9B7F-34EB41CB66CE}">
-      <dsp:nvSpPr>
-        <dsp:cNvPr id="0" name=""/>
-        <dsp:cNvSpPr/>
-      </dsp:nvSpPr>
-      <dsp:spPr>
-        <a:xfrm>
-          <a:off x="3662140" y="847149"/>
-          <a:ext cx="2609578" cy="2762718"/>
-        </a:xfrm>
-        <a:prstGeom prst="roundRect">
-          <a:avLst>
-            <a:gd name="adj" fmla="val 10000"/>
-          </a:avLst>
-        </a:prstGeom>
-        <a:solidFill>
-          <a:schemeClr val="accent3">
-            <a:shade val="80000"/>
-            <a:hueOff val="254882"/>
-            <a:satOff val="-19351"/>
-            <a:lumOff val="17144"/>
-            <a:alphaOff val="0"/>
-          </a:schemeClr>
-        </a:solidFill>
-        <a:ln w="15875" cap="rnd" cmpd="sng" algn="ctr">
-          <a:solidFill>
-            <a:schemeClr val="lt1">
-              <a:hueOff val="0"/>
-              <a:satOff val="0"/>
-              <a:lumOff val="0"/>
-              <a:alphaOff val="0"/>
-            </a:schemeClr>
-          </a:solidFill>
-          <a:prstDash val="solid"/>
-        </a:ln>
-        <a:effectLst/>
-      </dsp:spPr>
-      <dsp:style>
-        <a:lnRef idx="2">
-          <a:scrgbClr r="0" g="0" b="0"/>
-        </a:lnRef>
-        <a:fillRef idx="1">
-          <a:scrgbClr r="0" g="0" b="0"/>
-        </a:fillRef>
-        <a:effectRef idx="0">
-          <a:scrgbClr r="0" g="0" b="0"/>
-        </a:effectRef>
-        <a:fontRef idx="minor">
-          <a:schemeClr val="lt1"/>
-        </a:fontRef>
-      </dsp:style>
-      <dsp:txBody>
-        <a:bodyPr spcFirstLastPara="0" vert="horz" wrap="square" lIns="95250" tIns="95250" rIns="95250" bIns="95250" numCol="1" spcCol="1270" anchor="ctr" anchorCtr="0">
-          <a:noAutofit/>
-        </a:bodyPr>
-        <a:lstStyle/>
-        <a:p>
-          <a:pPr lvl="0" algn="l" defTabSz="1111250">
-            <a:lnSpc>
-              <a:spcPct val="90000"/>
-            </a:lnSpc>
-            <a:spcBef>
-              <a:spcPct val="0"/>
-            </a:spcBef>
-            <a:spcAft>
-              <a:spcPct val="35000"/>
-            </a:spcAft>
-          </a:pPr>
-          <a:r>
-            <a:rPr lang="en-US" sz="2500" kern="1200" dirty="0" err="1" smtClean="0"/>
-            <a:t>RStudio</a:t>
-          </a:r>
-          <a:r>
-            <a:rPr lang="en-US" sz="2500" kern="1200" dirty="0" smtClean="0"/>
-            <a:t> does </a:t>
-          </a:r>
-          <a:r>
-            <a:rPr lang="en-US" sz="2500" b="1" kern="1200" dirty="0" smtClean="0"/>
-            <a:t>NOT</a:t>
-          </a:r>
-          <a:r>
-            <a:rPr lang="en-US" sz="2500" kern="1200" dirty="0" smtClean="0"/>
-            <a:t> have access to web services</a:t>
-          </a:r>
-          <a:endParaRPr lang="en-US" sz="2500" kern="1200" dirty="0"/>
-        </a:p>
-      </dsp:txBody>
-      <dsp:txXfrm>
-        <a:off x="3738572" y="923581"/>
-        <a:ext cx="2456714" cy="2609854"/>
-      </dsp:txXfrm>
-    </dsp:sp>
-    <dsp:sp modelId="{D4AD2F42-40BB-4325-A12E-7CDDF3AB7080}">
-      <dsp:nvSpPr>
-        <dsp:cNvPr id="0" name=""/>
-        <dsp:cNvSpPr/>
-      </dsp:nvSpPr>
-      <dsp:spPr>
-        <a:xfrm>
-          <a:off x="6532676" y="1904920"/>
-          <a:ext cx="553230" cy="647175"/>
-        </a:xfrm>
-        <a:prstGeom prst="rightArrow">
-          <a:avLst>
-            <a:gd name="adj1" fmla="val 60000"/>
-            <a:gd name="adj2" fmla="val 50000"/>
-          </a:avLst>
-        </a:prstGeom>
-        <a:solidFill>
-          <a:schemeClr val="accent3">
-            <a:shade val="90000"/>
-            <a:hueOff val="509732"/>
-            <a:satOff val="-38217"/>
-            <a:lumOff val="32391"/>
-            <a:alphaOff val="0"/>
-          </a:schemeClr>
-        </a:solidFill>
-        <a:ln>
-          <a:noFill/>
-        </a:ln>
-        <a:effectLst/>
-      </dsp:spPr>
-      <dsp:style>
-        <a:lnRef idx="0">
-          <a:scrgbClr r="0" g="0" b="0"/>
-        </a:lnRef>
-        <a:fillRef idx="1">
-          <a:scrgbClr r="0" g="0" b="0"/>
-        </a:fillRef>
-        <a:effectRef idx="0">
-          <a:scrgbClr r="0" g="0" b="0"/>
-        </a:effectRef>
-        <a:fontRef idx="minor">
-          <a:schemeClr val="lt1"/>
-        </a:fontRef>
-      </dsp:style>
-      <dsp:txBody>
-        <a:bodyPr spcFirstLastPara="0" vert="horz" wrap="square" lIns="0" tIns="0" rIns="0" bIns="0" numCol="1" spcCol="1270" anchor="ctr" anchorCtr="0">
-          <a:noAutofit/>
-        </a:bodyPr>
-        <a:lstStyle/>
-        <a:p>
-          <a:pPr lvl="0" algn="ctr" defTabSz="889000">
-            <a:lnSpc>
-              <a:spcPct val="90000"/>
-            </a:lnSpc>
-            <a:spcBef>
-              <a:spcPct val="0"/>
-            </a:spcBef>
-            <a:spcAft>
-              <a:spcPct val="35000"/>
-            </a:spcAft>
-          </a:pPr>
-          <a:endParaRPr lang="en-US" sz="2000" kern="1200"/>
-        </a:p>
-      </dsp:txBody>
-      <dsp:txXfrm>
-        <a:off x="6532676" y="2034355"/>
-        <a:ext cx="387261" cy="388305"/>
-      </dsp:txXfrm>
-    </dsp:sp>
-    <dsp:sp modelId="{32FC0D74-E03E-4FB7-9977-F61FC74F82AE}">
-      <dsp:nvSpPr>
-        <dsp:cNvPr id="0" name=""/>
-        <dsp:cNvSpPr/>
-      </dsp:nvSpPr>
-      <dsp:spPr>
-        <a:xfrm>
-          <a:off x="7315549" y="758970"/>
-          <a:ext cx="2609578" cy="2939076"/>
-        </a:xfrm>
-        <a:prstGeom prst="roundRect">
-          <a:avLst>
-            <a:gd name="adj" fmla="val 10000"/>
-          </a:avLst>
-        </a:prstGeom>
-        <a:solidFill>
-          <a:schemeClr val="accent3">
-            <a:shade val="80000"/>
-            <a:hueOff val="509765"/>
-            <a:satOff val="-38702"/>
-            <a:lumOff val="34288"/>
-            <a:alphaOff val="0"/>
-          </a:schemeClr>
-        </a:solidFill>
-        <a:ln w="15875" cap="rnd" cmpd="sng" algn="ctr">
-          <a:solidFill>
-            <a:schemeClr val="lt1">
-              <a:hueOff val="0"/>
-              <a:satOff val="0"/>
-              <a:lumOff val="0"/>
-              <a:alphaOff val="0"/>
-            </a:schemeClr>
-          </a:solidFill>
-          <a:prstDash val="solid"/>
-        </a:ln>
-        <a:effectLst/>
-      </dsp:spPr>
-      <dsp:style>
-        <a:lnRef idx="2">
-          <a:scrgbClr r="0" g="0" b="0"/>
-        </a:lnRef>
-        <a:fillRef idx="1">
-          <a:scrgbClr r="0" g="0" b="0"/>
-        </a:fillRef>
-        <a:effectRef idx="0">
-          <a:scrgbClr r="0" g="0" b="0"/>
-        </a:effectRef>
-        <a:fontRef idx="minor">
-          <a:schemeClr val="lt1"/>
-        </a:fontRef>
-      </dsp:style>
-      <dsp:txBody>
-        <a:bodyPr spcFirstLastPara="0" vert="horz" wrap="square" lIns="95250" tIns="95250" rIns="95250" bIns="95250" numCol="1" spcCol="1270" anchor="ctr" anchorCtr="0">
-          <a:noAutofit/>
-        </a:bodyPr>
-        <a:lstStyle/>
-        <a:p>
-          <a:pPr lvl="0" algn="l" defTabSz="1111250">
-            <a:lnSpc>
-              <a:spcPct val="90000"/>
-            </a:lnSpc>
-            <a:spcBef>
-              <a:spcPct val="0"/>
-            </a:spcBef>
-            <a:spcAft>
-              <a:spcPct val="35000"/>
-            </a:spcAft>
-          </a:pPr>
-          <a:r>
-            <a:rPr lang="en-US" sz="2500" kern="1200" dirty="0" smtClean="0"/>
-            <a:t>Users have to leave </a:t>
-          </a:r>
-          <a:r>
-            <a:rPr lang="en-US" sz="2500" kern="1200" dirty="0" err="1" smtClean="0"/>
-            <a:t>RStudio</a:t>
-          </a:r>
-          <a:r>
-            <a:rPr lang="en-US" sz="2500" kern="1200" dirty="0" smtClean="0"/>
-            <a:t> if they need to gain access to web services</a:t>
-          </a:r>
-          <a:endParaRPr lang="en-US" sz="2500" kern="1200" dirty="0"/>
-        </a:p>
-      </dsp:txBody>
-      <dsp:txXfrm>
-        <a:off x="7391981" y="835402"/>
-        <a:ext cx="2456714" cy="2786212"/>
-      </dsp:txXfrm>
-    </dsp:sp>
   </dsp:spTree>
 </dsp:drawing>
 </file>
@@ -2753,240 +2422,6 @@
       <dsp:cNvGrpSpPr/>
     </dsp:nvGrpSpPr>
     <dsp:grpSpPr/>
-    <dsp:sp modelId="{3B54DEBD-AE5F-4B07-90BE-CD70AEA39EB0}">
-      <dsp:nvSpPr>
-        <dsp:cNvPr id="0" name=""/>
-        <dsp:cNvSpPr/>
-      </dsp:nvSpPr>
-      <dsp:spPr>
-        <a:xfrm>
-          <a:off x="3653" y="2100802"/>
-          <a:ext cx="3194396" cy="1277758"/>
-        </a:xfrm>
-        <a:prstGeom prst="homePlate">
-          <a:avLst/>
-        </a:prstGeom>
-        <a:solidFill>
-          <a:schemeClr val="accent3">
-            <a:shade val="80000"/>
-            <a:hueOff val="0"/>
-            <a:satOff val="0"/>
-            <a:lumOff val="0"/>
-            <a:alphaOff val="0"/>
-          </a:schemeClr>
-        </a:solidFill>
-        <a:ln w="15875" cap="rnd" cmpd="sng" algn="ctr">
-          <a:solidFill>
-            <a:schemeClr val="lt1">
-              <a:hueOff val="0"/>
-              <a:satOff val="0"/>
-              <a:lumOff val="0"/>
-              <a:alphaOff val="0"/>
-            </a:schemeClr>
-          </a:solidFill>
-          <a:prstDash val="solid"/>
-        </a:ln>
-        <a:effectLst/>
-      </dsp:spPr>
-      <dsp:style>
-        <a:lnRef idx="2">
-          <a:scrgbClr r="0" g="0" b="0"/>
-        </a:lnRef>
-        <a:fillRef idx="1">
-          <a:scrgbClr r="0" g="0" b="0"/>
-        </a:fillRef>
-        <a:effectRef idx="0">
-          <a:scrgbClr r="0" g="0" b="0"/>
-        </a:effectRef>
-        <a:fontRef idx="minor">
-          <a:schemeClr val="lt1"/>
-        </a:fontRef>
-      </dsp:style>
-      <dsp:txBody>
-        <a:bodyPr spcFirstLastPara="0" vert="horz" wrap="square" lIns="106680" tIns="53340" rIns="26670" bIns="53340" numCol="1" spcCol="1270" anchor="ctr" anchorCtr="0">
-          <a:noAutofit/>
-        </a:bodyPr>
-        <a:lstStyle/>
-        <a:p>
-          <a:pPr lvl="0" algn="ctr" defTabSz="889000">
-            <a:lnSpc>
-              <a:spcPct val="90000"/>
-            </a:lnSpc>
-            <a:spcBef>
-              <a:spcPct val="0"/>
-            </a:spcBef>
-            <a:spcAft>
-              <a:spcPct val="35000"/>
-            </a:spcAft>
-          </a:pPr>
-          <a:r>
-            <a:rPr lang="en-US" sz="2000" kern="1200" dirty="0" smtClean="0"/>
-            <a:t>Publishing</a:t>
-          </a:r>
-          <a:endParaRPr lang="en-US" sz="2000" kern="1200" dirty="0"/>
-        </a:p>
-      </dsp:txBody>
-      <dsp:txXfrm>
-        <a:off x="3653" y="2100802"/>
-        <a:ext cx="2874957" cy="1277758"/>
-      </dsp:txXfrm>
-    </dsp:sp>
-    <dsp:sp modelId="{7CCFB4AF-FDFD-48A3-8E8E-F8FDF32D629F}">
-      <dsp:nvSpPr>
-        <dsp:cNvPr id="0" name=""/>
-        <dsp:cNvSpPr/>
-      </dsp:nvSpPr>
-      <dsp:spPr>
-        <a:xfrm>
-          <a:off x="2559169" y="2100802"/>
-          <a:ext cx="3194396" cy="1277758"/>
-        </a:xfrm>
-        <a:prstGeom prst="chevron">
-          <a:avLst/>
-        </a:prstGeom>
-        <a:solidFill>
-          <a:schemeClr val="accent3">
-            <a:shade val="80000"/>
-            <a:hueOff val="254882"/>
-            <a:satOff val="-19351"/>
-            <a:lumOff val="17144"/>
-            <a:alphaOff val="0"/>
-          </a:schemeClr>
-        </a:solidFill>
-        <a:ln w="15875" cap="rnd" cmpd="sng" algn="ctr">
-          <a:solidFill>
-            <a:schemeClr val="lt1">
-              <a:hueOff val="0"/>
-              <a:satOff val="0"/>
-              <a:lumOff val="0"/>
-              <a:alphaOff val="0"/>
-            </a:schemeClr>
-          </a:solidFill>
-          <a:prstDash val="solid"/>
-        </a:ln>
-        <a:effectLst/>
-      </dsp:spPr>
-      <dsp:style>
-        <a:lnRef idx="2">
-          <a:scrgbClr r="0" g="0" b="0"/>
-        </a:lnRef>
-        <a:fillRef idx="1">
-          <a:scrgbClr r="0" g="0" b="0"/>
-        </a:fillRef>
-        <a:effectRef idx="0">
-          <a:scrgbClr r="0" g="0" b="0"/>
-        </a:effectRef>
-        <a:fontRef idx="minor">
-          <a:schemeClr val="lt1"/>
-        </a:fontRef>
-      </dsp:style>
-      <dsp:txBody>
-        <a:bodyPr spcFirstLastPara="0" vert="horz" wrap="square" lIns="80010" tIns="53340" rIns="26670" bIns="53340" numCol="1" spcCol="1270" anchor="ctr" anchorCtr="0">
-          <a:noAutofit/>
-        </a:bodyPr>
-        <a:lstStyle/>
-        <a:p>
-          <a:pPr lvl="0" algn="ctr" defTabSz="889000">
-            <a:lnSpc>
-              <a:spcPct val="90000"/>
-            </a:lnSpc>
-            <a:spcBef>
-              <a:spcPct val="0"/>
-            </a:spcBef>
-            <a:spcAft>
-              <a:spcPct val="35000"/>
-            </a:spcAft>
-          </a:pPr>
-          <a:r>
-            <a:rPr lang="en-US" sz="2000" kern="1200" dirty="0" smtClean="0"/>
-            <a:t>Discovery</a:t>
-          </a:r>
-          <a:endParaRPr lang="en-US" sz="2000" kern="1200" dirty="0"/>
-        </a:p>
-      </dsp:txBody>
-      <dsp:txXfrm>
-        <a:off x="3198048" y="2100802"/>
-        <a:ext cx="1916638" cy="1277758"/>
-      </dsp:txXfrm>
-    </dsp:sp>
-    <dsp:sp modelId="{80E90EF3-40C3-42AB-9AA0-088D1239EAD2}">
-      <dsp:nvSpPr>
-        <dsp:cNvPr id="0" name=""/>
-        <dsp:cNvSpPr/>
-      </dsp:nvSpPr>
-      <dsp:spPr>
-        <a:xfrm>
-          <a:off x="5114686" y="2100802"/>
-          <a:ext cx="3194396" cy="1277758"/>
-        </a:xfrm>
-        <a:prstGeom prst="chevron">
-          <a:avLst/>
-        </a:prstGeom>
-        <a:solidFill>
-          <a:schemeClr val="accent3">
-            <a:shade val="80000"/>
-            <a:hueOff val="509765"/>
-            <a:satOff val="-38702"/>
-            <a:lumOff val="34288"/>
-            <a:alphaOff val="0"/>
-          </a:schemeClr>
-        </a:solidFill>
-        <a:ln w="15875" cap="rnd" cmpd="sng" algn="ctr">
-          <a:solidFill>
-            <a:schemeClr val="lt1">
-              <a:hueOff val="0"/>
-              <a:satOff val="0"/>
-              <a:lumOff val="0"/>
-              <a:alphaOff val="0"/>
-            </a:schemeClr>
-          </a:solidFill>
-          <a:prstDash val="solid"/>
-        </a:ln>
-        <a:effectLst/>
-      </dsp:spPr>
-      <dsp:style>
-        <a:lnRef idx="2">
-          <a:scrgbClr r="0" g="0" b="0"/>
-        </a:lnRef>
-        <a:fillRef idx="1">
-          <a:scrgbClr r="0" g="0" b="0"/>
-        </a:fillRef>
-        <a:effectRef idx="0">
-          <a:scrgbClr r="0" g="0" b="0"/>
-        </a:effectRef>
-        <a:fontRef idx="minor">
-          <a:schemeClr val="lt1"/>
-        </a:fontRef>
-      </dsp:style>
-      <dsp:txBody>
-        <a:bodyPr spcFirstLastPara="0" vert="horz" wrap="square" lIns="80010" tIns="53340" rIns="26670" bIns="53340" numCol="1" spcCol="1270" anchor="ctr" anchorCtr="0">
-          <a:noAutofit/>
-        </a:bodyPr>
-        <a:lstStyle/>
-        <a:p>
-          <a:pPr lvl="0" algn="ctr" defTabSz="889000">
-            <a:lnSpc>
-              <a:spcPct val="90000"/>
-            </a:lnSpc>
-            <a:spcBef>
-              <a:spcPct val="0"/>
-            </a:spcBef>
-            <a:spcAft>
-              <a:spcPct val="35000"/>
-            </a:spcAft>
-          </a:pPr>
-          <a:r>
-            <a:rPr lang="en-US" sz="2000" kern="1200" dirty="0" smtClean="0"/>
-            <a:t>Consumption</a:t>
-          </a:r>
-          <a:endParaRPr lang="en-US" sz="2000" kern="1200" dirty="0"/>
-        </a:p>
-      </dsp:txBody>
-      <dsp:txXfrm>
-        <a:off x="5753565" y="2100802"/>
-        <a:ext cx="1916638" cy="1277758"/>
-      </dsp:txXfrm>
-    </dsp:sp>
   </dsp:spTree>
 </dsp:drawing>
 </file>
@@ -5511,8 +4946,8 @@
         </p:nvSpPr>
         <p:spPr>
           <a:xfrm>
-            <a:off x="0" y="0"/>
-            <a:ext cx="3038475" cy="466725"/>
+            <a:off x="1" y="0"/>
+            <a:ext cx="3038475" cy="466726"/>
           </a:xfrm>
           <a:prstGeom prst="rect">
             <a:avLst/>
@@ -5543,7 +4978,7 @@
         <p:spPr>
           <a:xfrm>
             <a:off x="3970338" y="0"/>
-            <a:ext cx="3038475" cy="466725"/>
+            <a:ext cx="3038475" cy="466726"/>
           </a:xfrm>
           <a:prstGeom prst="rect">
             <a:avLst/>
@@ -5559,7 +4994,7 @@
           <a:p>
             <a:fld id="{5D444164-595D-4D84-92EA-94C16051EB23}" type="datetimeFigureOut">
               <a:rPr lang="en-US" smtClean="0"/>
-              <a:t>7/8/2015</a:t>
+              <a:t>7/16/2015</a:t>
             </a:fld>
             <a:endParaRPr lang="en-US"/>
           </a:p>
@@ -5577,8 +5012,8 @@
         </p:nvSpPr>
         <p:spPr>
           <a:xfrm>
-            <a:off x="0" y="8829675"/>
-            <a:ext cx="3038475" cy="466725"/>
+            <a:off x="1" y="8829676"/>
+            <a:ext cx="3038475" cy="466726"/>
           </a:xfrm>
           <a:prstGeom prst="rect">
             <a:avLst/>
@@ -5608,8 +5043,8 @@
         </p:nvSpPr>
         <p:spPr>
           <a:xfrm>
-            <a:off x="3970338" y="8829675"/>
-            <a:ext cx="3038475" cy="466725"/>
+            <a:off x="3970338" y="8829676"/>
+            <a:ext cx="3038475" cy="466726"/>
           </a:xfrm>
           <a:prstGeom prst="rect">
             <a:avLst/>
@@ -5676,7 +5111,7 @@
         </p:nvSpPr>
         <p:spPr>
           <a:xfrm>
-            <a:off x="0" y="0"/>
+            <a:off x="0" y="1"/>
             <a:ext cx="3037840" cy="466434"/>
           </a:xfrm>
           <a:prstGeom prst="rect">
@@ -5707,7 +5142,7 @@
         </p:nvSpPr>
         <p:spPr>
           <a:xfrm>
-            <a:off x="3970938" y="0"/>
+            <a:off x="3970938" y="1"/>
             <a:ext cx="3037840" cy="466434"/>
           </a:xfrm>
           <a:prstGeom prst="rect">
@@ -5724,7 +5159,7 @@
           <a:p>
             <a:fld id="{7E988CAD-EC76-4ADB-B670-EE722750BB7E}" type="datetimeFigureOut">
               <a:rPr lang="en-US" smtClean="0"/>
-              <a:t>7/6/2015</a:t>
+              <a:t>7/16/2015</a:t>
             </a:fld>
             <a:endParaRPr lang="en-US"/>
           </a:p>
@@ -5775,7 +5210,7 @@
         </p:nvSpPr>
         <p:spPr>
           <a:xfrm>
-            <a:off x="701040" y="4473892"/>
+            <a:off x="701040" y="4473893"/>
             <a:ext cx="5608320" cy="3660458"/>
           </a:xfrm>
           <a:prstGeom prst="rect">
@@ -6038,19 +5473,13 @@
           <a:p>
             <a:r>
               <a:rPr lang="en-US" dirty="0" smtClean="0"/>
-              <a:t>We will have someone read the introduction, discovery, consumption and publishing</a:t>
-            </a:r>
-            <a:r>
-              <a:rPr lang="en-US" baseline="0" dirty="0" smtClean="0"/>
-              <a:t> spiel</a:t>
-            </a:r>
+              <a:t>Introduce Yourselves:</a:t>
+            </a:r>
+          </a:p>
+          <a:p>
             <a:r>
               <a:rPr lang="en-US" dirty="0" smtClean="0"/>
-              <a:t> and leave this up on the screen. Don’t move onto slide two until</a:t>
-            </a:r>
-            <a:r>
-              <a:rPr lang="en-US" baseline="0" dirty="0" smtClean="0"/>
-              <a:t> we are beginning the demo.</a:t>
+              <a:t>Who, role, where are you from, etc.</a:t>
             </a:r>
             <a:endParaRPr lang="en-US" dirty="0"/>
           </a:p>
@@ -6136,7 +5565,77 @@
           <a:bodyPr/>
           <a:lstStyle/>
           <a:p>
-            <a:endParaRPr lang="en-US" baseline="0" dirty="0" smtClean="0"/>
+            <a:r>
+              <a:rPr lang="en-US" dirty="0"/>
+              <a:t>Currently, millions of Data Scientists and developers are using </a:t>
+            </a:r>
+            <a:r>
+              <a:rPr lang="en-US" dirty="0" err="1"/>
+              <a:t>RStudio</a:t>
+            </a:r>
+            <a:r>
+              <a:rPr lang="en-US" dirty="0"/>
+              <a:t> to build and train Machine Learning models but they lack the ability to share them via web services. Ideally, a user should be able to publish a web service without ever having to leave </a:t>
+            </a:r>
+            <a:r>
+              <a:rPr lang="en-US" dirty="0" err="1"/>
+              <a:t>RStudio</a:t>
+            </a:r>
+            <a:r>
+              <a:rPr lang="en-US" dirty="0"/>
+              <a:t>. This “In Progress” project will provide that link between </a:t>
+            </a:r>
+            <a:r>
+              <a:rPr lang="en-US" dirty="0" err="1"/>
+              <a:t>RStudio</a:t>
+            </a:r>
+            <a:r>
+              <a:rPr lang="en-US" dirty="0"/>
+              <a:t> and </a:t>
+            </a:r>
+            <a:r>
+              <a:rPr lang="en-US" dirty="0" err="1"/>
+              <a:t>AzureML's</a:t>
+            </a:r>
+            <a:r>
+              <a:rPr lang="en-US" dirty="0"/>
+              <a:t> publishing service in order to encourage </a:t>
+            </a:r>
+            <a:r>
+              <a:rPr lang="en-US" dirty="0" err="1"/>
+              <a:t>RStudio</a:t>
+            </a:r>
+            <a:r>
+              <a:rPr lang="en-US" dirty="0"/>
+              <a:t> users to utilize </a:t>
+            </a:r>
+            <a:r>
+              <a:rPr lang="en-US" dirty="0" err="1"/>
+              <a:t>AzureML</a:t>
+            </a:r>
+            <a:r>
+              <a:rPr lang="en-US" dirty="0"/>
+              <a:t> web services. Currently, users must copy/paste code from </a:t>
+            </a:r>
+            <a:r>
+              <a:rPr lang="en-US" dirty="0" err="1"/>
+              <a:t>RStudio</a:t>
+            </a:r>
+            <a:r>
+              <a:rPr lang="en-US" dirty="0"/>
+              <a:t> into </a:t>
+            </a:r>
+            <a:r>
+              <a:rPr lang="en-US" dirty="0" err="1"/>
+              <a:t>AzureML</a:t>
+            </a:r>
+            <a:r>
+              <a:rPr lang="en-US" dirty="0"/>
+              <a:t> in order to create &amp; publish models.</a:t>
+            </a:r>
+          </a:p>
+          <a:p>
+            <a:endParaRPr lang="en-US" dirty="0"/>
           </a:p>
         </p:txBody>
       </p:sp>
@@ -6157,7 +5656,7 @@
           <a:p>
             <a:fld id="{29C8BA92-DA2F-4C34-B41C-28EA4D1A3BD3}" type="slidenum">
               <a:rPr lang="en-US" smtClean="0"/>
-              <a:t>3</a:t>
+              <a:t>2</a:t>
             </a:fld>
             <a:endParaRPr lang="en-US"/>
           </a:p>
@@ -6166,7 +5665,7 @@
     </p:spTree>
     <p:extLst>
       <p:ext uri="{BB962C8B-B14F-4D97-AF65-F5344CB8AC3E}">
-        <p14:creationId xmlns:p14="http://schemas.microsoft.com/office/powerpoint/2010/main" val="1799008181"/>
+        <p14:creationId xmlns:p14="http://schemas.microsoft.com/office/powerpoint/2010/main" val="1802840112"/>
       </p:ext>
     </p:extLst>
   </p:cSld>
@@ -6221,28 +5720,42 @@
           <a:lstStyle/>
           <a:p>
             <a:r>
+              <a:rPr lang="en-US" dirty="0"/>
+              <a:t>The three main goals of this project is to provide the </a:t>
+            </a:r>
+            <a:r>
+              <a:rPr lang="en-US" dirty="0" err="1"/>
+              <a:t>RStudio</a:t>
+            </a:r>
+            <a:r>
+              <a:rPr lang="en-US" dirty="0"/>
+              <a:t> user with Discovery, Consumption and Publishing abilities. This package will be available to users as a downloadable CRAN as long as you have an authorized workspace in </a:t>
+            </a:r>
+            <a:r>
+              <a:rPr lang="en-US" dirty="0" err="1"/>
+              <a:t>AzureML</a:t>
+            </a:r>
+            <a:r>
+              <a:rPr lang="en-US" dirty="0"/>
+              <a:t> that is discoverable. This solution will provide the user with the ability to work from </a:t>
+            </a:r>
+            <a:r>
+              <a:rPr lang="en-US" dirty="0" err="1"/>
+              <a:t>RStudio</a:t>
+            </a:r>
+            <a:r>
+              <a:rPr lang="en-US" dirty="0"/>
+              <a:t> and not have to copy/paste code</a:t>
+            </a:r>
+            <a:r>
               <a:rPr lang="en-US" dirty="0" smtClean="0"/>
-              <a:t>Why are all these Steps necessary?</a:t>
-            </a:r>
-            <a:endParaRPr lang="en-US" baseline="0" dirty="0" smtClean="0"/>
-          </a:p>
-          <a:p>
-            <a:r>
-              <a:rPr lang="en-US" baseline="0" dirty="0" smtClean="0"/>
-              <a:t>So the user can run the web services without running into problems. There will be a HOW TO document with a walkthrough of the set up.</a:t>
-            </a:r>
-          </a:p>
-          <a:p>
-            <a:r>
-              <a:rPr lang="en-US" baseline="0" dirty="0" smtClean="0"/>
-              <a:t>The working directory and workspace information need to be saved locally for security reasons.</a:t>
-            </a:r>
-          </a:p>
-          <a:p>
-            <a:r>
-              <a:rPr lang="en-US" baseline="0" dirty="0" smtClean="0"/>
-              <a:t>The reason that the input and output need to be formatted is this is a necessary step for publishing</a:t>
-            </a:r>
+              <a:t>.</a:t>
+            </a:r>
+          </a:p>
+          <a:p>
+            <a:endParaRPr lang="en-US" dirty="0" smtClean="0"/>
+          </a:p>
+          <a:p>
             <a:endParaRPr lang="en-US" dirty="0"/>
           </a:p>
         </p:txBody>
@@ -6264,7 +5777,715 @@
           <a:p>
             <a:fld id="{29C8BA92-DA2F-4C34-B41C-28EA4D1A3BD3}" type="slidenum">
               <a:rPr lang="en-US" smtClean="0"/>
+              <a:t>3</a:t>
+            </a:fld>
+            <a:endParaRPr lang="en-US"/>
+          </a:p>
+        </p:txBody>
+      </p:sp>
+    </p:spTree>
+    <p:extLst>
+      <p:ext uri="{BB962C8B-B14F-4D97-AF65-F5344CB8AC3E}">
+        <p14:creationId xmlns:p14="http://schemas.microsoft.com/office/powerpoint/2010/main" val="1799008181"/>
+      </p:ext>
+    </p:extLst>
+  </p:cSld>
+  <p:clrMapOvr>
+    <a:masterClrMapping/>
+  </p:clrMapOvr>
+</p:notes>
+</file>
+
+<file path=ppt/notesSlides/notesSlide4.xml><?xml version="1.0" encoding="utf-8"?>
+<p:notes xmlns:a="http://schemas.openxmlformats.org/drawingml/2006/main" xmlns:r="http://schemas.openxmlformats.org/officeDocument/2006/relationships" xmlns:p="http://schemas.openxmlformats.org/presentationml/2006/main">
+  <p:cSld>
+    <p:spTree>
+      <p:nvGrpSpPr>
+        <p:cNvPr id="1" name=""/>
+        <p:cNvGrpSpPr/>
+        <p:nvPr/>
+      </p:nvGrpSpPr>
+      <p:grpSpPr>
+        <a:xfrm>
+          <a:off x="0" y="0"/>
+          <a:ext cx="0" cy="0"/>
+          <a:chOff x="0" y="0"/>
+          <a:chExt cx="0" cy="0"/>
+        </a:xfrm>
+      </p:grpSpPr>
+      <p:sp>
+        <p:nvSpPr>
+          <p:cNvPr id="2" name="Slide Image Placeholder 1"/>
+          <p:cNvSpPr>
+            <a:spLocks noGrp="1" noRot="1" noChangeAspect="1"/>
+          </p:cNvSpPr>
+          <p:nvPr>
+            <p:ph type="sldImg"/>
+          </p:nvPr>
+        </p:nvSpPr>
+        <p:spPr/>
+      </p:sp>
+      <p:sp>
+        <p:nvSpPr>
+          <p:cNvPr id="3" name="Notes Placeholder 2"/>
+          <p:cNvSpPr>
+            <a:spLocks noGrp="1"/>
+          </p:cNvSpPr>
+          <p:nvPr>
+            <p:ph type="body" idx="1"/>
+          </p:nvPr>
+        </p:nvSpPr>
+        <p:spPr/>
+        <p:txBody>
+          <a:bodyPr/>
+          <a:lstStyle/>
+          <a:p>
+            <a:pPr marL="0" marR="0" indent="0" algn="l" defTabSz="914400" rtl="0" eaLnBrk="1" fontAlgn="auto" latinLnBrk="0" hangingPunct="1">
+              <a:lnSpc>
+                <a:spcPct val="100000"/>
+              </a:lnSpc>
+              <a:spcBef>
+                <a:spcPts val="0"/>
+              </a:spcBef>
+              <a:spcAft>
+                <a:spcPts val="0"/>
+              </a:spcAft>
+              <a:buClrTx/>
+              <a:buSzTx/>
+              <a:buFontTx/>
+              <a:buNone/>
+              <a:tabLst/>
+              <a:defRPr/>
+            </a:pPr>
+            <a:r>
+              <a:rPr lang="en-US" sz="1200" kern="1200" dirty="0" smtClean="0">
+                <a:solidFill>
+                  <a:schemeClr val="tx1"/>
+                </a:solidFill>
+                <a:effectLst/>
+                <a:latin typeface="+mn-lt"/>
+                <a:ea typeface="+mn-ea"/>
+                <a:cs typeface="+mn-cs"/>
+              </a:rPr>
+              <a:t>Publishing is a simple one call function for the user. Upon calling, the user simply needs to provide the workspace identification information, the function they want published and the name they want this service to be saved as. The publish function call will handle the API call for the user and any consumption that may need to be done related to this function. Once the call is finished, the function will return a list with the web service details, the endpoint details and the consumption function to the user.</a:t>
+            </a:r>
+          </a:p>
+          <a:p>
+            <a:endParaRPr lang="en-US" dirty="0" smtClean="0"/>
+          </a:p>
+          <a:p>
+            <a:pPr marL="0" marR="0" indent="0" algn="l" defTabSz="914400" rtl="0" eaLnBrk="1" fontAlgn="auto" latinLnBrk="0" hangingPunct="1">
+              <a:lnSpc>
+                <a:spcPct val="100000"/>
+              </a:lnSpc>
+              <a:spcBef>
+                <a:spcPts val="0"/>
+              </a:spcBef>
+              <a:spcAft>
+                <a:spcPts val="0"/>
+              </a:spcAft>
+              <a:buClrTx/>
+              <a:buSzTx/>
+              <a:buFontTx/>
+              <a:buNone/>
+              <a:tabLst/>
+              <a:defRPr/>
+            </a:pPr>
+            <a:r>
+              <a:rPr lang="en-US" sz="1200" b="1" kern="1200" dirty="0" smtClean="0">
+                <a:solidFill>
+                  <a:schemeClr val="tx1"/>
+                </a:solidFill>
+                <a:effectLst/>
+                <a:latin typeface="+mn-lt"/>
+                <a:ea typeface="+mn-ea"/>
+                <a:cs typeface="+mn-cs"/>
+              </a:rPr>
+              <a:t>Demo Notes:</a:t>
+            </a:r>
+            <a:r>
+              <a:rPr lang="en-US" sz="1200" kern="1200" dirty="0" smtClean="0">
+                <a:solidFill>
+                  <a:schemeClr val="tx1"/>
+                </a:solidFill>
+                <a:effectLst/>
+                <a:latin typeface="+mn-lt"/>
+                <a:ea typeface="+mn-ea"/>
+                <a:cs typeface="+mn-cs"/>
+              </a:rPr>
+              <a:t> The top code seen here is the titanic model we will be using for this demo. Then we will see that the first thing done is declare the function. Now we will call publishing (go view it in your workspaces account on </a:t>
+            </a:r>
+            <a:r>
+              <a:rPr lang="en-US" sz="1200" kern="1200" dirty="0" err="1" smtClean="0">
+                <a:solidFill>
+                  <a:schemeClr val="tx1"/>
+                </a:solidFill>
+                <a:effectLst/>
+                <a:latin typeface="+mn-lt"/>
+                <a:ea typeface="+mn-ea"/>
+                <a:cs typeface="+mn-cs"/>
+              </a:rPr>
+              <a:t>AzureML</a:t>
+            </a:r>
+            <a:r>
+              <a:rPr lang="en-US" sz="1200" kern="1200" dirty="0" smtClean="0">
+                <a:solidFill>
+                  <a:schemeClr val="tx1"/>
+                </a:solidFill>
+                <a:effectLst/>
+                <a:latin typeface="+mn-lt"/>
+                <a:ea typeface="+mn-ea"/>
+                <a:cs typeface="+mn-cs"/>
+              </a:rPr>
+              <a:t>). Now we can access it from Visual Studio.</a:t>
+            </a:r>
+          </a:p>
+          <a:p>
+            <a:pPr marL="0" marR="0" indent="0" algn="l" defTabSz="914400" rtl="0" eaLnBrk="1" fontAlgn="auto" latinLnBrk="0" hangingPunct="1">
+              <a:lnSpc>
+                <a:spcPct val="100000"/>
+              </a:lnSpc>
+              <a:spcBef>
+                <a:spcPts val="0"/>
+              </a:spcBef>
+              <a:spcAft>
+                <a:spcPts val="0"/>
+              </a:spcAft>
+              <a:buClrTx/>
+              <a:buSzTx/>
+              <a:buFontTx/>
+              <a:buNone/>
+              <a:tabLst/>
+              <a:defRPr/>
+            </a:pPr>
+            <a:endParaRPr lang="en-US" sz="1200" kern="1200" dirty="0" smtClean="0">
+              <a:solidFill>
+                <a:schemeClr val="tx1"/>
+              </a:solidFill>
+              <a:effectLst/>
+              <a:latin typeface="+mn-lt"/>
+              <a:ea typeface="+mn-ea"/>
+              <a:cs typeface="+mn-cs"/>
+            </a:endParaRPr>
+          </a:p>
+          <a:p>
+            <a:pPr marL="0" marR="0" indent="0" algn="l" defTabSz="914400" rtl="0" eaLnBrk="1" fontAlgn="auto" latinLnBrk="0" hangingPunct="1">
+              <a:lnSpc>
+                <a:spcPct val="100000"/>
+              </a:lnSpc>
+              <a:spcBef>
+                <a:spcPts val="0"/>
+              </a:spcBef>
+              <a:spcAft>
+                <a:spcPts val="0"/>
+              </a:spcAft>
+              <a:buClrTx/>
+              <a:buSzTx/>
+              <a:buFontTx/>
+              <a:buNone/>
+              <a:tabLst/>
+              <a:defRPr/>
+            </a:pPr>
+            <a:r>
+              <a:rPr lang="en-US" sz="1200" kern="1200" dirty="0" smtClean="0">
+                <a:solidFill>
+                  <a:schemeClr val="tx1"/>
+                </a:solidFill>
+                <a:effectLst/>
+                <a:latin typeface="+mn-lt"/>
+                <a:ea typeface="+mn-ea"/>
+                <a:cs typeface="+mn-cs"/>
+              </a:rPr>
+              <a:t>Now</a:t>
+            </a:r>
+            <a:r>
+              <a:rPr lang="en-US" sz="1200" kern="1200" baseline="0" dirty="0" smtClean="0">
+                <a:solidFill>
+                  <a:schemeClr val="tx1"/>
+                </a:solidFill>
+                <a:effectLst/>
+                <a:latin typeface="+mn-lt"/>
+                <a:ea typeface="+mn-ea"/>
+                <a:cs typeface="+mn-cs"/>
+              </a:rPr>
+              <a:t>, I am going to pass off to *insert name* to show Discovery.</a:t>
+            </a:r>
+            <a:endParaRPr lang="en-US" sz="1200" kern="1200" dirty="0" smtClean="0">
+              <a:solidFill>
+                <a:schemeClr val="tx1"/>
+              </a:solidFill>
+              <a:effectLst/>
+              <a:latin typeface="+mn-lt"/>
+              <a:ea typeface="+mn-ea"/>
+              <a:cs typeface="+mn-cs"/>
+            </a:endParaRPr>
+          </a:p>
+          <a:p>
+            <a:endParaRPr lang="en-US" dirty="0"/>
+          </a:p>
+        </p:txBody>
+      </p:sp>
+      <p:sp>
+        <p:nvSpPr>
+          <p:cNvPr id="4" name="Slide Number Placeholder 3"/>
+          <p:cNvSpPr>
+            <a:spLocks noGrp="1"/>
+          </p:cNvSpPr>
+          <p:nvPr>
+            <p:ph type="sldNum" sz="quarter" idx="10"/>
+          </p:nvPr>
+        </p:nvSpPr>
+        <p:spPr/>
+        <p:txBody>
+          <a:bodyPr/>
+          <a:lstStyle/>
+          <a:p>
+            <a:fld id="{29C8BA92-DA2F-4C34-B41C-28EA4D1A3BD3}" type="slidenum">
+              <a:rPr lang="en-US" smtClean="0"/>
               <a:t>4</a:t>
+            </a:fld>
+            <a:endParaRPr lang="en-US"/>
+          </a:p>
+        </p:txBody>
+      </p:sp>
+    </p:spTree>
+    <p:extLst>
+      <p:ext uri="{BB962C8B-B14F-4D97-AF65-F5344CB8AC3E}">
+        <p14:creationId xmlns:p14="http://schemas.microsoft.com/office/powerpoint/2010/main" val="2719461595"/>
+      </p:ext>
+    </p:extLst>
+  </p:cSld>
+  <p:clrMapOvr>
+    <a:masterClrMapping/>
+  </p:clrMapOvr>
+</p:notes>
+</file>
+
+<file path=ppt/notesSlides/notesSlide5.xml><?xml version="1.0" encoding="utf-8"?>
+<p:notes xmlns:a="http://schemas.openxmlformats.org/drawingml/2006/main" xmlns:r="http://schemas.openxmlformats.org/officeDocument/2006/relationships" xmlns:p="http://schemas.openxmlformats.org/presentationml/2006/main">
+  <p:cSld>
+    <p:spTree>
+      <p:nvGrpSpPr>
+        <p:cNvPr id="1" name=""/>
+        <p:cNvGrpSpPr/>
+        <p:nvPr/>
+      </p:nvGrpSpPr>
+      <p:grpSpPr>
+        <a:xfrm>
+          <a:off x="0" y="0"/>
+          <a:ext cx="0" cy="0"/>
+          <a:chOff x="0" y="0"/>
+          <a:chExt cx="0" cy="0"/>
+        </a:xfrm>
+      </p:grpSpPr>
+      <p:sp>
+        <p:nvSpPr>
+          <p:cNvPr id="2" name="Slide Image Placeholder 1"/>
+          <p:cNvSpPr>
+            <a:spLocks noGrp="1" noRot="1" noChangeAspect="1"/>
+          </p:cNvSpPr>
+          <p:nvPr>
+            <p:ph type="sldImg"/>
+          </p:nvPr>
+        </p:nvSpPr>
+        <p:spPr/>
+      </p:sp>
+      <p:sp>
+        <p:nvSpPr>
+          <p:cNvPr id="3" name="Notes Placeholder 2"/>
+          <p:cNvSpPr>
+            <a:spLocks noGrp="1"/>
+          </p:cNvSpPr>
+          <p:nvPr>
+            <p:ph type="body" idx="1"/>
+          </p:nvPr>
+        </p:nvSpPr>
+        <p:spPr/>
+        <p:txBody>
+          <a:bodyPr/>
+          <a:lstStyle/>
+          <a:p>
+            <a:pPr marL="0" marR="0" indent="0" algn="l" defTabSz="914400" rtl="0" eaLnBrk="1" fontAlgn="auto" latinLnBrk="0" hangingPunct="1">
+              <a:lnSpc>
+                <a:spcPct val="100000"/>
+              </a:lnSpc>
+              <a:spcBef>
+                <a:spcPts val="0"/>
+              </a:spcBef>
+              <a:spcAft>
+                <a:spcPts val="0"/>
+              </a:spcAft>
+              <a:buClrTx/>
+              <a:buSzTx/>
+              <a:buFontTx/>
+              <a:buNone/>
+              <a:tabLst/>
+              <a:defRPr/>
+            </a:pPr>
+            <a:r>
+              <a:rPr lang="en-US" sz="1200" kern="1200" dirty="0" smtClean="0">
+                <a:solidFill>
+                  <a:schemeClr val="tx1"/>
+                </a:solidFill>
+                <a:effectLst/>
+                <a:latin typeface="+mn-lt"/>
+                <a:ea typeface="+mn-ea"/>
+                <a:cs typeface="+mn-cs"/>
+              </a:rPr>
+              <a:t>The discovery code allows the user to retrieve a list of the web services available in their workspace given that they provide the workspace ID and the authorization token (both of which can be found in settings on the </a:t>
+            </a:r>
+            <a:r>
+              <a:rPr lang="en-US" sz="1200" kern="1200" dirty="0" err="1" smtClean="0">
+                <a:solidFill>
+                  <a:schemeClr val="tx1"/>
+                </a:solidFill>
+                <a:effectLst/>
+                <a:latin typeface="+mn-lt"/>
+                <a:ea typeface="+mn-ea"/>
+                <a:cs typeface="+mn-cs"/>
+              </a:rPr>
+              <a:t>AzureML</a:t>
+            </a:r>
+            <a:r>
+              <a:rPr lang="en-US" sz="1200" kern="1200" dirty="0" smtClean="0">
+                <a:solidFill>
+                  <a:schemeClr val="tx1"/>
+                </a:solidFill>
+                <a:effectLst/>
+                <a:latin typeface="+mn-lt"/>
+                <a:ea typeface="+mn-ea"/>
+                <a:cs typeface="+mn-cs"/>
+              </a:rPr>
+              <a:t> webpage). A user can also get detailed information about a specific web service, retrieve its endpoints, and the details of a specific endpoint.</a:t>
+            </a:r>
+          </a:p>
+          <a:p>
+            <a:endParaRPr lang="en-US" dirty="0" smtClean="0"/>
+          </a:p>
+          <a:p>
+            <a:pPr marL="0" marR="0" indent="0" algn="l" defTabSz="914400" rtl="0" eaLnBrk="1" fontAlgn="auto" latinLnBrk="0" hangingPunct="1">
+              <a:lnSpc>
+                <a:spcPct val="100000"/>
+              </a:lnSpc>
+              <a:spcBef>
+                <a:spcPts val="0"/>
+              </a:spcBef>
+              <a:spcAft>
+                <a:spcPts val="0"/>
+              </a:spcAft>
+              <a:buClrTx/>
+              <a:buSzTx/>
+              <a:buFontTx/>
+              <a:buNone/>
+              <a:tabLst/>
+              <a:defRPr/>
+            </a:pPr>
+            <a:r>
+              <a:rPr lang="en-US" sz="1200" b="1" kern="1200" dirty="0" smtClean="0">
+                <a:solidFill>
+                  <a:schemeClr val="tx1"/>
+                </a:solidFill>
+                <a:effectLst/>
+                <a:latin typeface="+mn-lt"/>
+                <a:ea typeface="+mn-ea"/>
+                <a:cs typeface="+mn-cs"/>
+              </a:rPr>
+              <a:t>Demo Notes:</a:t>
+            </a:r>
+            <a:endParaRPr lang="en-US" dirty="0"/>
+          </a:p>
+        </p:txBody>
+      </p:sp>
+      <p:sp>
+        <p:nvSpPr>
+          <p:cNvPr id="4" name="Slide Number Placeholder 3"/>
+          <p:cNvSpPr>
+            <a:spLocks noGrp="1"/>
+          </p:cNvSpPr>
+          <p:nvPr>
+            <p:ph type="sldNum" sz="quarter" idx="10"/>
+          </p:nvPr>
+        </p:nvSpPr>
+        <p:spPr/>
+        <p:txBody>
+          <a:bodyPr/>
+          <a:lstStyle/>
+          <a:p>
+            <a:fld id="{29C8BA92-DA2F-4C34-B41C-28EA4D1A3BD3}" type="slidenum">
+              <a:rPr lang="en-US" smtClean="0"/>
+              <a:t>5</a:t>
+            </a:fld>
+            <a:endParaRPr lang="en-US"/>
+          </a:p>
+        </p:txBody>
+      </p:sp>
+    </p:spTree>
+    <p:extLst>
+      <p:ext uri="{BB962C8B-B14F-4D97-AF65-F5344CB8AC3E}">
+        <p14:creationId xmlns:p14="http://schemas.microsoft.com/office/powerpoint/2010/main" val="2647760729"/>
+      </p:ext>
+    </p:extLst>
+  </p:cSld>
+  <p:clrMapOvr>
+    <a:masterClrMapping/>
+  </p:clrMapOvr>
+</p:notes>
+</file>
+
+<file path=ppt/notesSlides/notesSlide6.xml><?xml version="1.0" encoding="utf-8"?>
+<p:notes xmlns:a="http://schemas.openxmlformats.org/drawingml/2006/main" xmlns:r="http://schemas.openxmlformats.org/officeDocument/2006/relationships" xmlns:p="http://schemas.openxmlformats.org/presentationml/2006/main">
+  <p:cSld>
+    <p:spTree>
+      <p:nvGrpSpPr>
+        <p:cNvPr id="1" name=""/>
+        <p:cNvGrpSpPr/>
+        <p:nvPr/>
+      </p:nvGrpSpPr>
+      <p:grpSpPr>
+        <a:xfrm>
+          <a:off x="0" y="0"/>
+          <a:ext cx="0" cy="0"/>
+          <a:chOff x="0" y="0"/>
+          <a:chExt cx="0" cy="0"/>
+        </a:xfrm>
+      </p:grpSpPr>
+      <p:sp>
+        <p:nvSpPr>
+          <p:cNvPr id="2" name="Slide Image Placeholder 1"/>
+          <p:cNvSpPr>
+            <a:spLocks noGrp="1" noRot="1" noChangeAspect="1"/>
+          </p:cNvSpPr>
+          <p:nvPr>
+            <p:ph type="sldImg"/>
+          </p:nvPr>
+        </p:nvSpPr>
+        <p:spPr/>
+      </p:sp>
+      <p:sp>
+        <p:nvSpPr>
+          <p:cNvPr id="3" name="Notes Placeholder 2"/>
+          <p:cNvSpPr>
+            <a:spLocks noGrp="1"/>
+          </p:cNvSpPr>
+          <p:nvPr>
+            <p:ph type="body" idx="1"/>
+          </p:nvPr>
+        </p:nvSpPr>
+        <p:spPr/>
+        <p:txBody>
+          <a:bodyPr/>
+          <a:lstStyle/>
+          <a:p>
+            <a:pPr marL="0" marR="0" indent="0" algn="l" defTabSz="914400" rtl="0" eaLnBrk="1" fontAlgn="auto" latinLnBrk="0" hangingPunct="1">
+              <a:lnSpc>
+                <a:spcPct val="100000"/>
+              </a:lnSpc>
+              <a:spcBef>
+                <a:spcPts val="0"/>
+              </a:spcBef>
+              <a:spcAft>
+                <a:spcPts val="0"/>
+              </a:spcAft>
+              <a:buClrTx/>
+              <a:buSzTx/>
+              <a:buFontTx/>
+              <a:buNone/>
+              <a:tabLst/>
+              <a:defRPr/>
+            </a:pPr>
+            <a:r>
+              <a:rPr lang="en-US" sz="1200" kern="1200" dirty="0" smtClean="0">
+                <a:solidFill>
+                  <a:schemeClr val="tx1"/>
+                </a:solidFill>
+                <a:effectLst/>
+                <a:latin typeface="+mn-lt"/>
+                <a:ea typeface="+mn-ea"/>
+                <a:cs typeface="+mn-cs"/>
+              </a:rPr>
+              <a:t>Consuming a web service currently gives the user the option to score either a CSV file, data frame or individual requests. With either option, the user simply has to make a single-line function call and the scored probabilities are returned to the user in a data frame. There are three functions that the user can choose from: </a:t>
+            </a:r>
+            <a:r>
+              <a:rPr lang="en-US" sz="1200" kern="1200" dirty="0" err="1" smtClean="0">
+                <a:solidFill>
+                  <a:schemeClr val="tx1"/>
+                </a:solidFill>
+                <a:effectLst/>
+                <a:latin typeface="+mn-lt"/>
+                <a:ea typeface="+mn-ea"/>
+                <a:cs typeface="+mn-cs"/>
+              </a:rPr>
+              <a:t>consumeLists</a:t>
+            </a:r>
+            <a:r>
+              <a:rPr lang="en-US" sz="1200" kern="1200" dirty="0" smtClean="0">
+                <a:solidFill>
+                  <a:schemeClr val="tx1"/>
+                </a:solidFill>
+                <a:effectLst/>
+                <a:latin typeface="+mn-lt"/>
+                <a:ea typeface="+mn-ea"/>
+                <a:cs typeface="+mn-cs"/>
+              </a:rPr>
+              <a:t>, </a:t>
+            </a:r>
+            <a:r>
+              <a:rPr lang="en-US" sz="1200" kern="1200" dirty="0" err="1" smtClean="0">
+                <a:solidFill>
+                  <a:schemeClr val="tx1"/>
+                </a:solidFill>
+                <a:effectLst/>
+                <a:latin typeface="+mn-lt"/>
+                <a:ea typeface="+mn-ea"/>
+                <a:cs typeface="+mn-cs"/>
+              </a:rPr>
+              <a:t>consumeFile</a:t>
+            </a:r>
+            <a:r>
+              <a:rPr lang="en-US" sz="1200" kern="1200" dirty="0" smtClean="0">
+                <a:solidFill>
+                  <a:schemeClr val="tx1"/>
+                </a:solidFill>
+                <a:effectLst/>
+                <a:latin typeface="+mn-lt"/>
+                <a:ea typeface="+mn-ea"/>
+                <a:cs typeface="+mn-cs"/>
+              </a:rPr>
+              <a:t>, and </a:t>
+            </a:r>
+            <a:r>
+              <a:rPr lang="en-US" sz="1200" kern="1200" dirty="0" err="1" smtClean="0">
+                <a:solidFill>
+                  <a:schemeClr val="tx1"/>
+                </a:solidFill>
+                <a:effectLst/>
+                <a:latin typeface="+mn-lt"/>
+                <a:ea typeface="+mn-ea"/>
+                <a:cs typeface="+mn-cs"/>
+              </a:rPr>
+              <a:t>consumeDataFrame</a:t>
+            </a:r>
+            <a:r>
+              <a:rPr lang="en-US" sz="1200" kern="1200" dirty="0" smtClean="0">
+                <a:solidFill>
+                  <a:schemeClr val="tx1"/>
+                </a:solidFill>
+                <a:effectLst/>
+                <a:latin typeface="+mn-lt"/>
+                <a:ea typeface="+mn-ea"/>
+                <a:cs typeface="+mn-cs"/>
+              </a:rPr>
+              <a:t>.</a:t>
+            </a:r>
+            <a:endParaRPr lang="en-US" dirty="0"/>
+          </a:p>
+        </p:txBody>
+      </p:sp>
+      <p:sp>
+        <p:nvSpPr>
+          <p:cNvPr id="4" name="Slide Number Placeholder 3"/>
+          <p:cNvSpPr>
+            <a:spLocks noGrp="1"/>
+          </p:cNvSpPr>
+          <p:nvPr>
+            <p:ph type="sldNum" sz="quarter" idx="10"/>
+          </p:nvPr>
+        </p:nvSpPr>
+        <p:spPr/>
+        <p:txBody>
+          <a:bodyPr/>
+          <a:lstStyle/>
+          <a:p>
+            <a:fld id="{29C8BA92-DA2F-4C34-B41C-28EA4D1A3BD3}" type="slidenum">
+              <a:rPr lang="en-US" smtClean="0"/>
+              <a:t>6</a:t>
+            </a:fld>
+            <a:endParaRPr lang="en-US"/>
+          </a:p>
+        </p:txBody>
+      </p:sp>
+    </p:spTree>
+    <p:extLst>
+      <p:ext uri="{BB962C8B-B14F-4D97-AF65-F5344CB8AC3E}">
+        <p14:creationId xmlns:p14="http://schemas.microsoft.com/office/powerpoint/2010/main" val="324865127"/>
+      </p:ext>
+    </p:extLst>
+  </p:cSld>
+  <p:clrMapOvr>
+    <a:masterClrMapping/>
+  </p:clrMapOvr>
+</p:notes>
+</file>
+
+<file path=ppt/notesSlides/notesSlide7.xml><?xml version="1.0" encoding="utf-8"?>
+<p:notes xmlns:a="http://schemas.openxmlformats.org/drawingml/2006/main" xmlns:r="http://schemas.openxmlformats.org/officeDocument/2006/relationships" xmlns:p="http://schemas.openxmlformats.org/presentationml/2006/main">
+  <p:cSld>
+    <p:spTree>
+      <p:nvGrpSpPr>
+        <p:cNvPr id="1" name=""/>
+        <p:cNvGrpSpPr/>
+        <p:nvPr/>
+      </p:nvGrpSpPr>
+      <p:grpSpPr>
+        <a:xfrm>
+          <a:off x="0" y="0"/>
+          <a:ext cx="0" cy="0"/>
+          <a:chOff x="0" y="0"/>
+          <a:chExt cx="0" cy="0"/>
+        </a:xfrm>
+      </p:grpSpPr>
+      <p:sp>
+        <p:nvSpPr>
+          <p:cNvPr id="2" name="Slide Image Placeholder 1"/>
+          <p:cNvSpPr>
+            <a:spLocks noGrp="1" noRot="1" noChangeAspect="1"/>
+          </p:cNvSpPr>
+          <p:nvPr>
+            <p:ph type="sldImg"/>
+          </p:nvPr>
+        </p:nvSpPr>
+        <p:spPr/>
+      </p:sp>
+      <p:sp>
+        <p:nvSpPr>
+          <p:cNvPr id="3" name="Notes Placeholder 2"/>
+          <p:cNvSpPr>
+            <a:spLocks noGrp="1"/>
+          </p:cNvSpPr>
+          <p:nvPr>
+            <p:ph type="body" idx="1"/>
+          </p:nvPr>
+        </p:nvSpPr>
+        <p:spPr/>
+        <p:txBody>
+          <a:bodyPr/>
+          <a:lstStyle/>
+          <a:p>
+            <a:r>
+              <a:rPr lang="en-US" dirty="0"/>
+              <a:t>Why are all these Steps necessary? So the user can run the web services without running into problems. There will be a HOW TO document with a walkthrough of the set up. The working directory and workspace information need to be saved locally for security reasons. The reason that the input and output need to be formatted is this is a necessary step for publishing. Before you can call any of the functions, which you will be able to find a guide to all of these in the how to document, you will need to compile all of the code. One of our end goals is to see the CRAN package help the user with this and compile this code for the user and install all necessary packages.</a:t>
+            </a:r>
+          </a:p>
+        </p:txBody>
+      </p:sp>
+      <p:sp>
+        <p:nvSpPr>
+          <p:cNvPr id="4" name="Slide Number Placeholder 3"/>
+          <p:cNvSpPr>
+            <a:spLocks noGrp="1"/>
+          </p:cNvSpPr>
+          <p:nvPr>
+            <p:ph type="sldNum" sz="quarter" idx="10"/>
+          </p:nvPr>
+        </p:nvSpPr>
+        <p:spPr/>
+        <p:txBody>
+          <a:bodyPr/>
+          <a:lstStyle/>
+          <a:p>
+            <a:fld id="{29C8BA92-DA2F-4C34-B41C-28EA4D1A3BD3}" type="slidenum">
+              <a:rPr lang="en-US" smtClean="0"/>
+              <a:t>7</a:t>
             </a:fld>
             <a:endParaRPr lang="en-US"/>
           </a:p>
@@ -6274,6 +6495,132 @@
     <p:extLst>
       <p:ext uri="{BB962C8B-B14F-4D97-AF65-F5344CB8AC3E}">
         <p14:creationId xmlns:p14="http://schemas.microsoft.com/office/powerpoint/2010/main" val="2515995392"/>
+      </p:ext>
+    </p:extLst>
+  </p:cSld>
+  <p:clrMapOvr>
+    <a:masterClrMapping/>
+  </p:clrMapOvr>
+</p:notes>
+</file>
+
+<file path=ppt/notesSlides/notesSlide8.xml><?xml version="1.0" encoding="utf-8"?>
+<p:notes xmlns:a="http://schemas.openxmlformats.org/drawingml/2006/main" xmlns:r="http://schemas.openxmlformats.org/officeDocument/2006/relationships" xmlns:p="http://schemas.openxmlformats.org/presentationml/2006/main">
+  <p:cSld>
+    <p:spTree>
+      <p:nvGrpSpPr>
+        <p:cNvPr id="1" name=""/>
+        <p:cNvGrpSpPr/>
+        <p:nvPr/>
+      </p:nvGrpSpPr>
+      <p:grpSpPr>
+        <a:xfrm>
+          <a:off x="0" y="0"/>
+          <a:ext cx="0" cy="0"/>
+          <a:chOff x="0" y="0"/>
+          <a:chExt cx="0" cy="0"/>
+        </a:xfrm>
+      </p:grpSpPr>
+      <p:sp>
+        <p:nvSpPr>
+          <p:cNvPr id="2" name="Slide Image Placeholder 1"/>
+          <p:cNvSpPr>
+            <a:spLocks noGrp="1" noRot="1" noChangeAspect="1"/>
+          </p:cNvSpPr>
+          <p:nvPr>
+            <p:ph type="sldImg"/>
+          </p:nvPr>
+        </p:nvSpPr>
+        <p:spPr/>
+      </p:sp>
+      <p:sp>
+        <p:nvSpPr>
+          <p:cNvPr id="3" name="Notes Placeholder 2"/>
+          <p:cNvSpPr>
+            <a:spLocks noGrp="1"/>
+          </p:cNvSpPr>
+          <p:nvPr>
+            <p:ph type="body" idx="1"/>
+          </p:nvPr>
+        </p:nvSpPr>
+        <p:spPr/>
+        <p:txBody>
+          <a:bodyPr/>
+          <a:lstStyle/>
+          <a:p>
+            <a:r>
+              <a:rPr lang="en-US" dirty="0" err="1"/>
+              <a:t>Rstudio</a:t>
+            </a:r>
+            <a:r>
+              <a:rPr lang="en-US" dirty="0"/>
+              <a:t> users can now </a:t>
+            </a:r>
+            <a:r>
+              <a:rPr lang="en-US" b="1" dirty="0"/>
+              <a:t>Publish, Discover and Consume</a:t>
+            </a:r>
+            <a:r>
+              <a:rPr lang="en-US" dirty="0"/>
+              <a:t> trained models from </a:t>
+            </a:r>
+            <a:r>
+              <a:rPr lang="en-US" dirty="0" err="1"/>
+              <a:t>RStudio</a:t>
+            </a:r>
+            <a:r>
+              <a:rPr lang="en-US" dirty="0"/>
+              <a:t> using </a:t>
+            </a:r>
+            <a:r>
+              <a:rPr lang="en-US" dirty="0" err="1"/>
+              <a:t>AzureML</a:t>
+            </a:r>
+            <a:r>
+              <a:rPr lang="en-US" dirty="0"/>
+              <a:t> web services across multiple platforms (such as Visual Studio) as long as the user has a valid and discoverable workspace with </a:t>
+            </a:r>
+            <a:r>
+              <a:rPr lang="en-US" dirty="0" err="1"/>
+              <a:t>AzureML</a:t>
+            </a:r>
+            <a:r>
+              <a:rPr lang="en-US" dirty="0"/>
+              <a:t>.</a:t>
+            </a:r>
+          </a:p>
+          <a:p>
+            <a:endParaRPr lang="en-US" dirty="0"/>
+          </a:p>
+        </p:txBody>
+      </p:sp>
+      <p:sp>
+        <p:nvSpPr>
+          <p:cNvPr id="4" name="Slide Number Placeholder 3"/>
+          <p:cNvSpPr>
+            <a:spLocks noGrp="1"/>
+          </p:cNvSpPr>
+          <p:nvPr>
+            <p:ph type="sldNum" sz="quarter" idx="10"/>
+          </p:nvPr>
+        </p:nvSpPr>
+        <p:spPr/>
+        <p:txBody>
+          <a:bodyPr/>
+          <a:lstStyle/>
+          <a:p>
+            <a:fld id="{29C8BA92-DA2F-4C34-B41C-28EA4D1A3BD3}" type="slidenum">
+              <a:rPr lang="en-US" smtClean="0"/>
+              <a:t>8</a:t>
+            </a:fld>
+            <a:endParaRPr lang="en-US"/>
+          </a:p>
+        </p:txBody>
+      </p:sp>
+    </p:spTree>
+    <p:extLst>
+      <p:ext uri="{BB962C8B-B14F-4D97-AF65-F5344CB8AC3E}">
+        <p14:creationId xmlns:p14="http://schemas.microsoft.com/office/powerpoint/2010/main" val="869361328"/>
       </p:ext>
     </p:extLst>
   </p:cSld>
@@ -6471,7 +6818,7 @@
           <a:p>
             <a:fld id="{9E8EC8DB-5F3C-451F-A897-4B94E2F94A3E}" type="datetimeFigureOut">
               <a:rPr lang="en-US" smtClean="0"/>
-              <a:t>7/6/2015</a:t>
+              <a:t>7/16/2015</a:t>
             </a:fld>
             <a:endParaRPr lang="en-US"/>
           </a:p>
@@ -6809,7 +7156,7 @@
           <a:p>
             <a:fld id="{9E8EC8DB-5F3C-451F-A897-4B94E2F94A3E}" type="datetimeFigureOut">
               <a:rPr lang="en-US" smtClean="0"/>
-              <a:t>7/6/2015</a:t>
+              <a:t>7/16/2015</a:t>
             </a:fld>
             <a:endParaRPr lang="en-US"/>
           </a:p>
@@ -7210,7 +7557,7 @@
           <a:p>
             <a:fld id="{9E8EC8DB-5F3C-451F-A897-4B94E2F94A3E}" type="datetimeFigureOut">
               <a:rPr lang="en-US" smtClean="0"/>
-              <a:t>7/6/2015</a:t>
+              <a:t>7/16/2015</a:t>
             </a:fld>
             <a:endParaRPr lang="en-US"/>
           </a:p>
@@ -7546,7 +7893,7 @@
           <a:p>
             <a:fld id="{9E8EC8DB-5F3C-451F-A897-4B94E2F94A3E}" type="datetimeFigureOut">
               <a:rPr lang="en-US" smtClean="0"/>
-              <a:t>7/6/2015</a:t>
+              <a:t>7/16/2015</a:t>
             </a:fld>
             <a:endParaRPr lang="en-US"/>
           </a:p>
@@ -7866,7 +8213,7 @@
           <a:p>
             <a:fld id="{9E8EC8DB-5F3C-451F-A897-4B94E2F94A3E}" type="datetimeFigureOut">
               <a:rPr lang="en-US" smtClean="0"/>
-              <a:t>7/6/2015</a:t>
+              <a:t>7/16/2015</a:t>
             </a:fld>
             <a:endParaRPr lang="en-US"/>
           </a:p>
@@ -8262,7 +8609,7 @@
           <a:p>
             <a:fld id="{9E8EC8DB-5F3C-451F-A897-4B94E2F94A3E}" type="datetimeFigureOut">
               <a:rPr lang="en-US" smtClean="0"/>
-              <a:t>7/6/2015</a:t>
+              <a:t>7/16/2015</a:t>
             </a:fld>
             <a:endParaRPr lang="en-US"/>
           </a:p>
@@ -8519,7 +8866,7 @@
           <a:p>
             <a:fld id="{9E8EC8DB-5F3C-451F-A897-4B94E2F94A3E}" type="datetimeFigureOut">
               <a:rPr lang="en-US" smtClean="0"/>
-              <a:t>7/6/2015</a:t>
+              <a:t>7/16/2015</a:t>
             </a:fld>
             <a:endParaRPr lang="en-US"/>
           </a:p>
@@ -8781,7 +9128,7 @@
           <a:p>
             <a:fld id="{9E8EC8DB-5F3C-451F-A897-4B94E2F94A3E}" type="datetimeFigureOut">
               <a:rPr lang="en-US" smtClean="0"/>
-              <a:t>7/6/2015</a:t>
+              <a:t>7/16/2015</a:t>
             </a:fld>
             <a:endParaRPr lang="en-US"/>
           </a:p>
@@ -9043,7 +9390,7 @@
           <a:p>
             <a:fld id="{9E8EC8DB-5F3C-451F-A897-4B94E2F94A3E}" type="datetimeFigureOut">
               <a:rPr lang="en-US" smtClean="0"/>
-              <a:t>7/6/2015</a:t>
+              <a:t>7/16/2015</a:t>
             </a:fld>
             <a:endParaRPr lang="en-US"/>
           </a:p>
@@ -9372,7 +9719,7 @@
           <a:p>
             <a:fld id="{9E8EC8DB-5F3C-451F-A897-4B94E2F94A3E}" type="datetimeFigureOut">
               <a:rPr lang="en-US" smtClean="0"/>
-              <a:t>7/6/2015</a:t>
+              <a:t>7/16/2015</a:t>
             </a:fld>
             <a:endParaRPr lang="en-US"/>
           </a:p>
@@ -9695,7 +10042,7 @@
           <a:p>
             <a:fld id="{9E8EC8DB-5F3C-451F-A897-4B94E2F94A3E}" type="datetimeFigureOut">
               <a:rPr lang="en-US" smtClean="0"/>
-              <a:t>7/6/2015</a:t>
+              <a:t>7/16/2015</a:t>
             </a:fld>
             <a:endParaRPr lang="en-US"/>
           </a:p>
@@ -10152,7 +10499,7 @@
           <a:p>
             <a:fld id="{9E8EC8DB-5F3C-451F-A897-4B94E2F94A3E}" type="datetimeFigureOut">
               <a:rPr lang="en-US" smtClean="0"/>
-              <a:t>7/6/2015</a:t>
+              <a:t>7/16/2015</a:t>
             </a:fld>
             <a:endParaRPr lang="en-US"/>
           </a:p>
@@ -10357,7 +10704,7 @@
           <a:p>
             <a:fld id="{9E8EC8DB-5F3C-451F-A897-4B94E2F94A3E}" type="datetimeFigureOut">
               <a:rPr lang="en-US" smtClean="0"/>
-              <a:t>7/6/2015</a:t>
+              <a:t>7/16/2015</a:t>
             </a:fld>
             <a:endParaRPr lang="en-US"/>
           </a:p>
@@ -10534,7 +10881,7 @@
           <a:p>
             <a:fld id="{9E8EC8DB-5F3C-451F-A897-4B94E2F94A3E}" type="datetimeFigureOut">
               <a:rPr lang="en-US" smtClean="0"/>
-              <a:t>7/6/2015</a:t>
+              <a:t>7/16/2015</a:t>
             </a:fld>
             <a:endParaRPr lang="en-US"/>
           </a:p>
@@ -10867,7 +11214,7 @@
           <a:p>
             <a:fld id="{9E8EC8DB-5F3C-451F-A897-4B94E2F94A3E}" type="datetimeFigureOut">
               <a:rPr lang="en-US" smtClean="0"/>
-              <a:t>7/6/2015</a:t>
+              <a:t>7/16/2015</a:t>
             </a:fld>
             <a:endParaRPr lang="en-US"/>
           </a:p>
@@ -11212,7 +11559,7 @@
           <a:p>
             <a:fld id="{9E8EC8DB-5F3C-451F-A897-4B94E2F94A3E}" type="datetimeFigureOut">
               <a:rPr lang="en-US" smtClean="0"/>
-              <a:t>7/6/2015</a:t>
+              <a:t>7/16/2015</a:t>
             </a:fld>
             <a:endParaRPr lang="en-US"/>
           </a:p>
@@ -13329,7 +13676,7 @@
           <a:p>
             <a:fld id="{9E8EC8DB-5F3C-451F-A897-4B94E2F94A3E}" type="datetimeFigureOut">
               <a:rPr lang="en-US" smtClean="0"/>
-              <a:t>7/6/2015</a:t>
+              <a:t>7/16/2015</a:t>
             </a:fld>
             <a:endParaRPr lang="en-US"/>
           </a:p>
@@ -13992,7 +14339,7 @@
         </p:xfrm>
         <a:graphic>
           <a:graphicData uri="http://schemas.openxmlformats.org/drawingml/2006/diagram">
-            <dgm:relIds xmlns:dgm="http://schemas.openxmlformats.org/drawingml/2006/diagram" xmlns:r="http://schemas.openxmlformats.org/officeDocument/2006/relationships" r:dm="rId2" r:lo="rId3" r:qs="rId4" r:cs="rId5"/>
+            <dgm:relIds xmlns:dgm="http://schemas.openxmlformats.org/drawingml/2006/diagram" xmlns:r="http://schemas.openxmlformats.org/officeDocument/2006/relationships" r:dm="rId3" r:lo="rId4" r:qs="rId5" r:cs="rId6"/>
           </a:graphicData>
         </a:graphic>
       </p:graphicFrame>
@@ -14066,8 +14413,8 @@
         </p:nvSpPr>
         <p:spPr>
           <a:xfrm>
-            <a:off x="2589212" y="2160639"/>
-            <a:ext cx="8915400" cy="4006222"/>
+            <a:off x="2592925" y="2160639"/>
+            <a:ext cx="8437627" cy="4006222"/>
           </a:xfrm>
         </p:spPr>
         <p:txBody>
@@ -14078,15 +14425,15 @@
               <a:buNone/>
             </a:pPr>
             <a:r>
-              <a:rPr lang="en-US" dirty="0" smtClean="0"/>
+              <a:rPr lang="en-US" sz="2400" dirty="0" smtClean="0"/>
               <a:t>Access to </a:t>
             </a:r>
             <a:r>
-              <a:rPr lang="en-US" dirty="0" err="1" smtClean="0"/>
+              <a:rPr lang="en-US" sz="2400" dirty="0" err="1" smtClean="0"/>
               <a:t>AzureML</a:t>
             </a:r>
             <a:r>
-              <a:rPr lang="en-US" dirty="0" smtClean="0"/>
+              <a:rPr lang="en-US" sz="2400" dirty="0" smtClean="0"/>
               <a:t> web services through a CRAN package with access to:</a:t>
             </a:r>
           </a:p>
@@ -14106,12 +14453,12 @@
       </p:sp>
       <p:graphicFrame>
         <p:nvGraphicFramePr>
-          <p:cNvPr id="4" name="Diagram 3"/>
+          <p:cNvPr id="5" name="Diagram 4"/>
           <p:cNvGraphicFramePr/>
           <p:nvPr>
             <p:extLst>
               <p:ext uri="{D42A27DB-BD31-4B8C-83A1-F6EECF244321}">
-                <p14:modId xmlns:p14="http://schemas.microsoft.com/office/powerpoint/2010/main" val="3465340337"/>
+                <p14:modId xmlns:p14="http://schemas.microsoft.com/office/powerpoint/2010/main" val="614287263"/>
               </p:ext>
             </p:extLst>
           </p:nvPr>
@@ -14166,6 +14513,401 @@
             <p:ph type="title"/>
           </p:nvPr>
         </p:nvSpPr>
+        <p:spPr/>
+        <p:txBody>
+          <a:bodyPr/>
+          <a:lstStyle/>
+          <a:p>
+            <a:r>
+              <a:rPr lang="en-US" dirty="0" smtClean="0"/>
+              <a:t>Publishing</a:t>
+            </a:r>
+            <a:endParaRPr lang="en-US" dirty="0"/>
+          </a:p>
+        </p:txBody>
+      </p:sp>
+      <p:sp>
+        <p:nvSpPr>
+          <p:cNvPr id="3" name="Content Placeholder 2"/>
+          <p:cNvSpPr>
+            <a:spLocks noGrp="1"/>
+          </p:cNvSpPr>
+          <p:nvPr>
+            <p:ph idx="1"/>
+          </p:nvPr>
+        </p:nvSpPr>
+        <p:spPr/>
+        <p:txBody>
+          <a:bodyPr>
+            <a:normAutofit/>
+          </a:bodyPr>
+          <a:lstStyle/>
+          <a:p>
+            <a:r>
+              <a:rPr lang="en-US" sz="2400" b="1" dirty="0" smtClean="0"/>
+              <a:t>Provide:</a:t>
+            </a:r>
+          </a:p>
+          <a:p>
+            <a:pPr lvl="1"/>
+            <a:r>
+              <a:rPr lang="en-US" sz="2200" dirty="0" smtClean="0"/>
+              <a:t>Workspace identification information</a:t>
+            </a:r>
+          </a:p>
+          <a:p>
+            <a:pPr lvl="1"/>
+            <a:r>
+              <a:rPr lang="en-US" sz="2200" dirty="0" smtClean="0"/>
+              <a:t>Function to be published</a:t>
+            </a:r>
+          </a:p>
+          <a:p>
+            <a:endParaRPr lang="en-US" sz="2400" dirty="0" smtClean="0"/>
+          </a:p>
+          <a:p>
+            <a:r>
+              <a:rPr lang="en-US" sz="2400" b="1" dirty="0" smtClean="0"/>
+              <a:t>Returned:</a:t>
+            </a:r>
+            <a:endParaRPr lang="en-US" sz="2400" dirty="0"/>
+          </a:p>
+          <a:p>
+            <a:pPr lvl="1"/>
+            <a:r>
+              <a:rPr lang="en-US" sz="2200" dirty="0" smtClean="0"/>
+              <a:t>List of web service details</a:t>
+            </a:r>
+          </a:p>
+          <a:p>
+            <a:pPr lvl="1"/>
+            <a:r>
+              <a:rPr lang="en-US" sz="2200" dirty="0" smtClean="0"/>
+              <a:t>Endpoint details</a:t>
+            </a:r>
+          </a:p>
+          <a:p>
+            <a:pPr lvl="1"/>
+            <a:r>
+              <a:rPr lang="en-US" sz="2200" dirty="0" smtClean="0"/>
+              <a:t>The new consumption function</a:t>
+            </a:r>
+            <a:endParaRPr lang="en-US" sz="2200" dirty="0"/>
+          </a:p>
+        </p:txBody>
+      </p:sp>
+    </p:spTree>
+    <p:extLst>
+      <p:ext uri="{BB962C8B-B14F-4D97-AF65-F5344CB8AC3E}">
+        <p14:creationId xmlns:p14="http://schemas.microsoft.com/office/powerpoint/2010/main" val="2943277252"/>
+      </p:ext>
+    </p:extLst>
+  </p:cSld>
+  <p:clrMapOvr>
+    <a:masterClrMapping/>
+  </p:clrMapOvr>
+</p:sld>
+</file>
+
+<file path=ppt/slides/slide5.xml><?xml version="1.0" encoding="utf-8"?>
+<p:sld xmlns:a="http://schemas.openxmlformats.org/drawingml/2006/main" xmlns:r="http://schemas.openxmlformats.org/officeDocument/2006/relationships" xmlns:p="http://schemas.openxmlformats.org/presentationml/2006/main">
+  <p:cSld>
+    <p:spTree>
+      <p:nvGrpSpPr>
+        <p:cNvPr id="1" name=""/>
+        <p:cNvGrpSpPr/>
+        <p:nvPr/>
+      </p:nvGrpSpPr>
+      <p:grpSpPr>
+        <a:xfrm>
+          <a:off x="0" y="0"/>
+          <a:ext cx="0" cy="0"/>
+          <a:chOff x="0" y="0"/>
+          <a:chExt cx="0" cy="0"/>
+        </a:xfrm>
+      </p:grpSpPr>
+      <p:sp>
+        <p:nvSpPr>
+          <p:cNvPr id="2" name="Title 1"/>
+          <p:cNvSpPr>
+            <a:spLocks noGrp="1"/>
+          </p:cNvSpPr>
+          <p:nvPr>
+            <p:ph type="title"/>
+          </p:nvPr>
+        </p:nvSpPr>
+        <p:spPr/>
+        <p:txBody>
+          <a:bodyPr/>
+          <a:lstStyle/>
+          <a:p>
+            <a:r>
+              <a:rPr lang="en-US" dirty="0" smtClean="0"/>
+              <a:t>Discovery</a:t>
+            </a:r>
+            <a:endParaRPr lang="en-US" dirty="0"/>
+          </a:p>
+        </p:txBody>
+      </p:sp>
+      <p:sp>
+        <p:nvSpPr>
+          <p:cNvPr id="3" name="Content Placeholder 2"/>
+          <p:cNvSpPr>
+            <a:spLocks noGrp="1"/>
+          </p:cNvSpPr>
+          <p:nvPr>
+            <p:ph idx="1"/>
+          </p:nvPr>
+        </p:nvSpPr>
+        <p:spPr/>
+        <p:txBody>
+          <a:bodyPr/>
+          <a:lstStyle/>
+          <a:p>
+            <a:r>
+              <a:rPr lang="en-US" sz="2400" b="1" dirty="0"/>
+              <a:t>Provide:</a:t>
+            </a:r>
+          </a:p>
+          <a:p>
+            <a:pPr lvl="1"/>
+            <a:r>
+              <a:rPr lang="en-US" sz="2200" dirty="0" smtClean="0"/>
+              <a:t>Workspace ID</a:t>
+            </a:r>
+          </a:p>
+          <a:p>
+            <a:pPr lvl="1"/>
+            <a:r>
+              <a:rPr lang="en-US" sz="2200" dirty="0" smtClean="0"/>
+              <a:t>Authentication token</a:t>
+            </a:r>
+            <a:endParaRPr lang="en-US" sz="2200" dirty="0"/>
+          </a:p>
+          <a:p>
+            <a:endParaRPr lang="en-US" sz="2400" dirty="0"/>
+          </a:p>
+          <a:p>
+            <a:r>
+              <a:rPr lang="en-US" sz="2400" b="1" dirty="0" smtClean="0"/>
+              <a:t>Discovery Options:</a:t>
+            </a:r>
+            <a:endParaRPr lang="en-US" sz="2400" dirty="0"/>
+          </a:p>
+          <a:p>
+            <a:pPr lvl="1"/>
+            <a:r>
+              <a:rPr lang="en-US" sz="2200" dirty="0" smtClean="0"/>
+              <a:t>Detailed information about a specific web service</a:t>
+            </a:r>
+            <a:endParaRPr lang="en-US" sz="2200" dirty="0"/>
+          </a:p>
+          <a:p>
+            <a:pPr lvl="1"/>
+            <a:r>
+              <a:rPr lang="en-US" sz="2200" dirty="0" smtClean="0"/>
+              <a:t>A web services endpoints</a:t>
+            </a:r>
+          </a:p>
+          <a:p>
+            <a:pPr lvl="1"/>
+            <a:r>
+              <a:rPr lang="en-US" sz="2200" dirty="0" smtClean="0"/>
+              <a:t>Endpoint details</a:t>
+            </a:r>
+            <a:endParaRPr lang="en-US" sz="2200" dirty="0"/>
+          </a:p>
+        </p:txBody>
+      </p:sp>
+    </p:spTree>
+    <p:extLst>
+      <p:ext uri="{BB962C8B-B14F-4D97-AF65-F5344CB8AC3E}">
+        <p14:creationId xmlns:p14="http://schemas.microsoft.com/office/powerpoint/2010/main" val="2574083086"/>
+      </p:ext>
+    </p:extLst>
+  </p:cSld>
+  <p:clrMapOvr>
+    <a:masterClrMapping/>
+  </p:clrMapOvr>
+</p:sld>
+</file>
+
+<file path=ppt/slides/slide6.xml><?xml version="1.0" encoding="utf-8"?>
+<p:sld xmlns:a="http://schemas.openxmlformats.org/drawingml/2006/main" xmlns:r="http://schemas.openxmlformats.org/officeDocument/2006/relationships" xmlns:p="http://schemas.openxmlformats.org/presentationml/2006/main">
+  <p:cSld>
+    <p:spTree>
+      <p:nvGrpSpPr>
+        <p:cNvPr id="1" name=""/>
+        <p:cNvGrpSpPr/>
+        <p:nvPr/>
+      </p:nvGrpSpPr>
+      <p:grpSpPr>
+        <a:xfrm>
+          <a:off x="0" y="0"/>
+          <a:ext cx="0" cy="0"/>
+          <a:chOff x="0" y="0"/>
+          <a:chExt cx="0" cy="0"/>
+        </a:xfrm>
+      </p:grpSpPr>
+      <p:sp>
+        <p:nvSpPr>
+          <p:cNvPr id="2" name="Title 1"/>
+          <p:cNvSpPr>
+            <a:spLocks noGrp="1"/>
+          </p:cNvSpPr>
+          <p:nvPr>
+            <p:ph type="title"/>
+          </p:nvPr>
+        </p:nvSpPr>
+        <p:spPr/>
+        <p:txBody>
+          <a:bodyPr/>
+          <a:lstStyle/>
+          <a:p>
+            <a:r>
+              <a:rPr lang="en-US" dirty="0" smtClean="0"/>
+              <a:t>Consumption</a:t>
+            </a:r>
+            <a:endParaRPr lang="en-US" dirty="0"/>
+          </a:p>
+        </p:txBody>
+      </p:sp>
+      <p:sp>
+        <p:nvSpPr>
+          <p:cNvPr id="3" name="Content Placeholder 2"/>
+          <p:cNvSpPr>
+            <a:spLocks noGrp="1"/>
+          </p:cNvSpPr>
+          <p:nvPr>
+            <p:ph idx="1"/>
+          </p:nvPr>
+        </p:nvSpPr>
+        <p:spPr>
+          <a:xfrm>
+            <a:off x="2589212" y="2059805"/>
+            <a:ext cx="8915400" cy="4244741"/>
+          </a:xfrm>
+        </p:spPr>
+        <p:txBody>
+          <a:bodyPr>
+            <a:normAutofit/>
+          </a:bodyPr>
+          <a:lstStyle/>
+          <a:p>
+            <a:r>
+              <a:rPr lang="en-US" sz="2400" dirty="0" smtClean="0"/>
+              <a:t>User has the option to score any of the following:</a:t>
+            </a:r>
+          </a:p>
+          <a:p>
+            <a:pPr lvl="1"/>
+            <a:r>
+              <a:rPr lang="en-US" sz="2000" dirty="0" smtClean="0"/>
+              <a:t>CSV file</a:t>
+            </a:r>
+          </a:p>
+          <a:p>
+            <a:pPr lvl="1"/>
+            <a:r>
+              <a:rPr lang="en-US" sz="2000" dirty="0" smtClean="0"/>
+              <a:t>Data frame</a:t>
+            </a:r>
+          </a:p>
+          <a:p>
+            <a:pPr lvl="1"/>
+            <a:r>
+              <a:rPr lang="en-US" sz="2000" dirty="0" smtClean="0"/>
+              <a:t>Individual requests</a:t>
+            </a:r>
+            <a:endParaRPr lang="en-US" sz="2000" dirty="0"/>
+          </a:p>
+          <a:p>
+            <a:endParaRPr lang="en-US" sz="2400" dirty="0"/>
+          </a:p>
+          <a:p>
+            <a:r>
+              <a:rPr lang="en-US" sz="2400" b="1" dirty="0" smtClean="0"/>
+              <a:t>Consumption Options </a:t>
+            </a:r>
+            <a:r>
+              <a:rPr lang="en-US" sz="2400" dirty="0" smtClean="0"/>
+              <a:t>(all return a data frame)</a:t>
+            </a:r>
+            <a:r>
+              <a:rPr lang="en-US" sz="2400" b="1" dirty="0" smtClean="0"/>
+              <a:t>:</a:t>
+            </a:r>
+            <a:endParaRPr lang="en-US" sz="2400" dirty="0"/>
+          </a:p>
+          <a:p>
+            <a:pPr lvl="1"/>
+            <a:r>
+              <a:rPr lang="en-US" sz="2200" dirty="0" err="1" smtClean="0"/>
+              <a:t>consumeLists</a:t>
+            </a:r>
+            <a:endParaRPr lang="en-US" sz="2200" dirty="0" smtClean="0"/>
+          </a:p>
+          <a:p>
+            <a:pPr lvl="1"/>
+            <a:r>
+              <a:rPr lang="en-US" sz="2200" dirty="0" err="1" smtClean="0"/>
+              <a:t>consumeFile</a:t>
+            </a:r>
+            <a:endParaRPr lang="en-US" sz="2200" dirty="0" smtClean="0"/>
+          </a:p>
+          <a:p>
+            <a:pPr lvl="1"/>
+            <a:r>
+              <a:rPr lang="en-US" sz="2200" dirty="0" err="1" smtClean="0"/>
+              <a:t>consumeDataFrame</a:t>
+            </a:r>
+            <a:endParaRPr lang="en-US" sz="2200" dirty="0"/>
+          </a:p>
+          <a:p>
+            <a:endParaRPr lang="en-US" dirty="0"/>
+          </a:p>
+        </p:txBody>
+      </p:sp>
+    </p:spTree>
+    <p:extLst>
+      <p:ext uri="{BB962C8B-B14F-4D97-AF65-F5344CB8AC3E}">
+        <p14:creationId xmlns:p14="http://schemas.microsoft.com/office/powerpoint/2010/main" val="3169375391"/>
+      </p:ext>
+    </p:extLst>
+  </p:cSld>
+  <p:clrMapOvr>
+    <a:masterClrMapping/>
+  </p:clrMapOvr>
+</p:sld>
+</file>
+
+<file path=ppt/slides/slide7.xml><?xml version="1.0" encoding="utf-8"?>
+<p:sld xmlns:a="http://schemas.openxmlformats.org/drawingml/2006/main" xmlns:r="http://schemas.openxmlformats.org/officeDocument/2006/relationships" xmlns:p="http://schemas.openxmlformats.org/presentationml/2006/main">
+  <p:cSld>
+    <p:spTree>
+      <p:nvGrpSpPr>
+        <p:cNvPr id="1" name=""/>
+        <p:cNvGrpSpPr/>
+        <p:nvPr/>
+      </p:nvGrpSpPr>
+      <p:grpSpPr>
+        <a:xfrm>
+          <a:off x="0" y="0"/>
+          <a:ext cx="0" cy="0"/>
+          <a:chOff x="0" y="0"/>
+          <a:chExt cx="0" cy="0"/>
+        </a:xfrm>
+      </p:grpSpPr>
+      <p:sp>
+        <p:nvSpPr>
+          <p:cNvPr id="2" name="Title 1"/>
+          <p:cNvSpPr>
+            <a:spLocks noGrp="1"/>
+          </p:cNvSpPr>
+          <p:nvPr>
+            <p:ph type="title"/>
+          </p:nvPr>
+        </p:nvSpPr>
         <p:spPr>
           <a:xfrm>
             <a:off x="2205989" y="305227"/>
@@ -14213,7 +14955,15 @@
             </a:pPr>
             <a:r>
               <a:rPr lang="en-US" sz="1800" dirty="0" smtClean="0"/>
-              <a:t>Set Working Directory locally</a:t>
+              <a:t>Install </a:t>
+            </a:r>
+            <a:r>
+              <a:rPr lang="en-US" sz="1800" dirty="0" err="1" smtClean="0"/>
+              <a:t>AzureML</a:t>
+            </a:r>
+            <a:r>
+              <a:rPr lang="en-US" sz="1800" dirty="0" smtClean="0"/>
+              <a:t> CRAN package</a:t>
             </a:r>
           </a:p>
           <a:p>
@@ -14221,6 +14971,19 @@
               <a:buFont typeface="Wingdings 3" charset="2"/>
               <a:buAutoNum type="arabicPeriod"/>
             </a:pPr>
+            <a:endParaRPr lang="en-US" sz="1800" dirty="0"/>
+          </a:p>
+          <a:p>
+            <a:pPr marL="342900" indent="-342900">
+              <a:buFont typeface="Wingdings 3" charset="2"/>
+              <a:buAutoNum type="arabicPeriod"/>
+            </a:pPr>
+            <a:r>
+              <a:rPr lang="en-US" sz="1800" dirty="0" smtClean="0"/>
+              <a:t>Set Working Directory locally</a:t>
+            </a:r>
+          </a:p>
+          <a:p>
             <a:endParaRPr lang="en-US" sz="800" dirty="0" smtClean="0"/>
           </a:p>
           <a:p>
@@ -14284,23 +15047,6 @@
               <a:buFont typeface="Wingdings 3" charset="2"/>
               <a:buAutoNum type="arabicPeriod"/>
             </a:pPr>
-            <a:endParaRPr lang="en-US" sz="800" dirty="0" smtClean="0"/>
-          </a:p>
-          <a:p>
-            <a:pPr marL="342900" indent="-342900">
-              <a:buFont typeface="Wingdings 3" charset="2"/>
-              <a:buAutoNum type="arabicPeriod"/>
-            </a:pPr>
-            <a:r>
-              <a:rPr lang="en-US" sz="1800" dirty="0" smtClean="0"/>
-              <a:t>Install all necessary and included packages</a:t>
-            </a:r>
-          </a:p>
-          <a:p>
-            <a:pPr marL="342900" indent="-342900">
-              <a:buFont typeface="Wingdings 3" charset="2"/>
-              <a:buAutoNum type="arabicPeriod"/>
-            </a:pPr>
             <a:endParaRPr lang="en-US" sz="900" dirty="0"/>
           </a:p>
           <a:p>
@@ -14316,24 +15062,24 @@
             <a:pPr marL="342900" indent="-342900">
               <a:buAutoNum type="arabicPeriod"/>
             </a:pPr>
-            <a:endParaRPr lang="en-US" sz="900" dirty="0" smtClean="0"/>
-          </a:p>
-          <a:p>
-            <a:pPr marL="342900" indent="-342900">
-              <a:buFont typeface="Wingdings 3" charset="2"/>
-              <a:buAutoNum type="arabicPeriod"/>
-            </a:pPr>
-            <a:r>
-              <a:rPr lang="en-US" sz="1800" dirty="0"/>
-              <a:t>Compile all of consume, discover, publish </a:t>
-            </a:r>
-            <a:r>
-              <a:rPr lang="en-US" sz="1800" dirty="0" smtClean="0"/>
-              <a:t>functions</a:t>
-            </a:r>
-          </a:p>
-          <a:p>
-            <a:endParaRPr lang="en-US" sz="1800" dirty="0"/>
+            <a:endParaRPr lang="en-US" sz="1800" b="1" dirty="0"/>
+          </a:p>
+          <a:p>
+            <a:r>
+              <a:rPr lang="en-US" sz="1800" b="1" dirty="0" smtClean="0"/>
+              <a:t>Need Help? Provided is a more detailed </a:t>
+            </a:r>
+            <a:r>
+              <a:rPr lang="en-US" sz="1800" b="1" dirty="0" smtClean="0">
+                <a:hlinkClick r:id="rId4"/>
+              </a:rPr>
+              <a:t>Getting Started</a:t>
+            </a:r>
+            <a:r>
+              <a:rPr lang="en-US" sz="1800" b="1" dirty="0" smtClean="0"/>
+              <a:t>!</a:t>
+            </a:r>
+            <a:endParaRPr lang="en-US" sz="1800" b="1" dirty="0"/>
           </a:p>
         </p:txBody>
       </p:sp>
@@ -14357,7 +15103,7 @@
 </p:sld>
 </file>
 
-<file path=ppt/slides/slide5.xml><?xml version="1.0" encoding="utf-8"?>
+<file path=ppt/slides/slide8.xml><?xml version="1.0" encoding="utf-8"?>
 <p:sld xmlns:a="http://schemas.openxmlformats.org/drawingml/2006/main" xmlns:r="http://schemas.openxmlformats.org/officeDocument/2006/relationships" xmlns:p="http://schemas.openxmlformats.org/presentationml/2006/main">
   <p:cSld>
     <p:spTree>
@@ -14428,12 +15174,8 @@
               <a:buNone/>
             </a:pPr>
             <a:r>
-              <a:rPr lang="en-US" sz="2400" dirty="0" err="1" smtClean="0"/>
-              <a:t>Rstudio</a:t>
-            </a:r>
-            <a:r>
               <a:rPr lang="en-US" sz="2400" dirty="0" smtClean="0"/>
-              <a:t> users can now </a:t>
+              <a:t>Users can now </a:t>
             </a:r>
             <a:r>
               <a:rPr lang="en-US" sz="2400" b="1" dirty="0" smtClean="0"/>
@@ -14441,7 +15183,7 @@
             </a:r>
             <a:r>
               <a:rPr lang="en-US" sz="2400" dirty="0" smtClean="0"/>
-              <a:t> trained models from </a:t>
+              <a:t> from </a:t>
             </a:r>
             <a:r>
               <a:rPr lang="en-US" sz="2400" dirty="0" err="1" smtClean="0"/>
@@ -14457,7 +15199,7 @@
             </a:r>
             <a:r>
               <a:rPr lang="en-US" sz="2400" dirty="0" smtClean="0"/>
-              <a:t> web services across multiple platforms</a:t>
+              <a:t> web services</a:t>
             </a:r>
           </a:p>
         </p:txBody>
@@ -14466,6 +15208,106 @@
     <p:extLst>
       <p:ext uri="{BB962C8B-B14F-4D97-AF65-F5344CB8AC3E}">
         <p14:creationId xmlns:p14="http://schemas.microsoft.com/office/powerpoint/2010/main" val="859153967"/>
+      </p:ext>
+    </p:extLst>
+  </p:cSld>
+  <p:clrMapOvr>
+    <a:masterClrMapping/>
+  </p:clrMapOvr>
+</p:sld>
+</file>
+
+<file path=ppt/slides/slide9.xml><?xml version="1.0" encoding="utf-8"?>
+<p:sld xmlns:a="http://schemas.openxmlformats.org/drawingml/2006/main" xmlns:r="http://schemas.openxmlformats.org/officeDocument/2006/relationships" xmlns:p="http://schemas.openxmlformats.org/presentationml/2006/main">
+  <p:cSld>
+    <p:spTree>
+      <p:nvGrpSpPr>
+        <p:cNvPr id="1" name=""/>
+        <p:cNvGrpSpPr/>
+        <p:nvPr/>
+      </p:nvGrpSpPr>
+      <p:grpSpPr>
+        <a:xfrm>
+          <a:off x="0" y="0"/>
+          <a:ext cx="0" cy="0"/>
+          <a:chOff x="0" y="0"/>
+          <a:chExt cx="0" cy="0"/>
+        </a:xfrm>
+      </p:grpSpPr>
+      <p:sp>
+        <p:nvSpPr>
+          <p:cNvPr id="2" name="Title 1"/>
+          <p:cNvSpPr>
+            <a:spLocks noGrp="1"/>
+          </p:cNvSpPr>
+          <p:nvPr>
+            <p:ph type="title"/>
+          </p:nvPr>
+        </p:nvSpPr>
+        <p:spPr/>
+        <p:txBody>
+          <a:bodyPr/>
+          <a:lstStyle/>
+          <a:p>
+            <a:r>
+              <a:rPr lang="en-US" dirty="0" smtClean="0"/>
+              <a:t>Resources &amp; Links</a:t>
+            </a:r>
+            <a:endParaRPr lang="en-US" dirty="0"/>
+          </a:p>
+        </p:txBody>
+      </p:sp>
+      <p:sp>
+        <p:nvSpPr>
+          <p:cNvPr id="3" name="Content Placeholder 2"/>
+          <p:cNvSpPr>
+            <a:spLocks noGrp="1"/>
+          </p:cNvSpPr>
+          <p:nvPr>
+            <p:ph idx="1"/>
+          </p:nvPr>
+        </p:nvSpPr>
+        <p:spPr>
+          <a:xfrm>
+            <a:off x="2589212" y="1665838"/>
+            <a:ext cx="8915400" cy="4698748"/>
+          </a:xfrm>
+        </p:spPr>
+        <p:txBody>
+          <a:bodyPr>
+            <a:normAutofit/>
+          </a:bodyPr>
+          <a:lstStyle/>
+          <a:p>
+            <a:pPr marL="0" indent="0">
+              <a:buNone/>
+            </a:pPr>
+            <a:r>
+              <a:rPr lang="en-US" dirty="0" smtClean="0">
+                <a:hlinkClick r:id="rId2"/>
+              </a:rPr>
+              <a:t>Getting Started</a:t>
+            </a:r>
+            <a:endParaRPr lang="en-US" dirty="0" smtClean="0"/>
+          </a:p>
+          <a:p>
+            <a:pPr marL="0" indent="0">
+              <a:buNone/>
+            </a:pPr>
+            <a:r>
+              <a:rPr lang="en-US" dirty="0" smtClean="0">
+                <a:hlinkClick r:id="rId2"/>
+              </a:rPr>
+              <a:t>Running Locally</a:t>
+            </a:r>
+            <a:endParaRPr lang="en-US" dirty="0"/>
+          </a:p>
+        </p:txBody>
+      </p:sp>
+    </p:spTree>
+    <p:extLst>
+      <p:ext uri="{BB962C8B-B14F-4D97-AF65-F5344CB8AC3E}">
+        <p14:creationId xmlns:p14="http://schemas.microsoft.com/office/powerpoint/2010/main" val="2790478485"/>
       </p:ext>
     </p:extLst>
   </p:cSld>
